--- a/previous_question/1장-국가통계제도.pptx
+++ b/previous_question/1장-국가통계제도.pptx
@@ -9,8 +9,19 @@
     <p:sldId id="257" r:id="rId3"/>
     <p:sldId id="258" r:id="rId4"/>
     <p:sldId id="259" r:id="rId5"/>
-    <p:sldId id="260" r:id="rId6"/>
-    <p:sldId id="261" r:id="rId7"/>
+    <p:sldId id="269" r:id="rId6"/>
+    <p:sldId id="268" r:id="rId7"/>
+    <p:sldId id="260" r:id="rId8"/>
+    <p:sldId id="261" r:id="rId9"/>
+    <p:sldId id="262" r:id="rId10"/>
+    <p:sldId id="267" r:id="rId11"/>
+    <p:sldId id="270" r:id="rId12"/>
+    <p:sldId id="271" r:id="rId13"/>
+    <p:sldId id="272" r:id="rId14"/>
+    <p:sldId id="263" r:id="rId15"/>
+    <p:sldId id="264" r:id="rId16"/>
+    <p:sldId id="265" r:id="rId17"/>
+    <p:sldId id="266" r:id="rId18"/>
   </p:sldIdLst>
   <p:sldSz cx="12192000" cy="6858000"/>
   <p:notesSz cx="6858000" cy="9144000"/>
@@ -109,6 +120,11 @@
       </a:defRPr>
     </a:lvl9pPr>
   </p:defaultTextStyle>
+  <p:extLst>
+    <p:ext uri="{EFAFB233-063F-42B5-8137-9DF3F51BA10A}">
+      <p15:sldGuideLst xmlns:p15="http://schemas.microsoft.com/office/powerpoint/2012/main"/>
+    </p:ext>
+  </p:extLst>
 </p:presentation>
 </file>
 
@@ -3406,6 +3422,5940 @@
 </p:sld>
 </file>
 
+<file path=ppt/slides/slide10.xml><?xml version="1.0" encoding="utf-8"?>
+<p:sld xmlns:a="http://schemas.openxmlformats.org/drawingml/2006/main" xmlns:r="http://schemas.openxmlformats.org/officeDocument/2006/relationships" xmlns:p="http://schemas.openxmlformats.org/presentationml/2006/main">
+  <p:cSld>
+    <p:spTree>
+      <p:nvGrpSpPr>
+        <p:cNvPr id="1" name=""/>
+        <p:cNvGrpSpPr/>
+        <p:nvPr/>
+      </p:nvGrpSpPr>
+      <p:grpSpPr>
+        <a:xfrm>
+          <a:off x="0" y="0"/>
+          <a:ext cx="0" cy="0"/>
+          <a:chOff x="0" y="0"/>
+          <a:chExt cx="0" cy="0"/>
+        </a:xfrm>
+      </p:grpSpPr>
+      <p:sp>
+        <p:nvSpPr>
+          <p:cNvPr id="4" name="TextBox 3">
+            <a:extLst>
+              <a:ext uri="{FF2B5EF4-FFF2-40B4-BE49-F238E27FC236}">
+                <a16:creationId xmlns:a16="http://schemas.microsoft.com/office/drawing/2014/main" id="{91C087F3-927C-476A-BB79-A75B491174A3}"/>
+              </a:ext>
+            </a:extLst>
+          </p:cNvPr>
+          <p:cNvSpPr txBox="1"/>
+          <p:nvPr/>
+        </p:nvSpPr>
+        <p:spPr>
+          <a:xfrm>
+            <a:off x="560207" y="452614"/>
+            <a:ext cx="2296205" cy="276999"/>
+          </a:xfrm>
+          <a:prstGeom prst="rect">
+            <a:avLst/>
+          </a:prstGeom>
+          <a:solidFill>
+            <a:schemeClr val="accent2">
+              <a:lumMod val="20000"/>
+              <a:lumOff val="80000"/>
+            </a:schemeClr>
+          </a:solidFill>
+        </p:spPr>
+        <p:txBody>
+          <a:bodyPr wrap="square" rtlCol="0">
+            <a:spAutoFit/>
+          </a:bodyPr>
+          <a:lstStyle/>
+          <a:p>
+            <a:r>
+              <a:rPr lang="ko-KR" altLang="en-US" sz="1200" dirty="0">
+                <a:latin typeface="KoPubWorld돋움체 Bold" panose="00000800000000000000" pitchFamily="2" charset="-127"/>
+                <a:ea typeface="KoPubWorld돋움체 Bold" panose="00000800000000000000" pitchFamily="2" charset="-127"/>
+                <a:cs typeface="KoPubWorld돋움체 Bold" panose="00000800000000000000" pitchFamily="2" charset="-127"/>
+              </a:rPr>
+              <a:t>통계 정책 및 조정기구에 대한 문제</a:t>
+            </a:r>
+          </a:p>
+        </p:txBody>
+      </p:sp>
+      <p:pic>
+        <p:nvPicPr>
+          <p:cNvPr id="6" name="그림 5">
+            <a:extLst>
+              <a:ext uri="{FF2B5EF4-FFF2-40B4-BE49-F238E27FC236}">
+                <a16:creationId xmlns:a16="http://schemas.microsoft.com/office/drawing/2014/main" id="{26EA66C6-7E03-4A59-9EC9-F313095D7A00}"/>
+              </a:ext>
+            </a:extLst>
+          </p:cNvPr>
+          <p:cNvPicPr>
+            <a:picLocks noChangeAspect="1"/>
+          </p:cNvPicPr>
+          <p:nvPr/>
+        </p:nvPicPr>
+        <p:blipFill>
+          <a:blip r:embed="rId2">
+            <a:extLst>
+              <a:ext uri="{28A0092B-C50C-407E-A947-70E740481C1C}">
+                <a14:useLocalDpi xmlns:a14="http://schemas.microsoft.com/office/drawing/2010/main" val="0"/>
+              </a:ext>
+            </a:extLst>
+          </a:blip>
+          <a:stretch>
+            <a:fillRect/>
+          </a:stretch>
+        </p:blipFill>
+        <p:spPr>
+          <a:xfrm>
+            <a:off x="560207" y="1405346"/>
+            <a:ext cx="3692433" cy="1903911"/>
+          </a:xfrm>
+          <a:prstGeom prst="rect">
+            <a:avLst/>
+          </a:prstGeom>
+        </p:spPr>
+      </p:pic>
+      <p:sp>
+        <p:nvSpPr>
+          <p:cNvPr id="7" name="TextBox 6">
+            <a:extLst>
+              <a:ext uri="{FF2B5EF4-FFF2-40B4-BE49-F238E27FC236}">
+                <a16:creationId xmlns:a16="http://schemas.microsoft.com/office/drawing/2014/main" id="{42639E7F-6FB9-476E-9B46-E3D93F8D2075}"/>
+              </a:ext>
+            </a:extLst>
+          </p:cNvPr>
+          <p:cNvSpPr txBox="1"/>
+          <p:nvPr/>
+        </p:nvSpPr>
+        <p:spPr>
+          <a:xfrm>
+            <a:off x="560207" y="1128347"/>
+            <a:ext cx="2097031" cy="276999"/>
+          </a:xfrm>
+          <a:prstGeom prst="rect">
+            <a:avLst/>
+          </a:prstGeom>
+          <a:noFill/>
+        </p:spPr>
+        <p:txBody>
+          <a:bodyPr wrap="square" rtlCol="0">
+            <a:spAutoFit/>
+          </a:bodyPr>
+          <a:lstStyle/>
+          <a:p>
+            <a:r>
+              <a:rPr lang="en-US" altLang="ko-KR" sz="1200" dirty="0">
+                <a:latin typeface="KoPub돋움체 Bold" panose="02020603020101020101" pitchFamily="18" charset="-127"/>
+                <a:ea typeface="KoPub돋움체 Bold" panose="02020603020101020101" pitchFamily="18" charset="-127"/>
+              </a:rPr>
+              <a:t>2017</a:t>
+            </a:r>
+            <a:r>
+              <a:rPr lang="ko-KR" altLang="en-US" sz="1200" dirty="0">
+                <a:latin typeface="KoPub돋움체 Bold" panose="02020603020101020101" pitchFamily="18" charset="-127"/>
+                <a:ea typeface="KoPub돋움체 Bold" panose="02020603020101020101" pitchFamily="18" charset="-127"/>
+              </a:rPr>
+              <a:t>년도 </a:t>
+            </a:r>
+            <a:r>
+              <a:rPr lang="en-US" altLang="ko-KR" sz="1200" dirty="0">
+                <a:latin typeface="KoPub돋움체 Bold" panose="02020603020101020101" pitchFamily="18" charset="-127"/>
+                <a:ea typeface="KoPub돋움체 Bold" panose="02020603020101020101" pitchFamily="18" charset="-127"/>
+              </a:rPr>
+              <a:t>1</a:t>
+            </a:r>
+            <a:r>
+              <a:rPr lang="ko-KR" altLang="en-US" sz="1200" dirty="0">
+                <a:latin typeface="KoPub돋움체 Bold" panose="02020603020101020101" pitchFamily="18" charset="-127"/>
+                <a:ea typeface="KoPub돋움체 Bold" panose="02020603020101020101" pitchFamily="18" charset="-127"/>
+              </a:rPr>
+              <a:t>학기</a:t>
+            </a:r>
+          </a:p>
+        </p:txBody>
+      </p:sp>
+      <p:pic>
+        <p:nvPicPr>
+          <p:cNvPr id="9" name="그림 8">
+            <a:extLst>
+              <a:ext uri="{FF2B5EF4-FFF2-40B4-BE49-F238E27FC236}">
+                <a16:creationId xmlns:a16="http://schemas.microsoft.com/office/drawing/2014/main" id="{0F246721-9CAF-4093-BBC0-CFE44D36E0FE}"/>
+              </a:ext>
+            </a:extLst>
+          </p:cNvPr>
+          <p:cNvPicPr>
+            <a:picLocks noChangeAspect="1"/>
+          </p:cNvPicPr>
+          <p:nvPr/>
+        </p:nvPicPr>
+        <p:blipFill>
+          <a:blip r:embed="rId3">
+            <a:extLst>
+              <a:ext uri="{28A0092B-C50C-407E-A947-70E740481C1C}">
+                <a14:useLocalDpi xmlns:a14="http://schemas.microsoft.com/office/drawing/2010/main" val="0"/>
+              </a:ext>
+            </a:extLst>
+          </a:blip>
+          <a:stretch>
+            <a:fillRect/>
+          </a:stretch>
+        </p:blipFill>
+        <p:spPr>
+          <a:xfrm>
+            <a:off x="560207" y="3984990"/>
+            <a:ext cx="3692433" cy="1903911"/>
+          </a:xfrm>
+          <a:prstGeom prst="rect">
+            <a:avLst/>
+          </a:prstGeom>
+        </p:spPr>
+      </p:pic>
+      <p:sp>
+        <p:nvSpPr>
+          <p:cNvPr id="10" name="TextBox 9">
+            <a:extLst>
+              <a:ext uri="{FF2B5EF4-FFF2-40B4-BE49-F238E27FC236}">
+                <a16:creationId xmlns:a16="http://schemas.microsoft.com/office/drawing/2014/main" id="{F9CF400F-F67A-41A7-8227-AA9612697A3E}"/>
+              </a:ext>
+            </a:extLst>
+          </p:cNvPr>
+          <p:cNvSpPr txBox="1"/>
+          <p:nvPr/>
+        </p:nvSpPr>
+        <p:spPr>
+          <a:xfrm>
+            <a:off x="560206" y="3712094"/>
+            <a:ext cx="2097031" cy="276999"/>
+          </a:xfrm>
+          <a:prstGeom prst="rect">
+            <a:avLst/>
+          </a:prstGeom>
+          <a:noFill/>
+        </p:spPr>
+        <p:txBody>
+          <a:bodyPr wrap="square" rtlCol="0">
+            <a:spAutoFit/>
+          </a:bodyPr>
+          <a:lstStyle/>
+          <a:p>
+            <a:r>
+              <a:rPr lang="en-US" altLang="ko-KR" sz="1200" dirty="0">
+                <a:latin typeface="KoPub돋움체 Bold" panose="02020603020101020101" pitchFamily="18" charset="-127"/>
+                <a:ea typeface="KoPub돋움체 Bold" panose="02020603020101020101" pitchFamily="18" charset="-127"/>
+              </a:rPr>
+              <a:t>2016</a:t>
+            </a:r>
+            <a:r>
+              <a:rPr lang="ko-KR" altLang="en-US" sz="1200" dirty="0">
+                <a:latin typeface="KoPub돋움체 Bold" panose="02020603020101020101" pitchFamily="18" charset="-127"/>
+                <a:ea typeface="KoPub돋움체 Bold" panose="02020603020101020101" pitchFamily="18" charset="-127"/>
+              </a:rPr>
+              <a:t>년도 </a:t>
+            </a:r>
+            <a:r>
+              <a:rPr lang="en-US" altLang="ko-KR" sz="1200" dirty="0">
+                <a:latin typeface="KoPub돋움체 Bold" panose="02020603020101020101" pitchFamily="18" charset="-127"/>
+                <a:ea typeface="KoPub돋움체 Bold" panose="02020603020101020101" pitchFamily="18" charset="-127"/>
+              </a:rPr>
+              <a:t>1</a:t>
+            </a:r>
+            <a:r>
+              <a:rPr lang="ko-KR" altLang="en-US" sz="1200" dirty="0">
+                <a:latin typeface="KoPub돋움체 Bold" panose="02020603020101020101" pitchFamily="18" charset="-127"/>
+                <a:ea typeface="KoPub돋움체 Bold" panose="02020603020101020101" pitchFamily="18" charset="-127"/>
+              </a:rPr>
+              <a:t>학기</a:t>
+            </a:r>
+          </a:p>
+        </p:txBody>
+      </p:sp>
+      <p:sp>
+        <p:nvSpPr>
+          <p:cNvPr id="11" name="직사각형 10">
+            <a:extLst>
+              <a:ext uri="{FF2B5EF4-FFF2-40B4-BE49-F238E27FC236}">
+                <a16:creationId xmlns:a16="http://schemas.microsoft.com/office/drawing/2014/main" id="{BF1500D2-31CA-4272-B57A-AD373E0E318B}"/>
+              </a:ext>
+            </a:extLst>
+          </p:cNvPr>
+          <p:cNvSpPr/>
+          <p:nvPr/>
+        </p:nvSpPr>
+        <p:spPr>
+          <a:xfrm>
+            <a:off x="759488" y="2575445"/>
+            <a:ext cx="1705037" cy="141629"/>
+          </a:xfrm>
+          <a:prstGeom prst="rect">
+            <a:avLst/>
+          </a:prstGeom>
+          <a:noFill/>
+          <a:ln w="25400">
+            <a:solidFill>
+              <a:srgbClr val="C00000"/>
+            </a:solidFill>
+          </a:ln>
+        </p:spPr>
+        <p:style>
+          <a:lnRef idx="2">
+            <a:schemeClr val="accent1">
+              <a:shade val="50000"/>
+            </a:schemeClr>
+          </a:lnRef>
+          <a:fillRef idx="1">
+            <a:schemeClr val="accent1"/>
+          </a:fillRef>
+          <a:effectRef idx="0">
+            <a:schemeClr val="accent1"/>
+          </a:effectRef>
+          <a:fontRef idx="minor">
+            <a:schemeClr val="lt1"/>
+          </a:fontRef>
+        </p:style>
+        <p:txBody>
+          <a:bodyPr rtlCol="0" anchor="ctr"/>
+          <a:lstStyle/>
+          <a:p>
+            <a:pPr algn="ctr"/>
+            <a:endParaRPr lang="ko-KR" altLang="en-US"/>
+          </a:p>
+        </p:txBody>
+      </p:sp>
+      <p:sp>
+        <p:nvSpPr>
+          <p:cNvPr id="12" name="직사각형 11">
+            <a:extLst>
+              <a:ext uri="{FF2B5EF4-FFF2-40B4-BE49-F238E27FC236}">
+                <a16:creationId xmlns:a16="http://schemas.microsoft.com/office/drawing/2014/main" id="{F11F3564-4138-4130-92D2-FC37372141B3}"/>
+              </a:ext>
+            </a:extLst>
+          </p:cNvPr>
+          <p:cNvSpPr/>
+          <p:nvPr/>
+        </p:nvSpPr>
+        <p:spPr>
+          <a:xfrm>
+            <a:off x="759488" y="5174954"/>
+            <a:ext cx="1705037" cy="141629"/>
+          </a:xfrm>
+          <a:prstGeom prst="rect">
+            <a:avLst/>
+          </a:prstGeom>
+          <a:noFill/>
+          <a:ln w="25400">
+            <a:solidFill>
+              <a:srgbClr val="C00000"/>
+            </a:solidFill>
+          </a:ln>
+        </p:spPr>
+        <p:style>
+          <a:lnRef idx="2">
+            <a:schemeClr val="accent1">
+              <a:shade val="50000"/>
+            </a:schemeClr>
+          </a:lnRef>
+          <a:fillRef idx="1">
+            <a:schemeClr val="accent1"/>
+          </a:fillRef>
+          <a:effectRef idx="0">
+            <a:schemeClr val="accent1"/>
+          </a:effectRef>
+          <a:fontRef idx="minor">
+            <a:schemeClr val="lt1"/>
+          </a:fontRef>
+        </p:style>
+        <p:txBody>
+          <a:bodyPr rtlCol="0" anchor="ctr"/>
+          <a:lstStyle/>
+          <a:p>
+            <a:pPr algn="ctr"/>
+            <a:endParaRPr lang="ko-KR" altLang="en-US"/>
+          </a:p>
+        </p:txBody>
+      </p:sp>
+      <p:sp>
+        <p:nvSpPr>
+          <p:cNvPr id="13" name="TextBox 12">
+            <a:extLst>
+              <a:ext uri="{FF2B5EF4-FFF2-40B4-BE49-F238E27FC236}">
+                <a16:creationId xmlns:a16="http://schemas.microsoft.com/office/drawing/2014/main" id="{FCB0B594-B191-4BAE-8A11-D4F25DBEC4FB}"/>
+              </a:ext>
+            </a:extLst>
+          </p:cNvPr>
+          <p:cNvSpPr txBox="1"/>
+          <p:nvPr/>
+        </p:nvSpPr>
+        <p:spPr>
+          <a:xfrm>
+            <a:off x="6096000" y="2357301"/>
+            <a:ext cx="3614057" cy="1015663"/>
+          </a:xfrm>
+          <a:prstGeom prst="rect">
+            <a:avLst/>
+          </a:prstGeom>
+          <a:noFill/>
+        </p:spPr>
+        <p:txBody>
+          <a:bodyPr wrap="square" rtlCol="0">
+            <a:spAutoFit/>
+          </a:bodyPr>
+          <a:lstStyle/>
+          <a:p>
+            <a:r>
+              <a:rPr lang="ko-KR" altLang="en-US" sz="1200" dirty="0">
+                <a:solidFill>
+                  <a:srgbClr val="00B0F0"/>
+                </a:solidFill>
+                <a:latin typeface="KoPubWorld돋움체 Bold" panose="00000800000000000000" pitchFamily="2" charset="-127"/>
+                <a:ea typeface="KoPubWorld돋움체 Bold" panose="00000800000000000000" pitchFamily="2" charset="-127"/>
+                <a:cs typeface="KoPubWorld돋움체 Bold" panose="00000800000000000000" pitchFamily="2" charset="-127"/>
+              </a:rPr>
+              <a:t>분산형 통계제도</a:t>
+            </a:r>
+            <a:r>
+              <a:rPr lang="ko-KR" altLang="en-US" sz="1200" dirty="0">
+                <a:latin typeface="KoPubWorld돋움체 Bold" panose="00000800000000000000" pitchFamily="2" charset="-127"/>
+                <a:ea typeface="KoPubWorld돋움체 Bold" panose="00000800000000000000" pitchFamily="2" charset="-127"/>
+                <a:cs typeface="KoPubWorld돋움체 Bold" panose="00000800000000000000" pitchFamily="2" charset="-127"/>
+              </a:rPr>
+              <a:t>에서는 특정 기관에게 시켜서 통계업무를 종합적으로 조정하는 </a:t>
+            </a:r>
+            <a:r>
+              <a:rPr lang="ko-KR" altLang="en-US" sz="1200" dirty="0">
+                <a:solidFill>
+                  <a:srgbClr val="00B0F0"/>
+                </a:solidFill>
+                <a:latin typeface="KoPubWorld돋움체 Bold" panose="00000800000000000000" pitchFamily="2" charset="-127"/>
+                <a:ea typeface="KoPubWorld돋움체 Bold" panose="00000800000000000000" pitchFamily="2" charset="-127"/>
+                <a:cs typeface="KoPubWorld돋움체 Bold" panose="00000800000000000000" pitchFamily="2" charset="-127"/>
+              </a:rPr>
+              <a:t>통계조정기능</a:t>
+            </a:r>
+            <a:r>
+              <a:rPr lang="ko-KR" altLang="en-US" sz="1200" dirty="0">
+                <a:latin typeface="KoPubWorld돋움체 Bold" panose="00000800000000000000" pitchFamily="2" charset="-127"/>
+                <a:ea typeface="KoPubWorld돋움체 Bold" panose="00000800000000000000" pitchFamily="2" charset="-127"/>
+                <a:cs typeface="KoPubWorld돋움체 Bold" panose="00000800000000000000" pitchFamily="2" charset="-127"/>
+              </a:rPr>
+              <a:t>을 수행하고 있다</a:t>
+            </a:r>
+            <a:r>
+              <a:rPr lang="en-US" altLang="ko-KR" sz="1200" dirty="0">
+                <a:latin typeface="KoPubWorld돋움체 Bold" panose="00000800000000000000" pitchFamily="2" charset="-127"/>
+                <a:ea typeface="KoPubWorld돋움체 Bold" panose="00000800000000000000" pitchFamily="2" charset="-127"/>
+                <a:cs typeface="KoPubWorld돋움체 Bold" panose="00000800000000000000" pitchFamily="2" charset="-127"/>
+              </a:rPr>
+              <a:t>.</a:t>
+            </a:r>
+          </a:p>
+          <a:p>
+            <a:endParaRPr lang="en-US" altLang="ko-KR" sz="1200" dirty="0">
+              <a:latin typeface="KoPubWorld돋움체 Bold" panose="00000800000000000000" pitchFamily="2" charset="-127"/>
+              <a:ea typeface="KoPubWorld돋움체 Bold" panose="00000800000000000000" pitchFamily="2" charset="-127"/>
+              <a:cs typeface="KoPubWorld돋움체 Bold" panose="00000800000000000000" pitchFamily="2" charset="-127"/>
+            </a:endParaRPr>
+          </a:p>
+          <a:p>
+            <a:r>
+              <a:rPr lang="ko-KR" altLang="en-US" sz="1200" dirty="0">
+                <a:latin typeface="KoPubWorld돋움체 Bold" panose="00000800000000000000" pitchFamily="2" charset="-127"/>
+                <a:ea typeface="KoPubWorld돋움체 Bold" panose="00000800000000000000" pitchFamily="2" charset="-127"/>
+                <a:cs typeface="KoPubWorld돋움체 Bold" panose="00000800000000000000" pitchFamily="2" charset="-127"/>
+              </a:rPr>
+              <a:t>이는 중복을 방지하고 수급을 조화시키며 통계가 상호관련성을 갖도록 한다</a:t>
+            </a:r>
+          </a:p>
+        </p:txBody>
+      </p:sp>
+    </p:spTree>
+    <p:extLst>
+      <p:ext uri="{BB962C8B-B14F-4D97-AF65-F5344CB8AC3E}">
+        <p14:creationId xmlns:p14="http://schemas.microsoft.com/office/powerpoint/2010/main" val="3425919668"/>
+      </p:ext>
+    </p:extLst>
+  </p:cSld>
+  <p:clrMapOvr>
+    <a:masterClrMapping/>
+  </p:clrMapOvr>
+</p:sld>
+</file>
+
+<file path=ppt/slides/slide11.xml><?xml version="1.0" encoding="utf-8"?>
+<p:sld xmlns:a="http://schemas.openxmlformats.org/drawingml/2006/main" xmlns:r="http://schemas.openxmlformats.org/officeDocument/2006/relationships" xmlns:p="http://schemas.openxmlformats.org/presentationml/2006/main">
+  <p:cSld>
+    <p:spTree>
+      <p:nvGrpSpPr>
+        <p:cNvPr id="1" name=""/>
+        <p:cNvGrpSpPr/>
+        <p:nvPr/>
+      </p:nvGrpSpPr>
+      <p:grpSpPr>
+        <a:xfrm>
+          <a:off x="0" y="0"/>
+          <a:ext cx="0" cy="0"/>
+          <a:chOff x="0" y="0"/>
+          <a:chExt cx="0" cy="0"/>
+        </a:xfrm>
+      </p:grpSpPr>
+      <p:pic>
+        <p:nvPicPr>
+          <p:cNvPr id="5" name="그림 4">
+            <a:extLst>
+              <a:ext uri="{FF2B5EF4-FFF2-40B4-BE49-F238E27FC236}">
+                <a16:creationId xmlns:a16="http://schemas.microsoft.com/office/drawing/2014/main" id="{247DDD22-41A5-4485-B387-25C11A961773}"/>
+              </a:ext>
+            </a:extLst>
+          </p:cNvPr>
+          <p:cNvPicPr>
+            <a:picLocks noChangeAspect="1"/>
+          </p:cNvPicPr>
+          <p:nvPr/>
+        </p:nvPicPr>
+        <p:blipFill>
+          <a:blip r:embed="rId2">
+            <a:extLst>
+              <a:ext uri="{28A0092B-C50C-407E-A947-70E740481C1C}">
+                <a14:useLocalDpi xmlns:a14="http://schemas.microsoft.com/office/drawing/2010/main" val="0"/>
+              </a:ext>
+            </a:extLst>
+          </a:blip>
+          <a:stretch>
+            <a:fillRect/>
+          </a:stretch>
+        </p:blipFill>
+        <p:spPr>
+          <a:xfrm>
+            <a:off x="1219200" y="2414587"/>
+            <a:ext cx="4536962" cy="1887447"/>
+          </a:xfrm>
+          <a:prstGeom prst="rect">
+            <a:avLst/>
+          </a:prstGeom>
+        </p:spPr>
+      </p:pic>
+      <p:sp>
+        <p:nvSpPr>
+          <p:cNvPr id="6" name="TextBox 5">
+            <a:extLst>
+              <a:ext uri="{FF2B5EF4-FFF2-40B4-BE49-F238E27FC236}">
+                <a16:creationId xmlns:a16="http://schemas.microsoft.com/office/drawing/2014/main" id="{BF2B2F97-C176-46A4-82D1-98BCBDCCF618}"/>
+              </a:ext>
+            </a:extLst>
+          </p:cNvPr>
+          <p:cNvSpPr txBox="1"/>
+          <p:nvPr/>
+        </p:nvSpPr>
+        <p:spPr>
+          <a:xfrm>
+            <a:off x="1219200" y="2137588"/>
+            <a:ext cx="2097031" cy="276999"/>
+          </a:xfrm>
+          <a:prstGeom prst="rect">
+            <a:avLst/>
+          </a:prstGeom>
+          <a:noFill/>
+        </p:spPr>
+        <p:txBody>
+          <a:bodyPr wrap="square" rtlCol="0">
+            <a:spAutoFit/>
+          </a:bodyPr>
+          <a:lstStyle/>
+          <a:p>
+            <a:r>
+              <a:rPr lang="en-US" altLang="ko-KR" sz="1200" dirty="0">
+                <a:latin typeface="KoPub돋움체 Bold" panose="02020603020101020101" pitchFamily="18" charset="-127"/>
+                <a:ea typeface="KoPub돋움체 Bold" panose="02020603020101020101" pitchFamily="18" charset="-127"/>
+              </a:rPr>
+              <a:t>2017</a:t>
+            </a:r>
+            <a:r>
+              <a:rPr lang="ko-KR" altLang="en-US" sz="1200" dirty="0">
+                <a:latin typeface="KoPub돋움체 Bold" panose="02020603020101020101" pitchFamily="18" charset="-127"/>
+                <a:ea typeface="KoPub돋움체 Bold" panose="02020603020101020101" pitchFamily="18" charset="-127"/>
+              </a:rPr>
+              <a:t>년도 </a:t>
+            </a:r>
+            <a:r>
+              <a:rPr lang="en-US" altLang="ko-KR" sz="1200" dirty="0">
+                <a:latin typeface="KoPub돋움체 Bold" panose="02020603020101020101" pitchFamily="18" charset="-127"/>
+                <a:ea typeface="KoPub돋움체 Bold" panose="02020603020101020101" pitchFamily="18" charset="-127"/>
+              </a:rPr>
+              <a:t>1</a:t>
+            </a:r>
+            <a:r>
+              <a:rPr lang="ko-KR" altLang="en-US" sz="1200" dirty="0">
+                <a:latin typeface="KoPub돋움체 Bold" panose="02020603020101020101" pitchFamily="18" charset="-127"/>
+                <a:ea typeface="KoPub돋움체 Bold" panose="02020603020101020101" pitchFamily="18" charset="-127"/>
+              </a:rPr>
+              <a:t>학기</a:t>
+            </a:r>
+          </a:p>
+        </p:txBody>
+      </p:sp>
+      <p:sp>
+        <p:nvSpPr>
+          <p:cNvPr id="7" name="직사각형 6">
+            <a:extLst>
+              <a:ext uri="{FF2B5EF4-FFF2-40B4-BE49-F238E27FC236}">
+                <a16:creationId xmlns:a16="http://schemas.microsoft.com/office/drawing/2014/main" id="{B3EF1279-2038-425A-815D-B4B8424B8C50}"/>
+              </a:ext>
+            </a:extLst>
+          </p:cNvPr>
+          <p:cNvSpPr/>
+          <p:nvPr/>
+        </p:nvSpPr>
+        <p:spPr>
+          <a:xfrm>
+            <a:off x="1447464" y="3849189"/>
+            <a:ext cx="555507" cy="226140"/>
+          </a:xfrm>
+          <a:prstGeom prst="rect">
+            <a:avLst/>
+          </a:prstGeom>
+          <a:noFill/>
+          <a:ln w="25400">
+            <a:solidFill>
+              <a:srgbClr val="C00000"/>
+            </a:solidFill>
+          </a:ln>
+        </p:spPr>
+        <p:style>
+          <a:lnRef idx="2">
+            <a:schemeClr val="accent1">
+              <a:shade val="50000"/>
+            </a:schemeClr>
+          </a:lnRef>
+          <a:fillRef idx="1">
+            <a:schemeClr val="accent1"/>
+          </a:fillRef>
+          <a:effectRef idx="0">
+            <a:schemeClr val="accent1"/>
+          </a:effectRef>
+          <a:fontRef idx="minor">
+            <a:schemeClr val="lt1"/>
+          </a:fontRef>
+        </p:style>
+        <p:txBody>
+          <a:bodyPr rtlCol="0" anchor="ctr"/>
+          <a:lstStyle/>
+          <a:p>
+            <a:pPr algn="ctr"/>
+            <a:endParaRPr lang="ko-KR" altLang="en-US"/>
+          </a:p>
+        </p:txBody>
+      </p:sp>
+      <p:sp>
+        <p:nvSpPr>
+          <p:cNvPr id="8" name="TextBox 7">
+            <a:extLst>
+              <a:ext uri="{FF2B5EF4-FFF2-40B4-BE49-F238E27FC236}">
+                <a16:creationId xmlns:a16="http://schemas.microsoft.com/office/drawing/2014/main" id="{03320AA0-FF95-4972-8009-B52561AB469F}"/>
+              </a:ext>
+            </a:extLst>
+          </p:cNvPr>
+          <p:cNvSpPr txBox="1"/>
+          <p:nvPr/>
+        </p:nvSpPr>
+        <p:spPr>
+          <a:xfrm>
+            <a:off x="1219201" y="1775366"/>
+            <a:ext cx="1010194" cy="276999"/>
+          </a:xfrm>
+          <a:prstGeom prst="rect">
+            <a:avLst/>
+          </a:prstGeom>
+          <a:solidFill>
+            <a:schemeClr val="accent2">
+              <a:lumMod val="20000"/>
+              <a:lumOff val="80000"/>
+            </a:schemeClr>
+          </a:solidFill>
+        </p:spPr>
+        <p:txBody>
+          <a:bodyPr wrap="square" rtlCol="0">
+            <a:spAutoFit/>
+          </a:bodyPr>
+          <a:lstStyle/>
+          <a:p>
+            <a:r>
+              <a:rPr lang="ko-KR" altLang="en-US" sz="1200">
+                <a:latin typeface="KoPubWorld돋움체 Bold" panose="00000800000000000000" pitchFamily="2" charset="-127"/>
+                <a:ea typeface="KoPubWorld돋움체 Bold" panose="00000800000000000000" pitchFamily="2" charset="-127"/>
+                <a:cs typeface="KoPubWorld돋움체 Bold" panose="00000800000000000000" pitchFamily="2" charset="-127"/>
+              </a:rPr>
+              <a:t>연습문제 </a:t>
+            </a:r>
+            <a:r>
+              <a:rPr lang="en-US" altLang="ko-KR" sz="1200" dirty="0">
+                <a:latin typeface="KoPubWorld돋움체 Bold" panose="00000800000000000000" pitchFamily="2" charset="-127"/>
+                <a:ea typeface="KoPubWorld돋움체 Bold" panose="00000800000000000000" pitchFamily="2" charset="-127"/>
+                <a:cs typeface="KoPubWorld돋움체 Bold" panose="00000800000000000000" pitchFamily="2" charset="-127"/>
+              </a:rPr>
+              <a:t>5</a:t>
+            </a:r>
+            <a:r>
+              <a:rPr lang="ko-KR" altLang="en-US" sz="1200" dirty="0">
+                <a:latin typeface="KoPubWorld돋움체 Bold" panose="00000800000000000000" pitchFamily="2" charset="-127"/>
+                <a:ea typeface="KoPubWorld돋움체 Bold" panose="00000800000000000000" pitchFamily="2" charset="-127"/>
+                <a:cs typeface="KoPubWorld돋움체 Bold" panose="00000800000000000000" pitchFamily="2" charset="-127"/>
+              </a:rPr>
+              <a:t>번</a:t>
+            </a:r>
+          </a:p>
+        </p:txBody>
+      </p:sp>
+      <p:sp>
+        <p:nvSpPr>
+          <p:cNvPr id="9" name="TextBox 8">
+            <a:extLst>
+              <a:ext uri="{FF2B5EF4-FFF2-40B4-BE49-F238E27FC236}">
+                <a16:creationId xmlns:a16="http://schemas.microsoft.com/office/drawing/2014/main" id="{A880DA6D-C4C9-4526-8C7C-5A57785A4DA2}"/>
+              </a:ext>
+            </a:extLst>
+          </p:cNvPr>
+          <p:cNvSpPr txBox="1"/>
+          <p:nvPr/>
+        </p:nvSpPr>
+        <p:spPr>
+          <a:xfrm>
+            <a:off x="6609806" y="2921167"/>
+            <a:ext cx="2969624" cy="1015663"/>
+          </a:xfrm>
+          <a:prstGeom prst="rect">
+            <a:avLst/>
+          </a:prstGeom>
+          <a:noFill/>
+        </p:spPr>
+        <p:txBody>
+          <a:bodyPr wrap="square" rtlCol="0">
+            <a:spAutoFit/>
+          </a:bodyPr>
+          <a:lstStyle/>
+          <a:p>
+            <a:r>
+              <a:rPr lang="ko-KR" altLang="en-US" sz="1200" dirty="0">
+                <a:solidFill>
+                  <a:srgbClr val="C00000"/>
+                </a:solidFill>
+                <a:latin typeface="KoPubWorld돋움체 Bold" panose="00000800000000000000" pitchFamily="2" charset="-127"/>
+                <a:ea typeface="KoPubWorld돋움체 Bold" panose="00000800000000000000" pitchFamily="2" charset="-127"/>
+                <a:cs typeface="KoPubWorld돋움체 Bold" panose="00000800000000000000" pitchFamily="2" charset="-127"/>
+              </a:rPr>
+              <a:t>가</a:t>
+            </a:r>
+            <a:r>
+              <a:rPr lang="ko-KR" altLang="en-US" sz="1200" dirty="0">
+                <a:latin typeface="KoPubWorld돋움체 Bold" panose="00000800000000000000" pitchFamily="2" charset="-127"/>
+                <a:ea typeface="KoPubWorld돋움체 Bold" panose="00000800000000000000" pitchFamily="2" charset="-127"/>
+                <a:cs typeface="KoPubWorld돋움체 Bold" panose="00000800000000000000" pitchFamily="2" charset="-127"/>
+              </a:rPr>
+              <a:t>와 </a:t>
+            </a:r>
+            <a:r>
+              <a:rPr lang="ko-KR" altLang="en-US" sz="1200" dirty="0">
+                <a:solidFill>
+                  <a:srgbClr val="C00000"/>
+                </a:solidFill>
+                <a:latin typeface="KoPubWorld돋움체 Bold" panose="00000800000000000000" pitchFamily="2" charset="-127"/>
+                <a:ea typeface="KoPubWorld돋움체 Bold" panose="00000800000000000000" pitchFamily="2" charset="-127"/>
+                <a:cs typeface="KoPubWorld돋움체 Bold" panose="00000800000000000000" pitchFamily="2" charset="-127"/>
+              </a:rPr>
+              <a:t>나</a:t>
+            </a:r>
+            <a:r>
+              <a:rPr lang="ko-KR" altLang="en-US" sz="1200" dirty="0">
+                <a:latin typeface="KoPubWorld돋움체 Bold" panose="00000800000000000000" pitchFamily="2" charset="-127"/>
+                <a:ea typeface="KoPubWorld돋움체 Bold" panose="00000800000000000000" pitchFamily="2" charset="-127"/>
+                <a:cs typeface="KoPubWorld돋움체 Bold" panose="00000800000000000000" pitchFamily="2" charset="-127"/>
+              </a:rPr>
+              <a:t>는 틀렸는데 </a:t>
+            </a:r>
+            <a:r>
+              <a:rPr lang="ko-KR" altLang="en-US" sz="1200" dirty="0" err="1">
+                <a:latin typeface="KoPubWorld돋움체 Bold" panose="00000800000000000000" pitchFamily="2" charset="-127"/>
+                <a:ea typeface="KoPubWorld돋움체 Bold" panose="00000800000000000000" pitchFamily="2" charset="-127"/>
+                <a:cs typeface="KoPubWorld돋움체 Bold" panose="00000800000000000000" pitchFamily="2" charset="-127"/>
+              </a:rPr>
+              <a:t>제대로된</a:t>
+            </a:r>
+            <a:r>
+              <a:rPr lang="ko-KR" altLang="en-US" sz="1200" dirty="0">
+                <a:latin typeface="KoPubWorld돋움체 Bold" panose="00000800000000000000" pitchFamily="2" charset="-127"/>
+                <a:ea typeface="KoPubWorld돋움체 Bold" panose="00000800000000000000" pitchFamily="2" charset="-127"/>
+                <a:cs typeface="KoPubWorld돋움체 Bold" panose="00000800000000000000" pitchFamily="2" charset="-127"/>
+              </a:rPr>
+              <a:t> 설명은 없다</a:t>
+            </a:r>
+            <a:r>
+              <a:rPr lang="en-US" altLang="ko-KR" sz="1200" dirty="0">
+                <a:latin typeface="KoPubWorld돋움체 Bold" panose="00000800000000000000" pitchFamily="2" charset="-127"/>
+                <a:ea typeface="KoPubWorld돋움체 Bold" panose="00000800000000000000" pitchFamily="2" charset="-127"/>
+                <a:cs typeface="KoPubWorld돋움체 Bold" panose="00000800000000000000" pitchFamily="2" charset="-127"/>
+              </a:rPr>
+              <a:t>.</a:t>
+            </a:r>
+          </a:p>
+          <a:p>
+            <a:endParaRPr lang="en-US" altLang="ko-KR" sz="1200" dirty="0">
+              <a:latin typeface="KoPubWorld돋움체 Bold" panose="00000800000000000000" pitchFamily="2" charset="-127"/>
+              <a:ea typeface="KoPubWorld돋움체 Bold" panose="00000800000000000000" pitchFamily="2" charset="-127"/>
+              <a:cs typeface="KoPubWorld돋움체 Bold" panose="00000800000000000000" pitchFamily="2" charset="-127"/>
+            </a:endParaRPr>
+          </a:p>
+          <a:p>
+            <a:r>
+              <a:rPr lang="ko-KR" altLang="en-US" sz="1200" dirty="0">
+                <a:solidFill>
+                  <a:srgbClr val="C00000"/>
+                </a:solidFill>
+                <a:latin typeface="KoPubWorld돋움체 Bold" panose="00000800000000000000" pitchFamily="2" charset="-127"/>
+                <a:ea typeface="KoPubWorld돋움체 Bold" panose="00000800000000000000" pitchFamily="2" charset="-127"/>
+                <a:cs typeface="KoPubWorld돋움체 Bold" panose="00000800000000000000" pitchFamily="2" charset="-127"/>
+              </a:rPr>
+              <a:t>다</a:t>
+            </a:r>
+            <a:r>
+              <a:rPr lang="ko-KR" altLang="en-US" sz="1200" dirty="0">
+                <a:latin typeface="KoPubWorld돋움체 Bold" panose="00000800000000000000" pitchFamily="2" charset="-127"/>
+                <a:ea typeface="KoPubWorld돋움체 Bold" panose="00000800000000000000" pitchFamily="2" charset="-127"/>
+                <a:cs typeface="KoPubWorld돋움체 Bold" panose="00000800000000000000" pitchFamily="2" charset="-127"/>
+              </a:rPr>
+              <a:t>의 경우에는 세세분류별로 알고 싶다면 전수조사가 적절하다 </a:t>
+            </a:r>
+            <a:r>
+              <a:rPr lang="en-US" altLang="ko-KR" sz="1200" dirty="0">
+                <a:latin typeface="KoPubWorld돋움체 Bold" panose="00000800000000000000" pitchFamily="2" charset="-127"/>
+                <a:ea typeface="KoPubWorld돋움체 Bold" panose="00000800000000000000" pitchFamily="2" charset="-127"/>
+                <a:cs typeface="KoPubWorld돋움체 Bold" panose="00000800000000000000" pitchFamily="2" charset="-127"/>
+              </a:rPr>
+              <a:t>-&gt; </a:t>
+            </a:r>
+            <a:r>
+              <a:rPr lang="ko-KR" altLang="en-US" sz="1200" dirty="0">
+                <a:solidFill>
+                  <a:schemeClr val="bg1">
+                    <a:lumMod val="65000"/>
+                  </a:schemeClr>
+                </a:solidFill>
+                <a:latin typeface="KoPubWorld돋움체 Bold" panose="00000800000000000000" pitchFamily="2" charset="-127"/>
+                <a:ea typeface="KoPubWorld돋움체 Bold" panose="00000800000000000000" pitchFamily="2" charset="-127"/>
+                <a:cs typeface="KoPubWorld돋움체 Bold" panose="00000800000000000000" pitchFamily="2" charset="-127"/>
+              </a:rPr>
+              <a:t>전수조사를 해야 이를 규합해서 세세분류를 정할 수 있기 때문에</a:t>
+            </a:r>
+          </a:p>
+        </p:txBody>
+      </p:sp>
+    </p:spTree>
+    <p:extLst>
+      <p:ext uri="{BB962C8B-B14F-4D97-AF65-F5344CB8AC3E}">
+        <p14:creationId xmlns:p14="http://schemas.microsoft.com/office/powerpoint/2010/main" val="3279146026"/>
+      </p:ext>
+    </p:extLst>
+  </p:cSld>
+  <p:clrMapOvr>
+    <a:masterClrMapping/>
+  </p:clrMapOvr>
+</p:sld>
+</file>
+
+<file path=ppt/slides/slide12.xml><?xml version="1.0" encoding="utf-8"?>
+<p:sld xmlns:a="http://schemas.openxmlformats.org/drawingml/2006/main" xmlns:r="http://schemas.openxmlformats.org/officeDocument/2006/relationships" xmlns:p="http://schemas.openxmlformats.org/presentationml/2006/main">
+  <p:cSld>
+    <p:spTree>
+      <p:nvGrpSpPr>
+        <p:cNvPr id="1" name=""/>
+        <p:cNvGrpSpPr/>
+        <p:nvPr/>
+      </p:nvGrpSpPr>
+      <p:grpSpPr>
+        <a:xfrm>
+          <a:off x="0" y="0"/>
+          <a:ext cx="0" cy="0"/>
+          <a:chOff x="0" y="0"/>
+          <a:chExt cx="0" cy="0"/>
+        </a:xfrm>
+      </p:grpSpPr>
+      <p:sp>
+        <p:nvSpPr>
+          <p:cNvPr id="4" name="TextBox 3">
+            <a:extLst>
+              <a:ext uri="{FF2B5EF4-FFF2-40B4-BE49-F238E27FC236}">
+                <a16:creationId xmlns:a16="http://schemas.microsoft.com/office/drawing/2014/main" id="{AE2D8C9B-8D25-4937-BDCF-C250B7D4D721}"/>
+              </a:ext>
+            </a:extLst>
+          </p:cNvPr>
+          <p:cNvSpPr txBox="1"/>
+          <p:nvPr/>
+        </p:nvSpPr>
+        <p:spPr>
+          <a:xfrm>
+            <a:off x="3103684" y="2613392"/>
+            <a:ext cx="5984631" cy="1631216"/>
+          </a:xfrm>
+          <a:prstGeom prst="rect">
+            <a:avLst/>
+          </a:prstGeom>
+          <a:noFill/>
+        </p:spPr>
+        <p:txBody>
+          <a:bodyPr wrap="square" rtlCol="0">
+            <a:spAutoFit/>
+          </a:bodyPr>
+          <a:lstStyle/>
+          <a:p>
+            <a:pPr algn="ctr"/>
+            <a:r>
+              <a:rPr lang="en-US" altLang="ko-KR" sz="4000" dirty="0">
+                <a:latin typeface="KoPub돋움체 Bold" panose="02020603020101020101" pitchFamily="18" charset="-127"/>
+                <a:ea typeface="KoPub돋움체 Bold" panose="02020603020101020101" pitchFamily="18" charset="-127"/>
+              </a:rPr>
+              <a:t>1.3 </a:t>
+            </a:r>
+            <a:r>
+              <a:rPr lang="ko-KR" altLang="en-US" sz="4000" dirty="0">
+                <a:latin typeface="KoPub돋움체 Bold" panose="02020603020101020101" pitchFamily="18" charset="-127"/>
+                <a:ea typeface="KoPub돋움체 Bold" panose="02020603020101020101" pitchFamily="18" charset="-127"/>
+              </a:rPr>
+              <a:t>우리나라의 통계제도</a:t>
+            </a:r>
+            <a:endParaRPr lang="en-US" altLang="ko-KR" sz="4000" dirty="0">
+              <a:latin typeface="KoPub돋움체 Bold" panose="02020603020101020101" pitchFamily="18" charset="-127"/>
+              <a:ea typeface="KoPub돋움체 Bold" panose="02020603020101020101" pitchFamily="18" charset="-127"/>
+            </a:endParaRPr>
+          </a:p>
+          <a:p>
+            <a:pPr algn="ctr"/>
+            <a:r>
+              <a:rPr lang="en-US" altLang="ko-KR" sz="2000" dirty="0">
+                <a:latin typeface="KoPub돋움체 Bold" panose="02020603020101020101" pitchFamily="18" charset="-127"/>
+                <a:ea typeface="KoPub돋움체 Bold" panose="02020603020101020101" pitchFamily="18" charset="-127"/>
+              </a:rPr>
+              <a:t>1.3.1 </a:t>
+            </a:r>
+            <a:r>
+              <a:rPr lang="ko-KR" altLang="en-US" sz="2000" dirty="0">
+                <a:latin typeface="KoPub돋움체 Bold" panose="02020603020101020101" pitchFamily="18" charset="-127"/>
+                <a:ea typeface="KoPub돋움체 Bold" panose="02020603020101020101" pitchFamily="18" charset="-127"/>
+              </a:rPr>
+              <a:t>개관</a:t>
+            </a:r>
+            <a:endParaRPr lang="en-US" altLang="ko-KR" sz="2000" dirty="0">
+              <a:latin typeface="KoPub돋움체 Bold" panose="02020603020101020101" pitchFamily="18" charset="-127"/>
+              <a:ea typeface="KoPub돋움체 Bold" panose="02020603020101020101" pitchFamily="18" charset="-127"/>
+            </a:endParaRPr>
+          </a:p>
+          <a:p>
+            <a:pPr algn="ctr"/>
+            <a:r>
+              <a:rPr lang="en-US" altLang="ko-KR" sz="2000" dirty="0">
+                <a:latin typeface="KoPub돋움체 Bold" panose="02020603020101020101" pitchFamily="18" charset="-127"/>
+                <a:ea typeface="KoPub돋움체 Bold" panose="02020603020101020101" pitchFamily="18" charset="-127"/>
+              </a:rPr>
+              <a:t>1.3.2 </a:t>
+            </a:r>
+            <a:r>
+              <a:rPr lang="ko-KR" altLang="en-US" sz="2000" dirty="0">
+                <a:latin typeface="KoPub돋움체 Bold" panose="02020603020101020101" pitchFamily="18" charset="-127"/>
+                <a:ea typeface="KoPub돋움체 Bold" panose="02020603020101020101" pitchFamily="18" charset="-127"/>
+              </a:rPr>
+              <a:t>국가통계의 생산</a:t>
+            </a:r>
+            <a:endParaRPr lang="en-US" altLang="ko-KR" sz="2000" dirty="0">
+              <a:latin typeface="KoPub돋움체 Bold" panose="02020603020101020101" pitchFamily="18" charset="-127"/>
+              <a:ea typeface="KoPub돋움체 Bold" panose="02020603020101020101" pitchFamily="18" charset="-127"/>
+            </a:endParaRPr>
+          </a:p>
+          <a:p>
+            <a:pPr algn="ctr"/>
+            <a:r>
+              <a:rPr lang="en-US" altLang="ko-KR" sz="2000" dirty="0">
+                <a:latin typeface="KoPub돋움체 Bold" panose="02020603020101020101" pitchFamily="18" charset="-127"/>
+                <a:ea typeface="KoPub돋움체 Bold" panose="02020603020101020101" pitchFamily="18" charset="-127"/>
+              </a:rPr>
+              <a:t>1.3.3 </a:t>
+            </a:r>
+            <a:r>
+              <a:rPr lang="ko-KR" altLang="en-US" sz="2000" dirty="0">
+                <a:latin typeface="KoPub돋움체 Bold" panose="02020603020101020101" pitchFamily="18" charset="-127"/>
+                <a:ea typeface="KoPub돋움체 Bold" panose="02020603020101020101" pitchFamily="18" charset="-127"/>
+              </a:rPr>
+              <a:t>통계정책 및 조정</a:t>
+            </a:r>
+            <a:endParaRPr lang="en-US" altLang="ko-KR" sz="2000" dirty="0">
+              <a:latin typeface="KoPub돋움체 Bold" panose="02020603020101020101" pitchFamily="18" charset="-127"/>
+              <a:ea typeface="KoPub돋움체 Bold" panose="02020603020101020101" pitchFamily="18" charset="-127"/>
+            </a:endParaRPr>
+          </a:p>
+        </p:txBody>
+      </p:sp>
+    </p:spTree>
+    <p:extLst>
+      <p:ext uri="{BB962C8B-B14F-4D97-AF65-F5344CB8AC3E}">
+        <p14:creationId xmlns:p14="http://schemas.microsoft.com/office/powerpoint/2010/main" val="390195729"/>
+      </p:ext>
+    </p:extLst>
+  </p:cSld>
+  <p:clrMapOvr>
+    <a:masterClrMapping/>
+  </p:clrMapOvr>
+</p:sld>
+</file>
+
+<file path=ppt/slides/slide13.xml><?xml version="1.0" encoding="utf-8"?>
+<p:sld xmlns:a="http://schemas.openxmlformats.org/drawingml/2006/main" xmlns:r="http://schemas.openxmlformats.org/officeDocument/2006/relationships" xmlns:p="http://schemas.openxmlformats.org/presentationml/2006/main">
+  <p:cSld>
+    <p:spTree>
+      <p:nvGrpSpPr>
+        <p:cNvPr id="1" name=""/>
+        <p:cNvGrpSpPr/>
+        <p:nvPr/>
+      </p:nvGrpSpPr>
+      <p:grpSpPr>
+        <a:xfrm>
+          <a:off x="0" y="0"/>
+          <a:ext cx="0" cy="0"/>
+          <a:chOff x="0" y="0"/>
+          <a:chExt cx="0" cy="0"/>
+        </a:xfrm>
+      </p:grpSpPr>
+      <p:pic>
+        <p:nvPicPr>
+          <p:cNvPr id="5" name="그림 4">
+            <a:extLst>
+              <a:ext uri="{FF2B5EF4-FFF2-40B4-BE49-F238E27FC236}">
+                <a16:creationId xmlns:a16="http://schemas.microsoft.com/office/drawing/2014/main" id="{A4CB9B97-326F-4DF6-8A3E-870DF8B538B0}"/>
+              </a:ext>
+            </a:extLst>
+          </p:cNvPr>
+          <p:cNvPicPr>
+            <a:picLocks noChangeAspect="1"/>
+          </p:cNvPicPr>
+          <p:nvPr/>
+        </p:nvPicPr>
+        <p:blipFill>
+          <a:blip r:embed="rId2">
+            <a:extLst>
+              <a:ext uri="{28A0092B-C50C-407E-A947-70E740481C1C}">
+                <a14:useLocalDpi xmlns:a14="http://schemas.microsoft.com/office/drawing/2010/main" val="0"/>
+              </a:ext>
+            </a:extLst>
+          </a:blip>
+          <a:stretch>
+            <a:fillRect/>
+          </a:stretch>
+        </p:blipFill>
+        <p:spPr>
+          <a:xfrm>
+            <a:off x="1260231" y="964223"/>
+            <a:ext cx="3693134" cy="1798652"/>
+          </a:xfrm>
+          <a:prstGeom prst="rect">
+            <a:avLst/>
+          </a:prstGeom>
+        </p:spPr>
+      </p:pic>
+      <p:pic>
+        <p:nvPicPr>
+          <p:cNvPr id="7" name="그림 6">
+            <a:extLst>
+              <a:ext uri="{FF2B5EF4-FFF2-40B4-BE49-F238E27FC236}">
+                <a16:creationId xmlns:a16="http://schemas.microsoft.com/office/drawing/2014/main" id="{5D101900-C9CE-4657-A90D-5B63CEF064B5}"/>
+              </a:ext>
+            </a:extLst>
+          </p:cNvPr>
+          <p:cNvPicPr>
+            <a:picLocks noChangeAspect="1"/>
+          </p:cNvPicPr>
+          <p:nvPr/>
+        </p:nvPicPr>
+        <p:blipFill>
+          <a:blip r:embed="rId3">
+            <a:extLst>
+              <a:ext uri="{28A0092B-C50C-407E-A947-70E740481C1C}">
+                <a14:useLocalDpi xmlns:a14="http://schemas.microsoft.com/office/drawing/2010/main" val="0"/>
+              </a:ext>
+            </a:extLst>
+          </a:blip>
+          <a:stretch>
+            <a:fillRect/>
+          </a:stretch>
+        </p:blipFill>
+        <p:spPr>
+          <a:xfrm>
+            <a:off x="1260231" y="3710354"/>
+            <a:ext cx="3693134" cy="1685507"/>
+          </a:xfrm>
+          <a:prstGeom prst="rect">
+            <a:avLst/>
+          </a:prstGeom>
+        </p:spPr>
+      </p:pic>
+      <p:sp>
+        <p:nvSpPr>
+          <p:cNvPr id="8" name="TextBox 7">
+            <a:extLst>
+              <a:ext uri="{FF2B5EF4-FFF2-40B4-BE49-F238E27FC236}">
+                <a16:creationId xmlns:a16="http://schemas.microsoft.com/office/drawing/2014/main" id="{982D2A0D-9058-4749-A72A-74EE505C2C43}"/>
+              </a:ext>
+            </a:extLst>
+          </p:cNvPr>
+          <p:cNvSpPr txBox="1"/>
+          <p:nvPr/>
+        </p:nvSpPr>
+        <p:spPr>
+          <a:xfrm>
+            <a:off x="1260231" y="687224"/>
+            <a:ext cx="2097031" cy="276999"/>
+          </a:xfrm>
+          <a:prstGeom prst="rect">
+            <a:avLst/>
+          </a:prstGeom>
+          <a:noFill/>
+        </p:spPr>
+        <p:txBody>
+          <a:bodyPr wrap="square" rtlCol="0">
+            <a:spAutoFit/>
+          </a:bodyPr>
+          <a:lstStyle/>
+          <a:p>
+            <a:r>
+              <a:rPr lang="en-US" altLang="ko-KR" sz="1200" dirty="0">
+                <a:latin typeface="KoPub돋움체 Bold" panose="02020603020101020101" pitchFamily="18" charset="-127"/>
+                <a:ea typeface="KoPub돋움체 Bold" panose="02020603020101020101" pitchFamily="18" charset="-127"/>
+              </a:rPr>
+              <a:t>2016</a:t>
+            </a:r>
+            <a:r>
+              <a:rPr lang="ko-KR" altLang="en-US" sz="1200" dirty="0">
+                <a:latin typeface="KoPub돋움체 Bold" panose="02020603020101020101" pitchFamily="18" charset="-127"/>
+                <a:ea typeface="KoPub돋움체 Bold" panose="02020603020101020101" pitchFamily="18" charset="-127"/>
+              </a:rPr>
+              <a:t>년도 </a:t>
+            </a:r>
+            <a:r>
+              <a:rPr lang="en-US" altLang="ko-KR" sz="1200" dirty="0">
+                <a:latin typeface="KoPub돋움체 Bold" panose="02020603020101020101" pitchFamily="18" charset="-127"/>
+                <a:ea typeface="KoPub돋움체 Bold" panose="02020603020101020101" pitchFamily="18" charset="-127"/>
+              </a:rPr>
+              <a:t>1</a:t>
+            </a:r>
+            <a:r>
+              <a:rPr lang="ko-KR" altLang="en-US" sz="1200" dirty="0">
+                <a:latin typeface="KoPub돋움체 Bold" panose="02020603020101020101" pitchFamily="18" charset="-127"/>
+                <a:ea typeface="KoPub돋움체 Bold" panose="02020603020101020101" pitchFamily="18" charset="-127"/>
+              </a:rPr>
+              <a:t>학기</a:t>
+            </a:r>
+          </a:p>
+        </p:txBody>
+      </p:sp>
+      <p:sp>
+        <p:nvSpPr>
+          <p:cNvPr id="9" name="TextBox 8">
+            <a:extLst>
+              <a:ext uri="{FF2B5EF4-FFF2-40B4-BE49-F238E27FC236}">
+                <a16:creationId xmlns:a16="http://schemas.microsoft.com/office/drawing/2014/main" id="{5D12C07E-66AB-4DF7-BAE0-C18EAF639CAB}"/>
+              </a:ext>
+            </a:extLst>
+          </p:cNvPr>
+          <p:cNvSpPr txBox="1"/>
+          <p:nvPr/>
+        </p:nvSpPr>
+        <p:spPr>
+          <a:xfrm>
+            <a:off x="1260230" y="3433355"/>
+            <a:ext cx="2097031" cy="276999"/>
+          </a:xfrm>
+          <a:prstGeom prst="rect">
+            <a:avLst/>
+          </a:prstGeom>
+          <a:noFill/>
+        </p:spPr>
+        <p:txBody>
+          <a:bodyPr wrap="square" rtlCol="0">
+            <a:spAutoFit/>
+          </a:bodyPr>
+          <a:lstStyle/>
+          <a:p>
+            <a:r>
+              <a:rPr lang="en-US" altLang="ko-KR" sz="1200" dirty="0">
+                <a:latin typeface="KoPub돋움체 Bold" panose="02020603020101020101" pitchFamily="18" charset="-127"/>
+                <a:ea typeface="KoPub돋움체 Bold" panose="02020603020101020101" pitchFamily="18" charset="-127"/>
+              </a:rPr>
+              <a:t>2015</a:t>
+            </a:r>
+            <a:r>
+              <a:rPr lang="ko-KR" altLang="en-US" sz="1200" dirty="0">
+                <a:latin typeface="KoPub돋움체 Bold" panose="02020603020101020101" pitchFamily="18" charset="-127"/>
+                <a:ea typeface="KoPub돋움체 Bold" panose="02020603020101020101" pitchFamily="18" charset="-127"/>
+              </a:rPr>
+              <a:t>년도 </a:t>
+            </a:r>
+            <a:r>
+              <a:rPr lang="en-US" altLang="ko-KR" sz="1200" dirty="0">
+                <a:latin typeface="KoPub돋움체 Bold" panose="02020603020101020101" pitchFamily="18" charset="-127"/>
+                <a:ea typeface="KoPub돋움체 Bold" panose="02020603020101020101" pitchFamily="18" charset="-127"/>
+              </a:rPr>
+              <a:t>1</a:t>
+            </a:r>
+            <a:r>
+              <a:rPr lang="ko-KR" altLang="en-US" sz="1200" dirty="0">
+                <a:latin typeface="KoPub돋움체 Bold" panose="02020603020101020101" pitchFamily="18" charset="-127"/>
+                <a:ea typeface="KoPub돋움체 Bold" panose="02020603020101020101" pitchFamily="18" charset="-127"/>
+              </a:rPr>
+              <a:t>학기</a:t>
+            </a:r>
+          </a:p>
+        </p:txBody>
+      </p:sp>
+      <p:sp>
+        <p:nvSpPr>
+          <p:cNvPr id="10" name="직사각형 9">
+            <a:extLst>
+              <a:ext uri="{FF2B5EF4-FFF2-40B4-BE49-F238E27FC236}">
+                <a16:creationId xmlns:a16="http://schemas.microsoft.com/office/drawing/2014/main" id="{D616B99F-8698-49D2-8E37-4EED43686695}"/>
+              </a:ext>
+            </a:extLst>
+          </p:cNvPr>
+          <p:cNvSpPr/>
+          <p:nvPr/>
+        </p:nvSpPr>
+        <p:spPr>
+          <a:xfrm>
+            <a:off x="1418156" y="2536735"/>
+            <a:ext cx="445813" cy="226140"/>
+          </a:xfrm>
+          <a:prstGeom prst="rect">
+            <a:avLst/>
+          </a:prstGeom>
+          <a:noFill/>
+          <a:ln w="25400">
+            <a:solidFill>
+              <a:srgbClr val="C00000"/>
+            </a:solidFill>
+          </a:ln>
+        </p:spPr>
+        <p:style>
+          <a:lnRef idx="2">
+            <a:schemeClr val="accent1">
+              <a:shade val="50000"/>
+            </a:schemeClr>
+          </a:lnRef>
+          <a:fillRef idx="1">
+            <a:schemeClr val="accent1"/>
+          </a:fillRef>
+          <a:effectRef idx="0">
+            <a:schemeClr val="accent1"/>
+          </a:effectRef>
+          <a:fontRef idx="minor">
+            <a:schemeClr val="lt1"/>
+          </a:fontRef>
+        </p:style>
+        <p:txBody>
+          <a:bodyPr rtlCol="0" anchor="ctr"/>
+          <a:lstStyle/>
+          <a:p>
+            <a:pPr algn="ctr"/>
+            <a:endParaRPr lang="ko-KR" altLang="en-US"/>
+          </a:p>
+        </p:txBody>
+      </p:sp>
+      <p:sp>
+        <p:nvSpPr>
+          <p:cNvPr id="11" name="직사각형 10">
+            <a:extLst>
+              <a:ext uri="{FF2B5EF4-FFF2-40B4-BE49-F238E27FC236}">
+                <a16:creationId xmlns:a16="http://schemas.microsoft.com/office/drawing/2014/main" id="{006F1491-76F2-470E-A9F4-94645CF674DF}"/>
+              </a:ext>
+            </a:extLst>
+          </p:cNvPr>
+          <p:cNvSpPr/>
+          <p:nvPr/>
+        </p:nvSpPr>
+        <p:spPr>
+          <a:xfrm>
+            <a:off x="3106799" y="5040923"/>
+            <a:ext cx="415986" cy="191084"/>
+          </a:xfrm>
+          <a:prstGeom prst="rect">
+            <a:avLst/>
+          </a:prstGeom>
+          <a:noFill/>
+          <a:ln w="25400">
+            <a:solidFill>
+              <a:srgbClr val="C00000"/>
+            </a:solidFill>
+          </a:ln>
+        </p:spPr>
+        <p:style>
+          <a:lnRef idx="2">
+            <a:schemeClr val="accent1">
+              <a:shade val="50000"/>
+            </a:schemeClr>
+          </a:lnRef>
+          <a:fillRef idx="1">
+            <a:schemeClr val="accent1"/>
+          </a:fillRef>
+          <a:effectRef idx="0">
+            <a:schemeClr val="accent1"/>
+          </a:effectRef>
+          <a:fontRef idx="minor">
+            <a:schemeClr val="lt1"/>
+          </a:fontRef>
+        </p:style>
+        <p:txBody>
+          <a:bodyPr rtlCol="0" anchor="ctr"/>
+          <a:lstStyle/>
+          <a:p>
+            <a:pPr algn="ctr"/>
+            <a:endParaRPr lang="ko-KR" altLang="en-US"/>
+          </a:p>
+        </p:txBody>
+      </p:sp>
+      <p:sp>
+        <p:nvSpPr>
+          <p:cNvPr id="12" name="타원 11">
+            <a:extLst>
+              <a:ext uri="{FF2B5EF4-FFF2-40B4-BE49-F238E27FC236}">
+                <a16:creationId xmlns:a16="http://schemas.microsoft.com/office/drawing/2014/main" id="{E6BC0E92-8CC7-4529-B0EC-FFFC039B64C3}"/>
+              </a:ext>
+            </a:extLst>
+          </p:cNvPr>
+          <p:cNvSpPr/>
+          <p:nvPr/>
+        </p:nvSpPr>
+        <p:spPr>
+          <a:xfrm>
+            <a:off x="1451198" y="1361998"/>
+            <a:ext cx="260371" cy="260371"/>
+          </a:xfrm>
+          <a:prstGeom prst="ellipse">
+            <a:avLst/>
+          </a:prstGeom>
+          <a:noFill/>
+          <a:ln w="38100">
+            <a:solidFill>
+              <a:srgbClr val="92D050"/>
+            </a:solidFill>
+          </a:ln>
+        </p:spPr>
+        <p:style>
+          <a:lnRef idx="2">
+            <a:schemeClr val="accent1">
+              <a:shade val="50000"/>
+            </a:schemeClr>
+          </a:lnRef>
+          <a:fillRef idx="1">
+            <a:schemeClr val="accent1"/>
+          </a:fillRef>
+          <a:effectRef idx="0">
+            <a:schemeClr val="accent1"/>
+          </a:effectRef>
+          <a:fontRef idx="minor">
+            <a:schemeClr val="lt1"/>
+          </a:fontRef>
+        </p:style>
+        <p:txBody>
+          <a:bodyPr rtlCol="0" anchor="ctr"/>
+          <a:lstStyle/>
+          <a:p>
+            <a:pPr algn="ctr"/>
+            <a:endParaRPr lang="ko-KR" altLang="en-US"/>
+          </a:p>
+        </p:txBody>
+      </p:sp>
+      <p:sp>
+        <p:nvSpPr>
+          <p:cNvPr id="13" name="타원 12">
+            <a:extLst>
+              <a:ext uri="{FF2B5EF4-FFF2-40B4-BE49-F238E27FC236}">
+                <a16:creationId xmlns:a16="http://schemas.microsoft.com/office/drawing/2014/main" id="{F652D086-3491-4896-A7BE-032ABF809EFF}"/>
+              </a:ext>
+            </a:extLst>
+          </p:cNvPr>
+          <p:cNvSpPr/>
+          <p:nvPr/>
+        </p:nvSpPr>
+        <p:spPr>
+          <a:xfrm>
+            <a:off x="1433613" y="1555429"/>
+            <a:ext cx="260371" cy="260371"/>
+          </a:xfrm>
+          <a:prstGeom prst="ellipse">
+            <a:avLst/>
+          </a:prstGeom>
+          <a:noFill/>
+          <a:ln w="38100">
+            <a:solidFill>
+              <a:srgbClr val="92D050"/>
+            </a:solidFill>
+          </a:ln>
+        </p:spPr>
+        <p:style>
+          <a:lnRef idx="2">
+            <a:schemeClr val="accent1">
+              <a:shade val="50000"/>
+            </a:schemeClr>
+          </a:lnRef>
+          <a:fillRef idx="1">
+            <a:schemeClr val="accent1"/>
+          </a:fillRef>
+          <a:effectRef idx="0">
+            <a:schemeClr val="accent1"/>
+          </a:effectRef>
+          <a:fontRef idx="minor">
+            <a:schemeClr val="lt1"/>
+          </a:fontRef>
+        </p:style>
+        <p:txBody>
+          <a:bodyPr rtlCol="0" anchor="ctr"/>
+          <a:lstStyle/>
+          <a:p>
+            <a:pPr algn="ctr"/>
+            <a:endParaRPr lang="ko-KR" altLang="en-US"/>
+          </a:p>
+        </p:txBody>
+      </p:sp>
+      <p:sp>
+        <p:nvSpPr>
+          <p:cNvPr id="14" name="타원 13">
+            <a:extLst>
+              <a:ext uri="{FF2B5EF4-FFF2-40B4-BE49-F238E27FC236}">
+                <a16:creationId xmlns:a16="http://schemas.microsoft.com/office/drawing/2014/main" id="{692B761A-99A3-4769-8AE1-54CAF9C63B4D}"/>
+              </a:ext>
+            </a:extLst>
+          </p:cNvPr>
+          <p:cNvSpPr/>
+          <p:nvPr/>
+        </p:nvSpPr>
+        <p:spPr>
+          <a:xfrm>
+            <a:off x="1418156" y="1842415"/>
+            <a:ext cx="260371" cy="260371"/>
+          </a:xfrm>
+          <a:prstGeom prst="ellipse">
+            <a:avLst/>
+          </a:prstGeom>
+          <a:noFill/>
+          <a:ln w="38100">
+            <a:solidFill>
+              <a:srgbClr val="92D050"/>
+            </a:solidFill>
+          </a:ln>
+        </p:spPr>
+        <p:style>
+          <a:lnRef idx="2">
+            <a:schemeClr val="accent1">
+              <a:shade val="50000"/>
+            </a:schemeClr>
+          </a:lnRef>
+          <a:fillRef idx="1">
+            <a:schemeClr val="accent1"/>
+          </a:fillRef>
+          <a:effectRef idx="0">
+            <a:schemeClr val="accent1"/>
+          </a:effectRef>
+          <a:fontRef idx="minor">
+            <a:schemeClr val="lt1"/>
+          </a:fontRef>
+        </p:style>
+        <p:txBody>
+          <a:bodyPr rtlCol="0" anchor="ctr"/>
+          <a:lstStyle/>
+          <a:p>
+            <a:pPr algn="ctr"/>
+            <a:endParaRPr lang="ko-KR" altLang="en-US"/>
+          </a:p>
+        </p:txBody>
+      </p:sp>
+      <p:sp>
+        <p:nvSpPr>
+          <p:cNvPr id="15" name="타원 14">
+            <a:extLst>
+              <a:ext uri="{FF2B5EF4-FFF2-40B4-BE49-F238E27FC236}">
+                <a16:creationId xmlns:a16="http://schemas.microsoft.com/office/drawing/2014/main" id="{DA3F1A90-ABA9-4A80-9DCE-560703EB49AB}"/>
+              </a:ext>
+            </a:extLst>
+          </p:cNvPr>
+          <p:cNvSpPr/>
+          <p:nvPr/>
+        </p:nvSpPr>
+        <p:spPr>
+          <a:xfrm>
+            <a:off x="1433612" y="4075016"/>
+            <a:ext cx="260371" cy="260371"/>
+          </a:xfrm>
+          <a:prstGeom prst="ellipse">
+            <a:avLst/>
+          </a:prstGeom>
+          <a:noFill/>
+          <a:ln w="38100">
+            <a:solidFill>
+              <a:srgbClr val="92D050"/>
+            </a:solidFill>
+          </a:ln>
+        </p:spPr>
+        <p:style>
+          <a:lnRef idx="2">
+            <a:schemeClr val="accent1">
+              <a:shade val="50000"/>
+            </a:schemeClr>
+          </a:lnRef>
+          <a:fillRef idx="1">
+            <a:schemeClr val="accent1"/>
+          </a:fillRef>
+          <a:effectRef idx="0">
+            <a:schemeClr val="accent1"/>
+          </a:effectRef>
+          <a:fontRef idx="minor">
+            <a:schemeClr val="lt1"/>
+          </a:fontRef>
+        </p:style>
+        <p:txBody>
+          <a:bodyPr rtlCol="0" anchor="ctr"/>
+          <a:lstStyle/>
+          <a:p>
+            <a:pPr algn="ctr"/>
+            <a:endParaRPr lang="ko-KR" altLang="en-US"/>
+          </a:p>
+        </p:txBody>
+      </p:sp>
+      <p:sp>
+        <p:nvSpPr>
+          <p:cNvPr id="16" name="타원 15">
+            <a:extLst>
+              <a:ext uri="{FF2B5EF4-FFF2-40B4-BE49-F238E27FC236}">
+                <a16:creationId xmlns:a16="http://schemas.microsoft.com/office/drawing/2014/main" id="{0FF3BCD0-0E19-4546-9375-A322A263D097}"/>
+              </a:ext>
+            </a:extLst>
+          </p:cNvPr>
+          <p:cNvSpPr/>
+          <p:nvPr/>
+        </p:nvSpPr>
+        <p:spPr>
+          <a:xfrm>
+            <a:off x="1433611" y="4397462"/>
+            <a:ext cx="260371" cy="260371"/>
+          </a:xfrm>
+          <a:prstGeom prst="ellipse">
+            <a:avLst/>
+          </a:prstGeom>
+          <a:noFill/>
+          <a:ln w="38100">
+            <a:solidFill>
+              <a:srgbClr val="92D050"/>
+            </a:solidFill>
+          </a:ln>
+        </p:spPr>
+        <p:style>
+          <a:lnRef idx="2">
+            <a:schemeClr val="accent1">
+              <a:shade val="50000"/>
+            </a:schemeClr>
+          </a:lnRef>
+          <a:fillRef idx="1">
+            <a:schemeClr val="accent1"/>
+          </a:fillRef>
+          <a:effectRef idx="0">
+            <a:schemeClr val="accent1"/>
+          </a:effectRef>
+          <a:fontRef idx="minor">
+            <a:schemeClr val="lt1"/>
+          </a:fontRef>
+        </p:style>
+        <p:txBody>
+          <a:bodyPr rtlCol="0" anchor="ctr"/>
+          <a:lstStyle/>
+          <a:p>
+            <a:pPr algn="ctr"/>
+            <a:endParaRPr lang="ko-KR" altLang="en-US"/>
+          </a:p>
+        </p:txBody>
+      </p:sp>
+      <p:sp>
+        <p:nvSpPr>
+          <p:cNvPr id="17" name="TextBox 16">
+            <a:extLst>
+              <a:ext uri="{FF2B5EF4-FFF2-40B4-BE49-F238E27FC236}">
+                <a16:creationId xmlns:a16="http://schemas.microsoft.com/office/drawing/2014/main" id="{7680B16E-7FE3-48A1-9F61-9088575E95A4}"/>
+              </a:ext>
+            </a:extLst>
+          </p:cNvPr>
+          <p:cNvSpPr txBox="1"/>
+          <p:nvPr/>
+        </p:nvSpPr>
+        <p:spPr>
+          <a:xfrm>
+            <a:off x="6019798" y="1003104"/>
+            <a:ext cx="5040925" cy="1938992"/>
+          </a:xfrm>
+          <a:prstGeom prst="rect">
+            <a:avLst/>
+          </a:prstGeom>
+          <a:noFill/>
+        </p:spPr>
+        <p:txBody>
+          <a:bodyPr wrap="square" rtlCol="0">
+            <a:spAutoFit/>
+          </a:bodyPr>
+          <a:lstStyle/>
+          <a:p>
+            <a:r>
+              <a:rPr lang="ko-KR" altLang="en-US" sz="1200" dirty="0">
+                <a:solidFill>
+                  <a:srgbClr val="C00000"/>
+                </a:solidFill>
+                <a:latin typeface="KoPubWorld돋움체 Bold" panose="00000800000000000000" pitchFamily="2" charset="-127"/>
+                <a:ea typeface="KoPubWorld돋움체 Bold" panose="00000800000000000000" pitchFamily="2" charset="-127"/>
+                <a:cs typeface="KoPubWorld돋움체 Bold" panose="00000800000000000000" pitchFamily="2" charset="-127"/>
+              </a:rPr>
+              <a:t>가</a:t>
+            </a:r>
+            <a:r>
+              <a:rPr lang="ko-KR" altLang="en-US" sz="1200" dirty="0">
+                <a:latin typeface="KoPubWorld돋움체 Bold" panose="00000800000000000000" pitchFamily="2" charset="-127"/>
+                <a:ea typeface="KoPubWorld돋움체 Bold" panose="00000800000000000000" pitchFamily="2" charset="-127"/>
+                <a:cs typeface="KoPubWorld돋움체 Bold" panose="00000800000000000000" pitchFamily="2" charset="-127"/>
+              </a:rPr>
+              <a:t> </a:t>
+            </a:r>
+            <a:r>
+              <a:rPr lang="en-US" altLang="ko-KR" sz="1200" dirty="0">
+                <a:latin typeface="KoPubWorld돋움체 Bold" panose="00000800000000000000" pitchFamily="2" charset="-127"/>
+                <a:ea typeface="KoPubWorld돋움체 Bold" panose="00000800000000000000" pitchFamily="2" charset="-127"/>
+                <a:cs typeface="KoPubWorld돋움체 Bold" panose="00000800000000000000" pitchFamily="2" charset="-127"/>
+              </a:rPr>
+              <a:t>– </a:t>
+            </a:r>
+            <a:r>
+              <a:rPr lang="ko-KR" altLang="en-US" sz="1200" dirty="0">
+                <a:latin typeface="KoPubWorld돋움체 Bold" panose="00000800000000000000" pitchFamily="2" charset="-127"/>
+                <a:ea typeface="KoPubWorld돋움체 Bold" panose="00000800000000000000" pitchFamily="2" charset="-127"/>
+                <a:cs typeface="KoPubWorld돋움체 Bold" panose="00000800000000000000" pitchFamily="2" charset="-127"/>
+              </a:rPr>
+              <a:t>우리나라에서는 민간기관에서 통계를 작성하고 있다</a:t>
+            </a:r>
+            <a:r>
+              <a:rPr lang="en-US" altLang="ko-KR" sz="1200" dirty="0">
+                <a:latin typeface="KoPubWorld돋움체 Bold" panose="00000800000000000000" pitchFamily="2" charset="-127"/>
+                <a:ea typeface="KoPubWorld돋움체 Bold" panose="00000800000000000000" pitchFamily="2" charset="-127"/>
+                <a:cs typeface="KoPubWorld돋움체 Bold" panose="00000800000000000000" pitchFamily="2" charset="-127"/>
+              </a:rPr>
+              <a:t>.</a:t>
+            </a:r>
+          </a:p>
+          <a:p>
+            <a:r>
+              <a:rPr lang="en-US" altLang="ko-KR" sz="1200" dirty="0">
+                <a:latin typeface="KoPubWorld돋움체 Bold" panose="00000800000000000000" pitchFamily="2" charset="-127"/>
+                <a:ea typeface="KoPubWorld돋움체 Bold" panose="00000800000000000000" pitchFamily="2" charset="-127"/>
+                <a:cs typeface="KoPubWorld돋움체 Bold" panose="00000800000000000000" pitchFamily="2" charset="-127"/>
+              </a:rPr>
+              <a:t>-&gt; </a:t>
+            </a:r>
+            <a:r>
+              <a:rPr lang="en-US" altLang="ko-KR" sz="1200" dirty="0">
+                <a:solidFill>
+                  <a:schemeClr val="bg1">
+                    <a:lumMod val="65000"/>
+                  </a:schemeClr>
+                </a:solidFill>
+                <a:latin typeface="KoPubWorld돋움체 Bold" panose="00000800000000000000" pitchFamily="2" charset="-127"/>
+                <a:ea typeface="KoPubWorld돋움체 Bold" panose="00000800000000000000" pitchFamily="2" charset="-127"/>
+                <a:cs typeface="KoPubWorld돋움체 Bold" panose="00000800000000000000" pitchFamily="2" charset="-127"/>
+              </a:rPr>
+              <a:t>1.3.2 </a:t>
+            </a:r>
+            <a:r>
+              <a:rPr lang="ko-KR" altLang="en-US" sz="1200" dirty="0">
+                <a:solidFill>
+                  <a:schemeClr val="bg1">
+                    <a:lumMod val="65000"/>
+                  </a:schemeClr>
+                </a:solidFill>
+                <a:latin typeface="KoPubWorld돋움체 Bold" panose="00000800000000000000" pitchFamily="2" charset="-127"/>
+                <a:ea typeface="KoPubWorld돋움체 Bold" panose="00000800000000000000" pitchFamily="2" charset="-127"/>
+                <a:cs typeface="KoPubWorld돋움체 Bold" panose="00000800000000000000" pitchFamily="2" charset="-127"/>
+              </a:rPr>
+              <a:t>국가통계의 생산</a:t>
+            </a:r>
+            <a:endParaRPr lang="en-US" altLang="ko-KR" sz="1200" dirty="0">
+              <a:solidFill>
+                <a:schemeClr val="bg1">
+                  <a:lumMod val="65000"/>
+                </a:schemeClr>
+              </a:solidFill>
+              <a:latin typeface="KoPubWorld돋움체 Bold" panose="00000800000000000000" pitchFamily="2" charset="-127"/>
+              <a:ea typeface="KoPubWorld돋움체 Bold" panose="00000800000000000000" pitchFamily="2" charset="-127"/>
+              <a:cs typeface="KoPubWorld돋움체 Bold" panose="00000800000000000000" pitchFamily="2" charset="-127"/>
+            </a:endParaRPr>
+          </a:p>
+          <a:p>
+            <a:endParaRPr lang="en-US" altLang="ko-KR" sz="1200" dirty="0">
+              <a:latin typeface="KoPubWorld돋움체 Bold" panose="00000800000000000000" pitchFamily="2" charset="-127"/>
+              <a:ea typeface="KoPubWorld돋움체 Bold" panose="00000800000000000000" pitchFamily="2" charset="-127"/>
+              <a:cs typeface="KoPubWorld돋움체 Bold" panose="00000800000000000000" pitchFamily="2" charset="-127"/>
+            </a:endParaRPr>
+          </a:p>
+          <a:p>
+            <a:r>
+              <a:rPr lang="ko-KR" altLang="en-US" sz="1200" dirty="0">
+                <a:solidFill>
+                  <a:srgbClr val="C00000"/>
+                </a:solidFill>
+                <a:latin typeface="KoPubWorld돋움체 Bold" panose="00000800000000000000" pitchFamily="2" charset="-127"/>
+                <a:ea typeface="KoPubWorld돋움체 Bold" panose="00000800000000000000" pitchFamily="2" charset="-127"/>
+                <a:cs typeface="KoPubWorld돋움체 Bold" panose="00000800000000000000" pitchFamily="2" charset="-127"/>
+              </a:rPr>
+              <a:t>나</a:t>
+            </a:r>
+            <a:r>
+              <a:rPr lang="ko-KR" altLang="en-US" sz="1200" dirty="0">
+                <a:latin typeface="KoPubWorld돋움체 Bold" panose="00000800000000000000" pitchFamily="2" charset="-127"/>
+                <a:ea typeface="KoPubWorld돋움체 Bold" panose="00000800000000000000" pitchFamily="2" charset="-127"/>
+                <a:cs typeface="KoPubWorld돋움체 Bold" panose="00000800000000000000" pitchFamily="2" charset="-127"/>
+              </a:rPr>
+              <a:t> </a:t>
+            </a:r>
+            <a:r>
+              <a:rPr lang="en-US" altLang="ko-KR" sz="1200" dirty="0">
+                <a:latin typeface="KoPubWorld돋움체 Bold" panose="00000800000000000000" pitchFamily="2" charset="-127"/>
+                <a:ea typeface="KoPubWorld돋움체 Bold" panose="00000800000000000000" pitchFamily="2" charset="-127"/>
+                <a:cs typeface="KoPubWorld돋움체 Bold" panose="00000800000000000000" pitchFamily="2" charset="-127"/>
+              </a:rPr>
+              <a:t>– </a:t>
+            </a:r>
+            <a:r>
+              <a:rPr lang="ko-KR" altLang="en-US" sz="1200" dirty="0">
+                <a:latin typeface="KoPubWorld돋움체 Bold" panose="00000800000000000000" pitchFamily="2" charset="-127"/>
+                <a:ea typeface="KoPubWorld돋움체 Bold" panose="00000800000000000000" pitchFamily="2" charset="-127"/>
+                <a:cs typeface="KoPubWorld돋움체 Bold" panose="00000800000000000000" pitchFamily="2" charset="-127"/>
+              </a:rPr>
+              <a:t>통계청은 국가 기본통계의 작성 및 통계조정 기능을 가지고 있다</a:t>
+            </a:r>
+            <a:r>
+              <a:rPr lang="en-US" altLang="ko-KR" sz="1200" dirty="0">
+                <a:latin typeface="KoPubWorld돋움체 Bold" panose="00000800000000000000" pitchFamily="2" charset="-127"/>
+                <a:ea typeface="KoPubWorld돋움체 Bold" panose="00000800000000000000" pitchFamily="2" charset="-127"/>
+                <a:cs typeface="KoPubWorld돋움체 Bold" panose="00000800000000000000" pitchFamily="2" charset="-127"/>
+              </a:rPr>
+              <a:t>.</a:t>
+            </a:r>
+          </a:p>
+          <a:p>
+            <a:r>
+              <a:rPr lang="en-US" altLang="ko-KR" sz="1200" dirty="0">
+                <a:latin typeface="KoPubWorld돋움체 Bold" panose="00000800000000000000" pitchFamily="2" charset="-127"/>
+                <a:ea typeface="KoPubWorld돋움체 Bold" panose="00000800000000000000" pitchFamily="2" charset="-127"/>
+                <a:cs typeface="KoPubWorld돋움체 Bold" panose="00000800000000000000" pitchFamily="2" charset="-127"/>
+              </a:rPr>
+              <a:t>-&gt; </a:t>
+            </a:r>
+            <a:r>
+              <a:rPr lang="en-US" altLang="ko-KR" sz="1200" dirty="0">
+                <a:solidFill>
+                  <a:schemeClr val="bg1">
+                    <a:lumMod val="65000"/>
+                  </a:schemeClr>
+                </a:solidFill>
+                <a:latin typeface="KoPubWorld돋움체 Bold" panose="00000800000000000000" pitchFamily="2" charset="-127"/>
+                <a:ea typeface="KoPubWorld돋움체 Bold" panose="00000800000000000000" pitchFamily="2" charset="-127"/>
+                <a:cs typeface="KoPubWorld돋움체 Bold" panose="00000800000000000000" pitchFamily="2" charset="-127"/>
+              </a:rPr>
+              <a:t>1.3.1 </a:t>
+            </a:r>
+            <a:r>
+              <a:rPr lang="ko-KR" altLang="en-US" sz="1200" dirty="0">
+                <a:solidFill>
+                  <a:schemeClr val="bg1">
+                    <a:lumMod val="65000"/>
+                  </a:schemeClr>
+                </a:solidFill>
+                <a:latin typeface="KoPubWorld돋움체 Bold" panose="00000800000000000000" pitchFamily="2" charset="-127"/>
+                <a:ea typeface="KoPubWorld돋움체 Bold" panose="00000800000000000000" pitchFamily="2" charset="-127"/>
+                <a:cs typeface="KoPubWorld돋움체 Bold" panose="00000800000000000000" pitchFamily="2" charset="-127"/>
+              </a:rPr>
+              <a:t>개관</a:t>
+            </a:r>
+            <a:endParaRPr lang="en-US" altLang="ko-KR" sz="1200" dirty="0">
+              <a:solidFill>
+                <a:schemeClr val="bg1">
+                  <a:lumMod val="65000"/>
+                </a:schemeClr>
+              </a:solidFill>
+              <a:latin typeface="KoPubWorld돋움체 Bold" panose="00000800000000000000" pitchFamily="2" charset="-127"/>
+              <a:ea typeface="KoPubWorld돋움체 Bold" panose="00000800000000000000" pitchFamily="2" charset="-127"/>
+              <a:cs typeface="KoPubWorld돋움체 Bold" panose="00000800000000000000" pitchFamily="2" charset="-127"/>
+            </a:endParaRPr>
+          </a:p>
+          <a:p>
+            <a:endParaRPr lang="en-US" altLang="ko-KR" sz="1200" dirty="0">
+              <a:latin typeface="KoPubWorld돋움체 Bold" panose="00000800000000000000" pitchFamily="2" charset="-127"/>
+              <a:ea typeface="KoPubWorld돋움체 Bold" panose="00000800000000000000" pitchFamily="2" charset="-127"/>
+              <a:cs typeface="KoPubWorld돋움체 Bold" panose="00000800000000000000" pitchFamily="2" charset="-127"/>
+            </a:endParaRPr>
+          </a:p>
+          <a:p>
+            <a:r>
+              <a:rPr lang="ko-KR" altLang="en-US" sz="1200" dirty="0">
+                <a:solidFill>
+                  <a:srgbClr val="C00000"/>
+                </a:solidFill>
+                <a:latin typeface="KoPubWorld돋움체 Bold" panose="00000800000000000000" pitchFamily="2" charset="-127"/>
+                <a:ea typeface="KoPubWorld돋움체 Bold" panose="00000800000000000000" pitchFamily="2" charset="-127"/>
+                <a:cs typeface="KoPubWorld돋움체 Bold" panose="00000800000000000000" pitchFamily="2" charset="-127"/>
+              </a:rPr>
+              <a:t>다</a:t>
+            </a:r>
+            <a:r>
+              <a:rPr lang="ko-KR" altLang="en-US" sz="1200" dirty="0">
+                <a:latin typeface="KoPubWorld돋움체 Bold" panose="00000800000000000000" pitchFamily="2" charset="-127"/>
+                <a:ea typeface="KoPubWorld돋움체 Bold" panose="00000800000000000000" pitchFamily="2" charset="-127"/>
+                <a:cs typeface="KoPubWorld돋움체 Bold" panose="00000800000000000000" pitchFamily="2" charset="-127"/>
+              </a:rPr>
+              <a:t> </a:t>
+            </a:r>
+            <a:r>
+              <a:rPr lang="en-US" altLang="ko-KR" sz="1200" dirty="0">
+                <a:latin typeface="KoPubWorld돋움체 Bold" panose="00000800000000000000" pitchFamily="2" charset="-127"/>
+                <a:ea typeface="KoPubWorld돋움체 Bold" panose="00000800000000000000" pitchFamily="2" charset="-127"/>
+                <a:cs typeface="KoPubWorld돋움체 Bold" panose="00000800000000000000" pitchFamily="2" charset="-127"/>
+              </a:rPr>
+              <a:t>– </a:t>
+            </a:r>
+            <a:r>
+              <a:rPr lang="ko-KR" altLang="en-US" sz="1200" dirty="0">
+                <a:latin typeface="KoPubWorld돋움체 Bold" panose="00000800000000000000" pitchFamily="2" charset="-127"/>
+                <a:ea typeface="KoPubWorld돋움체 Bold" panose="00000800000000000000" pitchFamily="2" charset="-127"/>
+                <a:cs typeface="KoPubWorld돋움체 Bold" panose="00000800000000000000" pitchFamily="2" charset="-127"/>
+              </a:rPr>
+              <a:t>당연한 이야기</a:t>
+            </a:r>
+            <a:endParaRPr lang="en-US" altLang="ko-KR" sz="1200" dirty="0">
+              <a:latin typeface="KoPubWorld돋움체 Bold" panose="00000800000000000000" pitchFamily="2" charset="-127"/>
+              <a:ea typeface="KoPubWorld돋움체 Bold" panose="00000800000000000000" pitchFamily="2" charset="-127"/>
+              <a:cs typeface="KoPubWorld돋움체 Bold" panose="00000800000000000000" pitchFamily="2" charset="-127"/>
+            </a:endParaRPr>
+          </a:p>
+          <a:p>
+            <a:r>
+              <a:rPr lang="en-US" altLang="ko-KR" sz="1200" dirty="0">
+                <a:latin typeface="KoPubWorld돋움체 Bold" panose="00000800000000000000" pitchFamily="2" charset="-127"/>
+                <a:ea typeface="KoPubWorld돋움체 Bold" panose="00000800000000000000" pitchFamily="2" charset="-127"/>
+                <a:cs typeface="KoPubWorld돋움체 Bold" panose="00000800000000000000" pitchFamily="2" charset="-127"/>
+              </a:rPr>
+              <a:t>-&gt; </a:t>
+            </a:r>
+            <a:r>
+              <a:rPr lang="en-US" altLang="ko-KR" sz="1200" dirty="0">
+                <a:solidFill>
+                  <a:schemeClr val="bg1">
+                    <a:lumMod val="65000"/>
+                  </a:schemeClr>
+                </a:solidFill>
+                <a:latin typeface="KoPubWorld돋움체 Bold" panose="00000800000000000000" pitchFamily="2" charset="-127"/>
+                <a:ea typeface="KoPubWorld돋움체 Bold" panose="00000800000000000000" pitchFamily="2" charset="-127"/>
+                <a:cs typeface="KoPubWorld돋움체 Bold" panose="00000800000000000000" pitchFamily="2" charset="-127"/>
+              </a:rPr>
+              <a:t>1.3.4.6 </a:t>
+            </a:r>
+            <a:r>
+              <a:rPr lang="ko-KR" altLang="en-US" sz="1200" dirty="0" err="1">
+                <a:solidFill>
+                  <a:schemeClr val="bg1">
+                    <a:lumMod val="65000"/>
+                  </a:schemeClr>
+                </a:solidFill>
+                <a:latin typeface="KoPubWorld돋움체 Bold" panose="00000800000000000000" pitchFamily="2" charset="-127"/>
+                <a:ea typeface="KoPubWorld돋움체 Bold" panose="00000800000000000000" pitchFamily="2" charset="-127"/>
+                <a:cs typeface="KoPubWorld돋움체 Bold" panose="00000800000000000000" pitchFamily="2" charset="-127"/>
+              </a:rPr>
+              <a:t>쉬어가는</a:t>
+            </a:r>
+            <a:r>
+              <a:rPr lang="ko-KR" altLang="en-US" sz="1200" dirty="0">
+                <a:solidFill>
+                  <a:schemeClr val="bg1">
+                    <a:lumMod val="65000"/>
+                  </a:schemeClr>
+                </a:solidFill>
+                <a:latin typeface="KoPubWorld돋움체 Bold" panose="00000800000000000000" pitchFamily="2" charset="-127"/>
+                <a:ea typeface="KoPubWorld돋움체 Bold" panose="00000800000000000000" pitchFamily="2" charset="-127"/>
+                <a:cs typeface="KoPubWorld돋움체 Bold" panose="00000800000000000000" pitchFamily="2" charset="-127"/>
+              </a:rPr>
+              <a:t> 코너 </a:t>
+            </a:r>
+            <a:r>
+              <a:rPr lang="en-US" altLang="ko-KR" sz="1200" dirty="0">
+                <a:solidFill>
+                  <a:schemeClr val="bg1">
+                    <a:lumMod val="65000"/>
+                  </a:schemeClr>
+                </a:solidFill>
+                <a:latin typeface="KoPubWorld돋움체 Bold" panose="00000800000000000000" pitchFamily="2" charset="-127"/>
+                <a:ea typeface="KoPubWorld돋움체 Bold" panose="00000800000000000000" pitchFamily="2" charset="-127"/>
+                <a:cs typeface="KoPubWorld돋움체 Bold" panose="00000800000000000000" pitchFamily="2" charset="-127"/>
+              </a:rPr>
+              <a:t>2</a:t>
+            </a:r>
+          </a:p>
+          <a:p>
+            <a:endParaRPr lang="en-US" altLang="ko-KR" sz="1200" dirty="0">
+              <a:latin typeface="KoPubWorld돋움체 Bold" panose="00000800000000000000" pitchFamily="2" charset="-127"/>
+              <a:ea typeface="KoPubWorld돋움체 Bold" panose="00000800000000000000" pitchFamily="2" charset="-127"/>
+              <a:cs typeface="KoPubWorld돋움체 Bold" panose="00000800000000000000" pitchFamily="2" charset="-127"/>
+            </a:endParaRPr>
+          </a:p>
+          <a:p>
+            <a:r>
+              <a:rPr lang="ko-KR" altLang="en-US" sz="1200" dirty="0">
+                <a:solidFill>
+                  <a:srgbClr val="C00000"/>
+                </a:solidFill>
+                <a:latin typeface="KoPubWorld돋움체 Bold" panose="00000800000000000000" pitchFamily="2" charset="-127"/>
+                <a:ea typeface="KoPubWorld돋움체 Bold" panose="00000800000000000000" pitchFamily="2" charset="-127"/>
+                <a:cs typeface="KoPubWorld돋움체 Bold" panose="00000800000000000000" pitchFamily="2" charset="-127"/>
+              </a:rPr>
+              <a:t>라 </a:t>
+            </a:r>
+            <a:r>
+              <a:rPr lang="en-US" altLang="ko-KR" sz="1200" dirty="0">
+                <a:latin typeface="KoPubWorld돋움체 Bold" panose="00000800000000000000" pitchFamily="2" charset="-127"/>
+                <a:ea typeface="KoPubWorld돋움체 Bold" panose="00000800000000000000" pitchFamily="2" charset="-127"/>
+                <a:cs typeface="KoPubWorld돋움체 Bold" panose="00000800000000000000" pitchFamily="2" charset="-127"/>
+              </a:rPr>
+              <a:t>– </a:t>
+            </a:r>
+            <a:r>
+              <a:rPr lang="ko-KR" altLang="en-US" sz="1200" dirty="0">
+                <a:latin typeface="KoPubWorld돋움체 Bold" panose="00000800000000000000" pitchFamily="2" charset="-127"/>
+                <a:ea typeface="KoPubWorld돋움체 Bold" panose="00000800000000000000" pitchFamily="2" charset="-127"/>
+                <a:cs typeface="KoPubWorld돋움체 Bold" panose="00000800000000000000" pitchFamily="2" charset="-127"/>
+              </a:rPr>
+              <a:t>책에 설명은 없는데 모든 정부부처가 가지지는 않을 거라는 것은 알 수 있음</a:t>
+            </a:r>
+          </a:p>
+        </p:txBody>
+      </p:sp>
+      <p:sp>
+        <p:nvSpPr>
+          <p:cNvPr id="18" name="TextBox 17">
+            <a:extLst>
+              <a:ext uri="{FF2B5EF4-FFF2-40B4-BE49-F238E27FC236}">
+                <a16:creationId xmlns:a16="http://schemas.microsoft.com/office/drawing/2014/main" id="{14DAA974-9DCA-4B26-9956-13C249B46689}"/>
+              </a:ext>
+            </a:extLst>
+          </p:cNvPr>
+          <p:cNvSpPr txBox="1"/>
+          <p:nvPr/>
+        </p:nvSpPr>
+        <p:spPr>
+          <a:xfrm>
+            <a:off x="6019798" y="3823566"/>
+            <a:ext cx="5040925" cy="1754326"/>
+          </a:xfrm>
+          <a:prstGeom prst="rect">
+            <a:avLst/>
+          </a:prstGeom>
+          <a:noFill/>
+        </p:spPr>
+        <p:txBody>
+          <a:bodyPr wrap="square" rtlCol="0">
+            <a:spAutoFit/>
+          </a:bodyPr>
+          <a:lstStyle/>
+          <a:p>
+            <a:r>
+              <a:rPr lang="ko-KR" altLang="en-US" sz="1200" dirty="0">
+                <a:solidFill>
+                  <a:srgbClr val="C00000"/>
+                </a:solidFill>
+                <a:latin typeface="KoPubWorld돋움체 Bold" panose="00000800000000000000" pitchFamily="2" charset="-127"/>
+                <a:ea typeface="KoPubWorld돋움체 Bold" panose="00000800000000000000" pitchFamily="2" charset="-127"/>
+                <a:cs typeface="KoPubWorld돋움체 Bold" panose="00000800000000000000" pitchFamily="2" charset="-127"/>
+              </a:rPr>
+              <a:t>가</a:t>
+            </a:r>
+            <a:r>
+              <a:rPr lang="ko-KR" altLang="en-US" sz="1200" dirty="0">
+                <a:latin typeface="KoPubWorld돋움체 Bold" panose="00000800000000000000" pitchFamily="2" charset="-127"/>
+                <a:ea typeface="KoPubWorld돋움체 Bold" panose="00000800000000000000" pitchFamily="2" charset="-127"/>
+                <a:cs typeface="KoPubWorld돋움체 Bold" panose="00000800000000000000" pitchFamily="2" charset="-127"/>
+              </a:rPr>
+              <a:t> </a:t>
+            </a:r>
+            <a:r>
+              <a:rPr lang="en-US" altLang="ko-KR" sz="1200" dirty="0">
+                <a:latin typeface="KoPubWorld돋움체 Bold" panose="00000800000000000000" pitchFamily="2" charset="-127"/>
+                <a:ea typeface="KoPubWorld돋움체 Bold" panose="00000800000000000000" pitchFamily="2" charset="-127"/>
+                <a:cs typeface="KoPubWorld돋움체 Bold" panose="00000800000000000000" pitchFamily="2" charset="-127"/>
+              </a:rPr>
+              <a:t>– </a:t>
+            </a:r>
+            <a:r>
+              <a:rPr lang="ko-KR" altLang="en-US" sz="1200" dirty="0">
+                <a:latin typeface="KoPubWorld돋움체 Bold" panose="00000800000000000000" pitchFamily="2" charset="-127"/>
+                <a:ea typeface="KoPubWorld돋움체 Bold" panose="00000800000000000000" pitchFamily="2" charset="-127"/>
+                <a:cs typeface="KoPubWorld돋움체 Bold" panose="00000800000000000000" pitchFamily="2" charset="-127"/>
+              </a:rPr>
+              <a:t>통계청은 국가 기본통계의 작성 및 통계조정 기능을 가지고 있다</a:t>
+            </a:r>
+            <a:r>
+              <a:rPr lang="en-US" altLang="ko-KR" sz="1200" dirty="0">
+                <a:latin typeface="KoPubWorld돋움체 Bold" panose="00000800000000000000" pitchFamily="2" charset="-127"/>
+                <a:ea typeface="KoPubWorld돋움체 Bold" panose="00000800000000000000" pitchFamily="2" charset="-127"/>
+                <a:cs typeface="KoPubWorld돋움체 Bold" panose="00000800000000000000" pitchFamily="2" charset="-127"/>
+              </a:rPr>
+              <a:t>.</a:t>
+            </a:r>
+          </a:p>
+          <a:p>
+            <a:r>
+              <a:rPr lang="en-US" altLang="ko-KR" sz="1200" dirty="0">
+                <a:latin typeface="KoPubWorld돋움체 Bold" panose="00000800000000000000" pitchFamily="2" charset="-127"/>
+                <a:ea typeface="KoPubWorld돋움체 Bold" panose="00000800000000000000" pitchFamily="2" charset="-127"/>
+                <a:cs typeface="KoPubWorld돋움체 Bold" panose="00000800000000000000" pitchFamily="2" charset="-127"/>
+              </a:rPr>
+              <a:t>-&gt; </a:t>
+            </a:r>
+            <a:r>
+              <a:rPr lang="en-US" altLang="ko-KR" sz="1200" dirty="0">
+                <a:solidFill>
+                  <a:schemeClr val="bg1">
+                    <a:lumMod val="65000"/>
+                  </a:schemeClr>
+                </a:solidFill>
+                <a:latin typeface="KoPubWorld돋움체 Bold" panose="00000800000000000000" pitchFamily="2" charset="-127"/>
+                <a:ea typeface="KoPubWorld돋움체 Bold" panose="00000800000000000000" pitchFamily="2" charset="-127"/>
+                <a:cs typeface="KoPubWorld돋움체 Bold" panose="00000800000000000000" pitchFamily="2" charset="-127"/>
+              </a:rPr>
+              <a:t>1.3.1 </a:t>
+            </a:r>
+            <a:r>
+              <a:rPr lang="ko-KR" altLang="en-US" sz="1200" dirty="0">
+                <a:solidFill>
+                  <a:schemeClr val="bg1">
+                    <a:lumMod val="65000"/>
+                  </a:schemeClr>
+                </a:solidFill>
+                <a:latin typeface="KoPubWorld돋움체 Bold" panose="00000800000000000000" pitchFamily="2" charset="-127"/>
+                <a:ea typeface="KoPubWorld돋움체 Bold" panose="00000800000000000000" pitchFamily="2" charset="-127"/>
+                <a:cs typeface="KoPubWorld돋움체 Bold" panose="00000800000000000000" pitchFamily="2" charset="-127"/>
+              </a:rPr>
+              <a:t>개관</a:t>
+            </a:r>
+            <a:endParaRPr lang="en-US" altLang="ko-KR" sz="1200" dirty="0">
+              <a:solidFill>
+                <a:schemeClr val="bg1">
+                  <a:lumMod val="65000"/>
+                </a:schemeClr>
+              </a:solidFill>
+              <a:latin typeface="KoPubWorld돋움체 Bold" panose="00000800000000000000" pitchFamily="2" charset="-127"/>
+              <a:ea typeface="KoPubWorld돋움체 Bold" panose="00000800000000000000" pitchFamily="2" charset="-127"/>
+              <a:cs typeface="KoPubWorld돋움체 Bold" panose="00000800000000000000" pitchFamily="2" charset="-127"/>
+            </a:endParaRPr>
+          </a:p>
+          <a:p>
+            <a:endParaRPr lang="en-US" altLang="ko-KR" sz="1200" dirty="0">
+              <a:latin typeface="KoPubWorld돋움체 Bold" panose="00000800000000000000" pitchFamily="2" charset="-127"/>
+              <a:ea typeface="KoPubWorld돋움체 Bold" panose="00000800000000000000" pitchFamily="2" charset="-127"/>
+              <a:cs typeface="KoPubWorld돋움체 Bold" panose="00000800000000000000" pitchFamily="2" charset="-127"/>
+            </a:endParaRPr>
+          </a:p>
+          <a:p>
+            <a:r>
+              <a:rPr lang="ko-KR" altLang="en-US" sz="1200" dirty="0">
+                <a:solidFill>
+                  <a:srgbClr val="C00000"/>
+                </a:solidFill>
+                <a:latin typeface="KoPubWorld돋움체 Bold" panose="00000800000000000000" pitchFamily="2" charset="-127"/>
+                <a:ea typeface="KoPubWorld돋움체 Bold" panose="00000800000000000000" pitchFamily="2" charset="-127"/>
+                <a:cs typeface="KoPubWorld돋움체 Bold" panose="00000800000000000000" pitchFamily="2" charset="-127"/>
+              </a:rPr>
+              <a:t>나</a:t>
+            </a:r>
+            <a:r>
+              <a:rPr lang="ko-KR" altLang="en-US" sz="1200" dirty="0">
+                <a:latin typeface="KoPubWorld돋움체 Bold" panose="00000800000000000000" pitchFamily="2" charset="-127"/>
+                <a:ea typeface="KoPubWorld돋움체 Bold" panose="00000800000000000000" pitchFamily="2" charset="-127"/>
+                <a:cs typeface="KoPubWorld돋움체 Bold" panose="00000800000000000000" pitchFamily="2" charset="-127"/>
+              </a:rPr>
+              <a:t> </a:t>
+            </a:r>
+            <a:r>
+              <a:rPr lang="en-US" altLang="ko-KR" sz="1200" dirty="0">
+                <a:latin typeface="KoPubWorld돋움체 Bold" panose="00000800000000000000" pitchFamily="2" charset="-127"/>
+                <a:ea typeface="KoPubWorld돋움체 Bold" panose="00000800000000000000" pitchFamily="2" charset="-127"/>
+                <a:cs typeface="KoPubWorld돋움체 Bold" panose="00000800000000000000" pitchFamily="2" charset="-127"/>
+              </a:rPr>
+              <a:t>– </a:t>
+            </a:r>
+            <a:r>
+              <a:rPr lang="ko-KR" altLang="en-US" sz="1200" dirty="0">
+                <a:latin typeface="KoPubWorld돋움체 Bold" panose="00000800000000000000" pitchFamily="2" charset="-127"/>
+                <a:ea typeface="KoPubWorld돋움체 Bold" panose="00000800000000000000" pitchFamily="2" charset="-127"/>
+                <a:cs typeface="KoPubWorld돋움체 Bold" panose="00000800000000000000" pitchFamily="2" charset="-127"/>
+              </a:rPr>
+              <a:t>당연한 이야기</a:t>
+            </a:r>
+            <a:endParaRPr lang="en-US" altLang="ko-KR" sz="1200" dirty="0">
+              <a:latin typeface="KoPubWorld돋움체 Bold" panose="00000800000000000000" pitchFamily="2" charset="-127"/>
+              <a:ea typeface="KoPubWorld돋움체 Bold" panose="00000800000000000000" pitchFamily="2" charset="-127"/>
+              <a:cs typeface="KoPubWorld돋움체 Bold" panose="00000800000000000000" pitchFamily="2" charset="-127"/>
+            </a:endParaRPr>
+          </a:p>
+          <a:p>
+            <a:r>
+              <a:rPr lang="en-US" altLang="ko-KR" sz="1200" dirty="0">
+                <a:latin typeface="KoPubWorld돋움체 Bold" panose="00000800000000000000" pitchFamily="2" charset="-127"/>
+                <a:ea typeface="KoPubWorld돋움체 Bold" panose="00000800000000000000" pitchFamily="2" charset="-127"/>
+                <a:cs typeface="KoPubWorld돋움체 Bold" panose="00000800000000000000" pitchFamily="2" charset="-127"/>
+              </a:rPr>
+              <a:t>-&gt; </a:t>
+            </a:r>
+            <a:r>
+              <a:rPr lang="en-US" altLang="ko-KR" sz="1200" dirty="0">
+                <a:solidFill>
+                  <a:schemeClr val="bg1">
+                    <a:lumMod val="65000"/>
+                  </a:schemeClr>
+                </a:solidFill>
+                <a:latin typeface="KoPubWorld돋움체 Bold" panose="00000800000000000000" pitchFamily="2" charset="-127"/>
+                <a:ea typeface="KoPubWorld돋움체 Bold" panose="00000800000000000000" pitchFamily="2" charset="-127"/>
+                <a:cs typeface="KoPubWorld돋움체 Bold" panose="00000800000000000000" pitchFamily="2" charset="-127"/>
+              </a:rPr>
+              <a:t>1.3.4.6 </a:t>
+            </a:r>
+            <a:r>
+              <a:rPr lang="ko-KR" altLang="en-US" sz="1200" dirty="0" err="1">
+                <a:solidFill>
+                  <a:schemeClr val="bg1">
+                    <a:lumMod val="65000"/>
+                  </a:schemeClr>
+                </a:solidFill>
+                <a:latin typeface="KoPubWorld돋움체 Bold" panose="00000800000000000000" pitchFamily="2" charset="-127"/>
+                <a:ea typeface="KoPubWorld돋움체 Bold" panose="00000800000000000000" pitchFamily="2" charset="-127"/>
+                <a:cs typeface="KoPubWorld돋움체 Bold" panose="00000800000000000000" pitchFamily="2" charset="-127"/>
+              </a:rPr>
+              <a:t>쉬어가는</a:t>
+            </a:r>
+            <a:r>
+              <a:rPr lang="ko-KR" altLang="en-US" sz="1200" dirty="0">
+                <a:solidFill>
+                  <a:schemeClr val="bg1">
+                    <a:lumMod val="65000"/>
+                  </a:schemeClr>
+                </a:solidFill>
+                <a:latin typeface="KoPubWorld돋움체 Bold" panose="00000800000000000000" pitchFamily="2" charset="-127"/>
+                <a:ea typeface="KoPubWorld돋움체 Bold" panose="00000800000000000000" pitchFamily="2" charset="-127"/>
+                <a:cs typeface="KoPubWorld돋움체 Bold" panose="00000800000000000000" pitchFamily="2" charset="-127"/>
+              </a:rPr>
+              <a:t> 코너 </a:t>
+            </a:r>
+            <a:r>
+              <a:rPr lang="en-US" altLang="ko-KR" sz="1200" dirty="0">
+                <a:solidFill>
+                  <a:schemeClr val="bg1">
+                    <a:lumMod val="65000"/>
+                  </a:schemeClr>
+                </a:solidFill>
+                <a:latin typeface="KoPubWorld돋움체 Bold" panose="00000800000000000000" pitchFamily="2" charset="-127"/>
+                <a:ea typeface="KoPubWorld돋움체 Bold" panose="00000800000000000000" pitchFamily="2" charset="-127"/>
+                <a:cs typeface="KoPubWorld돋움체 Bold" panose="00000800000000000000" pitchFamily="2" charset="-127"/>
+              </a:rPr>
+              <a:t>2</a:t>
+            </a:r>
+          </a:p>
+          <a:p>
+            <a:endParaRPr lang="en-US" altLang="ko-KR" sz="1200" dirty="0">
+              <a:latin typeface="KoPubWorld돋움체 Bold" panose="00000800000000000000" pitchFamily="2" charset="-127"/>
+              <a:ea typeface="KoPubWorld돋움체 Bold" panose="00000800000000000000" pitchFamily="2" charset="-127"/>
+              <a:cs typeface="KoPubWorld돋움체 Bold" panose="00000800000000000000" pitchFamily="2" charset="-127"/>
+            </a:endParaRPr>
+          </a:p>
+          <a:p>
+            <a:r>
+              <a:rPr lang="ko-KR" altLang="en-US" sz="1200" dirty="0">
+                <a:solidFill>
+                  <a:srgbClr val="C00000"/>
+                </a:solidFill>
+                <a:latin typeface="KoPubWorld돋움체 Bold" panose="00000800000000000000" pitchFamily="2" charset="-127"/>
+                <a:ea typeface="KoPubWorld돋움체 Bold" panose="00000800000000000000" pitchFamily="2" charset="-127"/>
+                <a:cs typeface="KoPubWorld돋움체 Bold" panose="00000800000000000000" pitchFamily="2" charset="-127"/>
+              </a:rPr>
+              <a:t>다 </a:t>
+            </a:r>
+            <a:r>
+              <a:rPr lang="en-US" altLang="ko-KR" sz="1200" dirty="0">
+                <a:latin typeface="KoPubWorld돋움체 Bold" panose="00000800000000000000" pitchFamily="2" charset="-127"/>
+                <a:ea typeface="KoPubWorld돋움체 Bold" panose="00000800000000000000" pitchFamily="2" charset="-127"/>
+                <a:cs typeface="KoPubWorld돋움체 Bold" panose="00000800000000000000" pitchFamily="2" charset="-127"/>
+              </a:rPr>
+              <a:t>– </a:t>
+            </a:r>
+            <a:r>
+              <a:rPr lang="ko-KR" altLang="en-US" sz="1200" dirty="0">
+                <a:latin typeface="KoPubWorld돋움체 Bold" panose="00000800000000000000" pitchFamily="2" charset="-127"/>
+                <a:ea typeface="KoPubWorld돋움체 Bold" panose="00000800000000000000" pitchFamily="2" charset="-127"/>
+                <a:cs typeface="KoPubWorld돋움체 Bold" panose="00000800000000000000" pitchFamily="2" charset="-127"/>
+              </a:rPr>
+              <a:t>국가통계위원회의 기능에 통계품질 진단 및 개선 이야기가 있긴 하지만 국무총리실과 관련된 이야기는 없다</a:t>
+            </a:r>
+            <a:r>
+              <a:rPr lang="en-US" altLang="ko-KR" sz="1200" dirty="0">
+                <a:latin typeface="KoPubWorld돋움체 Bold" panose="00000800000000000000" pitchFamily="2" charset="-127"/>
+                <a:ea typeface="KoPubWorld돋움체 Bold" panose="00000800000000000000" pitchFamily="2" charset="-127"/>
+                <a:cs typeface="KoPubWorld돋움체 Bold" panose="00000800000000000000" pitchFamily="2" charset="-127"/>
+              </a:rPr>
+              <a:t>.</a:t>
+            </a:r>
+          </a:p>
+          <a:p>
+            <a:r>
+              <a:rPr lang="en-US" altLang="ko-KR" sz="1200" dirty="0">
+                <a:latin typeface="KoPubWorld돋움체 Bold" panose="00000800000000000000" pitchFamily="2" charset="-127"/>
+                <a:ea typeface="KoPubWorld돋움체 Bold" panose="00000800000000000000" pitchFamily="2" charset="-127"/>
+                <a:cs typeface="KoPubWorld돋움체 Bold" panose="00000800000000000000" pitchFamily="2" charset="-127"/>
+              </a:rPr>
+              <a:t>-&gt; </a:t>
+            </a:r>
+            <a:r>
+              <a:rPr lang="en-US" altLang="ko-KR" sz="1200" dirty="0">
+                <a:solidFill>
+                  <a:schemeClr val="bg1">
+                    <a:lumMod val="65000"/>
+                  </a:schemeClr>
+                </a:solidFill>
+                <a:latin typeface="KoPubWorld돋움체 Bold" panose="00000800000000000000" pitchFamily="2" charset="-127"/>
+                <a:ea typeface="KoPubWorld돋움체 Bold" panose="00000800000000000000" pitchFamily="2" charset="-127"/>
+                <a:cs typeface="KoPubWorld돋움체 Bold" panose="00000800000000000000" pitchFamily="2" charset="-127"/>
+              </a:rPr>
+              <a:t>1.3.3 </a:t>
+            </a:r>
+            <a:r>
+              <a:rPr lang="ko-KR" altLang="en-US" sz="1200" dirty="0">
+                <a:solidFill>
+                  <a:schemeClr val="bg1">
+                    <a:lumMod val="65000"/>
+                  </a:schemeClr>
+                </a:solidFill>
+                <a:latin typeface="KoPubWorld돋움체 Bold" panose="00000800000000000000" pitchFamily="2" charset="-127"/>
+                <a:ea typeface="KoPubWorld돋움체 Bold" panose="00000800000000000000" pitchFamily="2" charset="-127"/>
+                <a:cs typeface="KoPubWorld돋움체 Bold" panose="00000800000000000000" pitchFamily="2" charset="-127"/>
+              </a:rPr>
+              <a:t>통계정책 및 조정</a:t>
+            </a:r>
+          </a:p>
+        </p:txBody>
+      </p:sp>
+    </p:spTree>
+    <p:extLst>
+      <p:ext uri="{BB962C8B-B14F-4D97-AF65-F5344CB8AC3E}">
+        <p14:creationId xmlns:p14="http://schemas.microsoft.com/office/powerpoint/2010/main" val="3678968569"/>
+      </p:ext>
+    </p:extLst>
+  </p:cSld>
+  <p:clrMapOvr>
+    <a:masterClrMapping/>
+  </p:clrMapOvr>
+</p:sld>
+</file>
+
+<file path=ppt/slides/slide14.xml><?xml version="1.0" encoding="utf-8"?>
+<p:sld xmlns:a="http://schemas.openxmlformats.org/drawingml/2006/main" xmlns:r="http://schemas.openxmlformats.org/officeDocument/2006/relationships" xmlns:p="http://schemas.openxmlformats.org/presentationml/2006/main">
+  <p:cSld>
+    <p:spTree>
+      <p:nvGrpSpPr>
+        <p:cNvPr id="1" name=""/>
+        <p:cNvGrpSpPr/>
+        <p:nvPr/>
+      </p:nvGrpSpPr>
+      <p:grpSpPr>
+        <a:xfrm>
+          <a:off x="0" y="0"/>
+          <a:ext cx="0" cy="0"/>
+          <a:chOff x="0" y="0"/>
+          <a:chExt cx="0" cy="0"/>
+        </a:xfrm>
+      </p:grpSpPr>
+      <p:sp>
+        <p:nvSpPr>
+          <p:cNvPr id="4" name="TextBox 3">
+            <a:extLst>
+              <a:ext uri="{FF2B5EF4-FFF2-40B4-BE49-F238E27FC236}">
+                <a16:creationId xmlns:a16="http://schemas.microsoft.com/office/drawing/2014/main" id="{AE2D8C9B-8D25-4937-BDCF-C250B7D4D721}"/>
+              </a:ext>
+            </a:extLst>
+          </p:cNvPr>
+          <p:cNvSpPr txBox="1"/>
+          <p:nvPr/>
+        </p:nvSpPr>
+        <p:spPr>
+          <a:xfrm>
+            <a:off x="3103684" y="2921168"/>
+            <a:ext cx="5984631" cy="1015663"/>
+          </a:xfrm>
+          <a:prstGeom prst="rect">
+            <a:avLst/>
+          </a:prstGeom>
+          <a:noFill/>
+        </p:spPr>
+        <p:txBody>
+          <a:bodyPr wrap="square" rtlCol="0">
+            <a:spAutoFit/>
+          </a:bodyPr>
+          <a:lstStyle/>
+          <a:p>
+            <a:pPr algn="ctr"/>
+            <a:r>
+              <a:rPr lang="en-US" altLang="ko-KR" sz="4000" dirty="0">
+                <a:latin typeface="KoPub돋움체 Bold" panose="02020603020101020101" pitchFamily="18" charset="-127"/>
+                <a:ea typeface="KoPub돋움체 Bold" panose="02020603020101020101" pitchFamily="18" charset="-127"/>
+              </a:rPr>
+              <a:t>1.3 </a:t>
+            </a:r>
+            <a:r>
+              <a:rPr lang="ko-KR" altLang="en-US" sz="4000" dirty="0">
+                <a:latin typeface="KoPub돋움체 Bold" panose="02020603020101020101" pitchFamily="18" charset="-127"/>
+                <a:ea typeface="KoPub돋움체 Bold" panose="02020603020101020101" pitchFamily="18" charset="-127"/>
+              </a:rPr>
+              <a:t>우리나라의 통계제도</a:t>
+            </a:r>
+            <a:endParaRPr lang="en-US" altLang="ko-KR" sz="4000" dirty="0">
+              <a:latin typeface="KoPub돋움체 Bold" panose="02020603020101020101" pitchFamily="18" charset="-127"/>
+              <a:ea typeface="KoPub돋움체 Bold" panose="02020603020101020101" pitchFamily="18" charset="-127"/>
+            </a:endParaRPr>
+          </a:p>
+          <a:p>
+            <a:pPr algn="ctr"/>
+            <a:r>
+              <a:rPr lang="en-US" altLang="ko-KR" sz="2000" dirty="0">
+                <a:latin typeface="KoPub돋움체 Bold" panose="02020603020101020101" pitchFamily="18" charset="-127"/>
+                <a:ea typeface="KoPub돋움체 Bold" panose="02020603020101020101" pitchFamily="18" charset="-127"/>
+              </a:rPr>
+              <a:t>1.3.4 </a:t>
+            </a:r>
+            <a:r>
+              <a:rPr lang="ko-KR" altLang="en-US" sz="2000" dirty="0">
+                <a:latin typeface="KoPub돋움체 Bold" panose="02020603020101020101" pitchFamily="18" charset="-127"/>
+                <a:ea typeface="KoPub돋움체 Bold" panose="02020603020101020101" pitchFamily="18" charset="-127"/>
+              </a:rPr>
+              <a:t>표준분류</a:t>
+            </a:r>
+            <a:endParaRPr lang="en-US" altLang="ko-KR" sz="2000" dirty="0">
+              <a:latin typeface="KoPub돋움체 Bold" panose="02020603020101020101" pitchFamily="18" charset="-127"/>
+              <a:ea typeface="KoPub돋움체 Bold" panose="02020603020101020101" pitchFamily="18" charset="-127"/>
+            </a:endParaRPr>
+          </a:p>
+        </p:txBody>
+      </p:sp>
+    </p:spTree>
+    <p:extLst>
+      <p:ext uri="{BB962C8B-B14F-4D97-AF65-F5344CB8AC3E}">
+        <p14:creationId xmlns:p14="http://schemas.microsoft.com/office/powerpoint/2010/main" val="3409197615"/>
+      </p:ext>
+    </p:extLst>
+  </p:cSld>
+  <p:clrMapOvr>
+    <a:masterClrMapping/>
+  </p:clrMapOvr>
+</p:sld>
+</file>
+
+<file path=ppt/slides/slide15.xml><?xml version="1.0" encoding="utf-8"?>
+<p:sld xmlns:a="http://schemas.openxmlformats.org/drawingml/2006/main" xmlns:r="http://schemas.openxmlformats.org/officeDocument/2006/relationships" xmlns:p="http://schemas.openxmlformats.org/presentationml/2006/main">
+  <p:cSld>
+    <p:spTree>
+      <p:nvGrpSpPr>
+        <p:cNvPr id="1" name=""/>
+        <p:cNvGrpSpPr/>
+        <p:nvPr/>
+      </p:nvGrpSpPr>
+      <p:grpSpPr>
+        <a:xfrm>
+          <a:off x="0" y="0"/>
+          <a:ext cx="0" cy="0"/>
+          <a:chOff x="0" y="0"/>
+          <a:chExt cx="0" cy="0"/>
+        </a:xfrm>
+      </p:grpSpPr>
+      <p:pic>
+        <p:nvPicPr>
+          <p:cNvPr id="5" name="그림 4">
+            <a:extLst>
+              <a:ext uri="{FF2B5EF4-FFF2-40B4-BE49-F238E27FC236}">
+                <a16:creationId xmlns:a16="http://schemas.microsoft.com/office/drawing/2014/main" id="{8D55265D-98DB-42FE-8DB9-E3F5EBCFD342}"/>
+              </a:ext>
+            </a:extLst>
+          </p:cNvPr>
+          <p:cNvPicPr>
+            <a:picLocks noChangeAspect="1"/>
+          </p:cNvPicPr>
+          <p:nvPr/>
+        </p:nvPicPr>
+        <p:blipFill>
+          <a:blip r:embed="rId2">
+            <a:extLst>
+              <a:ext uri="{28A0092B-C50C-407E-A947-70E740481C1C}">
+                <a14:useLocalDpi xmlns:a14="http://schemas.microsoft.com/office/drawing/2010/main" val="0"/>
+              </a:ext>
+            </a:extLst>
+          </a:blip>
+          <a:stretch>
+            <a:fillRect/>
+          </a:stretch>
+        </p:blipFill>
+        <p:spPr>
+          <a:xfrm>
+            <a:off x="521677" y="359334"/>
+            <a:ext cx="3493477" cy="1069432"/>
+          </a:xfrm>
+          <a:prstGeom prst="rect">
+            <a:avLst/>
+          </a:prstGeom>
+        </p:spPr>
+      </p:pic>
+      <p:pic>
+        <p:nvPicPr>
+          <p:cNvPr id="7" name="그림 6">
+            <a:extLst>
+              <a:ext uri="{FF2B5EF4-FFF2-40B4-BE49-F238E27FC236}">
+                <a16:creationId xmlns:a16="http://schemas.microsoft.com/office/drawing/2014/main" id="{508A875C-E095-43EE-86AC-85054643184D}"/>
+              </a:ext>
+            </a:extLst>
+          </p:cNvPr>
+          <p:cNvPicPr>
+            <a:picLocks noChangeAspect="1"/>
+          </p:cNvPicPr>
+          <p:nvPr/>
+        </p:nvPicPr>
+        <p:blipFill>
+          <a:blip r:embed="rId3">
+            <a:extLst>
+              <a:ext uri="{28A0092B-C50C-407E-A947-70E740481C1C}">
+                <a14:useLocalDpi xmlns:a14="http://schemas.microsoft.com/office/drawing/2010/main" val="0"/>
+              </a:ext>
+            </a:extLst>
+          </a:blip>
+          <a:stretch>
+            <a:fillRect/>
+          </a:stretch>
+        </p:blipFill>
+        <p:spPr>
+          <a:xfrm>
+            <a:off x="451338" y="1840828"/>
+            <a:ext cx="2790093" cy="996896"/>
+          </a:xfrm>
+          <a:prstGeom prst="rect">
+            <a:avLst/>
+          </a:prstGeom>
+        </p:spPr>
+      </p:pic>
+      <p:pic>
+        <p:nvPicPr>
+          <p:cNvPr id="9" name="그림 8">
+            <a:extLst>
+              <a:ext uri="{FF2B5EF4-FFF2-40B4-BE49-F238E27FC236}">
+                <a16:creationId xmlns:a16="http://schemas.microsoft.com/office/drawing/2014/main" id="{5FAF12C2-7BFD-46C6-BCDF-A24610043E73}"/>
+              </a:ext>
+            </a:extLst>
+          </p:cNvPr>
+          <p:cNvPicPr>
+            <a:picLocks noChangeAspect="1"/>
+          </p:cNvPicPr>
+          <p:nvPr/>
+        </p:nvPicPr>
+        <p:blipFill>
+          <a:blip r:embed="rId4">
+            <a:extLst>
+              <a:ext uri="{28A0092B-C50C-407E-A947-70E740481C1C}">
+                <a14:useLocalDpi xmlns:a14="http://schemas.microsoft.com/office/drawing/2010/main" val="0"/>
+              </a:ext>
+            </a:extLst>
+          </a:blip>
+          <a:stretch>
+            <a:fillRect/>
+          </a:stretch>
+        </p:blipFill>
+        <p:spPr>
+          <a:xfrm>
+            <a:off x="451338" y="3099897"/>
+            <a:ext cx="3135465" cy="1911990"/>
+          </a:xfrm>
+          <a:prstGeom prst="rect">
+            <a:avLst/>
+          </a:prstGeom>
+        </p:spPr>
+      </p:pic>
+      <p:pic>
+        <p:nvPicPr>
+          <p:cNvPr id="11" name="그림 10">
+            <a:extLst>
+              <a:ext uri="{FF2B5EF4-FFF2-40B4-BE49-F238E27FC236}">
+                <a16:creationId xmlns:a16="http://schemas.microsoft.com/office/drawing/2014/main" id="{9975C0EE-D13D-4600-8AA9-EBA919836EED}"/>
+              </a:ext>
+            </a:extLst>
+          </p:cNvPr>
+          <p:cNvPicPr>
+            <a:picLocks noChangeAspect="1"/>
+          </p:cNvPicPr>
+          <p:nvPr/>
+        </p:nvPicPr>
+        <p:blipFill>
+          <a:blip r:embed="rId5">
+            <a:extLst>
+              <a:ext uri="{28A0092B-C50C-407E-A947-70E740481C1C}">
+                <a14:useLocalDpi xmlns:a14="http://schemas.microsoft.com/office/drawing/2010/main" val="0"/>
+              </a:ext>
+            </a:extLst>
+          </a:blip>
+          <a:stretch>
+            <a:fillRect/>
+          </a:stretch>
+        </p:blipFill>
+        <p:spPr>
+          <a:xfrm>
+            <a:off x="451338" y="5429234"/>
+            <a:ext cx="3696005" cy="1069432"/>
+          </a:xfrm>
+          <a:prstGeom prst="rect">
+            <a:avLst/>
+          </a:prstGeom>
+        </p:spPr>
+      </p:pic>
+      <p:pic>
+        <p:nvPicPr>
+          <p:cNvPr id="13" name="그림 12">
+            <a:extLst>
+              <a:ext uri="{FF2B5EF4-FFF2-40B4-BE49-F238E27FC236}">
+                <a16:creationId xmlns:a16="http://schemas.microsoft.com/office/drawing/2014/main" id="{AA109971-94DC-4803-9D12-F5E4D0EB0372}"/>
+              </a:ext>
+            </a:extLst>
+          </p:cNvPr>
+          <p:cNvPicPr>
+            <a:picLocks noChangeAspect="1"/>
+          </p:cNvPicPr>
+          <p:nvPr/>
+        </p:nvPicPr>
+        <p:blipFill>
+          <a:blip r:embed="rId6">
+            <a:extLst>
+              <a:ext uri="{28A0092B-C50C-407E-A947-70E740481C1C}">
+                <a14:useLocalDpi xmlns:a14="http://schemas.microsoft.com/office/drawing/2010/main" val="0"/>
+              </a:ext>
+            </a:extLst>
+          </a:blip>
+          <a:stretch>
+            <a:fillRect/>
+          </a:stretch>
+        </p:blipFill>
+        <p:spPr>
+          <a:xfrm>
+            <a:off x="4147343" y="416325"/>
+            <a:ext cx="3649219" cy="1339495"/>
+          </a:xfrm>
+          <a:prstGeom prst="rect">
+            <a:avLst/>
+          </a:prstGeom>
+        </p:spPr>
+      </p:pic>
+      <p:pic>
+        <p:nvPicPr>
+          <p:cNvPr id="15" name="그림 14">
+            <a:extLst>
+              <a:ext uri="{FF2B5EF4-FFF2-40B4-BE49-F238E27FC236}">
+                <a16:creationId xmlns:a16="http://schemas.microsoft.com/office/drawing/2014/main" id="{8E5B191A-CE2F-42D9-9A7D-AEA0BCA9B079}"/>
+              </a:ext>
+            </a:extLst>
+          </p:cNvPr>
+          <p:cNvPicPr>
+            <a:picLocks noChangeAspect="1"/>
+          </p:cNvPicPr>
+          <p:nvPr/>
+        </p:nvPicPr>
+        <p:blipFill>
+          <a:blip r:embed="rId7">
+            <a:extLst>
+              <a:ext uri="{28A0092B-C50C-407E-A947-70E740481C1C}">
+                <a14:useLocalDpi xmlns:a14="http://schemas.microsoft.com/office/drawing/2010/main" val="0"/>
+              </a:ext>
+            </a:extLst>
+          </a:blip>
+          <a:stretch>
+            <a:fillRect/>
+          </a:stretch>
+        </p:blipFill>
+        <p:spPr>
+          <a:xfrm>
+            <a:off x="4147343" y="2119731"/>
+            <a:ext cx="3701706" cy="996895"/>
+          </a:xfrm>
+          <a:prstGeom prst="rect">
+            <a:avLst/>
+          </a:prstGeom>
+        </p:spPr>
+      </p:pic>
+      <p:pic>
+        <p:nvPicPr>
+          <p:cNvPr id="17" name="그림 16">
+            <a:extLst>
+              <a:ext uri="{FF2B5EF4-FFF2-40B4-BE49-F238E27FC236}">
+                <a16:creationId xmlns:a16="http://schemas.microsoft.com/office/drawing/2014/main" id="{774BF381-228E-471D-AB7E-1EFC203E7748}"/>
+              </a:ext>
+            </a:extLst>
+          </p:cNvPr>
+          <p:cNvPicPr>
+            <a:picLocks noChangeAspect="1"/>
+          </p:cNvPicPr>
+          <p:nvPr/>
+        </p:nvPicPr>
+        <p:blipFill>
+          <a:blip r:embed="rId8">
+            <a:extLst>
+              <a:ext uri="{28A0092B-C50C-407E-A947-70E740481C1C}">
+                <a14:useLocalDpi xmlns:a14="http://schemas.microsoft.com/office/drawing/2010/main" val="0"/>
+              </a:ext>
+            </a:extLst>
+          </a:blip>
+          <a:stretch>
+            <a:fillRect/>
+          </a:stretch>
+        </p:blipFill>
+        <p:spPr>
+          <a:xfrm>
+            <a:off x="4147343" y="3624652"/>
+            <a:ext cx="2887000" cy="980789"/>
+          </a:xfrm>
+          <a:prstGeom prst="rect">
+            <a:avLst/>
+          </a:prstGeom>
+        </p:spPr>
+      </p:pic>
+      <p:sp>
+        <p:nvSpPr>
+          <p:cNvPr id="18" name="TextBox 17">
+            <a:extLst>
+              <a:ext uri="{FF2B5EF4-FFF2-40B4-BE49-F238E27FC236}">
+                <a16:creationId xmlns:a16="http://schemas.microsoft.com/office/drawing/2014/main" id="{57862BA1-CA4D-4082-8587-D408ACB306C7}"/>
+              </a:ext>
+            </a:extLst>
+          </p:cNvPr>
+          <p:cNvSpPr txBox="1"/>
+          <p:nvPr/>
+        </p:nvSpPr>
+        <p:spPr>
+          <a:xfrm>
+            <a:off x="451339" y="139326"/>
+            <a:ext cx="2097031" cy="276999"/>
+          </a:xfrm>
+          <a:prstGeom prst="rect">
+            <a:avLst/>
+          </a:prstGeom>
+          <a:noFill/>
+        </p:spPr>
+        <p:txBody>
+          <a:bodyPr wrap="square" rtlCol="0">
+            <a:spAutoFit/>
+          </a:bodyPr>
+          <a:lstStyle/>
+          <a:p>
+            <a:r>
+              <a:rPr lang="en-US" altLang="ko-KR" sz="1200" dirty="0">
+                <a:latin typeface="KoPub돋움체 Bold" panose="02020603020101020101" pitchFamily="18" charset="-127"/>
+                <a:ea typeface="KoPub돋움체 Bold" panose="02020603020101020101" pitchFamily="18" charset="-127"/>
+              </a:rPr>
+              <a:t>2019</a:t>
+            </a:r>
+            <a:r>
+              <a:rPr lang="ko-KR" altLang="en-US" sz="1200" dirty="0">
+                <a:latin typeface="KoPub돋움체 Bold" panose="02020603020101020101" pitchFamily="18" charset="-127"/>
+                <a:ea typeface="KoPub돋움체 Bold" panose="02020603020101020101" pitchFamily="18" charset="-127"/>
+              </a:rPr>
+              <a:t>년도 </a:t>
+            </a:r>
+            <a:r>
+              <a:rPr lang="en-US" altLang="ko-KR" sz="1200" dirty="0">
+                <a:latin typeface="KoPub돋움체 Bold" panose="02020603020101020101" pitchFamily="18" charset="-127"/>
+                <a:ea typeface="KoPub돋움체 Bold" panose="02020603020101020101" pitchFamily="18" charset="-127"/>
+              </a:rPr>
+              <a:t>1</a:t>
+            </a:r>
+            <a:r>
+              <a:rPr lang="ko-KR" altLang="en-US" sz="1200" dirty="0">
+                <a:latin typeface="KoPub돋움체 Bold" panose="02020603020101020101" pitchFamily="18" charset="-127"/>
+                <a:ea typeface="KoPub돋움체 Bold" panose="02020603020101020101" pitchFamily="18" charset="-127"/>
+              </a:rPr>
+              <a:t>학기</a:t>
+            </a:r>
+          </a:p>
+        </p:txBody>
+      </p:sp>
+      <p:sp>
+        <p:nvSpPr>
+          <p:cNvPr id="19" name="TextBox 18">
+            <a:extLst>
+              <a:ext uri="{FF2B5EF4-FFF2-40B4-BE49-F238E27FC236}">
+                <a16:creationId xmlns:a16="http://schemas.microsoft.com/office/drawing/2014/main" id="{4B75370A-7D3F-4678-9353-0708844724CA}"/>
+              </a:ext>
+            </a:extLst>
+          </p:cNvPr>
+          <p:cNvSpPr txBox="1"/>
+          <p:nvPr/>
+        </p:nvSpPr>
+        <p:spPr>
+          <a:xfrm>
+            <a:off x="451338" y="1560822"/>
+            <a:ext cx="2097031" cy="276999"/>
+          </a:xfrm>
+          <a:prstGeom prst="rect">
+            <a:avLst/>
+          </a:prstGeom>
+          <a:noFill/>
+        </p:spPr>
+        <p:txBody>
+          <a:bodyPr wrap="square" rtlCol="0">
+            <a:spAutoFit/>
+          </a:bodyPr>
+          <a:lstStyle/>
+          <a:p>
+            <a:r>
+              <a:rPr lang="en-US" altLang="ko-KR" sz="1200" dirty="0">
+                <a:latin typeface="KoPub돋움체 Bold" panose="02020603020101020101" pitchFamily="18" charset="-127"/>
+                <a:ea typeface="KoPub돋움체 Bold" panose="02020603020101020101" pitchFamily="18" charset="-127"/>
+              </a:rPr>
+              <a:t>2019</a:t>
+            </a:r>
+            <a:r>
+              <a:rPr lang="ko-KR" altLang="en-US" sz="1200" dirty="0">
+                <a:latin typeface="KoPub돋움체 Bold" panose="02020603020101020101" pitchFamily="18" charset="-127"/>
+                <a:ea typeface="KoPub돋움체 Bold" panose="02020603020101020101" pitchFamily="18" charset="-127"/>
+              </a:rPr>
+              <a:t>년도 </a:t>
+            </a:r>
+            <a:r>
+              <a:rPr lang="en-US" altLang="ko-KR" sz="1200" dirty="0">
+                <a:latin typeface="KoPub돋움체 Bold" panose="02020603020101020101" pitchFamily="18" charset="-127"/>
+                <a:ea typeface="KoPub돋움체 Bold" panose="02020603020101020101" pitchFamily="18" charset="-127"/>
+              </a:rPr>
+              <a:t>1</a:t>
+            </a:r>
+            <a:r>
+              <a:rPr lang="ko-KR" altLang="en-US" sz="1200" dirty="0">
+                <a:latin typeface="KoPub돋움체 Bold" panose="02020603020101020101" pitchFamily="18" charset="-127"/>
+                <a:ea typeface="KoPub돋움체 Bold" panose="02020603020101020101" pitchFamily="18" charset="-127"/>
+              </a:rPr>
+              <a:t>학기</a:t>
+            </a:r>
+          </a:p>
+        </p:txBody>
+      </p:sp>
+      <p:sp>
+        <p:nvSpPr>
+          <p:cNvPr id="20" name="TextBox 19">
+            <a:extLst>
+              <a:ext uri="{FF2B5EF4-FFF2-40B4-BE49-F238E27FC236}">
+                <a16:creationId xmlns:a16="http://schemas.microsoft.com/office/drawing/2014/main" id="{82048053-A0AE-4230-A364-23AAFD5A14E1}"/>
+              </a:ext>
+            </a:extLst>
+          </p:cNvPr>
+          <p:cNvSpPr txBox="1"/>
+          <p:nvPr/>
+        </p:nvSpPr>
+        <p:spPr>
+          <a:xfrm>
+            <a:off x="451338" y="5152439"/>
+            <a:ext cx="2097031" cy="276999"/>
+          </a:xfrm>
+          <a:prstGeom prst="rect">
+            <a:avLst/>
+          </a:prstGeom>
+          <a:noFill/>
+        </p:spPr>
+        <p:txBody>
+          <a:bodyPr wrap="square" rtlCol="0">
+            <a:spAutoFit/>
+          </a:bodyPr>
+          <a:lstStyle/>
+          <a:p>
+            <a:r>
+              <a:rPr lang="en-US" altLang="ko-KR" sz="1200" dirty="0">
+                <a:latin typeface="KoPub돋움체 Bold" panose="02020603020101020101" pitchFamily="18" charset="-127"/>
+                <a:ea typeface="KoPub돋움체 Bold" panose="02020603020101020101" pitchFamily="18" charset="-127"/>
+              </a:rPr>
+              <a:t>2018</a:t>
+            </a:r>
+            <a:r>
+              <a:rPr lang="ko-KR" altLang="en-US" sz="1200" dirty="0">
+                <a:latin typeface="KoPub돋움체 Bold" panose="02020603020101020101" pitchFamily="18" charset="-127"/>
+                <a:ea typeface="KoPub돋움체 Bold" panose="02020603020101020101" pitchFamily="18" charset="-127"/>
+              </a:rPr>
+              <a:t>년도 </a:t>
+            </a:r>
+            <a:r>
+              <a:rPr lang="en-US" altLang="ko-KR" sz="1200" dirty="0">
+                <a:latin typeface="KoPub돋움체 Bold" panose="02020603020101020101" pitchFamily="18" charset="-127"/>
+                <a:ea typeface="KoPub돋움체 Bold" panose="02020603020101020101" pitchFamily="18" charset="-127"/>
+              </a:rPr>
+              <a:t>1</a:t>
+            </a:r>
+            <a:r>
+              <a:rPr lang="ko-KR" altLang="en-US" sz="1200" dirty="0">
+                <a:latin typeface="KoPub돋움체 Bold" panose="02020603020101020101" pitchFamily="18" charset="-127"/>
+                <a:ea typeface="KoPub돋움체 Bold" panose="02020603020101020101" pitchFamily="18" charset="-127"/>
+              </a:rPr>
+              <a:t>학기</a:t>
+            </a:r>
+          </a:p>
+        </p:txBody>
+      </p:sp>
+      <p:sp>
+        <p:nvSpPr>
+          <p:cNvPr id="21" name="TextBox 20">
+            <a:extLst>
+              <a:ext uri="{FF2B5EF4-FFF2-40B4-BE49-F238E27FC236}">
+                <a16:creationId xmlns:a16="http://schemas.microsoft.com/office/drawing/2014/main" id="{4C3F4095-3C63-4FC6-A58F-4E5E69560A7A}"/>
+              </a:ext>
+            </a:extLst>
+          </p:cNvPr>
+          <p:cNvSpPr txBox="1"/>
+          <p:nvPr/>
+        </p:nvSpPr>
+        <p:spPr>
+          <a:xfrm>
+            <a:off x="4147344" y="139326"/>
+            <a:ext cx="2097031" cy="276999"/>
+          </a:xfrm>
+          <a:prstGeom prst="rect">
+            <a:avLst/>
+          </a:prstGeom>
+          <a:noFill/>
+        </p:spPr>
+        <p:txBody>
+          <a:bodyPr wrap="square" rtlCol="0">
+            <a:spAutoFit/>
+          </a:bodyPr>
+          <a:lstStyle/>
+          <a:p>
+            <a:r>
+              <a:rPr lang="en-US" altLang="ko-KR" sz="1200" dirty="0">
+                <a:latin typeface="KoPub돋움체 Bold" panose="02020603020101020101" pitchFamily="18" charset="-127"/>
+                <a:ea typeface="KoPub돋움체 Bold" panose="02020603020101020101" pitchFamily="18" charset="-127"/>
+              </a:rPr>
+              <a:t>2017</a:t>
+            </a:r>
+            <a:r>
+              <a:rPr lang="ko-KR" altLang="en-US" sz="1200" dirty="0">
+                <a:latin typeface="KoPub돋움체 Bold" panose="02020603020101020101" pitchFamily="18" charset="-127"/>
+                <a:ea typeface="KoPub돋움체 Bold" panose="02020603020101020101" pitchFamily="18" charset="-127"/>
+              </a:rPr>
+              <a:t>년도 </a:t>
+            </a:r>
+            <a:r>
+              <a:rPr lang="en-US" altLang="ko-KR" sz="1200" dirty="0">
+                <a:latin typeface="KoPub돋움체 Bold" panose="02020603020101020101" pitchFamily="18" charset="-127"/>
+                <a:ea typeface="KoPub돋움체 Bold" panose="02020603020101020101" pitchFamily="18" charset="-127"/>
+              </a:rPr>
+              <a:t>1</a:t>
+            </a:r>
+            <a:r>
+              <a:rPr lang="ko-KR" altLang="en-US" sz="1200" dirty="0">
+                <a:latin typeface="KoPub돋움체 Bold" panose="02020603020101020101" pitchFamily="18" charset="-127"/>
+                <a:ea typeface="KoPub돋움체 Bold" panose="02020603020101020101" pitchFamily="18" charset="-127"/>
+              </a:rPr>
+              <a:t>학기</a:t>
+            </a:r>
+          </a:p>
+        </p:txBody>
+      </p:sp>
+      <p:sp>
+        <p:nvSpPr>
+          <p:cNvPr id="22" name="TextBox 21">
+            <a:extLst>
+              <a:ext uri="{FF2B5EF4-FFF2-40B4-BE49-F238E27FC236}">
+                <a16:creationId xmlns:a16="http://schemas.microsoft.com/office/drawing/2014/main" id="{9FCE7AEC-5BD3-490E-8659-207E977D2BA6}"/>
+              </a:ext>
+            </a:extLst>
+          </p:cNvPr>
+          <p:cNvSpPr txBox="1"/>
+          <p:nvPr/>
+        </p:nvSpPr>
+        <p:spPr>
+          <a:xfrm>
+            <a:off x="451338" y="2875184"/>
+            <a:ext cx="2097031" cy="276999"/>
+          </a:xfrm>
+          <a:prstGeom prst="rect">
+            <a:avLst/>
+          </a:prstGeom>
+          <a:noFill/>
+        </p:spPr>
+        <p:txBody>
+          <a:bodyPr wrap="square" rtlCol="0">
+            <a:spAutoFit/>
+          </a:bodyPr>
+          <a:lstStyle/>
+          <a:p>
+            <a:r>
+              <a:rPr lang="en-US" altLang="ko-KR" sz="1200" dirty="0">
+                <a:latin typeface="KoPub돋움체 Bold" panose="02020603020101020101" pitchFamily="18" charset="-127"/>
+                <a:ea typeface="KoPub돋움체 Bold" panose="02020603020101020101" pitchFamily="18" charset="-127"/>
+              </a:rPr>
+              <a:t>2018</a:t>
+            </a:r>
+            <a:r>
+              <a:rPr lang="ko-KR" altLang="en-US" sz="1200" dirty="0">
+                <a:latin typeface="KoPub돋움체 Bold" panose="02020603020101020101" pitchFamily="18" charset="-127"/>
+                <a:ea typeface="KoPub돋움체 Bold" panose="02020603020101020101" pitchFamily="18" charset="-127"/>
+              </a:rPr>
+              <a:t>년도 </a:t>
+            </a:r>
+            <a:r>
+              <a:rPr lang="en-US" altLang="ko-KR" sz="1200" dirty="0">
+                <a:latin typeface="KoPub돋움체 Bold" panose="02020603020101020101" pitchFamily="18" charset="-127"/>
+                <a:ea typeface="KoPub돋움체 Bold" panose="02020603020101020101" pitchFamily="18" charset="-127"/>
+              </a:rPr>
+              <a:t>1</a:t>
+            </a:r>
+            <a:r>
+              <a:rPr lang="ko-KR" altLang="en-US" sz="1200" dirty="0">
+                <a:latin typeface="KoPub돋움체 Bold" panose="02020603020101020101" pitchFamily="18" charset="-127"/>
+                <a:ea typeface="KoPub돋움체 Bold" panose="02020603020101020101" pitchFamily="18" charset="-127"/>
+              </a:rPr>
+              <a:t>학기</a:t>
+            </a:r>
+          </a:p>
+        </p:txBody>
+      </p:sp>
+      <p:sp>
+        <p:nvSpPr>
+          <p:cNvPr id="23" name="TextBox 22">
+            <a:extLst>
+              <a:ext uri="{FF2B5EF4-FFF2-40B4-BE49-F238E27FC236}">
+                <a16:creationId xmlns:a16="http://schemas.microsoft.com/office/drawing/2014/main" id="{548BED6C-87CB-4FD2-8D0E-675146EB50FE}"/>
+              </a:ext>
+            </a:extLst>
+          </p:cNvPr>
+          <p:cNvSpPr txBox="1"/>
+          <p:nvPr/>
+        </p:nvSpPr>
+        <p:spPr>
+          <a:xfrm>
+            <a:off x="4147344" y="1894319"/>
+            <a:ext cx="2097031" cy="276999"/>
+          </a:xfrm>
+          <a:prstGeom prst="rect">
+            <a:avLst/>
+          </a:prstGeom>
+          <a:noFill/>
+        </p:spPr>
+        <p:txBody>
+          <a:bodyPr wrap="square" rtlCol="0">
+            <a:spAutoFit/>
+          </a:bodyPr>
+          <a:lstStyle/>
+          <a:p>
+            <a:r>
+              <a:rPr lang="en-US" altLang="ko-KR" sz="1200" dirty="0">
+                <a:latin typeface="KoPub돋움체 Bold" panose="02020603020101020101" pitchFamily="18" charset="-127"/>
+                <a:ea typeface="KoPub돋움체 Bold" panose="02020603020101020101" pitchFamily="18" charset="-127"/>
+              </a:rPr>
+              <a:t>2015</a:t>
+            </a:r>
+            <a:r>
+              <a:rPr lang="ko-KR" altLang="en-US" sz="1200" dirty="0">
+                <a:latin typeface="KoPub돋움체 Bold" panose="02020603020101020101" pitchFamily="18" charset="-127"/>
+                <a:ea typeface="KoPub돋움체 Bold" panose="02020603020101020101" pitchFamily="18" charset="-127"/>
+              </a:rPr>
+              <a:t>년도 </a:t>
+            </a:r>
+            <a:r>
+              <a:rPr lang="en-US" altLang="ko-KR" sz="1200" dirty="0">
+                <a:latin typeface="KoPub돋움체 Bold" panose="02020603020101020101" pitchFamily="18" charset="-127"/>
+                <a:ea typeface="KoPub돋움체 Bold" panose="02020603020101020101" pitchFamily="18" charset="-127"/>
+              </a:rPr>
+              <a:t>1</a:t>
+            </a:r>
+            <a:r>
+              <a:rPr lang="ko-KR" altLang="en-US" sz="1200" dirty="0">
+                <a:latin typeface="KoPub돋움체 Bold" panose="02020603020101020101" pitchFamily="18" charset="-127"/>
+                <a:ea typeface="KoPub돋움체 Bold" panose="02020603020101020101" pitchFamily="18" charset="-127"/>
+              </a:rPr>
+              <a:t>학기</a:t>
+            </a:r>
+          </a:p>
+        </p:txBody>
+      </p:sp>
+      <p:sp>
+        <p:nvSpPr>
+          <p:cNvPr id="24" name="TextBox 23">
+            <a:extLst>
+              <a:ext uri="{FF2B5EF4-FFF2-40B4-BE49-F238E27FC236}">
+                <a16:creationId xmlns:a16="http://schemas.microsoft.com/office/drawing/2014/main" id="{67BECE94-6384-41C6-A2F7-9C2C5B149E7B}"/>
+              </a:ext>
+            </a:extLst>
+          </p:cNvPr>
+          <p:cNvSpPr txBox="1"/>
+          <p:nvPr/>
+        </p:nvSpPr>
+        <p:spPr>
+          <a:xfrm>
+            <a:off x="4147344" y="3342037"/>
+            <a:ext cx="2097031" cy="276999"/>
+          </a:xfrm>
+          <a:prstGeom prst="rect">
+            <a:avLst/>
+          </a:prstGeom>
+          <a:noFill/>
+        </p:spPr>
+        <p:txBody>
+          <a:bodyPr wrap="square" rtlCol="0">
+            <a:spAutoFit/>
+          </a:bodyPr>
+          <a:lstStyle/>
+          <a:p>
+            <a:r>
+              <a:rPr lang="en-US" altLang="ko-KR" sz="1200" dirty="0">
+                <a:latin typeface="KoPub돋움체 Bold" panose="02020603020101020101" pitchFamily="18" charset="-127"/>
+                <a:ea typeface="KoPub돋움체 Bold" panose="02020603020101020101" pitchFamily="18" charset="-127"/>
+              </a:rPr>
+              <a:t>2015</a:t>
+            </a:r>
+            <a:r>
+              <a:rPr lang="ko-KR" altLang="en-US" sz="1200" dirty="0">
+                <a:latin typeface="KoPub돋움체 Bold" panose="02020603020101020101" pitchFamily="18" charset="-127"/>
+                <a:ea typeface="KoPub돋움체 Bold" panose="02020603020101020101" pitchFamily="18" charset="-127"/>
+              </a:rPr>
+              <a:t>년도 </a:t>
+            </a:r>
+            <a:r>
+              <a:rPr lang="en-US" altLang="ko-KR" sz="1200" dirty="0">
+                <a:latin typeface="KoPub돋움체 Bold" panose="02020603020101020101" pitchFamily="18" charset="-127"/>
+                <a:ea typeface="KoPub돋움체 Bold" panose="02020603020101020101" pitchFamily="18" charset="-127"/>
+              </a:rPr>
+              <a:t>1</a:t>
+            </a:r>
+            <a:r>
+              <a:rPr lang="ko-KR" altLang="en-US" sz="1200" dirty="0">
+                <a:latin typeface="KoPub돋움체 Bold" panose="02020603020101020101" pitchFamily="18" charset="-127"/>
+                <a:ea typeface="KoPub돋움체 Bold" panose="02020603020101020101" pitchFamily="18" charset="-127"/>
+              </a:rPr>
+              <a:t>학기</a:t>
+            </a:r>
+          </a:p>
+        </p:txBody>
+      </p:sp>
+      <p:sp>
+        <p:nvSpPr>
+          <p:cNvPr id="25" name="직사각형 24">
+            <a:extLst>
+              <a:ext uri="{FF2B5EF4-FFF2-40B4-BE49-F238E27FC236}">
+                <a16:creationId xmlns:a16="http://schemas.microsoft.com/office/drawing/2014/main" id="{59EDAAAE-411A-4AFB-9B23-D1659BEC112E}"/>
+              </a:ext>
+            </a:extLst>
+          </p:cNvPr>
+          <p:cNvSpPr/>
+          <p:nvPr/>
+        </p:nvSpPr>
+        <p:spPr>
+          <a:xfrm>
+            <a:off x="720971" y="1233823"/>
+            <a:ext cx="1072660" cy="157483"/>
+          </a:xfrm>
+          <a:prstGeom prst="rect">
+            <a:avLst/>
+          </a:prstGeom>
+          <a:noFill/>
+          <a:ln w="25400">
+            <a:solidFill>
+              <a:srgbClr val="C00000"/>
+            </a:solidFill>
+          </a:ln>
+        </p:spPr>
+        <p:style>
+          <a:lnRef idx="2">
+            <a:schemeClr val="accent1">
+              <a:shade val="50000"/>
+            </a:schemeClr>
+          </a:lnRef>
+          <a:fillRef idx="1">
+            <a:schemeClr val="accent1"/>
+          </a:fillRef>
+          <a:effectRef idx="0">
+            <a:schemeClr val="accent1"/>
+          </a:effectRef>
+          <a:fontRef idx="minor">
+            <a:schemeClr val="lt1"/>
+          </a:fontRef>
+        </p:style>
+        <p:txBody>
+          <a:bodyPr rtlCol="0" anchor="ctr"/>
+          <a:lstStyle/>
+          <a:p>
+            <a:pPr algn="ctr"/>
+            <a:endParaRPr lang="ko-KR" altLang="en-US"/>
+          </a:p>
+        </p:txBody>
+      </p:sp>
+      <p:sp>
+        <p:nvSpPr>
+          <p:cNvPr id="26" name="직사각형 25">
+            <a:extLst>
+              <a:ext uri="{FF2B5EF4-FFF2-40B4-BE49-F238E27FC236}">
+                <a16:creationId xmlns:a16="http://schemas.microsoft.com/office/drawing/2014/main" id="{F7716016-572A-4063-9CBD-D798ED896813}"/>
+              </a:ext>
+            </a:extLst>
+          </p:cNvPr>
+          <p:cNvSpPr/>
+          <p:nvPr/>
+        </p:nvSpPr>
+        <p:spPr>
+          <a:xfrm>
+            <a:off x="720971" y="2062534"/>
+            <a:ext cx="1236783" cy="157483"/>
+          </a:xfrm>
+          <a:prstGeom prst="rect">
+            <a:avLst/>
+          </a:prstGeom>
+          <a:noFill/>
+          <a:ln w="25400">
+            <a:solidFill>
+              <a:srgbClr val="C00000"/>
+            </a:solidFill>
+          </a:ln>
+        </p:spPr>
+        <p:style>
+          <a:lnRef idx="2">
+            <a:schemeClr val="accent1">
+              <a:shade val="50000"/>
+            </a:schemeClr>
+          </a:lnRef>
+          <a:fillRef idx="1">
+            <a:schemeClr val="accent1"/>
+          </a:fillRef>
+          <a:effectRef idx="0">
+            <a:schemeClr val="accent1"/>
+          </a:effectRef>
+          <a:fontRef idx="minor">
+            <a:schemeClr val="lt1"/>
+          </a:fontRef>
+        </p:style>
+        <p:txBody>
+          <a:bodyPr rtlCol="0" anchor="ctr"/>
+          <a:lstStyle/>
+          <a:p>
+            <a:pPr algn="ctr"/>
+            <a:endParaRPr lang="ko-KR" altLang="en-US"/>
+          </a:p>
+        </p:txBody>
+      </p:sp>
+      <p:sp>
+        <p:nvSpPr>
+          <p:cNvPr id="27" name="직사각형 26">
+            <a:extLst>
+              <a:ext uri="{FF2B5EF4-FFF2-40B4-BE49-F238E27FC236}">
+                <a16:creationId xmlns:a16="http://schemas.microsoft.com/office/drawing/2014/main" id="{CEA311C6-CB6E-4AA1-B688-96C2C05E7BE5}"/>
+              </a:ext>
+            </a:extLst>
+          </p:cNvPr>
+          <p:cNvSpPr/>
+          <p:nvPr/>
+        </p:nvSpPr>
+        <p:spPr>
+          <a:xfrm>
+            <a:off x="609601" y="6151529"/>
+            <a:ext cx="750275" cy="157483"/>
+          </a:xfrm>
+          <a:prstGeom prst="rect">
+            <a:avLst/>
+          </a:prstGeom>
+          <a:noFill/>
+          <a:ln w="25400">
+            <a:solidFill>
+              <a:srgbClr val="C00000"/>
+            </a:solidFill>
+          </a:ln>
+        </p:spPr>
+        <p:style>
+          <a:lnRef idx="2">
+            <a:schemeClr val="accent1">
+              <a:shade val="50000"/>
+            </a:schemeClr>
+          </a:lnRef>
+          <a:fillRef idx="1">
+            <a:schemeClr val="accent1"/>
+          </a:fillRef>
+          <a:effectRef idx="0">
+            <a:schemeClr val="accent1"/>
+          </a:effectRef>
+          <a:fontRef idx="minor">
+            <a:schemeClr val="lt1"/>
+          </a:fontRef>
+        </p:style>
+        <p:txBody>
+          <a:bodyPr rtlCol="0" anchor="ctr"/>
+          <a:lstStyle/>
+          <a:p>
+            <a:pPr algn="ctr"/>
+            <a:endParaRPr lang="ko-KR" altLang="en-US"/>
+          </a:p>
+        </p:txBody>
+      </p:sp>
+      <p:sp>
+        <p:nvSpPr>
+          <p:cNvPr id="28" name="직사각형 27">
+            <a:extLst>
+              <a:ext uri="{FF2B5EF4-FFF2-40B4-BE49-F238E27FC236}">
+                <a16:creationId xmlns:a16="http://schemas.microsoft.com/office/drawing/2014/main" id="{7D3AACB6-64F2-4EA3-A7B3-5012C48D3F5F}"/>
+              </a:ext>
+            </a:extLst>
+          </p:cNvPr>
+          <p:cNvSpPr/>
+          <p:nvPr/>
+        </p:nvSpPr>
+        <p:spPr>
+          <a:xfrm>
+            <a:off x="623578" y="4843451"/>
+            <a:ext cx="662352" cy="157483"/>
+          </a:xfrm>
+          <a:prstGeom prst="rect">
+            <a:avLst/>
+          </a:prstGeom>
+          <a:noFill/>
+          <a:ln w="25400">
+            <a:solidFill>
+              <a:srgbClr val="C00000"/>
+            </a:solidFill>
+          </a:ln>
+        </p:spPr>
+        <p:style>
+          <a:lnRef idx="2">
+            <a:schemeClr val="accent1">
+              <a:shade val="50000"/>
+            </a:schemeClr>
+          </a:lnRef>
+          <a:fillRef idx="1">
+            <a:schemeClr val="accent1"/>
+          </a:fillRef>
+          <a:effectRef idx="0">
+            <a:schemeClr val="accent1"/>
+          </a:effectRef>
+          <a:fontRef idx="minor">
+            <a:schemeClr val="lt1"/>
+          </a:fontRef>
+        </p:style>
+        <p:txBody>
+          <a:bodyPr rtlCol="0" anchor="ctr"/>
+          <a:lstStyle/>
+          <a:p>
+            <a:pPr algn="ctr"/>
+            <a:endParaRPr lang="ko-KR" altLang="en-US"/>
+          </a:p>
+        </p:txBody>
+      </p:sp>
+      <p:sp>
+        <p:nvSpPr>
+          <p:cNvPr id="29" name="직사각형 28">
+            <a:extLst>
+              <a:ext uri="{FF2B5EF4-FFF2-40B4-BE49-F238E27FC236}">
+                <a16:creationId xmlns:a16="http://schemas.microsoft.com/office/drawing/2014/main" id="{6C3DBE6A-CF98-4CF8-AC28-0D9C1B705253}"/>
+              </a:ext>
+            </a:extLst>
+          </p:cNvPr>
+          <p:cNvSpPr/>
+          <p:nvPr/>
+        </p:nvSpPr>
+        <p:spPr>
+          <a:xfrm>
+            <a:off x="4308729" y="1368638"/>
+            <a:ext cx="750275" cy="157483"/>
+          </a:xfrm>
+          <a:prstGeom prst="rect">
+            <a:avLst/>
+          </a:prstGeom>
+          <a:noFill/>
+          <a:ln w="25400">
+            <a:solidFill>
+              <a:srgbClr val="C00000"/>
+            </a:solidFill>
+          </a:ln>
+        </p:spPr>
+        <p:style>
+          <a:lnRef idx="2">
+            <a:schemeClr val="accent1">
+              <a:shade val="50000"/>
+            </a:schemeClr>
+          </a:lnRef>
+          <a:fillRef idx="1">
+            <a:schemeClr val="accent1"/>
+          </a:fillRef>
+          <a:effectRef idx="0">
+            <a:schemeClr val="accent1"/>
+          </a:effectRef>
+          <a:fontRef idx="minor">
+            <a:schemeClr val="lt1"/>
+          </a:fontRef>
+        </p:style>
+        <p:txBody>
+          <a:bodyPr rtlCol="0" anchor="ctr"/>
+          <a:lstStyle/>
+          <a:p>
+            <a:pPr algn="ctr"/>
+            <a:endParaRPr lang="ko-KR" altLang="en-US"/>
+          </a:p>
+        </p:txBody>
+      </p:sp>
+      <p:sp>
+        <p:nvSpPr>
+          <p:cNvPr id="30" name="직사각형 29">
+            <a:extLst>
+              <a:ext uri="{FF2B5EF4-FFF2-40B4-BE49-F238E27FC236}">
+                <a16:creationId xmlns:a16="http://schemas.microsoft.com/office/drawing/2014/main" id="{D053FC99-7D03-40CC-AD69-2FFA7FCD4F34}"/>
+              </a:ext>
+            </a:extLst>
+          </p:cNvPr>
+          <p:cNvSpPr/>
+          <p:nvPr/>
+        </p:nvSpPr>
+        <p:spPr>
+          <a:xfrm>
+            <a:off x="4308729" y="2708133"/>
+            <a:ext cx="750275" cy="157483"/>
+          </a:xfrm>
+          <a:prstGeom prst="rect">
+            <a:avLst/>
+          </a:prstGeom>
+          <a:noFill/>
+          <a:ln w="25400">
+            <a:solidFill>
+              <a:srgbClr val="C00000"/>
+            </a:solidFill>
+          </a:ln>
+        </p:spPr>
+        <p:style>
+          <a:lnRef idx="2">
+            <a:schemeClr val="accent1">
+              <a:shade val="50000"/>
+            </a:schemeClr>
+          </a:lnRef>
+          <a:fillRef idx="1">
+            <a:schemeClr val="accent1"/>
+          </a:fillRef>
+          <a:effectRef idx="0">
+            <a:schemeClr val="accent1"/>
+          </a:effectRef>
+          <a:fontRef idx="minor">
+            <a:schemeClr val="lt1"/>
+          </a:fontRef>
+        </p:style>
+        <p:txBody>
+          <a:bodyPr rtlCol="0" anchor="ctr"/>
+          <a:lstStyle/>
+          <a:p>
+            <a:pPr algn="ctr"/>
+            <a:endParaRPr lang="ko-KR" altLang="en-US"/>
+          </a:p>
+        </p:txBody>
+      </p:sp>
+      <p:sp>
+        <p:nvSpPr>
+          <p:cNvPr id="31" name="직사각형 30">
+            <a:extLst>
+              <a:ext uri="{FF2B5EF4-FFF2-40B4-BE49-F238E27FC236}">
+                <a16:creationId xmlns:a16="http://schemas.microsoft.com/office/drawing/2014/main" id="{F3B58BFF-B615-48F6-84F9-9D67F88419E5}"/>
+              </a:ext>
+            </a:extLst>
+          </p:cNvPr>
+          <p:cNvSpPr/>
+          <p:nvPr/>
+        </p:nvSpPr>
+        <p:spPr>
+          <a:xfrm>
+            <a:off x="4379067" y="4422500"/>
+            <a:ext cx="1242645" cy="157483"/>
+          </a:xfrm>
+          <a:prstGeom prst="rect">
+            <a:avLst/>
+          </a:prstGeom>
+          <a:noFill/>
+          <a:ln w="25400">
+            <a:solidFill>
+              <a:srgbClr val="C00000"/>
+            </a:solidFill>
+          </a:ln>
+        </p:spPr>
+        <p:style>
+          <a:lnRef idx="2">
+            <a:schemeClr val="accent1">
+              <a:shade val="50000"/>
+            </a:schemeClr>
+          </a:lnRef>
+          <a:fillRef idx="1">
+            <a:schemeClr val="accent1"/>
+          </a:fillRef>
+          <a:effectRef idx="0">
+            <a:schemeClr val="accent1"/>
+          </a:effectRef>
+          <a:fontRef idx="minor">
+            <a:schemeClr val="lt1"/>
+          </a:fontRef>
+        </p:style>
+        <p:txBody>
+          <a:bodyPr rtlCol="0" anchor="ctr"/>
+          <a:lstStyle/>
+          <a:p>
+            <a:pPr algn="ctr"/>
+            <a:endParaRPr lang="ko-KR" altLang="en-US"/>
+          </a:p>
+        </p:txBody>
+      </p:sp>
+      <p:sp>
+        <p:nvSpPr>
+          <p:cNvPr id="41" name="TextBox 40">
+            <a:extLst>
+              <a:ext uri="{FF2B5EF4-FFF2-40B4-BE49-F238E27FC236}">
+                <a16:creationId xmlns:a16="http://schemas.microsoft.com/office/drawing/2014/main" id="{73469199-C48B-458E-B00F-EDA1165C9166}"/>
+              </a:ext>
+            </a:extLst>
+          </p:cNvPr>
+          <p:cNvSpPr txBox="1"/>
+          <p:nvPr/>
+        </p:nvSpPr>
+        <p:spPr>
+          <a:xfrm>
+            <a:off x="8971885" y="1514397"/>
+            <a:ext cx="2887000" cy="3046988"/>
+          </a:xfrm>
+          <a:prstGeom prst="rect">
+            <a:avLst/>
+          </a:prstGeom>
+          <a:noFill/>
+        </p:spPr>
+        <p:txBody>
+          <a:bodyPr wrap="square" rtlCol="0">
+            <a:spAutoFit/>
+          </a:bodyPr>
+          <a:lstStyle/>
+          <a:p>
+            <a:r>
+              <a:rPr lang="ko-KR" altLang="en-US" sz="1200" dirty="0">
+                <a:solidFill>
+                  <a:srgbClr val="00B0F0"/>
+                </a:solidFill>
+                <a:latin typeface="KoPubWorld돋움체 Bold" panose="00000800000000000000" pitchFamily="2" charset="-127"/>
+                <a:ea typeface="KoPubWorld돋움체 Bold" panose="00000800000000000000" pitchFamily="2" charset="-127"/>
+                <a:cs typeface="KoPubWorld돋움체 Bold" panose="00000800000000000000" pitchFamily="2" charset="-127"/>
+              </a:rPr>
+              <a:t>통계기준 </a:t>
+            </a:r>
+            <a:r>
+              <a:rPr lang="en-US" altLang="ko-KR" sz="1200" dirty="0">
+                <a:latin typeface="KoPubWorld돋움체 Bold" panose="00000800000000000000" pitchFamily="2" charset="-127"/>
+                <a:ea typeface="KoPubWorld돋움체 Bold" panose="00000800000000000000" pitchFamily="2" charset="-127"/>
+                <a:cs typeface="KoPubWorld돋움체 Bold" panose="00000800000000000000" pitchFamily="2" charset="-127"/>
+              </a:rPr>
+              <a:t>– </a:t>
+            </a:r>
+            <a:r>
+              <a:rPr lang="ko-KR" altLang="en-US" sz="1200" dirty="0">
+                <a:latin typeface="KoPubWorld돋움체 Bold" panose="00000800000000000000" pitchFamily="2" charset="-127"/>
+                <a:ea typeface="KoPubWorld돋움체 Bold" panose="00000800000000000000" pitchFamily="2" charset="-127"/>
+                <a:cs typeface="KoPubWorld돋움체 Bold" panose="00000800000000000000" pitchFamily="2" charset="-127"/>
+              </a:rPr>
+              <a:t>시간적 또는 공간적으로 일관되게 사용되도록 표준화된 정의체계 </a:t>
+            </a:r>
+            <a:r>
+              <a:rPr lang="en-US" altLang="ko-KR" sz="1200" dirty="0">
+                <a:latin typeface="KoPubWorld돋움체 Bold" panose="00000800000000000000" pitchFamily="2" charset="-127"/>
+                <a:ea typeface="KoPubWorld돋움체 Bold" panose="00000800000000000000" pitchFamily="2" charset="-127"/>
+                <a:cs typeface="KoPubWorld돋움체 Bold" panose="00000800000000000000" pitchFamily="2" charset="-127"/>
+              </a:rPr>
+              <a:t>-&gt; </a:t>
+            </a:r>
+            <a:r>
+              <a:rPr lang="en-US" altLang="ko-KR" sz="1200" dirty="0">
+                <a:solidFill>
+                  <a:schemeClr val="bg1">
+                    <a:lumMod val="65000"/>
+                  </a:schemeClr>
+                </a:solidFill>
+                <a:latin typeface="KoPubWorld돋움체 Bold" panose="00000800000000000000" pitchFamily="2" charset="-127"/>
+                <a:ea typeface="KoPubWorld돋움체 Bold" panose="00000800000000000000" pitchFamily="2" charset="-127"/>
+                <a:cs typeface="KoPubWorld돋움체 Bold" panose="00000800000000000000" pitchFamily="2" charset="-127"/>
+              </a:rPr>
+              <a:t>3</a:t>
+            </a:r>
+            <a:r>
+              <a:rPr lang="ko-KR" altLang="en-US" sz="1200" dirty="0">
+                <a:solidFill>
+                  <a:schemeClr val="bg1">
+                    <a:lumMod val="65000"/>
+                  </a:schemeClr>
+                </a:solidFill>
+                <a:latin typeface="KoPubWorld돋움체 Bold" panose="00000800000000000000" pitchFamily="2" charset="-127"/>
+                <a:ea typeface="KoPubWorld돋움체 Bold" panose="00000800000000000000" pitchFamily="2" charset="-127"/>
+                <a:cs typeface="KoPubWorld돋움체 Bold" panose="00000800000000000000" pitchFamily="2" charset="-127"/>
+              </a:rPr>
+              <a:t>가지 기준이 있음</a:t>
+            </a:r>
+            <a:endParaRPr lang="en-US" altLang="ko-KR" sz="1200" dirty="0">
+              <a:solidFill>
+                <a:schemeClr val="bg1">
+                  <a:lumMod val="65000"/>
+                </a:schemeClr>
+              </a:solidFill>
+              <a:latin typeface="KoPubWorld돋움체 Bold" panose="00000800000000000000" pitchFamily="2" charset="-127"/>
+              <a:ea typeface="KoPubWorld돋움체 Bold" panose="00000800000000000000" pitchFamily="2" charset="-127"/>
+              <a:cs typeface="KoPubWorld돋움체 Bold" panose="00000800000000000000" pitchFamily="2" charset="-127"/>
+            </a:endParaRPr>
+          </a:p>
+          <a:p>
+            <a:endParaRPr lang="en-US" altLang="ko-KR" sz="1200" dirty="0">
+              <a:solidFill>
+                <a:schemeClr val="bg1">
+                  <a:lumMod val="65000"/>
+                </a:schemeClr>
+              </a:solidFill>
+              <a:latin typeface="KoPubWorld돋움체 Bold" panose="00000800000000000000" pitchFamily="2" charset="-127"/>
+              <a:ea typeface="KoPubWorld돋움체 Bold" panose="00000800000000000000" pitchFamily="2" charset="-127"/>
+              <a:cs typeface="KoPubWorld돋움체 Bold" panose="00000800000000000000" pitchFamily="2" charset="-127"/>
+            </a:endParaRPr>
+          </a:p>
+          <a:p>
+            <a:r>
+              <a:rPr lang="ko-KR" altLang="en-US" sz="1200" dirty="0">
+                <a:solidFill>
+                  <a:srgbClr val="00B0F0"/>
+                </a:solidFill>
+                <a:latin typeface="KoPubWorld돋움체 Bold" panose="00000800000000000000" pitchFamily="2" charset="-127"/>
+                <a:ea typeface="KoPubWorld돋움체 Bold" panose="00000800000000000000" pitchFamily="2" charset="-127"/>
+                <a:cs typeface="KoPubWorld돋움체 Bold" panose="00000800000000000000" pitchFamily="2" charset="-127"/>
+              </a:rPr>
+              <a:t>통계용어의 정리 </a:t>
+            </a:r>
+            <a:r>
+              <a:rPr lang="en-US" altLang="ko-KR" sz="1200" dirty="0">
+                <a:latin typeface="KoPubWorld돋움체 Bold" panose="00000800000000000000" pitchFamily="2" charset="-127"/>
+                <a:ea typeface="KoPubWorld돋움체 Bold" panose="00000800000000000000" pitchFamily="2" charset="-127"/>
+                <a:cs typeface="KoPubWorld돋움체 Bold" panose="00000800000000000000" pitchFamily="2" charset="-127"/>
+              </a:rPr>
+              <a:t>– </a:t>
+            </a:r>
+            <a:r>
+              <a:rPr lang="ko-KR" altLang="en-US" sz="1200" dirty="0">
+                <a:latin typeface="KoPubWorld돋움체 Bold" panose="00000800000000000000" pitchFamily="2" charset="-127"/>
+                <a:ea typeface="KoPubWorld돋움체 Bold" panose="00000800000000000000" pitchFamily="2" charset="-127"/>
+                <a:cs typeface="KoPubWorld돋움체 Bold" panose="00000800000000000000" pitchFamily="2" charset="-127"/>
+              </a:rPr>
+              <a:t>통계조사의 </a:t>
+            </a:r>
+            <a:r>
+              <a:rPr lang="ko-KR" altLang="en-US" sz="1200" dirty="0">
+                <a:solidFill>
+                  <a:srgbClr val="FF0000"/>
+                </a:solidFill>
+                <a:latin typeface="KoPubWorld돋움체 Bold" panose="00000800000000000000" pitchFamily="2" charset="-127"/>
+                <a:ea typeface="KoPubWorld돋움체 Bold" panose="00000800000000000000" pitchFamily="2" charset="-127"/>
+                <a:cs typeface="KoPubWorld돋움체 Bold" panose="00000800000000000000" pitchFamily="2" charset="-127"/>
+              </a:rPr>
+              <a:t>조사단위</a:t>
+            </a:r>
+            <a:r>
+              <a:rPr lang="en-US" altLang="ko-KR" sz="1200" dirty="0">
+                <a:latin typeface="KoPubWorld돋움체 Bold" panose="00000800000000000000" pitchFamily="2" charset="-127"/>
+                <a:ea typeface="KoPubWorld돋움체 Bold" panose="00000800000000000000" pitchFamily="2" charset="-127"/>
+                <a:cs typeface="KoPubWorld돋움체 Bold" panose="00000800000000000000" pitchFamily="2" charset="-127"/>
+              </a:rPr>
+              <a:t>, </a:t>
+            </a:r>
+            <a:r>
+              <a:rPr lang="ko-KR" altLang="en-US" sz="1200" dirty="0">
+                <a:latin typeface="KoPubWorld돋움체 Bold" panose="00000800000000000000" pitchFamily="2" charset="-127"/>
+                <a:ea typeface="KoPubWorld돋움체 Bold" panose="00000800000000000000" pitchFamily="2" charset="-127"/>
+                <a:cs typeface="KoPubWorld돋움체 Bold" panose="00000800000000000000" pitchFamily="2" charset="-127"/>
+              </a:rPr>
+              <a:t>조사항목의 </a:t>
+            </a:r>
+            <a:r>
+              <a:rPr lang="ko-KR" altLang="en-US" sz="1200" dirty="0">
+                <a:solidFill>
+                  <a:srgbClr val="FF0000"/>
+                </a:solidFill>
+                <a:latin typeface="KoPubWorld돋움체 Bold" panose="00000800000000000000" pitchFamily="2" charset="-127"/>
+                <a:ea typeface="KoPubWorld돋움체 Bold" panose="00000800000000000000" pitchFamily="2" charset="-127"/>
+                <a:cs typeface="KoPubWorld돋움체 Bold" panose="00000800000000000000" pitchFamily="2" charset="-127"/>
+              </a:rPr>
+              <a:t>개념과 범위를 명확</a:t>
+            </a:r>
+            <a:r>
+              <a:rPr lang="ko-KR" altLang="en-US" sz="1200" dirty="0">
+                <a:latin typeface="KoPubWorld돋움체 Bold" panose="00000800000000000000" pitchFamily="2" charset="-127"/>
+                <a:ea typeface="KoPubWorld돋움체 Bold" panose="00000800000000000000" pitchFamily="2" charset="-127"/>
+                <a:cs typeface="KoPubWorld돋움체 Bold" panose="00000800000000000000" pitchFamily="2" charset="-127"/>
+              </a:rPr>
+              <a:t>히 하는 것</a:t>
+            </a:r>
+            <a:endParaRPr lang="en-US" altLang="ko-KR" sz="1200" dirty="0">
+              <a:latin typeface="KoPubWorld돋움체 Bold" panose="00000800000000000000" pitchFamily="2" charset="-127"/>
+              <a:ea typeface="KoPubWorld돋움체 Bold" panose="00000800000000000000" pitchFamily="2" charset="-127"/>
+              <a:cs typeface="KoPubWorld돋움체 Bold" panose="00000800000000000000" pitchFamily="2" charset="-127"/>
+            </a:endParaRPr>
+          </a:p>
+          <a:p>
+            <a:endParaRPr lang="en-US" altLang="ko-KR" sz="1200" dirty="0">
+              <a:latin typeface="KoPubWorld돋움체 Bold" panose="00000800000000000000" pitchFamily="2" charset="-127"/>
+              <a:ea typeface="KoPubWorld돋움체 Bold" panose="00000800000000000000" pitchFamily="2" charset="-127"/>
+              <a:cs typeface="KoPubWorld돋움체 Bold" panose="00000800000000000000" pitchFamily="2" charset="-127"/>
+            </a:endParaRPr>
+          </a:p>
+          <a:p>
+            <a:r>
+              <a:rPr lang="ko-KR" altLang="en-US" sz="1200" dirty="0">
+                <a:solidFill>
+                  <a:srgbClr val="00B0F0"/>
+                </a:solidFill>
+                <a:latin typeface="KoPubWorld돋움체 Bold" panose="00000800000000000000" pitchFamily="2" charset="-127"/>
+                <a:ea typeface="KoPubWorld돋움체 Bold" panose="00000800000000000000" pitchFamily="2" charset="-127"/>
+                <a:cs typeface="KoPubWorld돋움체 Bold" panose="00000800000000000000" pitchFamily="2" charset="-127"/>
+              </a:rPr>
+              <a:t>표준분류의 설정 </a:t>
+            </a:r>
+            <a:r>
+              <a:rPr lang="en-US" altLang="ko-KR" sz="1200" dirty="0">
+                <a:latin typeface="KoPubWorld돋움체 Bold" panose="00000800000000000000" pitchFamily="2" charset="-127"/>
+                <a:ea typeface="KoPubWorld돋움체 Bold" panose="00000800000000000000" pitchFamily="2" charset="-127"/>
+                <a:cs typeface="KoPubWorld돋움체 Bold" panose="00000800000000000000" pitchFamily="2" charset="-127"/>
+              </a:rPr>
+              <a:t>– </a:t>
+            </a:r>
+            <a:r>
+              <a:rPr lang="ko-KR" altLang="en-US" sz="1200" dirty="0">
+                <a:latin typeface="KoPubWorld돋움체 Bold" panose="00000800000000000000" pitchFamily="2" charset="-127"/>
+                <a:ea typeface="KoPubWorld돋움체 Bold" panose="00000800000000000000" pitchFamily="2" charset="-127"/>
+                <a:cs typeface="KoPubWorld돋움체 Bold" panose="00000800000000000000" pitchFamily="2" charset="-127"/>
+              </a:rPr>
+              <a:t>어떤 현상의 </a:t>
+            </a:r>
+            <a:r>
+              <a:rPr lang="ko-KR" altLang="en-US" sz="1200" dirty="0">
+                <a:solidFill>
+                  <a:srgbClr val="FF0000"/>
+                </a:solidFill>
+                <a:latin typeface="KoPubWorld돋움체 Bold" panose="00000800000000000000" pitchFamily="2" charset="-127"/>
+                <a:ea typeface="KoPubWorld돋움체 Bold" panose="00000800000000000000" pitchFamily="2" charset="-127"/>
+                <a:cs typeface="KoPubWorld돋움체 Bold" panose="00000800000000000000" pitchFamily="2" charset="-127"/>
+              </a:rPr>
+              <a:t>집합</a:t>
+            </a:r>
+            <a:r>
+              <a:rPr lang="ko-KR" altLang="en-US" sz="1200" dirty="0">
+                <a:latin typeface="KoPubWorld돋움체 Bold" panose="00000800000000000000" pitchFamily="2" charset="-127"/>
+                <a:ea typeface="KoPubWorld돋움체 Bold" panose="00000800000000000000" pitchFamily="2" charset="-127"/>
+                <a:cs typeface="KoPubWorld돋움체 Bold" panose="00000800000000000000" pitchFamily="2" charset="-127"/>
+              </a:rPr>
+              <a:t> 전체를 </a:t>
+            </a:r>
+            <a:r>
+              <a:rPr lang="ko-KR" altLang="en-US" sz="1200" dirty="0">
+                <a:solidFill>
+                  <a:srgbClr val="FF0000"/>
+                </a:solidFill>
+                <a:latin typeface="KoPubWorld돋움체 Bold" panose="00000800000000000000" pitchFamily="2" charset="-127"/>
+                <a:ea typeface="KoPubWorld돋움체 Bold" panose="00000800000000000000" pitchFamily="2" charset="-127"/>
+                <a:cs typeface="KoPubWorld돋움체 Bold" panose="00000800000000000000" pitchFamily="2" charset="-127"/>
+              </a:rPr>
+              <a:t>유사성과 차이성</a:t>
+            </a:r>
+            <a:r>
+              <a:rPr lang="ko-KR" altLang="en-US" sz="1200" dirty="0">
+                <a:latin typeface="KoPubWorld돋움체 Bold" panose="00000800000000000000" pitchFamily="2" charset="-127"/>
+                <a:ea typeface="KoPubWorld돋움체 Bold" panose="00000800000000000000" pitchFamily="2" charset="-127"/>
+                <a:cs typeface="KoPubWorld돋움체 Bold" panose="00000800000000000000" pitchFamily="2" charset="-127"/>
+              </a:rPr>
+              <a:t>에 의거하여 </a:t>
+            </a:r>
+            <a:r>
+              <a:rPr lang="ko-KR" altLang="en-US" sz="1200" dirty="0">
+                <a:solidFill>
+                  <a:srgbClr val="FF0000"/>
+                </a:solidFill>
+                <a:latin typeface="KoPubWorld돋움체 Bold" panose="00000800000000000000" pitchFamily="2" charset="-127"/>
+                <a:ea typeface="KoPubWorld돋움체 Bold" panose="00000800000000000000" pitchFamily="2" charset="-127"/>
+                <a:cs typeface="KoPubWorld돋움체 Bold" panose="00000800000000000000" pitchFamily="2" charset="-127"/>
+              </a:rPr>
+              <a:t>동일한 부분집단</a:t>
+            </a:r>
+            <a:r>
+              <a:rPr lang="ko-KR" altLang="en-US" sz="1200" dirty="0">
+                <a:latin typeface="KoPubWorld돋움체 Bold" panose="00000800000000000000" pitchFamily="2" charset="-127"/>
+                <a:ea typeface="KoPubWorld돋움체 Bold" panose="00000800000000000000" pitchFamily="2" charset="-127"/>
+                <a:cs typeface="KoPubWorld돋움체 Bold" panose="00000800000000000000" pitchFamily="2" charset="-127"/>
+              </a:rPr>
+              <a:t>으로 분할</a:t>
+            </a:r>
+            <a:endParaRPr lang="en-US" altLang="ko-KR" sz="1200" dirty="0">
+              <a:latin typeface="KoPubWorld돋움체 Bold" panose="00000800000000000000" pitchFamily="2" charset="-127"/>
+              <a:ea typeface="KoPubWorld돋움체 Bold" panose="00000800000000000000" pitchFamily="2" charset="-127"/>
+              <a:cs typeface="KoPubWorld돋움체 Bold" panose="00000800000000000000" pitchFamily="2" charset="-127"/>
+            </a:endParaRPr>
+          </a:p>
+          <a:p>
+            <a:endParaRPr lang="en-US" altLang="ko-KR" sz="1200" dirty="0">
+              <a:latin typeface="KoPubWorld돋움체 Bold" panose="00000800000000000000" pitchFamily="2" charset="-127"/>
+              <a:ea typeface="KoPubWorld돋움체 Bold" panose="00000800000000000000" pitchFamily="2" charset="-127"/>
+              <a:cs typeface="KoPubWorld돋움체 Bold" panose="00000800000000000000" pitchFamily="2" charset="-127"/>
+            </a:endParaRPr>
+          </a:p>
+          <a:p>
+            <a:r>
+              <a:rPr lang="ko-KR" altLang="en-US" sz="1200" dirty="0">
+                <a:solidFill>
+                  <a:srgbClr val="00B0F0"/>
+                </a:solidFill>
+                <a:latin typeface="KoPubWorld돋움체 Bold" panose="00000800000000000000" pitchFamily="2" charset="-127"/>
+                <a:ea typeface="KoPubWorld돋움체 Bold" panose="00000800000000000000" pitchFamily="2" charset="-127"/>
+                <a:cs typeface="KoPubWorld돋움체 Bold" panose="00000800000000000000" pitchFamily="2" charset="-127"/>
+              </a:rPr>
+              <a:t>통계기법의 표준화 </a:t>
+            </a:r>
+            <a:r>
+              <a:rPr lang="en-US" altLang="ko-KR" sz="1200" dirty="0">
+                <a:latin typeface="KoPubWorld돋움체 Bold" panose="00000800000000000000" pitchFamily="2" charset="-127"/>
+                <a:ea typeface="KoPubWorld돋움체 Bold" panose="00000800000000000000" pitchFamily="2" charset="-127"/>
+                <a:cs typeface="KoPubWorld돋움체 Bold" panose="00000800000000000000" pitchFamily="2" charset="-127"/>
+              </a:rPr>
+              <a:t>– </a:t>
+            </a:r>
+            <a:r>
+              <a:rPr lang="ko-KR" altLang="en-US" sz="1200" dirty="0">
+                <a:latin typeface="KoPubWorld돋움체 Bold" panose="00000800000000000000" pitchFamily="2" charset="-127"/>
+                <a:ea typeface="KoPubWorld돋움체 Bold" panose="00000800000000000000" pitchFamily="2" charset="-127"/>
+                <a:cs typeface="KoPubWorld돋움체 Bold" panose="00000800000000000000" pitchFamily="2" charset="-127"/>
+              </a:rPr>
+              <a:t>통계자료를 작성 분석하고 </a:t>
+            </a:r>
+            <a:r>
+              <a:rPr lang="ko-KR" altLang="en-US" sz="1200" dirty="0">
+                <a:solidFill>
+                  <a:srgbClr val="FF0000"/>
+                </a:solidFill>
+                <a:latin typeface="KoPubWorld돋움체 Bold" panose="00000800000000000000" pitchFamily="2" charset="-127"/>
+                <a:ea typeface="KoPubWorld돋움체 Bold" panose="00000800000000000000" pitchFamily="2" charset="-127"/>
+                <a:cs typeface="KoPubWorld돋움체 Bold" panose="00000800000000000000" pitchFamily="2" charset="-127"/>
+              </a:rPr>
+              <a:t>처리하는 기법</a:t>
+            </a:r>
+            <a:r>
+              <a:rPr lang="ko-KR" altLang="en-US" sz="1200" dirty="0">
+                <a:latin typeface="KoPubWorld돋움체 Bold" panose="00000800000000000000" pitchFamily="2" charset="-127"/>
+                <a:ea typeface="KoPubWorld돋움체 Bold" panose="00000800000000000000" pitchFamily="2" charset="-127"/>
+                <a:cs typeface="KoPubWorld돋움체 Bold" panose="00000800000000000000" pitchFamily="2" charset="-127"/>
+              </a:rPr>
+              <a:t>을 </a:t>
+            </a:r>
+            <a:r>
+              <a:rPr lang="ko-KR" altLang="en-US" sz="1200" dirty="0">
+                <a:solidFill>
+                  <a:srgbClr val="FF0000"/>
+                </a:solidFill>
+                <a:latin typeface="KoPubWorld돋움체 Bold" panose="00000800000000000000" pitchFamily="2" charset="-127"/>
+                <a:ea typeface="KoPubWorld돋움체 Bold" panose="00000800000000000000" pitchFamily="2" charset="-127"/>
+                <a:cs typeface="KoPubWorld돋움체 Bold" panose="00000800000000000000" pitchFamily="2" charset="-127"/>
+              </a:rPr>
+              <a:t>표준화</a:t>
+            </a:r>
+            <a:endParaRPr lang="en-US" altLang="ko-KR" sz="1200" dirty="0">
+              <a:solidFill>
+                <a:srgbClr val="FF0000"/>
+              </a:solidFill>
+              <a:latin typeface="KoPubWorld돋움체 Bold" panose="00000800000000000000" pitchFamily="2" charset="-127"/>
+              <a:ea typeface="KoPubWorld돋움체 Bold" panose="00000800000000000000" pitchFamily="2" charset="-127"/>
+              <a:cs typeface="KoPubWorld돋움체 Bold" panose="00000800000000000000" pitchFamily="2" charset="-127"/>
+            </a:endParaRPr>
+          </a:p>
+          <a:p>
+            <a:endParaRPr lang="en-US" altLang="ko-KR" sz="1200" dirty="0">
+              <a:solidFill>
+                <a:srgbClr val="FF0000"/>
+              </a:solidFill>
+              <a:latin typeface="KoPubWorld돋움체 Bold" panose="00000800000000000000" pitchFamily="2" charset="-127"/>
+              <a:ea typeface="KoPubWorld돋움체 Bold" panose="00000800000000000000" pitchFamily="2" charset="-127"/>
+              <a:cs typeface="KoPubWorld돋움체 Bold" panose="00000800000000000000" pitchFamily="2" charset="-127"/>
+            </a:endParaRPr>
+          </a:p>
+          <a:p>
+            <a:r>
+              <a:rPr lang="ko-KR" altLang="en-US" sz="1200" dirty="0">
+                <a:solidFill>
+                  <a:srgbClr val="00B0F0"/>
+                </a:solidFill>
+                <a:latin typeface="KoPubWorld돋움체 Bold" panose="00000800000000000000" pitchFamily="2" charset="-127"/>
+                <a:ea typeface="KoPubWorld돋움체 Bold" panose="00000800000000000000" pitchFamily="2" charset="-127"/>
+                <a:cs typeface="KoPubWorld돋움체 Bold" panose="00000800000000000000" pitchFamily="2" charset="-127"/>
+              </a:rPr>
+              <a:t>표준분류</a:t>
+            </a:r>
+            <a:r>
+              <a:rPr lang="ko-KR" altLang="en-US" sz="1200" dirty="0">
+                <a:latin typeface="KoPubWorld돋움체 Bold" panose="00000800000000000000" pitchFamily="2" charset="-127"/>
+                <a:ea typeface="KoPubWorld돋움체 Bold" panose="00000800000000000000" pitchFamily="2" charset="-127"/>
+                <a:cs typeface="KoPubWorld돋움체 Bold" panose="00000800000000000000" pitchFamily="2" charset="-127"/>
+              </a:rPr>
+              <a:t> </a:t>
+            </a:r>
+            <a:r>
+              <a:rPr lang="en-US" altLang="ko-KR" sz="1200" dirty="0">
+                <a:latin typeface="KoPubWorld돋움체 Bold" panose="00000800000000000000" pitchFamily="2" charset="-127"/>
+                <a:ea typeface="KoPubWorld돋움체 Bold" panose="00000800000000000000" pitchFamily="2" charset="-127"/>
+                <a:cs typeface="KoPubWorld돋움체 Bold" panose="00000800000000000000" pitchFamily="2" charset="-127"/>
+              </a:rPr>
+              <a:t>– </a:t>
+            </a:r>
+            <a:r>
+              <a:rPr lang="ko-KR" altLang="en-US" sz="1200" dirty="0">
+                <a:latin typeface="KoPubWorld돋움체 Bold" panose="00000800000000000000" pitchFamily="2" charset="-127"/>
+                <a:ea typeface="KoPubWorld돋움체 Bold" panose="00000800000000000000" pitchFamily="2" charset="-127"/>
+                <a:cs typeface="KoPubWorld돋움체 Bold" panose="00000800000000000000" pitchFamily="2" charset="-127"/>
+              </a:rPr>
+              <a:t>통계기준중의 하나로 모든 통계작성에 </a:t>
+            </a:r>
+            <a:r>
+              <a:rPr lang="ko-KR" altLang="en-US" sz="1200" dirty="0">
+                <a:solidFill>
+                  <a:srgbClr val="FF0000"/>
+                </a:solidFill>
+                <a:latin typeface="KoPubWorld돋움체 Bold" panose="00000800000000000000" pitchFamily="2" charset="-127"/>
+                <a:ea typeface="KoPubWorld돋움체 Bold" panose="00000800000000000000" pitchFamily="2" charset="-127"/>
+                <a:cs typeface="KoPubWorld돋움체 Bold" panose="00000800000000000000" pitchFamily="2" charset="-127"/>
+              </a:rPr>
+              <a:t>통일적</a:t>
+            </a:r>
+            <a:r>
+              <a:rPr lang="ko-KR" altLang="en-US" sz="1200" dirty="0">
+                <a:latin typeface="KoPubWorld돋움체 Bold" panose="00000800000000000000" pitchFamily="2" charset="-127"/>
+                <a:ea typeface="KoPubWorld돋움체 Bold" panose="00000800000000000000" pitchFamily="2" charset="-127"/>
+                <a:cs typeface="KoPubWorld돋움체 Bold" panose="00000800000000000000" pitchFamily="2" charset="-127"/>
+              </a:rPr>
+              <a:t>으로 들어가야함</a:t>
+            </a:r>
+          </a:p>
+        </p:txBody>
+      </p:sp>
+      <p:sp>
+        <p:nvSpPr>
+          <p:cNvPr id="43" name="직사각형 42">
+            <a:extLst>
+              <a:ext uri="{FF2B5EF4-FFF2-40B4-BE49-F238E27FC236}">
+                <a16:creationId xmlns:a16="http://schemas.microsoft.com/office/drawing/2014/main" id="{04604380-E44F-4504-96CF-B89BF71B8104}"/>
+              </a:ext>
+            </a:extLst>
+          </p:cNvPr>
+          <p:cNvSpPr/>
+          <p:nvPr/>
+        </p:nvSpPr>
+        <p:spPr>
+          <a:xfrm>
+            <a:off x="5123483" y="643856"/>
+            <a:ext cx="1089748" cy="157483"/>
+          </a:xfrm>
+          <a:prstGeom prst="rect">
+            <a:avLst/>
+          </a:prstGeom>
+          <a:noFill/>
+          <a:ln w="25400">
+            <a:solidFill>
+              <a:srgbClr val="0070C0"/>
+            </a:solidFill>
+          </a:ln>
+        </p:spPr>
+        <p:style>
+          <a:lnRef idx="2">
+            <a:schemeClr val="accent1">
+              <a:shade val="50000"/>
+            </a:schemeClr>
+          </a:lnRef>
+          <a:fillRef idx="1">
+            <a:schemeClr val="accent1"/>
+          </a:fillRef>
+          <a:effectRef idx="0">
+            <a:schemeClr val="accent1"/>
+          </a:effectRef>
+          <a:fontRef idx="minor">
+            <a:schemeClr val="lt1"/>
+          </a:fontRef>
+        </p:style>
+        <p:txBody>
+          <a:bodyPr rtlCol="0" anchor="ctr"/>
+          <a:lstStyle/>
+          <a:p>
+            <a:pPr algn="ctr"/>
+            <a:endParaRPr lang="ko-KR" altLang="en-US">
+              <a:solidFill>
+                <a:srgbClr val="0070C0"/>
+              </a:solidFill>
+            </a:endParaRPr>
+          </a:p>
+        </p:txBody>
+      </p:sp>
+      <p:sp>
+        <p:nvSpPr>
+          <p:cNvPr id="44" name="직사각형 43">
+            <a:extLst>
+              <a:ext uri="{FF2B5EF4-FFF2-40B4-BE49-F238E27FC236}">
+                <a16:creationId xmlns:a16="http://schemas.microsoft.com/office/drawing/2014/main" id="{A117EABA-AC8F-4D41-A9AD-5BB1A0F9DA88}"/>
+              </a:ext>
+            </a:extLst>
+          </p:cNvPr>
+          <p:cNvSpPr/>
+          <p:nvPr/>
+        </p:nvSpPr>
+        <p:spPr>
+          <a:xfrm>
+            <a:off x="5240714" y="2367148"/>
+            <a:ext cx="1089748" cy="157483"/>
+          </a:xfrm>
+          <a:prstGeom prst="rect">
+            <a:avLst/>
+          </a:prstGeom>
+          <a:noFill/>
+          <a:ln w="25400">
+            <a:solidFill>
+              <a:srgbClr val="0070C0"/>
+            </a:solidFill>
+          </a:ln>
+        </p:spPr>
+        <p:style>
+          <a:lnRef idx="2">
+            <a:schemeClr val="accent1">
+              <a:shade val="50000"/>
+            </a:schemeClr>
+          </a:lnRef>
+          <a:fillRef idx="1">
+            <a:schemeClr val="accent1"/>
+          </a:fillRef>
+          <a:effectRef idx="0">
+            <a:schemeClr val="accent1"/>
+          </a:effectRef>
+          <a:fontRef idx="minor">
+            <a:schemeClr val="lt1"/>
+          </a:fontRef>
+        </p:style>
+        <p:txBody>
+          <a:bodyPr rtlCol="0" anchor="ctr"/>
+          <a:lstStyle/>
+          <a:p>
+            <a:pPr algn="ctr"/>
+            <a:endParaRPr lang="ko-KR" altLang="en-US">
+              <a:solidFill>
+                <a:srgbClr val="0070C0"/>
+              </a:solidFill>
+            </a:endParaRPr>
+          </a:p>
+        </p:txBody>
+      </p:sp>
+      <p:sp>
+        <p:nvSpPr>
+          <p:cNvPr id="45" name="직사각형 44">
+            <a:extLst>
+              <a:ext uri="{FF2B5EF4-FFF2-40B4-BE49-F238E27FC236}">
+                <a16:creationId xmlns:a16="http://schemas.microsoft.com/office/drawing/2014/main" id="{959237CF-9CCB-4846-81B8-8F039B4FA2DA}"/>
+              </a:ext>
+            </a:extLst>
+          </p:cNvPr>
+          <p:cNvSpPr/>
+          <p:nvPr/>
+        </p:nvSpPr>
+        <p:spPr>
+          <a:xfrm>
+            <a:off x="1395545" y="579379"/>
+            <a:ext cx="515317" cy="157483"/>
+          </a:xfrm>
+          <a:prstGeom prst="rect">
+            <a:avLst/>
+          </a:prstGeom>
+          <a:noFill/>
+          <a:ln w="25400">
+            <a:solidFill>
+              <a:srgbClr val="0070C0"/>
+            </a:solidFill>
+          </a:ln>
+        </p:spPr>
+        <p:style>
+          <a:lnRef idx="2">
+            <a:schemeClr val="accent1">
+              <a:shade val="50000"/>
+            </a:schemeClr>
+          </a:lnRef>
+          <a:fillRef idx="1">
+            <a:schemeClr val="accent1"/>
+          </a:fillRef>
+          <a:effectRef idx="0">
+            <a:schemeClr val="accent1"/>
+          </a:effectRef>
+          <a:fontRef idx="minor">
+            <a:schemeClr val="lt1"/>
+          </a:fontRef>
+        </p:style>
+        <p:txBody>
+          <a:bodyPr rtlCol="0" anchor="ctr"/>
+          <a:lstStyle/>
+          <a:p>
+            <a:pPr algn="ctr"/>
+            <a:endParaRPr lang="ko-KR" altLang="en-US">
+              <a:solidFill>
+                <a:srgbClr val="0070C0"/>
+              </a:solidFill>
+            </a:endParaRPr>
+          </a:p>
+        </p:txBody>
+      </p:sp>
+      <p:sp>
+        <p:nvSpPr>
+          <p:cNvPr id="46" name="직사각형 45">
+            <a:extLst>
+              <a:ext uri="{FF2B5EF4-FFF2-40B4-BE49-F238E27FC236}">
+                <a16:creationId xmlns:a16="http://schemas.microsoft.com/office/drawing/2014/main" id="{BE0E12CA-64FF-4BCB-814D-1646710D1147}"/>
+              </a:ext>
+            </a:extLst>
+          </p:cNvPr>
+          <p:cNvSpPr/>
+          <p:nvPr/>
+        </p:nvSpPr>
+        <p:spPr>
+          <a:xfrm>
+            <a:off x="2497055" y="3351469"/>
+            <a:ext cx="451299" cy="157483"/>
+          </a:xfrm>
+          <a:prstGeom prst="rect">
+            <a:avLst/>
+          </a:prstGeom>
+          <a:noFill/>
+          <a:ln w="25400">
+            <a:solidFill>
+              <a:srgbClr val="0070C0"/>
+            </a:solidFill>
+          </a:ln>
+        </p:spPr>
+        <p:style>
+          <a:lnRef idx="2">
+            <a:schemeClr val="accent1">
+              <a:shade val="50000"/>
+            </a:schemeClr>
+          </a:lnRef>
+          <a:fillRef idx="1">
+            <a:schemeClr val="accent1"/>
+          </a:fillRef>
+          <a:effectRef idx="0">
+            <a:schemeClr val="accent1"/>
+          </a:effectRef>
+          <a:fontRef idx="minor">
+            <a:schemeClr val="lt1"/>
+          </a:fontRef>
+        </p:style>
+        <p:txBody>
+          <a:bodyPr rtlCol="0" anchor="ctr"/>
+          <a:lstStyle/>
+          <a:p>
+            <a:pPr algn="ctr"/>
+            <a:endParaRPr lang="ko-KR" altLang="en-US">
+              <a:solidFill>
+                <a:srgbClr val="0070C0"/>
+              </a:solidFill>
+            </a:endParaRPr>
+          </a:p>
+        </p:txBody>
+      </p:sp>
+      <p:sp>
+        <p:nvSpPr>
+          <p:cNvPr id="47" name="직사각형 46">
+            <a:extLst>
+              <a:ext uri="{FF2B5EF4-FFF2-40B4-BE49-F238E27FC236}">
+                <a16:creationId xmlns:a16="http://schemas.microsoft.com/office/drawing/2014/main" id="{C4750D76-84FE-4D25-958E-45193EB6DCD9}"/>
+              </a:ext>
+            </a:extLst>
+          </p:cNvPr>
+          <p:cNvSpPr/>
+          <p:nvPr/>
+        </p:nvSpPr>
+        <p:spPr>
+          <a:xfrm>
+            <a:off x="2210298" y="3773917"/>
+            <a:ext cx="433256" cy="157483"/>
+          </a:xfrm>
+          <a:prstGeom prst="rect">
+            <a:avLst/>
+          </a:prstGeom>
+          <a:noFill/>
+          <a:ln w="25400">
+            <a:solidFill>
+              <a:srgbClr val="0070C0"/>
+            </a:solidFill>
+          </a:ln>
+        </p:spPr>
+        <p:style>
+          <a:lnRef idx="2">
+            <a:schemeClr val="accent1">
+              <a:shade val="50000"/>
+            </a:schemeClr>
+          </a:lnRef>
+          <a:fillRef idx="1">
+            <a:schemeClr val="accent1"/>
+          </a:fillRef>
+          <a:effectRef idx="0">
+            <a:schemeClr val="accent1"/>
+          </a:effectRef>
+          <a:fontRef idx="minor">
+            <a:schemeClr val="lt1"/>
+          </a:fontRef>
+        </p:style>
+        <p:txBody>
+          <a:bodyPr rtlCol="0" anchor="ctr"/>
+          <a:lstStyle/>
+          <a:p>
+            <a:pPr algn="ctr"/>
+            <a:endParaRPr lang="ko-KR" altLang="en-US">
+              <a:solidFill>
+                <a:srgbClr val="0070C0"/>
+              </a:solidFill>
+            </a:endParaRPr>
+          </a:p>
+        </p:txBody>
+      </p:sp>
+      <p:sp>
+        <p:nvSpPr>
+          <p:cNvPr id="48" name="직사각형 47">
+            <a:extLst>
+              <a:ext uri="{FF2B5EF4-FFF2-40B4-BE49-F238E27FC236}">
+                <a16:creationId xmlns:a16="http://schemas.microsoft.com/office/drawing/2014/main" id="{F9801BE7-6293-4172-8412-0DAD14A3AA55}"/>
+              </a:ext>
+            </a:extLst>
+          </p:cNvPr>
+          <p:cNvSpPr/>
+          <p:nvPr/>
+        </p:nvSpPr>
+        <p:spPr>
+          <a:xfrm>
+            <a:off x="1209592" y="4222236"/>
+            <a:ext cx="320270" cy="157483"/>
+          </a:xfrm>
+          <a:prstGeom prst="rect">
+            <a:avLst/>
+          </a:prstGeom>
+          <a:noFill/>
+          <a:ln w="25400">
+            <a:solidFill>
+              <a:srgbClr val="0070C0"/>
+            </a:solidFill>
+          </a:ln>
+        </p:spPr>
+        <p:style>
+          <a:lnRef idx="2">
+            <a:schemeClr val="accent1">
+              <a:shade val="50000"/>
+            </a:schemeClr>
+          </a:lnRef>
+          <a:fillRef idx="1">
+            <a:schemeClr val="accent1"/>
+          </a:fillRef>
+          <a:effectRef idx="0">
+            <a:schemeClr val="accent1"/>
+          </a:effectRef>
+          <a:fontRef idx="minor">
+            <a:schemeClr val="lt1"/>
+          </a:fontRef>
+        </p:style>
+        <p:txBody>
+          <a:bodyPr rtlCol="0" anchor="ctr"/>
+          <a:lstStyle/>
+          <a:p>
+            <a:pPr algn="ctr"/>
+            <a:endParaRPr lang="ko-KR" altLang="en-US">
+              <a:solidFill>
+                <a:srgbClr val="0070C0"/>
+              </a:solidFill>
+            </a:endParaRPr>
+          </a:p>
+        </p:txBody>
+      </p:sp>
+      <p:sp>
+        <p:nvSpPr>
+          <p:cNvPr id="49" name="직사각형 48">
+            <a:extLst>
+              <a:ext uri="{FF2B5EF4-FFF2-40B4-BE49-F238E27FC236}">
+                <a16:creationId xmlns:a16="http://schemas.microsoft.com/office/drawing/2014/main" id="{519152D7-F882-4AFA-BFB1-B301CD404F74}"/>
+              </a:ext>
+            </a:extLst>
+          </p:cNvPr>
+          <p:cNvSpPr/>
+          <p:nvPr/>
+        </p:nvSpPr>
+        <p:spPr>
+          <a:xfrm>
+            <a:off x="3236067" y="5450317"/>
+            <a:ext cx="350736" cy="157483"/>
+          </a:xfrm>
+          <a:prstGeom prst="rect">
+            <a:avLst/>
+          </a:prstGeom>
+          <a:noFill/>
+          <a:ln w="25400">
+            <a:solidFill>
+              <a:srgbClr val="0070C0"/>
+            </a:solidFill>
+          </a:ln>
+        </p:spPr>
+        <p:style>
+          <a:lnRef idx="2">
+            <a:schemeClr val="accent1">
+              <a:shade val="50000"/>
+            </a:schemeClr>
+          </a:lnRef>
+          <a:fillRef idx="1">
+            <a:schemeClr val="accent1"/>
+          </a:fillRef>
+          <a:effectRef idx="0">
+            <a:schemeClr val="accent1"/>
+          </a:effectRef>
+          <a:fontRef idx="minor">
+            <a:schemeClr val="lt1"/>
+          </a:fontRef>
+        </p:style>
+        <p:txBody>
+          <a:bodyPr rtlCol="0" anchor="ctr"/>
+          <a:lstStyle/>
+          <a:p>
+            <a:pPr algn="ctr"/>
+            <a:endParaRPr lang="ko-KR" altLang="en-US">
+              <a:solidFill>
+                <a:srgbClr val="0070C0"/>
+              </a:solidFill>
+            </a:endParaRPr>
+          </a:p>
+        </p:txBody>
+      </p:sp>
+    </p:spTree>
+    <p:extLst>
+      <p:ext uri="{BB962C8B-B14F-4D97-AF65-F5344CB8AC3E}">
+        <p14:creationId xmlns:p14="http://schemas.microsoft.com/office/powerpoint/2010/main" val="1091847992"/>
+      </p:ext>
+    </p:extLst>
+  </p:cSld>
+  <p:clrMapOvr>
+    <a:masterClrMapping/>
+  </p:clrMapOvr>
+</p:sld>
+</file>
+
+<file path=ppt/slides/slide16.xml><?xml version="1.0" encoding="utf-8"?>
+<p:sld xmlns:a="http://schemas.openxmlformats.org/drawingml/2006/main" xmlns:r="http://schemas.openxmlformats.org/officeDocument/2006/relationships" xmlns:p="http://schemas.openxmlformats.org/presentationml/2006/main">
+  <p:cSld>
+    <p:spTree>
+      <p:nvGrpSpPr>
+        <p:cNvPr id="1" name=""/>
+        <p:cNvGrpSpPr/>
+        <p:nvPr/>
+      </p:nvGrpSpPr>
+      <p:grpSpPr>
+        <a:xfrm>
+          <a:off x="0" y="0"/>
+          <a:ext cx="0" cy="0"/>
+          <a:chOff x="0" y="0"/>
+          <a:chExt cx="0" cy="0"/>
+        </a:xfrm>
+      </p:grpSpPr>
+      <p:pic>
+        <p:nvPicPr>
+          <p:cNvPr id="5" name="그림 4">
+            <a:extLst>
+              <a:ext uri="{FF2B5EF4-FFF2-40B4-BE49-F238E27FC236}">
+                <a16:creationId xmlns:a16="http://schemas.microsoft.com/office/drawing/2014/main" id="{55C5DF9E-F2D5-473C-8E96-306BB5F2CA18}"/>
+              </a:ext>
+            </a:extLst>
+          </p:cNvPr>
+          <p:cNvPicPr>
+            <a:picLocks noChangeAspect="1"/>
+          </p:cNvPicPr>
+          <p:nvPr/>
+        </p:nvPicPr>
+        <p:blipFill>
+          <a:blip r:embed="rId2">
+            <a:extLst>
+              <a:ext uri="{28A0092B-C50C-407E-A947-70E740481C1C}">
+                <a14:useLocalDpi xmlns:a14="http://schemas.microsoft.com/office/drawing/2010/main" val="0"/>
+              </a:ext>
+            </a:extLst>
+          </a:blip>
+          <a:stretch>
+            <a:fillRect/>
+          </a:stretch>
+        </p:blipFill>
+        <p:spPr>
+          <a:xfrm>
+            <a:off x="192268" y="410707"/>
+            <a:ext cx="3634803" cy="1698949"/>
+          </a:xfrm>
+          <a:prstGeom prst="rect">
+            <a:avLst/>
+          </a:prstGeom>
+        </p:spPr>
+      </p:pic>
+      <p:pic>
+        <p:nvPicPr>
+          <p:cNvPr id="7" name="그림 6">
+            <a:extLst>
+              <a:ext uri="{FF2B5EF4-FFF2-40B4-BE49-F238E27FC236}">
+                <a16:creationId xmlns:a16="http://schemas.microsoft.com/office/drawing/2014/main" id="{7976F3A3-1DC0-425F-9F07-338F227FE4B6}"/>
+              </a:ext>
+            </a:extLst>
+          </p:cNvPr>
+          <p:cNvPicPr>
+            <a:picLocks noChangeAspect="1"/>
+          </p:cNvPicPr>
+          <p:nvPr/>
+        </p:nvPicPr>
+        <p:blipFill>
+          <a:blip r:embed="rId3">
+            <a:extLst>
+              <a:ext uri="{28A0092B-C50C-407E-A947-70E740481C1C}">
+                <a14:useLocalDpi xmlns:a14="http://schemas.microsoft.com/office/drawing/2010/main" val="0"/>
+              </a:ext>
+            </a:extLst>
+          </a:blip>
+          <a:stretch>
+            <a:fillRect/>
+          </a:stretch>
+        </p:blipFill>
+        <p:spPr>
+          <a:xfrm>
+            <a:off x="192269" y="2591076"/>
+            <a:ext cx="3634801" cy="1888738"/>
+          </a:xfrm>
+          <a:prstGeom prst="rect">
+            <a:avLst/>
+          </a:prstGeom>
+        </p:spPr>
+      </p:pic>
+      <p:sp>
+        <p:nvSpPr>
+          <p:cNvPr id="8" name="TextBox 7">
+            <a:extLst>
+              <a:ext uri="{FF2B5EF4-FFF2-40B4-BE49-F238E27FC236}">
+                <a16:creationId xmlns:a16="http://schemas.microsoft.com/office/drawing/2014/main" id="{8CAA429B-CADE-4715-BFF5-96E34334993A}"/>
+              </a:ext>
+            </a:extLst>
+          </p:cNvPr>
+          <p:cNvSpPr txBox="1"/>
+          <p:nvPr/>
+        </p:nvSpPr>
+        <p:spPr>
+          <a:xfrm>
+            <a:off x="192269" y="133709"/>
+            <a:ext cx="2097031" cy="276999"/>
+          </a:xfrm>
+          <a:prstGeom prst="rect">
+            <a:avLst/>
+          </a:prstGeom>
+          <a:noFill/>
+        </p:spPr>
+        <p:txBody>
+          <a:bodyPr wrap="square" rtlCol="0">
+            <a:spAutoFit/>
+          </a:bodyPr>
+          <a:lstStyle/>
+          <a:p>
+            <a:r>
+              <a:rPr lang="en-US" altLang="ko-KR" sz="1200" dirty="0">
+                <a:latin typeface="KoPub돋움체 Bold" panose="02020603020101020101" pitchFamily="18" charset="-127"/>
+                <a:ea typeface="KoPub돋움체 Bold" panose="02020603020101020101" pitchFamily="18" charset="-127"/>
+              </a:rPr>
+              <a:t>2019</a:t>
+            </a:r>
+            <a:r>
+              <a:rPr lang="ko-KR" altLang="en-US" sz="1200" dirty="0">
+                <a:latin typeface="KoPub돋움체 Bold" panose="02020603020101020101" pitchFamily="18" charset="-127"/>
+                <a:ea typeface="KoPub돋움체 Bold" panose="02020603020101020101" pitchFamily="18" charset="-127"/>
+              </a:rPr>
+              <a:t>년도 </a:t>
+            </a:r>
+            <a:r>
+              <a:rPr lang="en-US" altLang="ko-KR" sz="1200" dirty="0">
+                <a:latin typeface="KoPub돋움체 Bold" panose="02020603020101020101" pitchFamily="18" charset="-127"/>
+                <a:ea typeface="KoPub돋움체 Bold" panose="02020603020101020101" pitchFamily="18" charset="-127"/>
+              </a:rPr>
+              <a:t>1</a:t>
+            </a:r>
+            <a:r>
+              <a:rPr lang="ko-KR" altLang="en-US" sz="1200" dirty="0">
+                <a:latin typeface="KoPub돋움체 Bold" panose="02020603020101020101" pitchFamily="18" charset="-127"/>
+                <a:ea typeface="KoPub돋움체 Bold" panose="02020603020101020101" pitchFamily="18" charset="-127"/>
+              </a:rPr>
+              <a:t>학기</a:t>
+            </a:r>
+          </a:p>
+        </p:txBody>
+      </p:sp>
+      <p:sp>
+        <p:nvSpPr>
+          <p:cNvPr id="9" name="TextBox 8">
+            <a:extLst>
+              <a:ext uri="{FF2B5EF4-FFF2-40B4-BE49-F238E27FC236}">
+                <a16:creationId xmlns:a16="http://schemas.microsoft.com/office/drawing/2014/main" id="{E2D7CF17-6668-42FD-9255-B2C20AE40F60}"/>
+              </a:ext>
+            </a:extLst>
+          </p:cNvPr>
+          <p:cNvSpPr txBox="1"/>
+          <p:nvPr/>
+        </p:nvSpPr>
+        <p:spPr>
+          <a:xfrm>
+            <a:off x="192269" y="2309998"/>
+            <a:ext cx="2097031" cy="276999"/>
+          </a:xfrm>
+          <a:prstGeom prst="rect">
+            <a:avLst/>
+          </a:prstGeom>
+          <a:noFill/>
+        </p:spPr>
+        <p:txBody>
+          <a:bodyPr wrap="square" rtlCol="0">
+            <a:spAutoFit/>
+          </a:bodyPr>
+          <a:lstStyle/>
+          <a:p>
+            <a:r>
+              <a:rPr lang="en-US" altLang="ko-KR" sz="1200" dirty="0">
+                <a:latin typeface="KoPub돋움체 Bold" panose="02020603020101020101" pitchFamily="18" charset="-127"/>
+                <a:ea typeface="KoPub돋움체 Bold" panose="02020603020101020101" pitchFamily="18" charset="-127"/>
+              </a:rPr>
+              <a:t>2019</a:t>
+            </a:r>
+            <a:r>
+              <a:rPr lang="ko-KR" altLang="en-US" sz="1200" dirty="0">
+                <a:latin typeface="KoPub돋움체 Bold" panose="02020603020101020101" pitchFamily="18" charset="-127"/>
+                <a:ea typeface="KoPub돋움체 Bold" panose="02020603020101020101" pitchFamily="18" charset="-127"/>
+              </a:rPr>
+              <a:t>년도 </a:t>
+            </a:r>
+            <a:r>
+              <a:rPr lang="en-US" altLang="ko-KR" sz="1200" dirty="0">
+                <a:latin typeface="KoPub돋움체 Bold" panose="02020603020101020101" pitchFamily="18" charset="-127"/>
+                <a:ea typeface="KoPub돋움체 Bold" panose="02020603020101020101" pitchFamily="18" charset="-127"/>
+              </a:rPr>
+              <a:t>1</a:t>
+            </a:r>
+            <a:r>
+              <a:rPr lang="ko-KR" altLang="en-US" sz="1200" dirty="0">
+                <a:latin typeface="KoPub돋움체 Bold" panose="02020603020101020101" pitchFamily="18" charset="-127"/>
+                <a:ea typeface="KoPub돋움체 Bold" panose="02020603020101020101" pitchFamily="18" charset="-127"/>
+              </a:rPr>
+              <a:t>학기</a:t>
+            </a:r>
+          </a:p>
+        </p:txBody>
+      </p:sp>
+      <p:pic>
+        <p:nvPicPr>
+          <p:cNvPr id="11" name="그림 10">
+            <a:extLst>
+              <a:ext uri="{FF2B5EF4-FFF2-40B4-BE49-F238E27FC236}">
+                <a16:creationId xmlns:a16="http://schemas.microsoft.com/office/drawing/2014/main" id="{C9FD0345-5AA3-4F27-9178-F4EB0602D73C}"/>
+              </a:ext>
+            </a:extLst>
+          </p:cNvPr>
+          <p:cNvPicPr>
+            <a:picLocks noChangeAspect="1"/>
+          </p:cNvPicPr>
+          <p:nvPr/>
+        </p:nvPicPr>
+        <p:blipFill>
+          <a:blip r:embed="rId4">
+            <a:extLst>
+              <a:ext uri="{28A0092B-C50C-407E-A947-70E740481C1C}">
+                <a14:useLocalDpi xmlns:a14="http://schemas.microsoft.com/office/drawing/2010/main" val="0"/>
+              </a:ext>
+            </a:extLst>
+          </a:blip>
+          <a:stretch>
+            <a:fillRect/>
+          </a:stretch>
+        </p:blipFill>
+        <p:spPr>
+          <a:xfrm>
+            <a:off x="4113636" y="410707"/>
+            <a:ext cx="3749464" cy="1694869"/>
+          </a:xfrm>
+          <a:prstGeom prst="rect">
+            <a:avLst/>
+          </a:prstGeom>
+        </p:spPr>
+      </p:pic>
+      <p:pic>
+        <p:nvPicPr>
+          <p:cNvPr id="13" name="그림 12">
+            <a:extLst>
+              <a:ext uri="{FF2B5EF4-FFF2-40B4-BE49-F238E27FC236}">
+                <a16:creationId xmlns:a16="http://schemas.microsoft.com/office/drawing/2014/main" id="{E98A3E83-DD0C-4240-AA90-173496F91EED}"/>
+              </a:ext>
+            </a:extLst>
+          </p:cNvPr>
+          <p:cNvPicPr>
+            <a:picLocks noChangeAspect="1"/>
+          </p:cNvPicPr>
+          <p:nvPr/>
+        </p:nvPicPr>
+        <p:blipFill>
+          <a:blip r:embed="rId5">
+            <a:extLst>
+              <a:ext uri="{28A0092B-C50C-407E-A947-70E740481C1C}">
+                <a14:useLocalDpi xmlns:a14="http://schemas.microsoft.com/office/drawing/2010/main" val="0"/>
+              </a:ext>
+            </a:extLst>
+          </a:blip>
+          <a:stretch>
+            <a:fillRect/>
+          </a:stretch>
+        </p:blipFill>
+        <p:spPr>
+          <a:xfrm>
+            <a:off x="192269" y="4961234"/>
+            <a:ext cx="3630233" cy="1087711"/>
+          </a:xfrm>
+          <a:prstGeom prst="rect">
+            <a:avLst/>
+          </a:prstGeom>
+        </p:spPr>
+      </p:pic>
+      <p:sp>
+        <p:nvSpPr>
+          <p:cNvPr id="14" name="TextBox 13">
+            <a:extLst>
+              <a:ext uri="{FF2B5EF4-FFF2-40B4-BE49-F238E27FC236}">
+                <a16:creationId xmlns:a16="http://schemas.microsoft.com/office/drawing/2014/main" id="{A917979E-F388-443D-8B24-882AE52A462F}"/>
+              </a:ext>
+            </a:extLst>
+          </p:cNvPr>
+          <p:cNvSpPr txBox="1"/>
+          <p:nvPr/>
+        </p:nvSpPr>
+        <p:spPr>
+          <a:xfrm>
+            <a:off x="192268" y="4688315"/>
+            <a:ext cx="2097031" cy="276999"/>
+          </a:xfrm>
+          <a:prstGeom prst="rect">
+            <a:avLst/>
+          </a:prstGeom>
+          <a:noFill/>
+        </p:spPr>
+        <p:txBody>
+          <a:bodyPr wrap="square" rtlCol="0">
+            <a:spAutoFit/>
+          </a:bodyPr>
+          <a:lstStyle/>
+          <a:p>
+            <a:r>
+              <a:rPr lang="en-US" altLang="ko-KR" sz="1200" dirty="0">
+                <a:latin typeface="KoPub돋움체 Bold" panose="02020603020101020101" pitchFamily="18" charset="-127"/>
+                <a:ea typeface="KoPub돋움체 Bold" panose="02020603020101020101" pitchFamily="18" charset="-127"/>
+              </a:rPr>
+              <a:t>2018</a:t>
+            </a:r>
+            <a:r>
+              <a:rPr lang="ko-KR" altLang="en-US" sz="1200" dirty="0">
+                <a:latin typeface="KoPub돋움체 Bold" panose="02020603020101020101" pitchFamily="18" charset="-127"/>
+                <a:ea typeface="KoPub돋움체 Bold" panose="02020603020101020101" pitchFamily="18" charset="-127"/>
+              </a:rPr>
+              <a:t>년도 </a:t>
+            </a:r>
+            <a:r>
+              <a:rPr lang="en-US" altLang="ko-KR" sz="1200" dirty="0">
+                <a:latin typeface="KoPub돋움체 Bold" panose="02020603020101020101" pitchFamily="18" charset="-127"/>
+                <a:ea typeface="KoPub돋움체 Bold" panose="02020603020101020101" pitchFamily="18" charset="-127"/>
+              </a:rPr>
+              <a:t>1</a:t>
+            </a:r>
+            <a:r>
+              <a:rPr lang="ko-KR" altLang="en-US" sz="1200" dirty="0">
+                <a:latin typeface="KoPub돋움체 Bold" panose="02020603020101020101" pitchFamily="18" charset="-127"/>
+                <a:ea typeface="KoPub돋움체 Bold" panose="02020603020101020101" pitchFamily="18" charset="-127"/>
+              </a:rPr>
+              <a:t>학기</a:t>
+            </a:r>
+          </a:p>
+        </p:txBody>
+      </p:sp>
+      <p:sp>
+        <p:nvSpPr>
+          <p:cNvPr id="15" name="TextBox 14">
+            <a:extLst>
+              <a:ext uri="{FF2B5EF4-FFF2-40B4-BE49-F238E27FC236}">
+                <a16:creationId xmlns:a16="http://schemas.microsoft.com/office/drawing/2014/main" id="{4B5DC03D-4DAD-4C79-80CA-AF3CF2B4B0F9}"/>
+              </a:ext>
+            </a:extLst>
+          </p:cNvPr>
+          <p:cNvSpPr txBox="1"/>
+          <p:nvPr/>
+        </p:nvSpPr>
+        <p:spPr>
+          <a:xfrm>
+            <a:off x="4113636" y="133708"/>
+            <a:ext cx="2097031" cy="276999"/>
+          </a:xfrm>
+          <a:prstGeom prst="rect">
+            <a:avLst/>
+          </a:prstGeom>
+          <a:noFill/>
+        </p:spPr>
+        <p:txBody>
+          <a:bodyPr wrap="square" rtlCol="0">
+            <a:spAutoFit/>
+          </a:bodyPr>
+          <a:lstStyle/>
+          <a:p>
+            <a:r>
+              <a:rPr lang="en-US" altLang="ko-KR" sz="1200" dirty="0">
+                <a:latin typeface="KoPub돋움체 Bold" panose="02020603020101020101" pitchFamily="18" charset="-127"/>
+                <a:ea typeface="KoPub돋움체 Bold" panose="02020603020101020101" pitchFamily="18" charset="-127"/>
+              </a:rPr>
+              <a:t>2018</a:t>
+            </a:r>
+            <a:r>
+              <a:rPr lang="ko-KR" altLang="en-US" sz="1200" dirty="0">
+                <a:latin typeface="KoPub돋움체 Bold" panose="02020603020101020101" pitchFamily="18" charset="-127"/>
+                <a:ea typeface="KoPub돋움체 Bold" panose="02020603020101020101" pitchFamily="18" charset="-127"/>
+              </a:rPr>
+              <a:t>년도 </a:t>
+            </a:r>
+            <a:r>
+              <a:rPr lang="en-US" altLang="ko-KR" sz="1200" dirty="0">
+                <a:latin typeface="KoPub돋움체 Bold" panose="02020603020101020101" pitchFamily="18" charset="-127"/>
+                <a:ea typeface="KoPub돋움체 Bold" panose="02020603020101020101" pitchFamily="18" charset="-127"/>
+              </a:rPr>
+              <a:t>1</a:t>
+            </a:r>
+            <a:r>
+              <a:rPr lang="ko-KR" altLang="en-US" sz="1200" dirty="0">
+                <a:latin typeface="KoPub돋움체 Bold" panose="02020603020101020101" pitchFamily="18" charset="-127"/>
+                <a:ea typeface="KoPub돋움체 Bold" panose="02020603020101020101" pitchFamily="18" charset="-127"/>
+              </a:rPr>
+              <a:t>학기</a:t>
+            </a:r>
+          </a:p>
+        </p:txBody>
+      </p:sp>
+      <p:pic>
+        <p:nvPicPr>
+          <p:cNvPr id="17" name="그림 16">
+            <a:extLst>
+              <a:ext uri="{FF2B5EF4-FFF2-40B4-BE49-F238E27FC236}">
+                <a16:creationId xmlns:a16="http://schemas.microsoft.com/office/drawing/2014/main" id="{BEF13D66-3325-4EE4-BAC5-FF128C876C92}"/>
+              </a:ext>
+            </a:extLst>
+          </p:cNvPr>
+          <p:cNvPicPr>
+            <a:picLocks noChangeAspect="1"/>
+          </p:cNvPicPr>
+          <p:nvPr/>
+        </p:nvPicPr>
+        <p:blipFill>
+          <a:blip r:embed="rId6">
+            <a:extLst>
+              <a:ext uri="{28A0092B-C50C-407E-A947-70E740481C1C}">
+                <a14:useLocalDpi xmlns:a14="http://schemas.microsoft.com/office/drawing/2010/main" val="0"/>
+              </a:ext>
+            </a:extLst>
+          </a:blip>
+          <a:stretch>
+            <a:fillRect/>
+          </a:stretch>
+        </p:blipFill>
+        <p:spPr>
+          <a:xfrm>
+            <a:off x="4113637" y="2652604"/>
+            <a:ext cx="3749464" cy="1193677"/>
+          </a:xfrm>
+          <a:prstGeom prst="rect">
+            <a:avLst/>
+          </a:prstGeom>
+        </p:spPr>
+      </p:pic>
+      <p:sp>
+        <p:nvSpPr>
+          <p:cNvPr id="18" name="TextBox 17">
+            <a:extLst>
+              <a:ext uri="{FF2B5EF4-FFF2-40B4-BE49-F238E27FC236}">
+                <a16:creationId xmlns:a16="http://schemas.microsoft.com/office/drawing/2014/main" id="{CFD502FB-14B3-4977-88E3-34F89BA851CA}"/>
+              </a:ext>
+            </a:extLst>
+          </p:cNvPr>
+          <p:cNvSpPr txBox="1"/>
+          <p:nvPr/>
+        </p:nvSpPr>
+        <p:spPr>
+          <a:xfrm>
+            <a:off x="4113636" y="2373428"/>
+            <a:ext cx="2097031" cy="276999"/>
+          </a:xfrm>
+          <a:prstGeom prst="rect">
+            <a:avLst/>
+          </a:prstGeom>
+          <a:noFill/>
+        </p:spPr>
+        <p:txBody>
+          <a:bodyPr wrap="square" rtlCol="0">
+            <a:spAutoFit/>
+          </a:bodyPr>
+          <a:lstStyle/>
+          <a:p>
+            <a:r>
+              <a:rPr lang="en-US" altLang="ko-KR" sz="1200" dirty="0">
+                <a:latin typeface="KoPub돋움체 Bold" panose="02020603020101020101" pitchFamily="18" charset="-127"/>
+                <a:ea typeface="KoPub돋움체 Bold" panose="02020603020101020101" pitchFamily="18" charset="-127"/>
+              </a:rPr>
+              <a:t>2017</a:t>
+            </a:r>
+            <a:r>
+              <a:rPr lang="ko-KR" altLang="en-US" sz="1200" dirty="0">
+                <a:latin typeface="KoPub돋움체 Bold" panose="02020603020101020101" pitchFamily="18" charset="-127"/>
+                <a:ea typeface="KoPub돋움체 Bold" panose="02020603020101020101" pitchFamily="18" charset="-127"/>
+              </a:rPr>
+              <a:t>년도 </a:t>
+            </a:r>
+            <a:r>
+              <a:rPr lang="en-US" altLang="ko-KR" sz="1200" dirty="0">
+                <a:latin typeface="KoPub돋움체 Bold" panose="02020603020101020101" pitchFamily="18" charset="-127"/>
+                <a:ea typeface="KoPub돋움체 Bold" panose="02020603020101020101" pitchFamily="18" charset="-127"/>
+              </a:rPr>
+              <a:t>1</a:t>
+            </a:r>
+            <a:r>
+              <a:rPr lang="ko-KR" altLang="en-US" sz="1200" dirty="0">
+                <a:latin typeface="KoPub돋움체 Bold" panose="02020603020101020101" pitchFamily="18" charset="-127"/>
+                <a:ea typeface="KoPub돋움체 Bold" panose="02020603020101020101" pitchFamily="18" charset="-127"/>
+              </a:rPr>
+              <a:t>학기</a:t>
+            </a:r>
+          </a:p>
+        </p:txBody>
+      </p:sp>
+      <p:pic>
+        <p:nvPicPr>
+          <p:cNvPr id="20" name="그림 19">
+            <a:extLst>
+              <a:ext uri="{FF2B5EF4-FFF2-40B4-BE49-F238E27FC236}">
+                <a16:creationId xmlns:a16="http://schemas.microsoft.com/office/drawing/2014/main" id="{E6EF75A2-7579-454A-826A-0CE828C34452}"/>
+              </a:ext>
+            </a:extLst>
+          </p:cNvPr>
+          <p:cNvPicPr>
+            <a:picLocks noChangeAspect="1"/>
+          </p:cNvPicPr>
+          <p:nvPr/>
+        </p:nvPicPr>
+        <p:blipFill>
+          <a:blip r:embed="rId7">
+            <a:extLst>
+              <a:ext uri="{28A0092B-C50C-407E-A947-70E740481C1C}">
+                <a14:useLocalDpi xmlns:a14="http://schemas.microsoft.com/office/drawing/2010/main" val="0"/>
+              </a:ext>
+            </a:extLst>
+          </a:blip>
+          <a:stretch>
+            <a:fillRect/>
+          </a:stretch>
+        </p:blipFill>
+        <p:spPr>
+          <a:xfrm>
+            <a:off x="4113636" y="4937092"/>
+            <a:ext cx="3749464" cy="1510201"/>
+          </a:xfrm>
+          <a:prstGeom prst="rect">
+            <a:avLst/>
+          </a:prstGeom>
+        </p:spPr>
+      </p:pic>
+      <p:sp>
+        <p:nvSpPr>
+          <p:cNvPr id="21" name="TextBox 20">
+            <a:extLst>
+              <a:ext uri="{FF2B5EF4-FFF2-40B4-BE49-F238E27FC236}">
+                <a16:creationId xmlns:a16="http://schemas.microsoft.com/office/drawing/2014/main" id="{10E4C7E9-B594-4F66-9B96-E1384087D3FF}"/>
+              </a:ext>
+            </a:extLst>
+          </p:cNvPr>
+          <p:cNvSpPr txBox="1"/>
+          <p:nvPr/>
+        </p:nvSpPr>
+        <p:spPr>
+          <a:xfrm>
+            <a:off x="4113635" y="4657198"/>
+            <a:ext cx="2097031" cy="276999"/>
+          </a:xfrm>
+          <a:prstGeom prst="rect">
+            <a:avLst/>
+          </a:prstGeom>
+          <a:noFill/>
+        </p:spPr>
+        <p:txBody>
+          <a:bodyPr wrap="square" rtlCol="0">
+            <a:spAutoFit/>
+          </a:bodyPr>
+          <a:lstStyle/>
+          <a:p>
+            <a:r>
+              <a:rPr lang="en-US" altLang="ko-KR" sz="1200" dirty="0">
+                <a:latin typeface="KoPub돋움체 Bold" panose="02020603020101020101" pitchFamily="18" charset="-127"/>
+                <a:ea typeface="KoPub돋움체 Bold" panose="02020603020101020101" pitchFamily="18" charset="-127"/>
+              </a:rPr>
+              <a:t>2016</a:t>
+            </a:r>
+            <a:r>
+              <a:rPr lang="ko-KR" altLang="en-US" sz="1200" dirty="0">
+                <a:latin typeface="KoPub돋움체 Bold" panose="02020603020101020101" pitchFamily="18" charset="-127"/>
+                <a:ea typeface="KoPub돋움체 Bold" panose="02020603020101020101" pitchFamily="18" charset="-127"/>
+              </a:rPr>
+              <a:t>년도 </a:t>
+            </a:r>
+            <a:r>
+              <a:rPr lang="en-US" altLang="ko-KR" sz="1200" dirty="0">
+                <a:latin typeface="KoPub돋움체 Bold" panose="02020603020101020101" pitchFamily="18" charset="-127"/>
+                <a:ea typeface="KoPub돋움체 Bold" panose="02020603020101020101" pitchFamily="18" charset="-127"/>
+              </a:rPr>
+              <a:t>1</a:t>
+            </a:r>
+            <a:r>
+              <a:rPr lang="ko-KR" altLang="en-US" sz="1200" dirty="0">
+                <a:latin typeface="KoPub돋움체 Bold" panose="02020603020101020101" pitchFamily="18" charset="-127"/>
+                <a:ea typeface="KoPub돋움체 Bold" panose="02020603020101020101" pitchFamily="18" charset="-127"/>
+              </a:rPr>
+              <a:t>학기</a:t>
+            </a:r>
+          </a:p>
+        </p:txBody>
+      </p:sp>
+      <p:sp>
+        <p:nvSpPr>
+          <p:cNvPr id="22" name="직사각형 21">
+            <a:extLst>
+              <a:ext uri="{FF2B5EF4-FFF2-40B4-BE49-F238E27FC236}">
+                <a16:creationId xmlns:a16="http://schemas.microsoft.com/office/drawing/2014/main" id="{3F15A7D3-B8FB-4E17-8250-69F1132C4102}"/>
+              </a:ext>
+            </a:extLst>
+          </p:cNvPr>
+          <p:cNvSpPr/>
+          <p:nvPr/>
+        </p:nvSpPr>
+        <p:spPr>
+          <a:xfrm>
+            <a:off x="398585" y="1649867"/>
+            <a:ext cx="3423917" cy="348918"/>
+          </a:xfrm>
+          <a:prstGeom prst="rect">
+            <a:avLst/>
+          </a:prstGeom>
+          <a:noFill/>
+          <a:ln w="25400">
+            <a:solidFill>
+              <a:srgbClr val="C00000"/>
+            </a:solidFill>
+          </a:ln>
+        </p:spPr>
+        <p:style>
+          <a:lnRef idx="2">
+            <a:schemeClr val="accent1">
+              <a:shade val="50000"/>
+            </a:schemeClr>
+          </a:lnRef>
+          <a:fillRef idx="1">
+            <a:schemeClr val="accent1"/>
+          </a:fillRef>
+          <a:effectRef idx="0">
+            <a:schemeClr val="accent1"/>
+          </a:effectRef>
+          <a:fontRef idx="minor">
+            <a:schemeClr val="lt1"/>
+          </a:fontRef>
+        </p:style>
+        <p:txBody>
+          <a:bodyPr rtlCol="0" anchor="ctr"/>
+          <a:lstStyle/>
+          <a:p>
+            <a:pPr algn="ctr"/>
+            <a:endParaRPr lang="ko-KR" altLang="en-US"/>
+          </a:p>
+        </p:txBody>
+      </p:sp>
+      <p:sp>
+        <p:nvSpPr>
+          <p:cNvPr id="23" name="직사각형 22">
+            <a:extLst>
+              <a:ext uri="{FF2B5EF4-FFF2-40B4-BE49-F238E27FC236}">
+                <a16:creationId xmlns:a16="http://schemas.microsoft.com/office/drawing/2014/main" id="{2A07CE29-9FBB-46D3-8005-1E1FA0AC46F6}"/>
+              </a:ext>
+            </a:extLst>
+          </p:cNvPr>
+          <p:cNvSpPr/>
+          <p:nvPr/>
+        </p:nvSpPr>
+        <p:spPr>
+          <a:xfrm>
+            <a:off x="398584" y="4308280"/>
+            <a:ext cx="1137139" cy="169935"/>
+          </a:xfrm>
+          <a:prstGeom prst="rect">
+            <a:avLst/>
+          </a:prstGeom>
+          <a:noFill/>
+          <a:ln w="25400">
+            <a:solidFill>
+              <a:srgbClr val="C00000"/>
+            </a:solidFill>
+          </a:ln>
+        </p:spPr>
+        <p:style>
+          <a:lnRef idx="2">
+            <a:schemeClr val="accent1">
+              <a:shade val="50000"/>
+            </a:schemeClr>
+          </a:lnRef>
+          <a:fillRef idx="1">
+            <a:schemeClr val="accent1"/>
+          </a:fillRef>
+          <a:effectRef idx="0">
+            <a:schemeClr val="accent1"/>
+          </a:effectRef>
+          <a:fontRef idx="minor">
+            <a:schemeClr val="lt1"/>
+          </a:fontRef>
+        </p:style>
+        <p:txBody>
+          <a:bodyPr rtlCol="0" anchor="ctr"/>
+          <a:lstStyle/>
+          <a:p>
+            <a:pPr algn="ctr"/>
+            <a:endParaRPr lang="ko-KR" altLang="en-US"/>
+          </a:p>
+        </p:txBody>
+      </p:sp>
+      <p:sp>
+        <p:nvSpPr>
+          <p:cNvPr id="24" name="직사각형 23">
+            <a:extLst>
+              <a:ext uri="{FF2B5EF4-FFF2-40B4-BE49-F238E27FC236}">
+                <a16:creationId xmlns:a16="http://schemas.microsoft.com/office/drawing/2014/main" id="{DD858397-CFDE-4184-8188-1A6D4F35A7AD}"/>
+              </a:ext>
+            </a:extLst>
+          </p:cNvPr>
+          <p:cNvSpPr/>
+          <p:nvPr/>
+        </p:nvSpPr>
+        <p:spPr>
+          <a:xfrm>
+            <a:off x="398584" y="5332670"/>
+            <a:ext cx="1137139" cy="159592"/>
+          </a:xfrm>
+          <a:prstGeom prst="rect">
+            <a:avLst/>
+          </a:prstGeom>
+          <a:noFill/>
+          <a:ln w="25400">
+            <a:solidFill>
+              <a:srgbClr val="C00000"/>
+            </a:solidFill>
+          </a:ln>
+        </p:spPr>
+        <p:style>
+          <a:lnRef idx="2">
+            <a:schemeClr val="accent1">
+              <a:shade val="50000"/>
+            </a:schemeClr>
+          </a:lnRef>
+          <a:fillRef idx="1">
+            <a:schemeClr val="accent1"/>
+          </a:fillRef>
+          <a:effectRef idx="0">
+            <a:schemeClr val="accent1"/>
+          </a:effectRef>
+          <a:fontRef idx="minor">
+            <a:schemeClr val="lt1"/>
+          </a:fontRef>
+        </p:style>
+        <p:txBody>
+          <a:bodyPr rtlCol="0" anchor="ctr"/>
+          <a:lstStyle/>
+          <a:p>
+            <a:pPr algn="ctr"/>
+            <a:endParaRPr lang="ko-KR" altLang="en-US"/>
+          </a:p>
+        </p:txBody>
+      </p:sp>
+      <p:sp>
+        <p:nvSpPr>
+          <p:cNvPr id="25" name="직사각형 24">
+            <a:extLst>
+              <a:ext uri="{FF2B5EF4-FFF2-40B4-BE49-F238E27FC236}">
+                <a16:creationId xmlns:a16="http://schemas.microsoft.com/office/drawing/2014/main" id="{3405AE92-2D92-4E26-9C5E-C959924F7AE2}"/>
+              </a:ext>
+            </a:extLst>
+          </p:cNvPr>
+          <p:cNvSpPr/>
+          <p:nvPr/>
+        </p:nvSpPr>
+        <p:spPr>
+          <a:xfrm>
+            <a:off x="4325817" y="1750996"/>
+            <a:ext cx="1137138" cy="148142"/>
+          </a:xfrm>
+          <a:prstGeom prst="rect">
+            <a:avLst/>
+          </a:prstGeom>
+          <a:noFill/>
+          <a:ln w="25400">
+            <a:solidFill>
+              <a:srgbClr val="C00000"/>
+            </a:solidFill>
+          </a:ln>
+        </p:spPr>
+        <p:style>
+          <a:lnRef idx="2">
+            <a:schemeClr val="accent1">
+              <a:shade val="50000"/>
+            </a:schemeClr>
+          </a:lnRef>
+          <a:fillRef idx="1">
+            <a:schemeClr val="accent1"/>
+          </a:fillRef>
+          <a:effectRef idx="0">
+            <a:schemeClr val="accent1"/>
+          </a:effectRef>
+          <a:fontRef idx="minor">
+            <a:schemeClr val="lt1"/>
+          </a:fontRef>
+        </p:style>
+        <p:txBody>
+          <a:bodyPr rtlCol="0" anchor="ctr"/>
+          <a:lstStyle/>
+          <a:p>
+            <a:pPr algn="ctr"/>
+            <a:endParaRPr lang="ko-KR" altLang="en-US"/>
+          </a:p>
+        </p:txBody>
+      </p:sp>
+      <p:sp>
+        <p:nvSpPr>
+          <p:cNvPr id="26" name="직사각형 25">
+            <a:extLst>
+              <a:ext uri="{FF2B5EF4-FFF2-40B4-BE49-F238E27FC236}">
+                <a16:creationId xmlns:a16="http://schemas.microsoft.com/office/drawing/2014/main" id="{154366C5-BDD1-44C2-97DE-F57A1F4BBBD0}"/>
+              </a:ext>
+            </a:extLst>
+          </p:cNvPr>
+          <p:cNvSpPr/>
+          <p:nvPr/>
+        </p:nvSpPr>
+        <p:spPr>
+          <a:xfrm>
+            <a:off x="4384041" y="3588416"/>
+            <a:ext cx="1131667" cy="162969"/>
+          </a:xfrm>
+          <a:prstGeom prst="rect">
+            <a:avLst/>
+          </a:prstGeom>
+          <a:noFill/>
+          <a:ln w="25400">
+            <a:solidFill>
+              <a:srgbClr val="C00000"/>
+            </a:solidFill>
+          </a:ln>
+        </p:spPr>
+        <p:style>
+          <a:lnRef idx="2">
+            <a:schemeClr val="accent1">
+              <a:shade val="50000"/>
+            </a:schemeClr>
+          </a:lnRef>
+          <a:fillRef idx="1">
+            <a:schemeClr val="accent1"/>
+          </a:fillRef>
+          <a:effectRef idx="0">
+            <a:schemeClr val="accent1"/>
+          </a:effectRef>
+          <a:fontRef idx="minor">
+            <a:schemeClr val="lt1"/>
+          </a:fontRef>
+        </p:style>
+        <p:txBody>
+          <a:bodyPr rtlCol="0" anchor="ctr"/>
+          <a:lstStyle/>
+          <a:p>
+            <a:pPr algn="ctr"/>
+            <a:endParaRPr lang="ko-KR" altLang="en-US"/>
+          </a:p>
+        </p:txBody>
+      </p:sp>
+      <p:sp>
+        <p:nvSpPr>
+          <p:cNvPr id="27" name="직사각형 26">
+            <a:extLst>
+              <a:ext uri="{FF2B5EF4-FFF2-40B4-BE49-F238E27FC236}">
+                <a16:creationId xmlns:a16="http://schemas.microsoft.com/office/drawing/2014/main" id="{C083EFCF-7420-42AE-88BF-BDDA16EBDF21}"/>
+              </a:ext>
+            </a:extLst>
+          </p:cNvPr>
+          <p:cNvSpPr/>
+          <p:nvPr/>
+        </p:nvSpPr>
+        <p:spPr>
+          <a:xfrm>
+            <a:off x="4308232" y="5805697"/>
+            <a:ext cx="1195754" cy="202380"/>
+          </a:xfrm>
+          <a:prstGeom prst="rect">
+            <a:avLst/>
+          </a:prstGeom>
+          <a:noFill/>
+          <a:ln w="25400">
+            <a:solidFill>
+              <a:srgbClr val="C00000"/>
+            </a:solidFill>
+          </a:ln>
+        </p:spPr>
+        <p:style>
+          <a:lnRef idx="2">
+            <a:schemeClr val="accent1">
+              <a:shade val="50000"/>
+            </a:schemeClr>
+          </a:lnRef>
+          <a:fillRef idx="1">
+            <a:schemeClr val="accent1"/>
+          </a:fillRef>
+          <a:effectRef idx="0">
+            <a:schemeClr val="accent1"/>
+          </a:effectRef>
+          <a:fontRef idx="minor">
+            <a:schemeClr val="lt1"/>
+          </a:fontRef>
+        </p:style>
+        <p:txBody>
+          <a:bodyPr rtlCol="0" anchor="ctr"/>
+          <a:lstStyle/>
+          <a:p>
+            <a:pPr algn="ctr"/>
+            <a:endParaRPr lang="ko-KR" altLang="en-US"/>
+          </a:p>
+        </p:txBody>
+      </p:sp>
+      <p:sp>
+        <p:nvSpPr>
+          <p:cNvPr id="28" name="직사각형 27">
+            <a:extLst>
+              <a:ext uri="{FF2B5EF4-FFF2-40B4-BE49-F238E27FC236}">
+                <a16:creationId xmlns:a16="http://schemas.microsoft.com/office/drawing/2014/main" id="{2D93D07B-A6DE-4EA7-A92C-55E9A3ACA3B9}"/>
+              </a:ext>
+            </a:extLst>
+          </p:cNvPr>
+          <p:cNvSpPr/>
+          <p:nvPr/>
+        </p:nvSpPr>
+        <p:spPr>
+          <a:xfrm>
+            <a:off x="4906109" y="5179352"/>
+            <a:ext cx="609599" cy="187129"/>
+          </a:xfrm>
+          <a:prstGeom prst="rect">
+            <a:avLst/>
+          </a:prstGeom>
+          <a:noFill/>
+          <a:ln w="25400">
+            <a:solidFill>
+              <a:srgbClr val="00B0F0"/>
+            </a:solidFill>
+          </a:ln>
+        </p:spPr>
+        <p:style>
+          <a:lnRef idx="2">
+            <a:schemeClr val="accent1">
+              <a:shade val="50000"/>
+            </a:schemeClr>
+          </a:lnRef>
+          <a:fillRef idx="1">
+            <a:schemeClr val="accent1"/>
+          </a:fillRef>
+          <a:effectRef idx="0">
+            <a:schemeClr val="accent1"/>
+          </a:effectRef>
+          <a:fontRef idx="minor">
+            <a:schemeClr val="lt1"/>
+          </a:fontRef>
+        </p:style>
+        <p:txBody>
+          <a:bodyPr rtlCol="0" anchor="ctr"/>
+          <a:lstStyle/>
+          <a:p>
+            <a:pPr algn="ctr"/>
+            <a:endParaRPr lang="ko-KR" altLang="en-US"/>
+          </a:p>
+        </p:txBody>
+      </p:sp>
+      <p:sp>
+        <p:nvSpPr>
+          <p:cNvPr id="29" name="직사각형 28">
+            <a:extLst>
+              <a:ext uri="{FF2B5EF4-FFF2-40B4-BE49-F238E27FC236}">
+                <a16:creationId xmlns:a16="http://schemas.microsoft.com/office/drawing/2014/main" id="{7CA98667-7133-43D7-ADE6-5593873806B5}"/>
+              </a:ext>
+            </a:extLst>
+          </p:cNvPr>
+          <p:cNvSpPr/>
+          <p:nvPr/>
+        </p:nvSpPr>
+        <p:spPr>
+          <a:xfrm>
+            <a:off x="4911973" y="2647821"/>
+            <a:ext cx="474782" cy="187129"/>
+          </a:xfrm>
+          <a:prstGeom prst="rect">
+            <a:avLst/>
+          </a:prstGeom>
+          <a:noFill/>
+          <a:ln w="25400">
+            <a:solidFill>
+              <a:srgbClr val="00B0F0"/>
+            </a:solidFill>
+          </a:ln>
+        </p:spPr>
+        <p:style>
+          <a:lnRef idx="2">
+            <a:schemeClr val="accent1">
+              <a:shade val="50000"/>
+            </a:schemeClr>
+          </a:lnRef>
+          <a:fillRef idx="1">
+            <a:schemeClr val="accent1"/>
+          </a:fillRef>
+          <a:effectRef idx="0">
+            <a:schemeClr val="accent1"/>
+          </a:effectRef>
+          <a:fontRef idx="minor">
+            <a:schemeClr val="lt1"/>
+          </a:fontRef>
+        </p:style>
+        <p:txBody>
+          <a:bodyPr rtlCol="0" anchor="ctr"/>
+          <a:lstStyle/>
+          <a:p>
+            <a:pPr algn="ctr"/>
+            <a:endParaRPr lang="ko-KR" altLang="en-US"/>
+          </a:p>
+        </p:txBody>
+      </p:sp>
+      <p:sp>
+        <p:nvSpPr>
+          <p:cNvPr id="30" name="TextBox 29">
+            <a:extLst>
+              <a:ext uri="{FF2B5EF4-FFF2-40B4-BE49-F238E27FC236}">
+                <a16:creationId xmlns:a16="http://schemas.microsoft.com/office/drawing/2014/main" id="{0A62C9C7-C15D-4380-9878-17A811139864}"/>
+              </a:ext>
+            </a:extLst>
+          </p:cNvPr>
+          <p:cNvSpPr txBox="1"/>
+          <p:nvPr/>
+        </p:nvSpPr>
+        <p:spPr>
+          <a:xfrm>
+            <a:off x="5889150" y="1610854"/>
+            <a:ext cx="2116015" cy="461665"/>
+          </a:xfrm>
+          <a:prstGeom prst="rect">
+            <a:avLst/>
+          </a:prstGeom>
+          <a:solidFill>
+            <a:schemeClr val="accent2">
+              <a:lumMod val="20000"/>
+              <a:lumOff val="80000"/>
+            </a:schemeClr>
+          </a:solidFill>
+        </p:spPr>
+        <p:txBody>
+          <a:bodyPr wrap="square" rtlCol="0">
+            <a:spAutoFit/>
+          </a:bodyPr>
+          <a:lstStyle/>
+          <a:p>
+            <a:r>
+              <a:rPr lang="en-US" altLang="ko-KR" sz="1200" dirty="0">
+                <a:latin typeface="KoPubWorld돋움체 Bold" panose="00000800000000000000" pitchFamily="2" charset="-127"/>
+                <a:ea typeface="KoPubWorld돋움체 Bold" panose="00000800000000000000" pitchFamily="2" charset="-127"/>
+                <a:cs typeface="KoPubWorld돋움체 Bold" panose="00000800000000000000" pitchFamily="2" charset="-127"/>
+              </a:rPr>
+              <a:t>1.3.4.2</a:t>
+            </a:r>
+            <a:r>
+              <a:rPr lang="ko-KR" altLang="en-US" sz="1200" dirty="0">
+                <a:latin typeface="KoPubWorld돋움체 Bold" panose="00000800000000000000" pitchFamily="2" charset="-127"/>
+                <a:ea typeface="KoPubWorld돋움체 Bold" panose="00000800000000000000" pitchFamily="2" charset="-127"/>
+                <a:cs typeface="KoPubWorld돋움체 Bold" panose="00000800000000000000" pitchFamily="2" charset="-127"/>
+              </a:rPr>
+              <a:t>의 한국표준직업분류 제일 밑에 추가적으로 있는 내용</a:t>
+            </a:r>
+          </a:p>
+        </p:txBody>
+      </p:sp>
+      <p:sp>
+        <p:nvSpPr>
+          <p:cNvPr id="31" name="직사각형 30">
+            <a:extLst>
+              <a:ext uri="{FF2B5EF4-FFF2-40B4-BE49-F238E27FC236}">
+                <a16:creationId xmlns:a16="http://schemas.microsoft.com/office/drawing/2014/main" id="{FDFA5F1A-B001-4D5B-B1F4-805BB597D092}"/>
+              </a:ext>
+            </a:extLst>
+          </p:cNvPr>
+          <p:cNvSpPr/>
+          <p:nvPr/>
+        </p:nvSpPr>
+        <p:spPr>
+          <a:xfrm>
+            <a:off x="923196" y="4964331"/>
+            <a:ext cx="1245573" cy="187129"/>
+          </a:xfrm>
+          <a:prstGeom prst="rect">
+            <a:avLst/>
+          </a:prstGeom>
+          <a:noFill/>
+          <a:ln w="25400">
+            <a:solidFill>
+              <a:srgbClr val="00B0F0"/>
+            </a:solidFill>
+          </a:ln>
+        </p:spPr>
+        <p:style>
+          <a:lnRef idx="2">
+            <a:schemeClr val="accent1">
+              <a:shade val="50000"/>
+            </a:schemeClr>
+          </a:lnRef>
+          <a:fillRef idx="1">
+            <a:schemeClr val="accent1"/>
+          </a:fillRef>
+          <a:effectRef idx="0">
+            <a:schemeClr val="accent1"/>
+          </a:effectRef>
+          <a:fontRef idx="minor">
+            <a:schemeClr val="lt1"/>
+          </a:fontRef>
+        </p:style>
+        <p:txBody>
+          <a:bodyPr rtlCol="0" anchor="ctr"/>
+          <a:lstStyle/>
+          <a:p>
+            <a:pPr algn="ctr"/>
+            <a:endParaRPr lang="ko-KR" altLang="en-US"/>
+          </a:p>
+        </p:txBody>
+      </p:sp>
+      <p:sp>
+        <p:nvSpPr>
+          <p:cNvPr id="32" name="직사각형 31">
+            <a:extLst>
+              <a:ext uri="{FF2B5EF4-FFF2-40B4-BE49-F238E27FC236}">
+                <a16:creationId xmlns:a16="http://schemas.microsoft.com/office/drawing/2014/main" id="{A6A08276-9622-432A-9F45-FCE49A85EC5B}"/>
+              </a:ext>
+            </a:extLst>
+          </p:cNvPr>
+          <p:cNvSpPr/>
+          <p:nvPr/>
+        </p:nvSpPr>
+        <p:spPr>
+          <a:xfrm>
+            <a:off x="4589586" y="996621"/>
+            <a:ext cx="252045" cy="187129"/>
+          </a:xfrm>
+          <a:prstGeom prst="rect">
+            <a:avLst/>
+          </a:prstGeom>
+          <a:noFill/>
+          <a:ln w="25400">
+            <a:solidFill>
+              <a:srgbClr val="00B0F0"/>
+            </a:solidFill>
+          </a:ln>
+        </p:spPr>
+        <p:style>
+          <a:lnRef idx="2">
+            <a:schemeClr val="accent1">
+              <a:shade val="50000"/>
+            </a:schemeClr>
+          </a:lnRef>
+          <a:fillRef idx="1">
+            <a:schemeClr val="accent1"/>
+          </a:fillRef>
+          <a:effectRef idx="0">
+            <a:schemeClr val="accent1"/>
+          </a:effectRef>
+          <a:fontRef idx="minor">
+            <a:schemeClr val="lt1"/>
+          </a:fontRef>
+        </p:style>
+        <p:txBody>
+          <a:bodyPr rtlCol="0" anchor="ctr"/>
+          <a:lstStyle/>
+          <a:p>
+            <a:pPr algn="ctr"/>
+            <a:endParaRPr lang="ko-KR" altLang="en-US"/>
+          </a:p>
+        </p:txBody>
+      </p:sp>
+      <p:sp>
+        <p:nvSpPr>
+          <p:cNvPr id="33" name="직사각형 32">
+            <a:extLst>
+              <a:ext uri="{FF2B5EF4-FFF2-40B4-BE49-F238E27FC236}">
+                <a16:creationId xmlns:a16="http://schemas.microsoft.com/office/drawing/2014/main" id="{ED26FD17-70C9-4A50-BF42-C17F8DA9225B}"/>
+              </a:ext>
+            </a:extLst>
+          </p:cNvPr>
+          <p:cNvSpPr/>
+          <p:nvPr/>
+        </p:nvSpPr>
+        <p:spPr>
+          <a:xfrm>
+            <a:off x="2438401" y="2846392"/>
+            <a:ext cx="633045" cy="187129"/>
+          </a:xfrm>
+          <a:prstGeom prst="rect">
+            <a:avLst/>
+          </a:prstGeom>
+          <a:noFill/>
+          <a:ln w="25400">
+            <a:solidFill>
+              <a:srgbClr val="00B0F0"/>
+            </a:solidFill>
+          </a:ln>
+        </p:spPr>
+        <p:style>
+          <a:lnRef idx="2">
+            <a:schemeClr val="accent1">
+              <a:shade val="50000"/>
+            </a:schemeClr>
+          </a:lnRef>
+          <a:fillRef idx="1">
+            <a:schemeClr val="accent1"/>
+          </a:fillRef>
+          <a:effectRef idx="0">
+            <a:schemeClr val="accent1"/>
+          </a:effectRef>
+          <a:fontRef idx="minor">
+            <a:schemeClr val="lt1"/>
+          </a:fontRef>
+        </p:style>
+        <p:txBody>
+          <a:bodyPr rtlCol="0" anchor="ctr"/>
+          <a:lstStyle/>
+          <a:p>
+            <a:pPr algn="ctr"/>
+            <a:endParaRPr lang="ko-KR" altLang="en-US"/>
+          </a:p>
+        </p:txBody>
+      </p:sp>
+      <p:sp>
+        <p:nvSpPr>
+          <p:cNvPr id="34" name="직사각형 33">
+            <a:extLst>
+              <a:ext uri="{FF2B5EF4-FFF2-40B4-BE49-F238E27FC236}">
+                <a16:creationId xmlns:a16="http://schemas.microsoft.com/office/drawing/2014/main" id="{FD90D50C-A616-4B51-B2C6-BD52410DD7F6}"/>
+              </a:ext>
+            </a:extLst>
+          </p:cNvPr>
+          <p:cNvSpPr/>
+          <p:nvPr/>
+        </p:nvSpPr>
+        <p:spPr>
+          <a:xfrm>
+            <a:off x="2887230" y="1607146"/>
+            <a:ext cx="369776" cy="195528"/>
+          </a:xfrm>
+          <a:prstGeom prst="rect">
+            <a:avLst/>
+          </a:prstGeom>
+          <a:noFill/>
+          <a:ln w="25400">
+            <a:solidFill>
+              <a:srgbClr val="00B0F0"/>
+            </a:solidFill>
+          </a:ln>
+        </p:spPr>
+        <p:style>
+          <a:lnRef idx="2">
+            <a:schemeClr val="accent1">
+              <a:shade val="50000"/>
+            </a:schemeClr>
+          </a:lnRef>
+          <a:fillRef idx="1">
+            <a:schemeClr val="accent1"/>
+          </a:fillRef>
+          <a:effectRef idx="0">
+            <a:schemeClr val="accent1"/>
+          </a:effectRef>
+          <a:fontRef idx="minor">
+            <a:schemeClr val="lt1"/>
+          </a:fontRef>
+        </p:style>
+        <p:txBody>
+          <a:bodyPr rtlCol="0" anchor="ctr"/>
+          <a:lstStyle/>
+          <a:p>
+            <a:pPr algn="ctr"/>
+            <a:endParaRPr lang="ko-KR" altLang="en-US"/>
+          </a:p>
+        </p:txBody>
+      </p:sp>
+    </p:spTree>
+    <p:extLst>
+      <p:ext uri="{BB962C8B-B14F-4D97-AF65-F5344CB8AC3E}">
+        <p14:creationId xmlns:p14="http://schemas.microsoft.com/office/powerpoint/2010/main" val="1363722670"/>
+      </p:ext>
+    </p:extLst>
+  </p:cSld>
+  <p:clrMapOvr>
+    <a:masterClrMapping/>
+  </p:clrMapOvr>
+</p:sld>
+</file>
+
+<file path=ppt/slides/slide17.xml><?xml version="1.0" encoding="utf-8"?>
+<p:sld xmlns:a="http://schemas.openxmlformats.org/drawingml/2006/main" xmlns:r="http://schemas.openxmlformats.org/officeDocument/2006/relationships" xmlns:p="http://schemas.openxmlformats.org/presentationml/2006/main">
+  <p:cSld>
+    <p:spTree>
+      <p:nvGrpSpPr>
+        <p:cNvPr id="1" name=""/>
+        <p:cNvGrpSpPr/>
+        <p:nvPr/>
+      </p:nvGrpSpPr>
+      <p:grpSpPr>
+        <a:xfrm>
+          <a:off x="0" y="0"/>
+          <a:ext cx="0" cy="0"/>
+          <a:chOff x="0" y="0"/>
+          <a:chExt cx="0" cy="0"/>
+        </a:xfrm>
+      </p:grpSpPr>
+      <p:pic>
+        <p:nvPicPr>
+          <p:cNvPr id="5" name="그림 4">
+            <a:extLst>
+              <a:ext uri="{FF2B5EF4-FFF2-40B4-BE49-F238E27FC236}">
+                <a16:creationId xmlns:a16="http://schemas.microsoft.com/office/drawing/2014/main" id="{10309F0B-0F13-4201-AB6D-73ED5E6F923C}"/>
+              </a:ext>
+            </a:extLst>
+          </p:cNvPr>
+          <p:cNvPicPr>
+            <a:picLocks noChangeAspect="1"/>
+          </p:cNvPicPr>
+          <p:nvPr/>
+        </p:nvPicPr>
+        <p:blipFill>
+          <a:blip r:embed="rId2">
+            <a:extLst>
+              <a:ext uri="{28A0092B-C50C-407E-A947-70E740481C1C}">
+                <a14:useLocalDpi xmlns:a14="http://schemas.microsoft.com/office/drawing/2010/main" val="0"/>
+              </a:ext>
+            </a:extLst>
+          </a:blip>
+          <a:stretch>
+            <a:fillRect/>
+          </a:stretch>
+        </p:blipFill>
+        <p:spPr>
+          <a:xfrm>
+            <a:off x="690836" y="1992495"/>
+            <a:ext cx="4303287" cy="1787026"/>
+          </a:xfrm>
+          <a:prstGeom prst="rect">
+            <a:avLst/>
+          </a:prstGeom>
+        </p:spPr>
+      </p:pic>
+      <p:sp>
+        <p:nvSpPr>
+          <p:cNvPr id="6" name="TextBox 5">
+            <a:extLst>
+              <a:ext uri="{FF2B5EF4-FFF2-40B4-BE49-F238E27FC236}">
+                <a16:creationId xmlns:a16="http://schemas.microsoft.com/office/drawing/2014/main" id="{2C90A034-4719-46BE-BA37-977095DC9FC0}"/>
+              </a:ext>
+            </a:extLst>
+          </p:cNvPr>
+          <p:cNvSpPr txBox="1"/>
+          <p:nvPr/>
+        </p:nvSpPr>
+        <p:spPr>
+          <a:xfrm>
+            <a:off x="690835" y="1715495"/>
+            <a:ext cx="2097031" cy="276999"/>
+          </a:xfrm>
+          <a:prstGeom prst="rect">
+            <a:avLst/>
+          </a:prstGeom>
+          <a:noFill/>
+        </p:spPr>
+        <p:txBody>
+          <a:bodyPr wrap="square" rtlCol="0">
+            <a:spAutoFit/>
+          </a:bodyPr>
+          <a:lstStyle/>
+          <a:p>
+            <a:r>
+              <a:rPr lang="en-US" altLang="ko-KR" sz="1200" dirty="0">
+                <a:latin typeface="KoPub돋움체 Bold" panose="02020603020101020101" pitchFamily="18" charset="-127"/>
+                <a:ea typeface="KoPub돋움체 Bold" panose="02020603020101020101" pitchFamily="18" charset="-127"/>
+              </a:rPr>
+              <a:t>2019</a:t>
+            </a:r>
+            <a:r>
+              <a:rPr lang="ko-KR" altLang="en-US" sz="1200" dirty="0">
+                <a:latin typeface="KoPub돋움체 Bold" panose="02020603020101020101" pitchFamily="18" charset="-127"/>
+                <a:ea typeface="KoPub돋움체 Bold" panose="02020603020101020101" pitchFamily="18" charset="-127"/>
+              </a:rPr>
+              <a:t>년도 </a:t>
+            </a:r>
+            <a:r>
+              <a:rPr lang="en-US" altLang="ko-KR" sz="1200" dirty="0">
+                <a:latin typeface="KoPub돋움체 Bold" panose="02020603020101020101" pitchFamily="18" charset="-127"/>
+                <a:ea typeface="KoPub돋움체 Bold" panose="02020603020101020101" pitchFamily="18" charset="-127"/>
+              </a:rPr>
+              <a:t>1</a:t>
+            </a:r>
+            <a:r>
+              <a:rPr lang="ko-KR" altLang="en-US" sz="1200" dirty="0">
+                <a:latin typeface="KoPub돋움체 Bold" panose="02020603020101020101" pitchFamily="18" charset="-127"/>
+                <a:ea typeface="KoPub돋움체 Bold" panose="02020603020101020101" pitchFamily="18" charset="-127"/>
+              </a:rPr>
+              <a:t>학기</a:t>
+            </a:r>
+          </a:p>
+        </p:txBody>
+      </p:sp>
+      <p:sp>
+        <p:nvSpPr>
+          <p:cNvPr id="7" name="TextBox 6">
+            <a:extLst>
+              <a:ext uri="{FF2B5EF4-FFF2-40B4-BE49-F238E27FC236}">
+                <a16:creationId xmlns:a16="http://schemas.microsoft.com/office/drawing/2014/main" id="{08378764-2F3B-406E-9AB7-B878DA316F00}"/>
+              </a:ext>
+            </a:extLst>
+          </p:cNvPr>
+          <p:cNvSpPr txBox="1"/>
+          <p:nvPr/>
+        </p:nvSpPr>
+        <p:spPr>
+          <a:xfrm>
+            <a:off x="690835" y="4092797"/>
+            <a:ext cx="4430507" cy="276999"/>
+          </a:xfrm>
+          <a:prstGeom prst="rect">
+            <a:avLst/>
+          </a:prstGeom>
+          <a:solidFill>
+            <a:schemeClr val="accent2">
+              <a:lumMod val="20000"/>
+              <a:lumOff val="80000"/>
+            </a:schemeClr>
+          </a:solidFill>
+        </p:spPr>
+        <p:txBody>
+          <a:bodyPr wrap="square" rtlCol="0">
+            <a:spAutoFit/>
+          </a:bodyPr>
+          <a:lstStyle/>
+          <a:p>
+            <a:r>
+              <a:rPr lang="en-US" altLang="ko-KR" sz="1200" dirty="0">
+                <a:latin typeface="KoPubWorld돋움체 Bold" panose="00000800000000000000" pitchFamily="2" charset="-127"/>
+                <a:ea typeface="KoPubWorld돋움체 Bold" panose="00000800000000000000" pitchFamily="2" charset="-127"/>
+                <a:cs typeface="KoPubWorld돋움체 Bold" panose="00000800000000000000" pitchFamily="2" charset="-127"/>
+              </a:rPr>
+              <a:t>1.3.4.6</a:t>
+            </a:r>
+            <a:r>
+              <a:rPr lang="ko-KR" altLang="en-US" sz="1200" dirty="0">
+                <a:latin typeface="KoPubWorld돋움체 Bold" panose="00000800000000000000" pitchFamily="2" charset="-127"/>
+                <a:ea typeface="KoPubWorld돋움체 Bold" panose="00000800000000000000" pitchFamily="2" charset="-127"/>
+                <a:cs typeface="KoPubWorld돋움체 Bold" panose="00000800000000000000" pitchFamily="2" charset="-127"/>
+              </a:rPr>
+              <a:t>의 </a:t>
+            </a:r>
+            <a:r>
+              <a:rPr lang="ko-KR" altLang="en-US" sz="1200" dirty="0" err="1">
+                <a:latin typeface="KoPubWorld돋움체 Bold" panose="00000800000000000000" pitchFamily="2" charset="-127"/>
+                <a:ea typeface="KoPubWorld돋움체 Bold" panose="00000800000000000000" pitchFamily="2" charset="-127"/>
+                <a:cs typeface="KoPubWorld돋움체 Bold" panose="00000800000000000000" pitchFamily="2" charset="-127"/>
+              </a:rPr>
+              <a:t>한국표준목적별지출분류의</a:t>
+            </a:r>
+            <a:r>
+              <a:rPr lang="ko-KR" altLang="en-US" sz="1200" dirty="0">
+                <a:latin typeface="KoPubWorld돋움체 Bold" panose="00000800000000000000" pitchFamily="2" charset="-127"/>
+                <a:ea typeface="KoPubWorld돋움체 Bold" panose="00000800000000000000" pitchFamily="2" charset="-127"/>
+                <a:cs typeface="KoPubWorld돋움체 Bold" panose="00000800000000000000" pitchFamily="2" charset="-127"/>
+              </a:rPr>
+              <a:t> 아래에 </a:t>
+            </a:r>
+            <a:r>
+              <a:rPr lang="ko-KR" altLang="en-US" sz="1200" dirty="0" err="1">
+                <a:latin typeface="KoPubWorld돋움체 Bold" panose="00000800000000000000" pitchFamily="2" charset="-127"/>
+                <a:ea typeface="KoPubWorld돋움체 Bold" panose="00000800000000000000" pitchFamily="2" charset="-127"/>
+                <a:cs typeface="KoPubWorld돋움체 Bold" panose="00000800000000000000" pitchFamily="2" charset="-127"/>
+              </a:rPr>
+              <a:t>쉬어가는</a:t>
+            </a:r>
+            <a:r>
+              <a:rPr lang="ko-KR" altLang="en-US" sz="1200" dirty="0">
+                <a:latin typeface="KoPubWorld돋움체 Bold" panose="00000800000000000000" pitchFamily="2" charset="-127"/>
+                <a:ea typeface="KoPubWorld돋움체 Bold" panose="00000800000000000000" pitchFamily="2" charset="-127"/>
+                <a:cs typeface="KoPubWorld돋움체 Bold" panose="00000800000000000000" pitchFamily="2" charset="-127"/>
+              </a:rPr>
+              <a:t> 코너</a:t>
+            </a:r>
+            <a:r>
+              <a:rPr lang="en-US" altLang="ko-KR" sz="1200" dirty="0">
+                <a:latin typeface="KoPubWorld돋움체 Bold" panose="00000800000000000000" pitchFamily="2" charset="-127"/>
+                <a:ea typeface="KoPubWorld돋움체 Bold" panose="00000800000000000000" pitchFamily="2" charset="-127"/>
+                <a:cs typeface="KoPubWorld돋움체 Bold" panose="00000800000000000000" pitchFamily="2" charset="-127"/>
+              </a:rPr>
+              <a:t>3</a:t>
+            </a:r>
+            <a:r>
+              <a:rPr lang="ko-KR" altLang="en-US" sz="1200" dirty="0">
+                <a:latin typeface="KoPubWorld돋움체 Bold" panose="00000800000000000000" pitchFamily="2" charset="-127"/>
+                <a:ea typeface="KoPubWorld돋움체 Bold" panose="00000800000000000000" pitchFamily="2" charset="-127"/>
+                <a:cs typeface="KoPubWorld돋움체 Bold" panose="00000800000000000000" pitchFamily="2" charset="-127"/>
+              </a:rPr>
+              <a:t>에서 나옴</a:t>
+            </a:r>
+          </a:p>
+        </p:txBody>
+      </p:sp>
+      <p:sp>
+        <p:nvSpPr>
+          <p:cNvPr id="8" name="TextBox 7">
+            <a:extLst>
+              <a:ext uri="{FF2B5EF4-FFF2-40B4-BE49-F238E27FC236}">
+                <a16:creationId xmlns:a16="http://schemas.microsoft.com/office/drawing/2014/main" id="{DDAA45BB-D6A3-4D40-9AE0-0C22AED2621B}"/>
+              </a:ext>
+            </a:extLst>
+          </p:cNvPr>
+          <p:cNvSpPr txBox="1"/>
+          <p:nvPr/>
+        </p:nvSpPr>
+        <p:spPr>
+          <a:xfrm>
+            <a:off x="792480" y="4781006"/>
+            <a:ext cx="4667794" cy="830997"/>
+          </a:xfrm>
+          <a:prstGeom prst="rect">
+            <a:avLst/>
+          </a:prstGeom>
+          <a:noFill/>
+        </p:spPr>
+        <p:txBody>
+          <a:bodyPr wrap="square" rtlCol="0">
+            <a:spAutoFit/>
+          </a:bodyPr>
+          <a:lstStyle/>
+          <a:p>
+            <a:r>
+              <a:rPr lang="ko-KR" altLang="en-US" sz="1200" dirty="0">
+                <a:latin typeface="KoPubWorld돋움체 Bold" panose="00000800000000000000" pitchFamily="2" charset="-127"/>
+                <a:ea typeface="KoPubWorld돋움체 Bold" panose="00000800000000000000" pitchFamily="2" charset="-127"/>
+                <a:cs typeface="KoPubWorld돋움체 Bold" panose="00000800000000000000" pitchFamily="2" charset="-127"/>
+              </a:rPr>
+              <a:t>중앙 통계기관이 가져야할 주요 특징으로 </a:t>
+            </a:r>
+            <a:r>
+              <a:rPr lang="ko-KR" altLang="en-US" sz="1200" dirty="0">
+                <a:solidFill>
+                  <a:srgbClr val="00B0F0"/>
+                </a:solidFill>
+                <a:latin typeface="KoPubWorld돋움체 Bold" panose="00000800000000000000" pitchFamily="2" charset="-127"/>
+                <a:ea typeface="KoPubWorld돋움체 Bold" panose="00000800000000000000" pitchFamily="2" charset="-127"/>
+                <a:cs typeface="KoPubWorld돋움체 Bold" panose="00000800000000000000" pitchFamily="2" charset="-127"/>
+              </a:rPr>
+              <a:t>중립성</a:t>
+            </a:r>
+            <a:r>
+              <a:rPr lang="en-US" altLang="ko-KR" sz="1200" dirty="0">
+                <a:solidFill>
+                  <a:srgbClr val="00B0F0"/>
+                </a:solidFill>
+                <a:latin typeface="KoPubWorld돋움체 Bold" panose="00000800000000000000" pitchFamily="2" charset="-127"/>
+                <a:ea typeface="KoPubWorld돋움체 Bold" panose="00000800000000000000" pitchFamily="2" charset="-127"/>
+                <a:cs typeface="KoPubWorld돋움체 Bold" panose="00000800000000000000" pitchFamily="2" charset="-127"/>
+              </a:rPr>
+              <a:t>, </a:t>
+            </a:r>
+            <a:r>
+              <a:rPr lang="ko-KR" altLang="en-US" sz="1200" dirty="0">
+                <a:solidFill>
+                  <a:srgbClr val="00B0F0"/>
+                </a:solidFill>
+                <a:latin typeface="KoPubWorld돋움체 Bold" panose="00000800000000000000" pitchFamily="2" charset="-127"/>
+                <a:ea typeface="KoPubWorld돋움체 Bold" panose="00000800000000000000" pitchFamily="2" charset="-127"/>
+                <a:cs typeface="KoPubWorld돋움체 Bold" panose="00000800000000000000" pitchFamily="2" charset="-127"/>
+              </a:rPr>
+              <a:t>독립성 </a:t>
+            </a:r>
+            <a:r>
+              <a:rPr lang="ko-KR" altLang="en-US" sz="1200" dirty="0">
+                <a:latin typeface="KoPubWorld돋움체 Bold" panose="00000800000000000000" pitchFamily="2" charset="-127"/>
+                <a:ea typeface="KoPubWorld돋움체 Bold" panose="00000800000000000000" pitchFamily="2" charset="-127"/>
+                <a:cs typeface="KoPubWorld돋움체 Bold" panose="00000800000000000000" pitchFamily="2" charset="-127"/>
+              </a:rPr>
+              <a:t>등이 요구된다</a:t>
+            </a:r>
+            <a:r>
+              <a:rPr lang="en-US" altLang="ko-KR" sz="1200" dirty="0">
+                <a:latin typeface="KoPubWorld돋움체 Bold" panose="00000800000000000000" pitchFamily="2" charset="-127"/>
+                <a:ea typeface="KoPubWorld돋움체 Bold" panose="00000800000000000000" pitchFamily="2" charset="-127"/>
+                <a:cs typeface="KoPubWorld돋움체 Bold" panose="00000800000000000000" pitchFamily="2" charset="-127"/>
+              </a:rPr>
+              <a:t>.</a:t>
+            </a:r>
+          </a:p>
+          <a:p>
+            <a:endParaRPr lang="en-US" altLang="ko-KR" sz="1200" dirty="0">
+              <a:latin typeface="KoPubWorld돋움체 Bold" panose="00000800000000000000" pitchFamily="2" charset="-127"/>
+              <a:ea typeface="KoPubWorld돋움체 Bold" panose="00000800000000000000" pitchFamily="2" charset="-127"/>
+              <a:cs typeface="KoPubWorld돋움체 Bold" panose="00000800000000000000" pitchFamily="2" charset="-127"/>
+            </a:endParaRPr>
+          </a:p>
+          <a:p>
+            <a:r>
+              <a:rPr lang="ko-KR" altLang="en-US" sz="1200" dirty="0">
+                <a:latin typeface="KoPubWorld돋움체 Bold" panose="00000800000000000000" pitchFamily="2" charset="-127"/>
+                <a:ea typeface="KoPubWorld돋움체 Bold" panose="00000800000000000000" pitchFamily="2" charset="-127"/>
+                <a:cs typeface="KoPubWorld돋움체 Bold" panose="00000800000000000000" pitchFamily="2" charset="-127"/>
+              </a:rPr>
+              <a:t>하지만 다른 나라들을 보면 현실적으로 이를 충족시키기 </a:t>
+            </a:r>
+            <a:r>
+              <a:rPr lang="ko-KR" altLang="en-US" sz="1200" dirty="0" err="1">
+                <a:latin typeface="KoPubWorld돋움체 Bold" panose="00000800000000000000" pitchFamily="2" charset="-127"/>
+                <a:ea typeface="KoPubWorld돋움체 Bold" panose="00000800000000000000" pitchFamily="2" charset="-127"/>
+                <a:cs typeface="KoPubWorld돋움체 Bold" panose="00000800000000000000" pitchFamily="2" charset="-127"/>
+              </a:rPr>
+              <a:t>어려운게</a:t>
+            </a:r>
+            <a:r>
+              <a:rPr lang="ko-KR" altLang="en-US" sz="1200" dirty="0">
+                <a:latin typeface="KoPubWorld돋움체 Bold" panose="00000800000000000000" pitchFamily="2" charset="-127"/>
+                <a:ea typeface="KoPubWorld돋움체 Bold" panose="00000800000000000000" pitchFamily="2" charset="-127"/>
+                <a:cs typeface="KoPubWorld돋움체 Bold" panose="00000800000000000000" pitchFamily="2" charset="-127"/>
+              </a:rPr>
+              <a:t> </a:t>
+            </a:r>
+            <a:r>
+              <a:rPr lang="ko-KR" altLang="en-US" sz="1200" dirty="0">
+                <a:solidFill>
+                  <a:srgbClr val="00B0F0"/>
+                </a:solidFill>
+                <a:latin typeface="KoPubWorld돋움체 Bold" panose="00000800000000000000" pitchFamily="2" charset="-127"/>
+                <a:ea typeface="KoPubWorld돋움체 Bold" panose="00000800000000000000" pitchFamily="2" charset="-127"/>
+                <a:cs typeface="KoPubWorld돋움체 Bold" panose="00000800000000000000" pitchFamily="2" charset="-127"/>
+              </a:rPr>
+              <a:t>통계 결과를 바탕으로 정책이 실행되는 경우</a:t>
+            </a:r>
+            <a:r>
+              <a:rPr lang="ko-KR" altLang="en-US" sz="1200" dirty="0">
+                <a:latin typeface="KoPubWorld돋움체 Bold" panose="00000800000000000000" pitchFamily="2" charset="-127"/>
+                <a:ea typeface="KoPubWorld돋움체 Bold" panose="00000800000000000000" pitchFamily="2" charset="-127"/>
+                <a:cs typeface="KoPubWorld돋움체 Bold" panose="00000800000000000000" pitchFamily="2" charset="-127"/>
+              </a:rPr>
+              <a:t>가 많기 때문이다</a:t>
+            </a:r>
+            <a:r>
+              <a:rPr lang="en-US" altLang="ko-KR" sz="1200" dirty="0">
+                <a:latin typeface="KoPubWorld돋움체 Bold" panose="00000800000000000000" pitchFamily="2" charset="-127"/>
+                <a:ea typeface="KoPubWorld돋움체 Bold" panose="00000800000000000000" pitchFamily="2" charset="-127"/>
+                <a:cs typeface="KoPubWorld돋움체 Bold" panose="00000800000000000000" pitchFamily="2" charset="-127"/>
+              </a:rPr>
+              <a:t>.</a:t>
+            </a:r>
+            <a:endParaRPr lang="ko-KR" altLang="en-US" sz="1200" dirty="0">
+              <a:latin typeface="KoPubWorld돋움체 Bold" panose="00000800000000000000" pitchFamily="2" charset="-127"/>
+              <a:ea typeface="KoPubWorld돋움체 Bold" panose="00000800000000000000" pitchFamily="2" charset="-127"/>
+              <a:cs typeface="KoPubWorld돋움체 Bold" panose="00000800000000000000" pitchFamily="2" charset="-127"/>
+            </a:endParaRPr>
+          </a:p>
+        </p:txBody>
+      </p:sp>
+      <p:sp>
+        <p:nvSpPr>
+          <p:cNvPr id="9" name="직사각형 8">
+            <a:extLst>
+              <a:ext uri="{FF2B5EF4-FFF2-40B4-BE49-F238E27FC236}">
+                <a16:creationId xmlns:a16="http://schemas.microsoft.com/office/drawing/2014/main" id="{B14C75B1-585D-4BCF-A54D-C36A8BF9A2C9}"/>
+              </a:ext>
+            </a:extLst>
+          </p:cNvPr>
+          <p:cNvSpPr/>
+          <p:nvPr/>
+        </p:nvSpPr>
+        <p:spPr>
+          <a:xfrm>
+            <a:off x="918030" y="2920843"/>
+            <a:ext cx="2156096" cy="188117"/>
+          </a:xfrm>
+          <a:prstGeom prst="rect">
+            <a:avLst/>
+          </a:prstGeom>
+          <a:noFill/>
+          <a:ln w="25400">
+            <a:solidFill>
+              <a:srgbClr val="C00000"/>
+            </a:solidFill>
+          </a:ln>
+        </p:spPr>
+        <p:style>
+          <a:lnRef idx="2">
+            <a:schemeClr val="accent1">
+              <a:shade val="50000"/>
+            </a:schemeClr>
+          </a:lnRef>
+          <a:fillRef idx="1">
+            <a:schemeClr val="accent1"/>
+          </a:fillRef>
+          <a:effectRef idx="0">
+            <a:schemeClr val="accent1"/>
+          </a:effectRef>
+          <a:fontRef idx="minor">
+            <a:schemeClr val="lt1"/>
+          </a:fontRef>
+        </p:style>
+        <p:txBody>
+          <a:bodyPr rtlCol="0" anchor="ctr"/>
+          <a:lstStyle/>
+          <a:p>
+            <a:pPr algn="ctr"/>
+            <a:endParaRPr lang="ko-KR" altLang="en-US"/>
+          </a:p>
+        </p:txBody>
+      </p:sp>
+    </p:spTree>
+    <p:extLst>
+      <p:ext uri="{BB962C8B-B14F-4D97-AF65-F5344CB8AC3E}">
+        <p14:creationId xmlns:p14="http://schemas.microsoft.com/office/powerpoint/2010/main" val="3279694701"/>
+      </p:ext>
+    </p:extLst>
+  </p:cSld>
+  <p:clrMapOvr>
+    <a:masterClrMapping/>
+  </p:clrMapOvr>
+</p:sld>
+</file>
+
 <file path=ppt/slides/slide2.xml><?xml version="1.0" encoding="utf-8"?>
 <p:sld xmlns:a="http://schemas.openxmlformats.org/drawingml/2006/main" xmlns:r="http://schemas.openxmlformats.org/officeDocument/2006/relationships" xmlns:p="http://schemas.openxmlformats.org/presentationml/2006/main">
   <p:cSld>
@@ -5437,12 +11387,84 @@
           <a:chExt cx="0" cy="0"/>
         </a:xfrm>
       </p:grpSpPr>
-      <p:sp>
-        <p:nvSpPr>
-          <p:cNvPr id="4" name="TextBox 3">
-            <a:extLst>
-              <a:ext uri="{FF2B5EF4-FFF2-40B4-BE49-F238E27FC236}">
-                <a16:creationId xmlns:a16="http://schemas.microsoft.com/office/drawing/2014/main" id="{AE2D8C9B-8D25-4937-BDCF-C250B7D4D721}"/>
+      <p:pic>
+        <p:nvPicPr>
+          <p:cNvPr id="5" name="그림 4">
+            <a:extLst>
+              <a:ext uri="{FF2B5EF4-FFF2-40B4-BE49-F238E27FC236}">
+                <a16:creationId xmlns:a16="http://schemas.microsoft.com/office/drawing/2014/main" id="{C8533630-89F0-4B1D-B8AC-6AA4A5EB374E}"/>
+              </a:ext>
+            </a:extLst>
+          </p:cNvPr>
+          <p:cNvPicPr>
+            <a:picLocks noChangeAspect="1"/>
+          </p:cNvPicPr>
+          <p:nvPr/>
+        </p:nvPicPr>
+        <p:blipFill>
+          <a:blip r:embed="rId2">
+            <a:extLst>
+              <a:ext uri="{28A0092B-C50C-407E-A947-70E740481C1C}">
+                <a14:useLocalDpi xmlns:a14="http://schemas.microsoft.com/office/drawing/2010/main" val="0"/>
+              </a:ext>
+            </a:extLst>
+          </a:blip>
+          <a:stretch>
+            <a:fillRect/>
+          </a:stretch>
+        </p:blipFill>
+        <p:spPr>
+          <a:xfrm>
+            <a:off x="1558970" y="1178515"/>
+            <a:ext cx="3851423" cy="2775177"/>
+          </a:xfrm>
+          <a:prstGeom prst="rect">
+            <a:avLst/>
+          </a:prstGeom>
+        </p:spPr>
+      </p:pic>
+      <p:pic>
+        <p:nvPicPr>
+          <p:cNvPr id="7" name="그림 6">
+            <a:extLst>
+              <a:ext uri="{FF2B5EF4-FFF2-40B4-BE49-F238E27FC236}">
+                <a16:creationId xmlns:a16="http://schemas.microsoft.com/office/drawing/2014/main" id="{88619B43-2B03-4DCE-A7FE-02793A06F2D1}"/>
+              </a:ext>
+            </a:extLst>
+          </p:cNvPr>
+          <p:cNvPicPr>
+            <a:picLocks noChangeAspect="1"/>
+          </p:cNvPicPr>
+          <p:nvPr/>
+        </p:nvPicPr>
+        <p:blipFill>
+          <a:blip r:embed="rId3">
+            <a:extLst>
+              <a:ext uri="{28A0092B-C50C-407E-A947-70E740481C1C}">
+                <a14:useLocalDpi xmlns:a14="http://schemas.microsoft.com/office/drawing/2010/main" val="0"/>
+              </a:ext>
+            </a:extLst>
+          </a:blip>
+          <a:stretch>
+            <a:fillRect/>
+          </a:stretch>
+        </p:blipFill>
+        <p:spPr>
+          <a:xfrm>
+            <a:off x="5937205" y="1178515"/>
+            <a:ext cx="4248951" cy="2775177"/>
+          </a:xfrm>
+          <a:prstGeom prst="rect">
+            <a:avLst/>
+          </a:prstGeom>
+        </p:spPr>
+      </p:pic>
+      <p:sp>
+        <p:nvSpPr>
+          <p:cNvPr id="8" name="TextBox 7">
+            <a:extLst>
+              <a:ext uri="{FF2B5EF4-FFF2-40B4-BE49-F238E27FC236}">
+                <a16:creationId xmlns:a16="http://schemas.microsoft.com/office/drawing/2014/main" id="{0C4267FF-E3E9-4DAF-839C-10BF24107B12}"/>
               </a:ext>
             </a:extLst>
           </p:cNvPr>
@@ -5451,8 +11473,8 @@
         </p:nvSpPr>
         <p:spPr>
           <a:xfrm>
-            <a:off x="3103684" y="2921168"/>
-            <a:ext cx="5984631" cy="1015663"/>
+            <a:off x="1558970" y="901516"/>
+            <a:ext cx="2097031" cy="276999"/>
           </a:xfrm>
           <a:prstGeom prst="rect">
             <a:avLst/>
@@ -5465,53 +11487,1000 @@
           </a:bodyPr>
           <a:lstStyle/>
           <a:p>
+            <a:r>
+              <a:rPr lang="en-US" altLang="ko-KR" sz="1200" dirty="0">
+                <a:latin typeface="KoPub돋움체 Bold" panose="02020603020101020101" pitchFamily="18" charset="-127"/>
+                <a:ea typeface="KoPub돋움체 Bold" panose="02020603020101020101" pitchFamily="18" charset="-127"/>
+              </a:rPr>
+              <a:t>2016</a:t>
+            </a:r>
+            <a:r>
+              <a:rPr lang="ko-KR" altLang="en-US" sz="1200" dirty="0">
+                <a:latin typeface="KoPub돋움체 Bold" panose="02020603020101020101" pitchFamily="18" charset="-127"/>
+                <a:ea typeface="KoPub돋움체 Bold" panose="02020603020101020101" pitchFamily="18" charset="-127"/>
+              </a:rPr>
+              <a:t>년도 </a:t>
+            </a:r>
+            <a:r>
+              <a:rPr lang="en-US" altLang="ko-KR" sz="1200" dirty="0">
+                <a:latin typeface="KoPub돋움체 Bold" panose="02020603020101020101" pitchFamily="18" charset="-127"/>
+                <a:ea typeface="KoPub돋움체 Bold" panose="02020603020101020101" pitchFamily="18" charset="-127"/>
+              </a:rPr>
+              <a:t>1</a:t>
+            </a:r>
+            <a:r>
+              <a:rPr lang="ko-KR" altLang="en-US" sz="1200" dirty="0">
+                <a:latin typeface="KoPub돋움체 Bold" panose="02020603020101020101" pitchFamily="18" charset="-127"/>
+                <a:ea typeface="KoPub돋움체 Bold" panose="02020603020101020101" pitchFamily="18" charset="-127"/>
+              </a:rPr>
+              <a:t>학기</a:t>
+            </a:r>
+          </a:p>
+        </p:txBody>
+      </p:sp>
+      <p:sp>
+        <p:nvSpPr>
+          <p:cNvPr id="9" name="TextBox 8">
+            <a:extLst>
+              <a:ext uri="{FF2B5EF4-FFF2-40B4-BE49-F238E27FC236}">
+                <a16:creationId xmlns:a16="http://schemas.microsoft.com/office/drawing/2014/main" id="{F38DFBCF-BDD1-438C-B636-BA48564237CA}"/>
+              </a:ext>
+            </a:extLst>
+          </p:cNvPr>
+          <p:cNvSpPr txBox="1"/>
+          <p:nvPr/>
+        </p:nvSpPr>
+        <p:spPr>
+          <a:xfrm>
+            <a:off x="5937205" y="913920"/>
+            <a:ext cx="2097031" cy="276999"/>
+          </a:xfrm>
+          <a:prstGeom prst="rect">
+            <a:avLst/>
+          </a:prstGeom>
+          <a:noFill/>
+        </p:spPr>
+        <p:txBody>
+          <a:bodyPr wrap="square" rtlCol="0">
+            <a:spAutoFit/>
+          </a:bodyPr>
+          <a:lstStyle/>
+          <a:p>
+            <a:r>
+              <a:rPr lang="en-US" altLang="ko-KR" sz="1200" dirty="0">
+                <a:latin typeface="KoPub돋움체 Bold" panose="02020603020101020101" pitchFamily="18" charset="-127"/>
+                <a:ea typeface="KoPub돋움체 Bold" panose="02020603020101020101" pitchFamily="18" charset="-127"/>
+              </a:rPr>
+              <a:t>2015</a:t>
+            </a:r>
+            <a:r>
+              <a:rPr lang="ko-KR" altLang="en-US" sz="1200" dirty="0">
+                <a:latin typeface="KoPub돋움체 Bold" panose="02020603020101020101" pitchFamily="18" charset="-127"/>
+                <a:ea typeface="KoPub돋움체 Bold" panose="02020603020101020101" pitchFamily="18" charset="-127"/>
+              </a:rPr>
+              <a:t>년도 </a:t>
+            </a:r>
+            <a:r>
+              <a:rPr lang="en-US" altLang="ko-KR" sz="1200" dirty="0">
+                <a:latin typeface="KoPub돋움체 Bold" panose="02020603020101020101" pitchFamily="18" charset="-127"/>
+                <a:ea typeface="KoPub돋움체 Bold" panose="02020603020101020101" pitchFamily="18" charset="-127"/>
+              </a:rPr>
+              <a:t>1</a:t>
+            </a:r>
+            <a:r>
+              <a:rPr lang="ko-KR" altLang="en-US" sz="1200" dirty="0">
+                <a:latin typeface="KoPub돋움체 Bold" panose="02020603020101020101" pitchFamily="18" charset="-127"/>
+                <a:ea typeface="KoPub돋움체 Bold" panose="02020603020101020101" pitchFamily="18" charset="-127"/>
+              </a:rPr>
+              <a:t>학기</a:t>
+            </a:r>
+          </a:p>
+        </p:txBody>
+      </p:sp>
+      <p:sp>
+        <p:nvSpPr>
+          <p:cNvPr id="10" name="직사각형 9">
+            <a:extLst>
+              <a:ext uri="{FF2B5EF4-FFF2-40B4-BE49-F238E27FC236}">
+                <a16:creationId xmlns:a16="http://schemas.microsoft.com/office/drawing/2014/main" id="{8F62096A-504F-4AFD-8FCA-D52781FF3370}"/>
+              </a:ext>
+            </a:extLst>
+          </p:cNvPr>
+          <p:cNvSpPr/>
+          <p:nvPr/>
+        </p:nvSpPr>
+        <p:spPr>
+          <a:xfrm>
+            <a:off x="1734144" y="3741279"/>
+            <a:ext cx="439614" cy="157483"/>
+          </a:xfrm>
+          <a:prstGeom prst="rect">
+            <a:avLst/>
+          </a:prstGeom>
+          <a:noFill/>
+          <a:ln w="25400">
+            <a:solidFill>
+              <a:srgbClr val="C00000"/>
+            </a:solidFill>
+          </a:ln>
+        </p:spPr>
+        <p:style>
+          <a:lnRef idx="2">
+            <a:schemeClr val="accent1">
+              <a:shade val="50000"/>
+            </a:schemeClr>
+          </a:lnRef>
+          <a:fillRef idx="1">
+            <a:schemeClr val="accent1"/>
+          </a:fillRef>
+          <a:effectRef idx="0">
+            <a:schemeClr val="accent1"/>
+          </a:effectRef>
+          <a:fontRef idx="minor">
+            <a:schemeClr val="lt1"/>
+          </a:fontRef>
+        </p:style>
+        <p:txBody>
+          <a:bodyPr rtlCol="0" anchor="ctr"/>
+          <a:lstStyle/>
+          <a:p>
             <a:pPr algn="ctr"/>
-            <a:r>
-              <a:rPr lang="en-US" altLang="ko-KR" sz="4000" dirty="0">
-                <a:latin typeface="KoPub돋움체 Bold" panose="02020603020101020101" pitchFamily="18" charset="-127"/>
-                <a:ea typeface="KoPub돋움체 Bold" panose="02020603020101020101" pitchFamily="18" charset="-127"/>
-              </a:rPr>
-              <a:t>1.2 </a:t>
-            </a:r>
-            <a:r>
-              <a:rPr lang="ko-KR" altLang="en-US" sz="4000" dirty="0">
-                <a:latin typeface="KoPub돋움체 Bold" panose="02020603020101020101" pitchFamily="18" charset="-127"/>
-                <a:ea typeface="KoPub돋움체 Bold" panose="02020603020101020101" pitchFamily="18" charset="-127"/>
-              </a:rPr>
-              <a:t>국가통계제도</a:t>
-            </a:r>
-            <a:endParaRPr lang="en-US" altLang="ko-KR" sz="4000" dirty="0">
-              <a:latin typeface="KoPub돋움체 Bold" panose="02020603020101020101" pitchFamily="18" charset="-127"/>
-              <a:ea typeface="KoPub돋움체 Bold" panose="02020603020101020101" pitchFamily="18" charset="-127"/>
+            <a:endParaRPr lang="ko-KR" altLang="en-US"/>
+          </a:p>
+        </p:txBody>
+      </p:sp>
+      <p:sp>
+        <p:nvSpPr>
+          <p:cNvPr id="11" name="직사각형 10">
+            <a:extLst>
+              <a:ext uri="{FF2B5EF4-FFF2-40B4-BE49-F238E27FC236}">
+                <a16:creationId xmlns:a16="http://schemas.microsoft.com/office/drawing/2014/main" id="{2C19BCF4-3652-4DF5-9CAE-DB00E80A93EE}"/>
+              </a:ext>
+            </a:extLst>
+          </p:cNvPr>
+          <p:cNvSpPr/>
+          <p:nvPr/>
+        </p:nvSpPr>
+        <p:spPr>
+          <a:xfrm>
+            <a:off x="6162452" y="3771759"/>
+            <a:ext cx="439614" cy="157483"/>
+          </a:xfrm>
+          <a:prstGeom prst="rect">
+            <a:avLst/>
+          </a:prstGeom>
+          <a:noFill/>
+          <a:ln w="25400">
+            <a:solidFill>
+              <a:srgbClr val="C00000"/>
+            </a:solidFill>
+          </a:ln>
+        </p:spPr>
+        <p:style>
+          <a:lnRef idx="2">
+            <a:schemeClr val="accent1">
+              <a:shade val="50000"/>
+            </a:schemeClr>
+          </a:lnRef>
+          <a:fillRef idx="1">
+            <a:schemeClr val="accent1"/>
+          </a:fillRef>
+          <a:effectRef idx="0">
+            <a:schemeClr val="accent1"/>
+          </a:effectRef>
+          <a:fontRef idx="minor">
+            <a:schemeClr val="lt1"/>
+          </a:fontRef>
+        </p:style>
+        <p:txBody>
+          <a:bodyPr rtlCol="0" anchor="ctr"/>
+          <a:lstStyle/>
+          <a:p>
+            <a:pPr algn="ctr"/>
+            <a:endParaRPr lang="ko-KR" altLang="en-US"/>
+          </a:p>
+        </p:txBody>
+      </p:sp>
+      <p:sp>
+        <p:nvSpPr>
+          <p:cNvPr id="12" name="TextBox 11">
+            <a:extLst>
+              <a:ext uri="{FF2B5EF4-FFF2-40B4-BE49-F238E27FC236}">
+                <a16:creationId xmlns:a16="http://schemas.microsoft.com/office/drawing/2014/main" id="{39EEC246-4119-46F9-A7C7-AF083E566AB3}"/>
+              </a:ext>
+            </a:extLst>
+          </p:cNvPr>
+          <p:cNvSpPr txBox="1"/>
+          <p:nvPr/>
+        </p:nvSpPr>
+        <p:spPr>
+          <a:xfrm>
+            <a:off x="1471749" y="4641669"/>
+            <a:ext cx="3753394" cy="1015663"/>
+          </a:xfrm>
+          <a:prstGeom prst="rect">
+            <a:avLst/>
+          </a:prstGeom>
+          <a:noFill/>
+        </p:spPr>
+        <p:txBody>
+          <a:bodyPr wrap="square" rtlCol="0">
+            <a:spAutoFit/>
+          </a:bodyPr>
+          <a:lstStyle/>
+          <a:p>
+            <a:r>
+              <a:rPr lang="ko-KR" altLang="en-US" sz="1200" dirty="0">
+                <a:solidFill>
+                  <a:srgbClr val="C00000"/>
+                </a:solidFill>
+                <a:latin typeface="KoPubWorld돋움체 Bold" panose="00000800000000000000" pitchFamily="2" charset="-127"/>
+                <a:ea typeface="KoPubWorld돋움체 Bold" panose="00000800000000000000" pitchFamily="2" charset="-127"/>
+                <a:cs typeface="KoPubWorld돋움체 Bold" panose="00000800000000000000" pitchFamily="2" charset="-127"/>
+              </a:rPr>
+              <a:t>가</a:t>
+            </a:r>
+            <a:r>
+              <a:rPr lang="ko-KR" altLang="en-US" sz="1200" dirty="0">
+                <a:latin typeface="KoPubWorld돋움체 Bold" panose="00000800000000000000" pitchFamily="2" charset="-127"/>
+                <a:ea typeface="KoPubWorld돋움체 Bold" panose="00000800000000000000" pitchFamily="2" charset="-127"/>
+                <a:cs typeface="KoPubWorld돋움체 Bold" panose="00000800000000000000" pitchFamily="2" charset="-127"/>
+              </a:rPr>
+              <a:t> </a:t>
+            </a:r>
+            <a:r>
+              <a:rPr lang="en-US" altLang="ko-KR" sz="1200" dirty="0">
+                <a:latin typeface="KoPubWorld돋움체 Bold" panose="00000800000000000000" pitchFamily="2" charset="-127"/>
+                <a:ea typeface="KoPubWorld돋움체 Bold" panose="00000800000000000000" pitchFamily="2" charset="-127"/>
+                <a:cs typeface="KoPubWorld돋움체 Bold" panose="00000800000000000000" pitchFamily="2" charset="-127"/>
+              </a:rPr>
+              <a:t>– </a:t>
+            </a:r>
+            <a:r>
+              <a:rPr lang="ko-KR" altLang="en-US" sz="1200" dirty="0">
+                <a:latin typeface="KoPubWorld돋움체 Bold" panose="00000800000000000000" pitchFamily="2" charset="-127"/>
+                <a:ea typeface="KoPubWorld돋움체 Bold" panose="00000800000000000000" pitchFamily="2" charset="-127"/>
+                <a:cs typeface="KoPubWorld돋움체 Bold" panose="00000800000000000000" pitchFamily="2" charset="-127"/>
+              </a:rPr>
+              <a:t>전수조사와 표본조사로 나뉜다</a:t>
+            </a:r>
+            <a:r>
+              <a:rPr lang="en-US" altLang="ko-KR" sz="1200" dirty="0">
+                <a:latin typeface="KoPubWorld돋움체 Bold" panose="00000800000000000000" pitchFamily="2" charset="-127"/>
+                <a:ea typeface="KoPubWorld돋움체 Bold" panose="00000800000000000000" pitchFamily="2" charset="-127"/>
+                <a:cs typeface="KoPubWorld돋움체 Bold" panose="00000800000000000000" pitchFamily="2" charset="-127"/>
+              </a:rPr>
+              <a:t>.</a:t>
+            </a:r>
+          </a:p>
+          <a:p>
+            <a:r>
+              <a:rPr lang="ko-KR" altLang="en-US" sz="1200" dirty="0">
+                <a:solidFill>
+                  <a:srgbClr val="C00000"/>
+                </a:solidFill>
+                <a:latin typeface="KoPubWorld돋움체 Bold" panose="00000800000000000000" pitchFamily="2" charset="-127"/>
+                <a:ea typeface="KoPubWorld돋움체 Bold" panose="00000800000000000000" pitchFamily="2" charset="-127"/>
+                <a:cs typeface="KoPubWorld돋움체 Bold" panose="00000800000000000000" pitchFamily="2" charset="-127"/>
+              </a:rPr>
+              <a:t>나</a:t>
+            </a:r>
+            <a:r>
+              <a:rPr lang="ko-KR" altLang="en-US" sz="1200" dirty="0">
+                <a:latin typeface="KoPubWorld돋움체 Bold" panose="00000800000000000000" pitchFamily="2" charset="-127"/>
+                <a:ea typeface="KoPubWorld돋움체 Bold" panose="00000800000000000000" pitchFamily="2" charset="-127"/>
+                <a:cs typeface="KoPubWorld돋움체 Bold" panose="00000800000000000000" pitchFamily="2" charset="-127"/>
+              </a:rPr>
+              <a:t> </a:t>
+            </a:r>
+            <a:r>
+              <a:rPr lang="en-US" altLang="ko-KR" sz="1200" dirty="0">
+                <a:latin typeface="KoPubWorld돋움체 Bold" panose="00000800000000000000" pitchFamily="2" charset="-127"/>
+                <a:ea typeface="KoPubWorld돋움체 Bold" panose="00000800000000000000" pitchFamily="2" charset="-127"/>
+                <a:cs typeface="KoPubWorld돋움체 Bold" panose="00000800000000000000" pitchFamily="2" charset="-127"/>
+              </a:rPr>
+              <a:t>– </a:t>
+            </a:r>
+            <a:r>
+              <a:rPr lang="ko-KR" altLang="en-US" sz="1200" dirty="0">
+                <a:latin typeface="KoPubWorld돋움체 Bold" panose="00000800000000000000" pitchFamily="2" charset="-127"/>
+                <a:ea typeface="KoPubWorld돋움체 Bold" panose="00000800000000000000" pitchFamily="2" charset="-127"/>
+                <a:cs typeface="KoPubWorld돋움체 Bold" panose="00000800000000000000" pitchFamily="2" charset="-127"/>
+              </a:rPr>
+              <a:t>세분화된 상세한 통계를 작성하고자 할 경우 </a:t>
+            </a:r>
+            <a:r>
+              <a:rPr lang="ko-KR" altLang="en-US" sz="1200" dirty="0" err="1">
+                <a:latin typeface="KoPubWorld돋움체 Bold" panose="00000800000000000000" pitchFamily="2" charset="-127"/>
+                <a:ea typeface="KoPubWorld돋움체 Bold" panose="00000800000000000000" pitchFamily="2" charset="-127"/>
+                <a:cs typeface="KoPubWorld돋움체 Bold" panose="00000800000000000000" pitchFamily="2" charset="-127"/>
+              </a:rPr>
+              <a:t>총조사</a:t>
+            </a:r>
+            <a:r>
+              <a:rPr lang="en-US" altLang="ko-KR" sz="1200" dirty="0">
+                <a:latin typeface="KoPubWorld돋움체 Bold" panose="00000800000000000000" pitchFamily="2" charset="-127"/>
+                <a:ea typeface="KoPubWorld돋움체 Bold" panose="00000800000000000000" pitchFamily="2" charset="-127"/>
+                <a:cs typeface="KoPubWorld돋움체 Bold" panose="00000800000000000000" pitchFamily="2" charset="-127"/>
+              </a:rPr>
+              <a:t>(</a:t>
+            </a:r>
+            <a:r>
+              <a:rPr lang="ko-KR" altLang="en-US" sz="1200" dirty="0">
+                <a:latin typeface="KoPubWorld돋움체 Bold" panose="00000800000000000000" pitchFamily="2" charset="-127"/>
+                <a:ea typeface="KoPubWorld돋움체 Bold" panose="00000800000000000000" pitchFamily="2" charset="-127"/>
+                <a:cs typeface="KoPubWorld돋움체 Bold" panose="00000800000000000000" pitchFamily="2" charset="-127"/>
+              </a:rPr>
+              <a:t>센서스</a:t>
+            </a:r>
+            <a:r>
+              <a:rPr lang="en-US" altLang="ko-KR" sz="1200" dirty="0">
+                <a:latin typeface="KoPubWorld돋움체 Bold" panose="00000800000000000000" pitchFamily="2" charset="-127"/>
+                <a:ea typeface="KoPubWorld돋움체 Bold" panose="00000800000000000000" pitchFamily="2" charset="-127"/>
+                <a:cs typeface="KoPubWorld돋움체 Bold" panose="00000800000000000000" pitchFamily="2" charset="-127"/>
+              </a:rPr>
+              <a:t>)</a:t>
+            </a:r>
+            <a:r>
+              <a:rPr lang="ko-KR" altLang="en-US" sz="1200" dirty="0">
+                <a:latin typeface="KoPubWorld돋움체 Bold" panose="00000800000000000000" pitchFamily="2" charset="-127"/>
+                <a:ea typeface="KoPubWorld돋움체 Bold" panose="00000800000000000000" pitchFamily="2" charset="-127"/>
+                <a:cs typeface="KoPubWorld돋움체 Bold" panose="00000800000000000000" pitchFamily="2" charset="-127"/>
+              </a:rPr>
+              <a:t>와 같은 전수조사를 실시한다</a:t>
+            </a:r>
+            <a:r>
+              <a:rPr lang="en-US" altLang="ko-KR" sz="1200" dirty="0">
+                <a:latin typeface="KoPubWorld돋움체 Bold" panose="00000800000000000000" pitchFamily="2" charset="-127"/>
+                <a:ea typeface="KoPubWorld돋움체 Bold" panose="00000800000000000000" pitchFamily="2" charset="-127"/>
+                <a:cs typeface="KoPubWorld돋움체 Bold" panose="00000800000000000000" pitchFamily="2" charset="-127"/>
+              </a:rPr>
+              <a:t>.</a:t>
+            </a:r>
+          </a:p>
+          <a:p>
+            <a:r>
+              <a:rPr lang="ko-KR" altLang="en-US" sz="1200" dirty="0">
+                <a:solidFill>
+                  <a:srgbClr val="C00000"/>
+                </a:solidFill>
+                <a:latin typeface="KoPubWorld돋움체 Bold" panose="00000800000000000000" pitchFamily="2" charset="-127"/>
+                <a:ea typeface="KoPubWorld돋움체 Bold" panose="00000800000000000000" pitchFamily="2" charset="-127"/>
+                <a:cs typeface="KoPubWorld돋움체 Bold" panose="00000800000000000000" pitchFamily="2" charset="-127"/>
+              </a:rPr>
+              <a:t>다</a:t>
+            </a:r>
+            <a:r>
+              <a:rPr lang="ko-KR" altLang="en-US" sz="1200" dirty="0">
+                <a:latin typeface="KoPubWorld돋움체 Bold" panose="00000800000000000000" pitchFamily="2" charset="-127"/>
+                <a:ea typeface="KoPubWorld돋움체 Bold" panose="00000800000000000000" pitchFamily="2" charset="-127"/>
+                <a:cs typeface="KoPubWorld돋움체 Bold" panose="00000800000000000000" pitchFamily="2" charset="-127"/>
+              </a:rPr>
+              <a:t> </a:t>
+            </a:r>
+            <a:r>
+              <a:rPr lang="en-US" altLang="ko-KR" sz="1200" dirty="0">
+                <a:latin typeface="KoPubWorld돋움체 Bold" panose="00000800000000000000" pitchFamily="2" charset="-127"/>
+                <a:ea typeface="KoPubWorld돋움체 Bold" panose="00000800000000000000" pitchFamily="2" charset="-127"/>
+                <a:cs typeface="KoPubWorld돋움체 Bold" panose="00000800000000000000" pitchFamily="2" charset="-127"/>
+              </a:rPr>
+              <a:t>– </a:t>
+            </a:r>
+            <a:r>
+              <a:rPr lang="ko-KR" altLang="en-US" sz="1200" dirty="0">
+                <a:latin typeface="KoPubWorld돋움체 Bold" panose="00000800000000000000" pitchFamily="2" charset="-127"/>
+                <a:ea typeface="KoPubWorld돋움체 Bold" panose="00000800000000000000" pitchFamily="2" charset="-127"/>
+                <a:cs typeface="KoPubWorld돋움체 Bold" panose="00000800000000000000" pitchFamily="2" charset="-127"/>
+              </a:rPr>
+              <a:t>경상적인 동향</a:t>
+            </a:r>
+            <a:r>
+              <a:rPr lang="en-US" altLang="ko-KR" sz="1200" dirty="0">
+                <a:latin typeface="KoPubWorld돋움체 Bold" panose="00000800000000000000" pitchFamily="2" charset="-127"/>
+                <a:ea typeface="KoPubWorld돋움체 Bold" panose="00000800000000000000" pitchFamily="2" charset="-127"/>
+                <a:cs typeface="KoPubWorld돋움체 Bold" panose="00000800000000000000" pitchFamily="2" charset="-127"/>
+              </a:rPr>
+              <a:t>, </a:t>
+            </a:r>
+            <a:r>
+              <a:rPr lang="ko-KR" altLang="en-US" sz="1200" dirty="0">
+                <a:latin typeface="KoPubWorld돋움체 Bold" panose="00000800000000000000" pitchFamily="2" charset="-127"/>
+                <a:ea typeface="KoPubWorld돋움체 Bold" panose="00000800000000000000" pitchFamily="2" charset="-127"/>
+                <a:cs typeface="KoPubWorld돋움체 Bold" panose="00000800000000000000" pitchFamily="2" charset="-127"/>
+              </a:rPr>
+              <a:t>시간의 움직임은 표본조사를 실시한다</a:t>
+            </a:r>
+            <a:r>
+              <a:rPr lang="en-US" altLang="ko-KR" sz="1200" dirty="0">
+                <a:latin typeface="KoPubWorld돋움체 Bold" panose="00000800000000000000" pitchFamily="2" charset="-127"/>
+                <a:ea typeface="KoPubWorld돋움체 Bold" panose="00000800000000000000" pitchFamily="2" charset="-127"/>
+                <a:cs typeface="KoPubWorld돋움체 Bold" panose="00000800000000000000" pitchFamily="2" charset="-127"/>
+              </a:rPr>
+              <a:t>.</a:t>
+            </a:r>
+          </a:p>
+          <a:p>
+            <a:r>
+              <a:rPr lang="ko-KR" altLang="en-US" sz="1200" dirty="0">
+                <a:solidFill>
+                  <a:srgbClr val="C00000"/>
+                </a:solidFill>
+                <a:latin typeface="KoPubWorld돋움체 Bold" panose="00000800000000000000" pitchFamily="2" charset="-127"/>
+                <a:ea typeface="KoPubWorld돋움체 Bold" panose="00000800000000000000" pitchFamily="2" charset="-127"/>
+                <a:cs typeface="KoPubWorld돋움체 Bold" panose="00000800000000000000" pitchFamily="2" charset="-127"/>
+              </a:rPr>
+              <a:t>라</a:t>
+            </a:r>
+            <a:r>
+              <a:rPr lang="ko-KR" altLang="en-US" sz="1200" dirty="0">
+                <a:latin typeface="KoPubWorld돋움체 Bold" panose="00000800000000000000" pitchFamily="2" charset="-127"/>
+                <a:ea typeface="KoPubWorld돋움체 Bold" panose="00000800000000000000" pitchFamily="2" charset="-127"/>
+                <a:cs typeface="KoPubWorld돋움체 Bold" panose="00000800000000000000" pitchFamily="2" charset="-127"/>
+              </a:rPr>
+              <a:t> </a:t>
+            </a:r>
+            <a:r>
+              <a:rPr lang="en-US" altLang="ko-KR" sz="1200" dirty="0">
+                <a:latin typeface="KoPubWorld돋움체 Bold" panose="00000800000000000000" pitchFamily="2" charset="-127"/>
+                <a:ea typeface="KoPubWorld돋움체 Bold" panose="00000800000000000000" pitchFamily="2" charset="-127"/>
+                <a:cs typeface="KoPubWorld돋움체 Bold" panose="00000800000000000000" pitchFamily="2" charset="-127"/>
+              </a:rPr>
+              <a:t>– </a:t>
+            </a:r>
+            <a:r>
+              <a:rPr lang="ko-KR" altLang="en-US" sz="1200" dirty="0">
+                <a:latin typeface="KoPubWorld돋움체 Bold" panose="00000800000000000000" pitchFamily="2" charset="-127"/>
+                <a:ea typeface="KoPubWorld돋움체 Bold" panose="00000800000000000000" pitchFamily="2" charset="-127"/>
+                <a:cs typeface="KoPubWorld돋움체 Bold" panose="00000800000000000000" pitchFamily="2" charset="-127"/>
+              </a:rPr>
+              <a:t>모집단 역할의 통계조사는 전수조사를 실시한다</a:t>
+            </a:r>
+            <a:r>
+              <a:rPr lang="en-US" altLang="ko-KR" sz="1200" dirty="0">
+                <a:latin typeface="KoPubWorld돋움체 Bold" panose="00000800000000000000" pitchFamily="2" charset="-127"/>
+                <a:ea typeface="KoPubWorld돋움체 Bold" panose="00000800000000000000" pitchFamily="2" charset="-127"/>
+                <a:cs typeface="KoPubWorld돋움체 Bold" panose="00000800000000000000" pitchFamily="2" charset="-127"/>
+              </a:rPr>
+              <a:t>.</a:t>
+            </a:r>
+            <a:endParaRPr lang="ko-KR" altLang="en-US" sz="1200" dirty="0">
+              <a:latin typeface="KoPubWorld돋움체 Bold" panose="00000800000000000000" pitchFamily="2" charset="-127"/>
+              <a:ea typeface="KoPubWorld돋움체 Bold" panose="00000800000000000000" pitchFamily="2" charset="-127"/>
+              <a:cs typeface="KoPubWorld돋움체 Bold" panose="00000800000000000000" pitchFamily="2" charset="-127"/>
             </a:endParaRPr>
           </a:p>
+        </p:txBody>
+      </p:sp>
+      <p:sp>
+        <p:nvSpPr>
+          <p:cNvPr id="13" name="타원 12">
+            <a:extLst>
+              <a:ext uri="{FF2B5EF4-FFF2-40B4-BE49-F238E27FC236}">
+                <a16:creationId xmlns:a16="http://schemas.microsoft.com/office/drawing/2014/main" id="{DECF3A03-D966-4605-95CE-9DD2418B674A}"/>
+              </a:ext>
+            </a:extLst>
+          </p:cNvPr>
+          <p:cNvSpPr/>
+          <p:nvPr/>
+        </p:nvSpPr>
+        <p:spPr>
+          <a:xfrm>
+            <a:off x="1756500" y="1828460"/>
+            <a:ext cx="260371" cy="260371"/>
+          </a:xfrm>
+          <a:prstGeom prst="ellipse">
+            <a:avLst/>
+          </a:prstGeom>
+          <a:noFill/>
+          <a:ln w="38100">
+            <a:solidFill>
+              <a:srgbClr val="92D050"/>
+            </a:solidFill>
+          </a:ln>
+        </p:spPr>
+        <p:style>
+          <a:lnRef idx="2">
+            <a:schemeClr val="accent1">
+              <a:shade val="50000"/>
+            </a:schemeClr>
+          </a:lnRef>
+          <a:fillRef idx="1">
+            <a:schemeClr val="accent1"/>
+          </a:fillRef>
+          <a:effectRef idx="0">
+            <a:schemeClr val="accent1"/>
+          </a:effectRef>
+          <a:fontRef idx="minor">
+            <a:schemeClr val="lt1"/>
+          </a:fontRef>
+        </p:style>
+        <p:txBody>
+          <a:bodyPr rtlCol="0" anchor="ctr"/>
+          <a:lstStyle/>
           <a:p>
             <a:pPr algn="ctr"/>
-            <a:r>
-              <a:rPr lang="en-US" altLang="ko-KR" sz="2000" dirty="0">
-                <a:latin typeface="KoPub돋움체 Bold" panose="02020603020101020101" pitchFamily="18" charset="-127"/>
-                <a:ea typeface="KoPub돋움체 Bold" panose="02020603020101020101" pitchFamily="18" charset="-127"/>
-              </a:rPr>
-              <a:t>1.2.1 </a:t>
-            </a:r>
-            <a:r>
-              <a:rPr lang="ko-KR" altLang="en-US" sz="2000" dirty="0">
-                <a:latin typeface="KoPub돋움체 Bold" panose="02020603020101020101" pitchFamily="18" charset="-127"/>
-                <a:ea typeface="KoPub돋움체 Bold" panose="02020603020101020101" pitchFamily="18" charset="-127"/>
-              </a:rPr>
-              <a:t>국가통계제도의 유형</a:t>
-            </a:r>
-            <a:endParaRPr lang="en-US" altLang="ko-KR" sz="2000" dirty="0">
-              <a:latin typeface="KoPub돋움체 Bold" panose="02020603020101020101" pitchFamily="18" charset="-127"/>
-              <a:ea typeface="KoPub돋움체 Bold" panose="02020603020101020101" pitchFamily="18" charset="-127"/>
+            <a:endParaRPr lang="ko-KR" altLang="en-US"/>
+          </a:p>
+        </p:txBody>
+      </p:sp>
+      <p:sp>
+        <p:nvSpPr>
+          <p:cNvPr id="14" name="타원 13">
+            <a:extLst>
+              <a:ext uri="{FF2B5EF4-FFF2-40B4-BE49-F238E27FC236}">
+                <a16:creationId xmlns:a16="http://schemas.microsoft.com/office/drawing/2014/main" id="{96A9B5A3-D437-468D-9385-B050A70AE195}"/>
+              </a:ext>
+            </a:extLst>
+          </p:cNvPr>
+          <p:cNvSpPr/>
+          <p:nvPr/>
+        </p:nvSpPr>
+        <p:spPr>
+          <a:xfrm>
+            <a:off x="1743629" y="2175547"/>
+            <a:ext cx="260371" cy="260371"/>
+          </a:xfrm>
+          <a:prstGeom prst="ellipse">
+            <a:avLst/>
+          </a:prstGeom>
+          <a:noFill/>
+          <a:ln w="38100">
+            <a:solidFill>
+              <a:srgbClr val="92D050"/>
+            </a:solidFill>
+          </a:ln>
+        </p:spPr>
+        <p:style>
+          <a:lnRef idx="2">
+            <a:schemeClr val="accent1">
+              <a:shade val="50000"/>
+            </a:schemeClr>
+          </a:lnRef>
+          <a:fillRef idx="1">
+            <a:schemeClr val="accent1"/>
+          </a:fillRef>
+          <a:effectRef idx="0">
+            <a:schemeClr val="accent1"/>
+          </a:effectRef>
+          <a:fontRef idx="minor">
+            <a:schemeClr val="lt1"/>
+          </a:fontRef>
+        </p:style>
+        <p:txBody>
+          <a:bodyPr rtlCol="0" anchor="ctr"/>
+          <a:lstStyle/>
+          <a:p>
+            <a:pPr algn="ctr"/>
+            <a:endParaRPr lang="ko-KR" altLang="en-US"/>
+          </a:p>
+        </p:txBody>
+      </p:sp>
+      <p:sp>
+        <p:nvSpPr>
+          <p:cNvPr id="15" name="타원 14">
+            <a:extLst>
+              <a:ext uri="{FF2B5EF4-FFF2-40B4-BE49-F238E27FC236}">
+                <a16:creationId xmlns:a16="http://schemas.microsoft.com/office/drawing/2014/main" id="{7195DDDF-4373-4A60-9340-3EB862AF9C57}"/>
+              </a:ext>
+            </a:extLst>
+          </p:cNvPr>
+          <p:cNvSpPr/>
+          <p:nvPr/>
+        </p:nvSpPr>
+        <p:spPr>
+          <a:xfrm>
+            <a:off x="1743628" y="2698042"/>
+            <a:ext cx="260371" cy="260371"/>
+          </a:xfrm>
+          <a:prstGeom prst="ellipse">
+            <a:avLst/>
+          </a:prstGeom>
+          <a:noFill/>
+          <a:ln w="38100">
+            <a:solidFill>
+              <a:srgbClr val="92D050"/>
+            </a:solidFill>
+          </a:ln>
+        </p:spPr>
+        <p:style>
+          <a:lnRef idx="2">
+            <a:schemeClr val="accent1">
+              <a:shade val="50000"/>
+            </a:schemeClr>
+          </a:lnRef>
+          <a:fillRef idx="1">
+            <a:schemeClr val="accent1"/>
+          </a:fillRef>
+          <a:effectRef idx="0">
+            <a:schemeClr val="accent1"/>
+          </a:effectRef>
+          <a:fontRef idx="minor">
+            <a:schemeClr val="lt1"/>
+          </a:fontRef>
+        </p:style>
+        <p:txBody>
+          <a:bodyPr rtlCol="0" anchor="ctr"/>
+          <a:lstStyle/>
+          <a:p>
+            <a:pPr algn="ctr"/>
+            <a:endParaRPr lang="ko-KR" altLang="en-US"/>
+          </a:p>
+        </p:txBody>
+      </p:sp>
+      <p:sp>
+        <p:nvSpPr>
+          <p:cNvPr id="16" name="TextBox 15">
+            <a:extLst>
+              <a:ext uri="{FF2B5EF4-FFF2-40B4-BE49-F238E27FC236}">
+                <a16:creationId xmlns:a16="http://schemas.microsoft.com/office/drawing/2014/main" id="{385D1937-FA17-4077-A5FC-EEAAD0934F18}"/>
+              </a:ext>
+            </a:extLst>
+          </p:cNvPr>
+          <p:cNvSpPr txBox="1"/>
+          <p:nvPr/>
+        </p:nvSpPr>
+        <p:spPr>
+          <a:xfrm>
+            <a:off x="5852160" y="4876800"/>
+            <a:ext cx="4415246" cy="830997"/>
+          </a:xfrm>
+          <a:prstGeom prst="rect">
+            <a:avLst/>
+          </a:prstGeom>
+          <a:noFill/>
+        </p:spPr>
+        <p:txBody>
+          <a:bodyPr wrap="square" rtlCol="0">
+            <a:spAutoFit/>
+          </a:bodyPr>
+          <a:lstStyle/>
+          <a:p>
+            <a:r>
+              <a:rPr lang="ko-KR" altLang="en-US" sz="1200" dirty="0">
+                <a:solidFill>
+                  <a:srgbClr val="C00000"/>
+                </a:solidFill>
+                <a:latin typeface="KoPubWorld돋움체 Bold" panose="00000800000000000000" pitchFamily="2" charset="-127"/>
+                <a:ea typeface="KoPubWorld돋움체 Bold" panose="00000800000000000000" pitchFamily="2" charset="-127"/>
+                <a:cs typeface="KoPubWorld돋움체 Bold" panose="00000800000000000000" pitchFamily="2" charset="-127"/>
+              </a:rPr>
+              <a:t>가</a:t>
+            </a:r>
+            <a:r>
+              <a:rPr lang="ko-KR" altLang="en-US" sz="1200" dirty="0">
+                <a:latin typeface="KoPubWorld돋움체 Bold" panose="00000800000000000000" pitchFamily="2" charset="-127"/>
+                <a:ea typeface="KoPubWorld돋움체 Bold" panose="00000800000000000000" pitchFamily="2" charset="-127"/>
+                <a:cs typeface="KoPubWorld돋움체 Bold" panose="00000800000000000000" pitchFamily="2" charset="-127"/>
+              </a:rPr>
+              <a:t> </a:t>
+            </a:r>
+            <a:r>
+              <a:rPr lang="en-US" altLang="ko-KR" sz="1200" dirty="0">
+                <a:latin typeface="KoPubWorld돋움체 Bold" panose="00000800000000000000" pitchFamily="2" charset="-127"/>
+                <a:ea typeface="KoPubWorld돋움체 Bold" panose="00000800000000000000" pitchFamily="2" charset="-127"/>
+                <a:cs typeface="KoPubWorld돋움체 Bold" panose="00000800000000000000" pitchFamily="2" charset="-127"/>
+              </a:rPr>
+              <a:t>– </a:t>
+            </a:r>
+            <a:r>
+              <a:rPr lang="ko-KR" altLang="en-US" sz="1200" dirty="0">
+                <a:latin typeface="KoPubWorld돋움체 Bold" panose="00000800000000000000" pitchFamily="2" charset="-127"/>
+                <a:ea typeface="KoPubWorld돋움체 Bold" panose="00000800000000000000" pitchFamily="2" charset="-127"/>
+                <a:cs typeface="KoPubWorld돋움체 Bold" panose="00000800000000000000" pitchFamily="2" charset="-127"/>
+              </a:rPr>
+              <a:t>통계조사를 실시해서 작성한 통계가 조사통계이다</a:t>
+            </a:r>
+            <a:r>
+              <a:rPr lang="en-US" altLang="ko-KR" sz="1200" dirty="0">
+                <a:latin typeface="KoPubWorld돋움체 Bold" panose="00000800000000000000" pitchFamily="2" charset="-127"/>
+                <a:ea typeface="KoPubWorld돋움체 Bold" panose="00000800000000000000" pitchFamily="2" charset="-127"/>
+                <a:cs typeface="KoPubWorld돋움체 Bold" panose="00000800000000000000" pitchFamily="2" charset="-127"/>
+              </a:rPr>
+              <a:t>.</a:t>
+            </a:r>
+          </a:p>
+          <a:p>
+            <a:r>
+              <a:rPr lang="ko-KR" altLang="en-US" sz="1200" dirty="0">
+                <a:solidFill>
+                  <a:srgbClr val="C00000"/>
+                </a:solidFill>
+                <a:latin typeface="KoPubWorld돋움체 Bold" panose="00000800000000000000" pitchFamily="2" charset="-127"/>
+                <a:ea typeface="KoPubWorld돋움체 Bold" panose="00000800000000000000" pitchFamily="2" charset="-127"/>
+                <a:cs typeface="KoPubWorld돋움체 Bold" panose="00000800000000000000" pitchFamily="2" charset="-127"/>
+              </a:rPr>
+              <a:t>나</a:t>
+            </a:r>
+            <a:r>
+              <a:rPr lang="ko-KR" altLang="en-US" sz="1200" dirty="0">
+                <a:latin typeface="KoPubWorld돋움체 Bold" panose="00000800000000000000" pitchFamily="2" charset="-127"/>
+                <a:ea typeface="KoPubWorld돋움체 Bold" panose="00000800000000000000" pitchFamily="2" charset="-127"/>
+                <a:cs typeface="KoPubWorld돋움체 Bold" panose="00000800000000000000" pitchFamily="2" charset="-127"/>
+              </a:rPr>
+              <a:t> </a:t>
+            </a:r>
+            <a:r>
+              <a:rPr lang="en-US" altLang="ko-KR" sz="1200" dirty="0">
+                <a:latin typeface="KoPubWorld돋움체 Bold" panose="00000800000000000000" pitchFamily="2" charset="-127"/>
+                <a:ea typeface="KoPubWorld돋움체 Bold" panose="00000800000000000000" pitchFamily="2" charset="-127"/>
+                <a:cs typeface="KoPubWorld돋움체 Bold" panose="00000800000000000000" pitchFamily="2" charset="-127"/>
+              </a:rPr>
+              <a:t>– </a:t>
+            </a:r>
+            <a:r>
+              <a:rPr lang="ko-KR" altLang="en-US" sz="1200" dirty="0">
+                <a:latin typeface="KoPubWorld돋움체 Bold" panose="00000800000000000000" pitchFamily="2" charset="-127"/>
+                <a:ea typeface="KoPubWorld돋움체 Bold" panose="00000800000000000000" pitchFamily="2" charset="-127"/>
+                <a:cs typeface="KoPubWorld돋움체 Bold" panose="00000800000000000000" pitchFamily="2" charset="-127"/>
+              </a:rPr>
+              <a:t>모든 개체를 대상으로 하는 조사를 전수조사라고 한다</a:t>
+            </a:r>
+            <a:r>
+              <a:rPr lang="en-US" altLang="ko-KR" sz="1200" dirty="0">
+                <a:latin typeface="KoPubWorld돋움체 Bold" panose="00000800000000000000" pitchFamily="2" charset="-127"/>
+                <a:ea typeface="KoPubWorld돋움체 Bold" panose="00000800000000000000" pitchFamily="2" charset="-127"/>
+                <a:cs typeface="KoPubWorld돋움체 Bold" panose="00000800000000000000" pitchFamily="2" charset="-127"/>
+              </a:rPr>
+              <a:t>.</a:t>
+            </a:r>
+          </a:p>
+          <a:p>
+            <a:r>
+              <a:rPr lang="ko-KR" altLang="en-US" sz="1200" dirty="0">
+                <a:solidFill>
+                  <a:srgbClr val="C00000"/>
+                </a:solidFill>
+                <a:latin typeface="KoPubWorld돋움체 Bold" panose="00000800000000000000" pitchFamily="2" charset="-127"/>
+                <a:ea typeface="KoPubWorld돋움체 Bold" panose="00000800000000000000" pitchFamily="2" charset="-127"/>
+                <a:cs typeface="KoPubWorld돋움체 Bold" panose="00000800000000000000" pitchFamily="2" charset="-127"/>
+              </a:rPr>
+              <a:t>다</a:t>
+            </a:r>
+            <a:r>
+              <a:rPr lang="ko-KR" altLang="en-US" sz="1200" dirty="0">
+                <a:latin typeface="KoPubWorld돋움체 Bold" panose="00000800000000000000" pitchFamily="2" charset="-127"/>
+                <a:ea typeface="KoPubWorld돋움체 Bold" panose="00000800000000000000" pitchFamily="2" charset="-127"/>
+                <a:cs typeface="KoPubWorld돋움체 Bold" panose="00000800000000000000" pitchFamily="2" charset="-127"/>
+              </a:rPr>
+              <a:t> </a:t>
+            </a:r>
+            <a:r>
+              <a:rPr lang="en-US" altLang="ko-KR" sz="1200" dirty="0">
+                <a:latin typeface="KoPubWorld돋움체 Bold" panose="00000800000000000000" pitchFamily="2" charset="-127"/>
+                <a:ea typeface="KoPubWorld돋움체 Bold" panose="00000800000000000000" pitchFamily="2" charset="-127"/>
+                <a:cs typeface="KoPubWorld돋움체 Bold" panose="00000800000000000000" pitchFamily="2" charset="-127"/>
+              </a:rPr>
+              <a:t>– </a:t>
+            </a:r>
+            <a:r>
+              <a:rPr lang="ko-KR" altLang="en-US" sz="1200" dirty="0">
+                <a:latin typeface="KoPubWorld돋움체 Bold" panose="00000800000000000000" pitchFamily="2" charset="-127"/>
+                <a:ea typeface="KoPubWorld돋움체 Bold" panose="00000800000000000000" pitchFamily="2" charset="-127"/>
+                <a:cs typeface="KoPubWorld돋움체 Bold" panose="00000800000000000000" pitchFamily="2" charset="-127"/>
+              </a:rPr>
+              <a:t>상세한 통계를 작성하고자 할 때 전수조사를 실시한다</a:t>
+            </a:r>
+            <a:r>
+              <a:rPr lang="en-US" altLang="ko-KR" sz="1200" dirty="0">
+                <a:latin typeface="KoPubWorld돋움체 Bold" panose="00000800000000000000" pitchFamily="2" charset="-127"/>
+                <a:ea typeface="KoPubWorld돋움체 Bold" panose="00000800000000000000" pitchFamily="2" charset="-127"/>
+                <a:cs typeface="KoPubWorld돋움체 Bold" panose="00000800000000000000" pitchFamily="2" charset="-127"/>
+              </a:rPr>
+              <a:t>.</a:t>
+            </a:r>
+          </a:p>
+          <a:p>
+            <a:r>
+              <a:rPr lang="ko-KR" altLang="en-US" sz="1200" dirty="0">
+                <a:solidFill>
+                  <a:srgbClr val="C00000"/>
+                </a:solidFill>
+                <a:latin typeface="KoPubWorld돋움체 Bold" panose="00000800000000000000" pitchFamily="2" charset="-127"/>
+                <a:ea typeface="KoPubWorld돋움체 Bold" panose="00000800000000000000" pitchFamily="2" charset="-127"/>
+                <a:cs typeface="KoPubWorld돋움체 Bold" panose="00000800000000000000" pitchFamily="2" charset="-127"/>
+              </a:rPr>
+              <a:t>라</a:t>
+            </a:r>
+            <a:r>
+              <a:rPr lang="ko-KR" altLang="en-US" sz="1200" dirty="0">
+                <a:latin typeface="KoPubWorld돋움체 Bold" panose="00000800000000000000" pitchFamily="2" charset="-127"/>
+                <a:ea typeface="KoPubWorld돋움체 Bold" panose="00000800000000000000" pitchFamily="2" charset="-127"/>
+                <a:cs typeface="KoPubWorld돋움체 Bold" panose="00000800000000000000" pitchFamily="2" charset="-127"/>
+              </a:rPr>
+              <a:t> </a:t>
+            </a:r>
+            <a:r>
+              <a:rPr lang="en-US" altLang="ko-KR" sz="1200" dirty="0">
+                <a:latin typeface="KoPubWorld돋움체 Bold" panose="00000800000000000000" pitchFamily="2" charset="-127"/>
+                <a:ea typeface="KoPubWorld돋움체 Bold" panose="00000800000000000000" pitchFamily="2" charset="-127"/>
+                <a:cs typeface="KoPubWorld돋움체 Bold" panose="00000800000000000000" pitchFamily="2" charset="-127"/>
+              </a:rPr>
+              <a:t>– </a:t>
+            </a:r>
+            <a:r>
+              <a:rPr lang="ko-KR" altLang="en-US" sz="1200" dirty="0">
+                <a:latin typeface="KoPubWorld돋움체 Bold" panose="00000800000000000000" pitchFamily="2" charset="-127"/>
+                <a:ea typeface="KoPubWorld돋움체 Bold" panose="00000800000000000000" pitchFamily="2" charset="-127"/>
+                <a:cs typeface="KoPubWorld돋움체 Bold" panose="00000800000000000000" pitchFamily="2" charset="-127"/>
+              </a:rPr>
+              <a:t>모집단의 역할을 하는 통계조사는 전수조사를 실시한다</a:t>
+            </a:r>
+            <a:r>
+              <a:rPr lang="en-US" altLang="ko-KR" sz="1200" dirty="0">
+                <a:latin typeface="KoPubWorld돋움체 Bold" panose="00000800000000000000" pitchFamily="2" charset="-127"/>
+                <a:ea typeface="KoPubWorld돋움체 Bold" panose="00000800000000000000" pitchFamily="2" charset="-127"/>
+                <a:cs typeface="KoPubWorld돋움체 Bold" panose="00000800000000000000" pitchFamily="2" charset="-127"/>
+              </a:rPr>
+              <a:t>.</a:t>
+            </a:r>
+            <a:endParaRPr lang="ko-KR" altLang="en-US" sz="1200" dirty="0">
+              <a:latin typeface="KoPubWorld돋움체 Bold" panose="00000800000000000000" pitchFamily="2" charset="-127"/>
+              <a:ea typeface="KoPubWorld돋움체 Bold" panose="00000800000000000000" pitchFamily="2" charset="-127"/>
+              <a:cs typeface="KoPubWorld돋움체 Bold" panose="00000800000000000000" pitchFamily="2" charset="-127"/>
             </a:endParaRPr>
+          </a:p>
+        </p:txBody>
+      </p:sp>
+      <p:sp>
+        <p:nvSpPr>
+          <p:cNvPr id="17" name="타원 16">
+            <a:extLst>
+              <a:ext uri="{FF2B5EF4-FFF2-40B4-BE49-F238E27FC236}">
+                <a16:creationId xmlns:a16="http://schemas.microsoft.com/office/drawing/2014/main" id="{8A1BC101-37FD-4CCF-9646-44D1B45E27F6}"/>
+              </a:ext>
+            </a:extLst>
+          </p:cNvPr>
+          <p:cNvSpPr/>
+          <p:nvPr/>
+        </p:nvSpPr>
+        <p:spPr>
+          <a:xfrm>
+            <a:off x="6162452" y="1392101"/>
+            <a:ext cx="260371" cy="260371"/>
+          </a:xfrm>
+          <a:prstGeom prst="ellipse">
+            <a:avLst/>
+          </a:prstGeom>
+          <a:noFill/>
+          <a:ln w="38100">
+            <a:solidFill>
+              <a:srgbClr val="92D050"/>
+            </a:solidFill>
+          </a:ln>
+        </p:spPr>
+        <p:style>
+          <a:lnRef idx="2">
+            <a:schemeClr val="accent1">
+              <a:shade val="50000"/>
+            </a:schemeClr>
+          </a:lnRef>
+          <a:fillRef idx="1">
+            <a:schemeClr val="accent1"/>
+          </a:fillRef>
+          <a:effectRef idx="0">
+            <a:schemeClr val="accent1"/>
+          </a:effectRef>
+          <a:fontRef idx="minor">
+            <a:schemeClr val="lt1"/>
+          </a:fontRef>
+        </p:style>
+        <p:txBody>
+          <a:bodyPr rtlCol="0" anchor="ctr"/>
+          <a:lstStyle/>
+          <a:p>
+            <a:pPr algn="ctr"/>
+            <a:endParaRPr lang="ko-KR" altLang="en-US"/>
+          </a:p>
+        </p:txBody>
+      </p:sp>
+      <p:sp>
+        <p:nvSpPr>
+          <p:cNvPr id="18" name="타원 17">
+            <a:extLst>
+              <a:ext uri="{FF2B5EF4-FFF2-40B4-BE49-F238E27FC236}">
+                <a16:creationId xmlns:a16="http://schemas.microsoft.com/office/drawing/2014/main" id="{99446480-D2EB-4A43-92FD-0CFAA4A8E8FC}"/>
+              </a:ext>
+            </a:extLst>
+          </p:cNvPr>
+          <p:cNvSpPr/>
+          <p:nvPr/>
+        </p:nvSpPr>
+        <p:spPr>
+          <a:xfrm>
+            <a:off x="6162451" y="2045361"/>
+            <a:ext cx="260371" cy="260371"/>
+          </a:xfrm>
+          <a:prstGeom prst="ellipse">
+            <a:avLst/>
+          </a:prstGeom>
+          <a:noFill/>
+          <a:ln w="38100">
+            <a:solidFill>
+              <a:srgbClr val="92D050"/>
+            </a:solidFill>
+          </a:ln>
+        </p:spPr>
+        <p:style>
+          <a:lnRef idx="2">
+            <a:schemeClr val="accent1">
+              <a:shade val="50000"/>
+            </a:schemeClr>
+          </a:lnRef>
+          <a:fillRef idx="1">
+            <a:schemeClr val="accent1"/>
+          </a:fillRef>
+          <a:effectRef idx="0">
+            <a:schemeClr val="accent1"/>
+          </a:effectRef>
+          <a:fontRef idx="minor">
+            <a:schemeClr val="lt1"/>
+          </a:fontRef>
+        </p:style>
+        <p:txBody>
+          <a:bodyPr rtlCol="0" anchor="ctr"/>
+          <a:lstStyle/>
+          <a:p>
+            <a:pPr algn="ctr"/>
+            <a:endParaRPr lang="ko-KR" altLang="en-US"/>
+          </a:p>
+        </p:txBody>
+      </p:sp>
+      <p:sp>
+        <p:nvSpPr>
+          <p:cNvPr id="19" name="타원 18">
+            <a:extLst>
+              <a:ext uri="{FF2B5EF4-FFF2-40B4-BE49-F238E27FC236}">
+                <a16:creationId xmlns:a16="http://schemas.microsoft.com/office/drawing/2014/main" id="{242B723C-BDE2-4C09-8CFB-D4790B3643E0}"/>
+              </a:ext>
+            </a:extLst>
+          </p:cNvPr>
+          <p:cNvSpPr/>
+          <p:nvPr/>
+        </p:nvSpPr>
+        <p:spPr>
+          <a:xfrm>
+            <a:off x="6162451" y="2451744"/>
+            <a:ext cx="260371" cy="260371"/>
+          </a:xfrm>
+          <a:prstGeom prst="ellipse">
+            <a:avLst/>
+          </a:prstGeom>
+          <a:noFill/>
+          <a:ln w="38100">
+            <a:solidFill>
+              <a:srgbClr val="92D050"/>
+            </a:solidFill>
+          </a:ln>
+        </p:spPr>
+        <p:style>
+          <a:lnRef idx="2">
+            <a:schemeClr val="accent1">
+              <a:shade val="50000"/>
+            </a:schemeClr>
+          </a:lnRef>
+          <a:fillRef idx="1">
+            <a:schemeClr val="accent1"/>
+          </a:fillRef>
+          <a:effectRef idx="0">
+            <a:schemeClr val="accent1"/>
+          </a:effectRef>
+          <a:fontRef idx="minor">
+            <a:schemeClr val="lt1"/>
+          </a:fontRef>
+        </p:style>
+        <p:txBody>
+          <a:bodyPr rtlCol="0" anchor="ctr"/>
+          <a:lstStyle/>
+          <a:p>
+            <a:pPr algn="ctr"/>
+            <a:endParaRPr lang="ko-KR" altLang="en-US"/>
           </a:p>
         </p:txBody>
       </p:sp>
     </p:spTree>
     <p:extLst>
       <p:ext uri="{BB962C8B-B14F-4D97-AF65-F5344CB8AC3E}">
-        <p14:creationId xmlns:p14="http://schemas.microsoft.com/office/powerpoint/2010/main" val="3597941976"/>
+        <p14:creationId xmlns:p14="http://schemas.microsoft.com/office/powerpoint/2010/main" val="2581863775"/>
       </p:ext>
     </p:extLst>
   </p:cSld>
@@ -5543,7 +12512,7 @@
           <p:cNvPr id="5" name="그림 4">
             <a:extLst>
               <a:ext uri="{FF2B5EF4-FFF2-40B4-BE49-F238E27FC236}">
-                <a16:creationId xmlns:a16="http://schemas.microsoft.com/office/drawing/2014/main" id="{E53A3A7A-BA33-4298-80E4-633BD623D0E7}"/>
+                <a16:creationId xmlns:a16="http://schemas.microsoft.com/office/drawing/2014/main" id="{14981E0E-8C76-4F67-9880-EBE6B867C46C}"/>
               </a:ext>
             </a:extLst>
           </p:cNvPr>
@@ -5566,128 +12535,20 @@
         </p:blipFill>
         <p:spPr>
           <a:xfrm>
-            <a:off x="270551" y="350730"/>
-            <a:ext cx="3134082" cy="1689085"/>
+            <a:off x="478972" y="1980111"/>
+            <a:ext cx="4441371" cy="2290082"/>
           </a:xfrm>
           <a:prstGeom prst="rect">
             <a:avLst/>
           </a:prstGeom>
         </p:spPr>
       </p:pic>
-      <p:pic>
-        <p:nvPicPr>
-          <p:cNvPr id="7" name="그림 6">
-            <a:extLst>
-              <a:ext uri="{FF2B5EF4-FFF2-40B4-BE49-F238E27FC236}">
-                <a16:creationId xmlns:a16="http://schemas.microsoft.com/office/drawing/2014/main" id="{5C9EA610-840C-45F5-AE74-38BB43BB9B20}"/>
-              </a:ext>
-            </a:extLst>
-          </p:cNvPr>
-          <p:cNvPicPr>
-            <a:picLocks noChangeAspect="1"/>
-          </p:cNvPicPr>
-          <p:nvPr/>
-        </p:nvPicPr>
-        <p:blipFill>
-          <a:blip r:embed="rId3">
-            <a:extLst>
-              <a:ext uri="{28A0092B-C50C-407E-A947-70E740481C1C}">
-                <a14:useLocalDpi xmlns:a14="http://schemas.microsoft.com/office/drawing/2010/main" val="0"/>
-              </a:ext>
-            </a:extLst>
-          </a:blip>
-          <a:stretch>
-            <a:fillRect/>
-          </a:stretch>
-        </p:blipFill>
-        <p:spPr>
-          <a:xfrm>
-            <a:off x="8397653" y="472216"/>
-            <a:ext cx="3193495" cy="1446111"/>
-          </a:xfrm>
-          <a:prstGeom prst="rect">
-            <a:avLst/>
-          </a:prstGeom>
-        </p:spPr>
-      </p:pic>
-      <p:pic>
-        <p:nvPicPr>
-          <p:cNvPr id="9" name="그림 8">
-            <a:extLst>
-              <a:ext uri="{FF2B5EF4-FFF2-40B4-BE49-F238E27FC236}">
-                <a16:creationId xmlns:a16="http://schemas.microsoft.com/office/drawing/2014/main" id="{9E877B7B-35B0-44A5-9BF2-D016E69CCC7D}"/>
-              </a:ext>
-            </a:extLst>
-          </p:cNvPr>
-          <p:cNvPicPr>
-            <a:picLocks noChangeAspect="1"/>
-          </p:cNvPicPr>
-          <p:nvPr/>
-        </p:nvPicPr>
-        <p:blipFill>
-          <a:blip r:embed="rId4">
-            <a:extLst>
-              <a:ext uri="{28A0092B-C50C-407E-A947-70E740481C1C}">
-                <a14:useLocalDpi xmlns:a14="http://schemas.microsoft.com/office/drawing/2010/main" val="0"/>
-              </a:ext>
-            </a:extLst>
-          </a:blip>
-          <a:stretch>
-            <a:fillRect/>
-          </a:stretch>
-        </p:blipFill>
-        <p:spPr>
-          <a:xfrm>
-            <a:off x="270551" y="2477984"/>
-            <a:ext cx="3403004" cy="1446111"/>
-          </a:xfrm>
-          <a:prstGeom prst="rect">
-            <a:avLst/>
-          </a:prstGeom>
-        </p:spPr>
-      </p:pic>
-      <p:pic>
-        <p:nvPicPr>
-          <p:cNvPr id="11" name="그림 10">
-            <a:extLst>
-              <a:ext uri="{FF2B5EF4-FFF2-40B4-BE49-F238E27FC236}">
-                <a16:creationId xmlns:a16="http://schemas.microsoft.com/office/drawing/2014/main" id="{541C0573-144C-4133-ADA6-6B30F1C98EFA}"/>
-              </a:ext>
-            </a:extLst>
-          </p:cNvPr>
-          <p:cNvPicPr>
-            <a:picLocks noChangeAspect="1"/>
-          </p:cNvPicPr>
-          <p:nvPr/>
-        </p:nvPicPr>
-        <p:blipFill>
-          <a:blip r:embed="rId5">
-            <a:extLst>
-              <a:ext uri="{28A0092B-C50C-407E-A947-70E740481C1C}">
-                <a14:useLocalDpi xmlns:a14="http://schemas.microsoft.com/office/drawing/2010/main" val="0"/>
-              </a:ext>
-            </a:extLst>
-          </a:blip>
-          <a:stretch>
-            <a:fillRect/>
-          </a:stretch>
-        </p:blipFill>
-        <p:spPr>
-          <a:xfrm>
-            <a:off x="8559686" y="2594844"/>
-            <a:ext cx="3134082" cy="1450737"/>
-          </a:xfrm>
-          <a:prstGeom prst="rect">
-            <a:avLst/>
-          </a:prstGeom>
-        </p:spPr>
-      </p:pic>
-      <p:sp>
-        <p:nvSpPr>
-          <p:cNvPr id="12" name="TextBox 11">
-            <a:extLst>
-              <a:ext uri="{FF2B5EF4-FFF2-40B4-BE49-F238E27FC236}">
-                <a16:creationId xmlns:a16="http://schemas.microsoft.com/office/drawing/2014/main" id="{BE8224DE-917A-43DE-BA5A-97ACAA394152}"/>
+      <p:sp>
+        <p:nvSpPr>
+          <p:cNvPr id="10" name="TextBox 9">
+            <a:extLst>
+              <a:ext uri="{FF2B5EF4-FFF2-40B4-BE49-F238E27FC236}">
+                <a16:creationId xmlns:a16="http://schemas.microsoft.com/office/drawing/2014/main" id="{9ABA409E-ED10-4330-988E-3D7493752E13}"/>
               </a:ext>
             </a:extLst>
           </p:cNvPr>
@@ -5696,7 +12557,7 @@
         </p:nvSpPr>
         <p:spPr>
           <a:xfrm>
-            <a:off x="270551" y="73731"/>
+            <a:off x="548713" y="1703112"/>
             <a:ext cx="2097031" cy="276999"/>
           </a:xfrm>
           <a:prstGeom prst="rect">
@@ -5715,7 +12576,7 @@
                 <a:latin typeface="KoPub돋움체 Bold" panose="02020603020101020101" pitchFamily="18" charset="-127"/>
                 <a:ea typeface="KoPub돋움체 Bold" panose="02020603020101020101" pitchFamily="18" charset="-127"/>
               </a:rPr>
-              <a:t>2019</a:t>
+              <a:t>2017</a:t>
             </a:r>
             <a:r>
               <a:rPr lang="ko-KR" altLang="en-US" sz="1200" dirty="0">
@@ -5743,205 +12604,28 @@
       </p:sp>
       <p:sp>
         <p:nvSpPr>
-          <p:cNvPr id="13" name="TextBox 12">
-            <a:extLst>
-              <a:ext uri="{FF2B5EF4-FFF2-40B4-BE49-F238E27FC236}">
-                <a16:creationId xmlns:a16="http://schemas.microsoft.com/office/drawing/2014/main" id="{00C20553-4293-492F-B130-D0C0387336F3}"/>
-              </a:ext>
-            </a:extLst>
-          </p:cNvPr>
-          <p:cNvSpPr txBox="1"/>
-          <p:nvPr/>
-        </p:nvSpPr>
-        <p:spPr>
-          <a:xfrm>
-            <a:off x="8397653" y="195217"/>
-            <a:ext cx="2097031" cy="276999"/>
-          </a:xfrm>
-          <a:prstGeom prst="rect">
+          <p:cNvPr id="11" name="타원 10">
+            <a:extLst>
+              <a:ext uri="{FF2B5EF4-FFF2-40B4-BE49-F238E27FC236}">
+                <a16:creationId xmlns:a16="http://schemas.microsoft.com/office/drawing/2014/main" id="{88BBACF9-D24C-409B-9446-77040D710E27}"/>
+              </a:ext>
+            </a:extLst>
+          </p:cNvPr>
+          <p:cNvSpPr/>
+          <p:nvPr/>
+        </p:nvSpPr>
+        <p:spPr>
+          <a:xfrm>
+            <a:off x="789849" y="2443702"/>
+            <a:ext cx="260371" cy="260371"/>
+          </a:xfrm>
+          <a:prstGeom prst="ellipse">
             <a:avLst/>
           </a:prstGeom>
           <a:noFill/>
-        </p:spPr>
-        <p:txBody>
-          <a:bodyPr wrap="square" rtlCol="0">
-            <a:spAutoFit/>
-          </a:bodyPr>
-          <a:lstStyle/>
-          <a:p>
-            <a:r>
-              <a:rPr lang="en-US" altLang="ko-KR" sz="1200" dirty="0">
-                <a:latin typeface="KoPub돋움체 Bold" panose="02020603020101020101" pitchFamily="18" charset="-127"/>
-                <a:ea typeface="KoPub돋움체 Bold" panose="02020603020101020101" pitchFamily="18" charset="-127"/>
-              </a:rPr>
-              <a:t>2018</a:t>
-            </a:r>
-            <a:r>
-              <a:rPr lang="ko-KR" altLang="en-US" sz="1200" dirty="0">
-                <a:latin typeface="KoPub돋움체 Bold" panose="02020603020101020101" pitchFamily="18" charset="-127"/>
-                <a:ea typeface="KoPub돋움체 Bold" panose="02020603020101020101" pitchFamily="18" charset="-127"/>
-              </a:rPr>
-              <a:t>년도 </a:t>
-            </a:r>
-            <a:r>
-              <a:rPr lang="en-US" altLang="ko-KR" sz="1200" dirty="0">
-                <a:latin typeface="KoPub돋움체 Bold" panose="02020603020101020101" pitchFamily="18" charset="-127"/>
-                <a:ea typeface="KoPub돋움체 Bold" panose="02020603020101020101" pitchFamily="18" charset="-127"/>
-              </a:rPr>
-              <a:t>1</a:t>
-            </a:r>
-            <a:r>
-              <a:rPr lang="ko-KR" altLang="en-US" sz="1200" dirty="0">
-                <a:latin typeface="KoPub돋움체 Bold" panose="02020603020101020101" pitchFamily="18" charset="-127"/>
-                <a:ea typeface="KoPub돋움체 Bold" panose="02020603020101020101" pitchFamily="18" charset="-127"/>
-              </a:rPr>
-              <a:t>학기</a:t>
-            </a:r>
-          </a:p>
-        </p:txBody>
-      </p:sp>
-      <p:sp>
-        <p:nvSpPr>
-          <p:cNvPr id="14" name="TextBox 13">
-            <a:extLst>
-              <a:ext uri="{FF2B5EF4-FFF2-40B4-BE49-F238E27FC236}">
-                <a16:creationId xmlns:a16="http://schemas.microsoft.com/office/drawing/2014/main" id="{E91FA584-3FEB-4736-A10E-86064D8BEE04}"/>
-              </a:ext>
-            </a:extLst>
-          </p:cNvPr>
-          <p:cNvSpPr txBox="1"/>
-          <p:nvPr/>
-        </p:nvSpPr>
-        <p:spPr>
-          <a:xfrm>
-            <a:off x="270551" y="2198672"/>
-            <a:ext cx="2097031" cy="276999"/>
-          </a:xfrm>
-          <a:prstGeom prst="rect">
-            <a:avLst/>
-          </a:prstGeom>
-          <a:noFill/>
-        </p:spPr>
-        <p:txBody>
-          <a:bodyPr wrap="square" rtlCol="0">
-            <a:spAutoFit/>
-          </a:bodyPr>
-          <a:lstStyle/>
-          <a:p>
-            <a:r>
-              <a:rPr lang="en-US" altLang="ko-KR" sz="1200" dirty="0">
-                <a:latin typeface="KoPub돋움체 Bold" panose="02020603020101020101" pitchFamily="18" charset="-127"/>
-                <a:ea typeface="KoPub돋움체 Bold" panose="02020603020101020101" pitchFamily="18" charset="-127"/>
-              </a:rPr>
-              <a:t>2017</a:t>
-            </a:r>
-            <a:r>
-              <a:rPr lang="ko-KR" altLang="en-US" sz="1200" dirty="0">
-                <a:latin typeface="KoPub돋움체 Bold" panose="02020603020101020101" pitchFamily="18" charset="-127"/>
-                <a:ea typeface="KoPub돋움체 Bold" panose="02020603020101020101" pitchFamily="18" charset="-127"/>
-              </a:rPr>
-              <a:t>년도 </a:t>
-            </a:r>
-            <a:r>
-              <a:rPr lang="en-US" altLang="ko-KR" sz="1200" dirty="0">
-                <a:latin typeface="KoPub돋움체 Bold" panose="02020603020101020101" pitchFamily="18" charset="-127"/>
-                <a:ea typeface="KoPub돋움체 Bold" panose="02020603020101020101" pitchFamily="18" charset="-127"/>
-              </a:rPr>
-              <a:t>1</a:t>
-            </a:r>
-            <a:r>
-              <a:rPr lang="ko-KR" altLang="en-US" sz="1200" dirty="0">
-                <a:latin typeface="KoPub돋움체 Bold" panose="02020603020101020101" pitchFamily="18" charset="-127"/>
-                <a:ea typeface="KoPub돋움체 Bold" panose="02020603020101020101" pitchFamily="18" charset="-127"/>
-              </a:rPr>
-              <a:t>학기</a:t>
-            </a:r>
-          </a:p>
-        </p:txBody>
-      </p:sp>
-      <p:sp>
-        <p:nvSpPr>
-          <p:cNvPr id="15" name="TextBox 14">
-            <a:extLst>
-              <a:ext uri="{FF2B5EF4-FFF2-40B4-BE49-F238E27FC236}">
-                <a16:creationId xmlns:a16="http://schemas.microsoft.com/office/drawing/2014/main" id="{63F0BBE7-527F-4AF6-8F17-0B0853ED7D0C}"/>
-              </a:ext>
-            </a:extLst>
-          </p:cNvPr>
-          <p:cNvSpPr txBox="1"/>
-          <p:nvPr/>
-        </p:nvSpPr>
-        <p:spPr>
-          <a:xfrm>
-            <a:off x="8559686" y="2317845"/>
-            <a:ext cx="2097031" cy="276999"/>
-          </a:xfrm>
-          <a:prstGeom prst="rect">
-            <a:avLst/>
-          </a:prstGeom>
-          <a:noFill/>
-        </p:spPr>
-        <p:txBody>
-          <a:bodyPr wrap="square" rtlCol="0">
-            <a:spAutoFit/>
-          </a:bodyPr>
-          <a:lstStyle/>
-          <a:p>
-            <a:r>
-              <a:rPr lang="en-US" altLang="ko-KR" sz="1200" dirty="0">
-                <a:latin typeface="KoPub돋움체 Bold" panose="02020603020101020101" pitchFamily="18" charset="-127"/>
-                <a:ea typeface="KoPub돋움체 Bold" panose="02020603020101020101" pitchFamily="18" charset="-127"/>
-              </a:rPr>
-              <a:t>2016</a:t>
-            </a:r>
-            <a:r>
-              <a:rPr lang="ko-KR" altLang="en-US" sz="1200" dirty="0">
-                <a:latin typeface="KoPub돋움체 Bold" panose="02020603020101020101" pitchFamily="18" charset="-127"/>
-                <a:ea typeface="KoPub돋움체 Bold" panose="02020603020101020101" pitchFamily="18" charset="-127"/>
-              </a:rPr>
-              <a:t>년도 </a:t>
-            </a:r>
-            <a:r>
-              <a:rPr lang="en-US" altLang="ko-KR" sz="1200" dirty="0">
-                <a:latin typeface="KoPub돋움체 Bold" panose="02020603020101020101" pitchFamily="18" charset="-127"/>
-                <a:ea typeface="KoPub돋움체 Bold" panose="02020603020101020101" pitchFamily="18" charset="-127"/>
-              </a:rPr>
-              <a:t>1</a:t>
-            </a:r>
-            <a:r>
-              <a:rPr lang="ko-KR" altLang="en-US" sz="1200" dirty="0">
-                <a:latin typeface="KoPub돋움체 Bold" panose="02020603020101020101" pitchFamily="18" charset="-127"/>
-                <a:ea typeface="KoPub돋움체 Bold" panose="02020603020101020101" pitchFamily="18" charset="-127"/>
-              </a:rPr>
-              <a:t>학기</a:t>
-            </a:r>
-          </a:p>
-        </p:txBody>
-      </p:sp>
-      <p:sp>
-        <p:nvSpPr>
-          <p:cNvPr id="16" name="직사각형 15">
-            <a:extLst>
-              <a:ext uri="{FF2B5EF4-FFF2-40B4-BE49-F238E27FC236}">
-                <a16:creationId xmlns:a16="http://schemas.microsoft.com/office/drawing/2014/main" id="{5B5F2282-07B1-4805-AF6D-EB640AA39E43}"/>
-              </a:ext>
-            </a:extLst>
-          </p:cNvPr>
-          <p:cNvSpPr/>
-          <p:nvPr/>
-        </p:nvSpPr>
-        <p:spPr>
-          <a:xfrm>
-            <a:off x="433755" y="1847163"/>
-            <a:ext cx="380998" cy="157483"/>
-          </a:xfrm>
-          <a:prstGeom prst="rect">
-            <a:avLst/>
-          </a:prstGeom>
-          <a:noFill/>
-          <a:ln w="25400">
+          <a:ln w="38100">
             <a:solidFill>
-              <a:srgbClr val="C00000"/>
+              <a:srgbClr val="92D050"/>
             </a:solidFill>
           </a:ln>
         </p:spPr>
@@ -5972,10 +12656,10 @@
       </p:sp>
       <p:sp>
         <p:nvSpPr>
-          <p:cNvPr id="17" name="직사각형 16">
-            <a:extLst>
-              <a:ext uri="{FF2B5EF4-FFF2-40B4-BE49-F238E27FC236}">
-                <a16:creationId xmlns:a16="http://schemas.microsoft.com/office/drawing/2014/main" id="{08BEE143-0751-471B-8BF6-51D4FDD44255}"/>
+          <p:cNvPr id="12" name="타원 11">
+            <a:extLst>
+              <a:ext uri="{FF2B5EF4-FFF2-40B4-BE49-F238E27FC236}">
+                <a16:creationId xmlns:a16="http://schemas.microsoft.com/office/drawing/2014/main" id="{598A7B7F-DB72-4C21-BD25-C29F3EDF7D31}"/>
               </a:ext>
             </a:extLst>
           </p:cNvPr>
@@ -5984,16 +12668,16 @@
         </p:nvSpPr>
         <p:spPr>
           <a:xfrm>
-            <a:off x="8559686" y="1294993"/>
-            <a:ext cx="380998" cy="157483"/>
-          </a:xfrm>
-          <a:prstGeom prst="rect">
+            <a:off x="789849" y="2646109"/>
+            <a:ext cx="260371" cy="260371"/>
+          </a:xfrm>
+          <a:prstGeom prst="ellipse">
             <a:avLst/>
           </a:prstGeom>
           <a:noFill/>
-          <a:ln w="25400">
+          <a:ln w="38100">
             <a:solidFill>
-              <a:srgbClr val="C00000"/>
+              <a:srgbClr val="92D050"/>
             </a:solidFill>
           </a:ln>
         </p:spPr>
@@ -6024,10 +12708,10 @@
       </p:sp>
       <p:sp>
         <p:nvSpPr>
-          <p:cNvPr id="18" name="직사각형 17">
-            <a:extLst>
-              <a:ext uri="{FF2B5EF4-FFF2-40B4-BE49-F238E27FC236}">
-                <a16:creationId xmlns:a16="http://schemas.microsoft.com/office/drawing/2014/main" id="{E405EAA7-612E-4C3E-AA9B-A0783CD7D627}"/>
+          <p:cNvPr id="13" name="타원 12">
+            <a:extLst>
+              <a:ext uri="{FF2B5EF4-FFF2-40B4-BE49-F238E27FC236}">
+                <a16:creationId xmlns:a16="http://schemas.microsoft.com/office/drawing/2014/main" id="{0EF73CA7-7AD2-4824-A0FB-94583BED358E}"/>
               </a:ext>
             </a:extLst>
           </p:cNvPr>
@@ -6036,16 +12720,16 @@
         </p:nvSpPr>
         <p:spPr>
           <a:xfrm>
-            <a:off x="498232" y="3746302"/>
-            <a:ext cx="380998" cy="157483"/>
-          </a:xfrm>
-          <a:prstGeom prst="rect">
+            <a:off x="789849" y="2864780"/>
+            <a:ext cx="260371" cy="260371"/>
+          </a:xfrm>
+          <a:prstGeom prst="ellipse">
             <a:avLst/>
           </a:prstGeom>
           <a:noFill/>
-          <a:ln w="25400">
+          <a:ln w="38100">
             <a:solidFill>
-              <a:srgbClr val="C00000"/>
+              <a:srgbClr val="92D050"/>
             </a:solidFill>
           </a:ln>
         </p:spPr>
@@ -6076,10 +12760,10 @@
       </p:sp>
       <p:sp>
         <p:nvSpPr>
-          <p:cNvPr id="19" name="직사각형 18">
-            <a:extLst>
-              <a:ext uri="{FF2B5EF4-FFF2-40B4-BE49-F238E27FC236}">
-                <a16:creationId xmlns:a16="http://schemas.microsoft.com/office/drawing/2014/main" id="{E80D799F-82A7-465E-8DDE-68C7CF03DE6E}"/>
+          <p:cNvPr id="14" name="직사각형 13">
+            <a:extLst>
+              <a:ext uri="{FF2B5EF4-FFF2-40B4-BE49-F238E27FC236}">
+                <a16:creationId xmlns:a16="http://schemas.microsoft.com/office/drawing/2014/main" id="{3EA0439D-A30E-4FB5-BD9E-F63C4D110AE2}"/>
               </a:ext>
             </a:extLst>
           </p:cNvPr>
@@ -6088,8 +12772,8 @@
         </p:nvSpPr>
         <p:spPr>
           <a:xfrm>
-            <a:off x="10056009" y="3627464"/>
-            <a:ext cx="380998" cy="157483"/>
+            <a:off x="751786" y="3829368"/>
+            <a:ext cx="528374" cy="176575"/>
           </a:xfrm>
           <a:prstGeom prst="rect">
             <a:avLst/>
@@ -6128,10 +12812,10 @@
       </p:sp>
       <p:sp>
         <p:nvSpPr>
-          <p:cNvPr id="20" name="TextBox 19">
-            <a:extLst>
-              <a:ext uri="{FF2B5EF4-FFF2-40B4-BE49-F238E27FC236}">
-                <a16:creationId xmlns:a16="http://schemas.microsoft.com/office/drawing/2014/main" id="{FF709818-69E4-4CC3-A31A-30F398627CC1}"/>
+          <p:cNvPr id="15" name="TextBox 14">
+            <a:extLst>
+              <a:ext uri="{FF2B5EF4-FFF2-40B4-BE49-F238E27FC236}">
+                <a16:creationId xmlns:a16="http://schemas.microsoft.com/office/drawing/2014/main" id="{A908D6E2-7694-413A-86C4-3DA123901777}"/>
               </a:ext>
             </a:extLst>
           </p:cNvPr>
@@ -6140,13 +12824,18 @@
         </p:nvSpPr>
         <p:spPr>
           <a:xfrm>
-            <a:off x="3938955" y="350730"/>
-            <a:ext cx="3652530" cy="4124206"/>
+            <a:off x="548713" y="1332817"/>
+            <a:ext cx="3298393" cy="276999"/>
           </a:xfrm>
           <a:prstGeom prst="rect">
             <a:avLst/>
           </a:prstGeom>
-          <a:noFill/>
+          <a:solidFill>
+            <a:schemeClr val="accent2">
+              <a:lumMod val="20000"/>
+              <a:lumOff val="80000"/>
+            </a:schemeClr>
+          </a:solidFill>
         </p:spPr>
         <p:txBody>
           <a:bodyPr wrap="square" rtlCol="0">
@@ -6155,11 +12844,834 @@
           <a:lstStyle/>
           <a:p>
             <a:r>
-              <a:rPr lang="ko-KR" altLang="en-US" sz="1200" dirty="0">
-                <a:latin typeface="KoPub돋움체 Bold" panose="02020603020101020101" pitchFamily="18" charset="-127"/>
-                <a:ea typeface="KoPub돋움체 Bold" panose="02020603020101020101" pitchFamily="18" charset="-127"/>
-              </a:rPr>
-              <a:t>집중형과 분산형을 합친 것을 절충형이라고 하는데 두개로 이야기할 땐 분산형의 일종으로 본다</a:t>
+              <a:rPr lang="en-US" altLang="ko-KR" sz="1200" dirty="0">
+                <a:latin typeface="KoPubWorld돋움체 Bold" panose="00000800000000000000" pitchFamily="2" charset="-127"/>
+                <a:ea typeface="KoPubWorld돋움체 Bold" panose="00000800000000000000" pitchFamily="2" charset="-127"/>
+                <a:cs typeface="KoPubWorld돋움체 Bold" panose="00000800000000000000" pitchFamily="2" charset="-127"/>
+              </a:rPr>
+              <a:t>1.1.2.2 1</a:t>
+            </a:r>
+            <a:r>
+              <a:rPr lang="ko-KR" altLang="en-US" sz="1200" dirty="0">
+                <a:latin typeface="KoPubWorld돋움체 Bold" panose="00000800000000000000" pitchFamily="2" charset="-127"/>
+                <a:ea typeface="KoPubWorld돋움체 Bold" panose="00000800000000000000" pitchFamily="2" charset="-127"/>
+                <a:cs typeface="KoPubWorld돋움체 Bold" panose="00000800000000000000" pitchFamily="2" charset="-127"/>
+              </a:rPr>
+              <a:t>차통계와 </a:t>
+            </a:r>
+            <a:r>
+              <a:rPr lang="en-US" altLang="ko-KR" sz="1200" dirty="0">
+                <a:latin typeface="KoPubWorld돋움체 Bold" panose="00000800000000000000" pitchFamily="2" charset="-127"/>
+                <a:ea typeface="KoPubWorld돋움체 Bold" panose="00000800000000000000" pitchFamily="2" charset="-127"/>
+                <a:cs typeface="KoPubWorld돋움체 Bold" panose="00000800000000000000" pitchFamily="2" charset="-127"/>
+              </a:rPr>
+              <a:t>2</a:t>
+            </a:r>
+            <a:r>
+              <a:rPr lang="ko-KR" altLang="en-US" sz="1200" dirty="0" err="1">
+                <a:latin typeface="KoPubWorld돋움체 Bold" panose="00000800000000000000" pitchFamily="2" charset="-127"/>
+                <a:ea typeface="KoPubWorld돋움체 Bold" panose="00000800000000000000" pitchFamily="2" charset="-127"/>
+                <a:cs typeface="KoPubWorld돋움체 Bold" panose="00000800000000000000" pitchFamily="2" charset="-127"/>
+              </a:rPr>
+              <a:t>차통계</a:t>
+            </a:r>
+            <a:r>
+              <a:rPr lang="ko-KR" altLang="en-US" sz="1200" dirty="0">
+                <a:latin typeface="KoPubWorld돋움체 Bold" panose="00000800000000000000" pitchFamily="2" charset="-127"/>
+                <a:ea typeface="KoPubWorld돋움체 Bold" panose="00000800000000000000" pitchFamily="2" charset="-127"/>
+                <a:cs typeface="KoPubWorld돋움체 Bold" panose="00000800000000000000" pitchFamily="2" charset="-127"/>
+              </a:rPr>
+              <a:t> 아래에 그림</a:t>
+            </a:r>
+            <a:r>
+              <a:rPr lang="en-US" altLang="ko-KR" sz="1200" dirty="0">
+                <a:latin typeface="KoPubWorld돋움체 Bold" panose="00000800000000000000" pitchFamily="2" charset="-127"/>
+                <a:ea typeface="KoPubWorld돋움체 Bold" panose="00000800000000000000" pitchFamily="2" charset="-127"/>
+                <a:cs typeface="KoPubWorld돋움체 Bold" panose="00000800000000000000" pitchFamily="2" charset="-127"/>
+              </a:rPr>
+              <a:t>1-1 </a:t>
+            </a:r>
+            <a:r>
+              <a:rPr lang="ko-KR" altLang="en-US" sz="1200" dirty="0">
+                <a:latin typeface="KoPubWorld돋움체 Bold" panose="00000800000000000000" pitchFamily="2" charset="-127"/>
+                <a:ea typeface="KoPubWorld돋움체 Bold" panose="00000800000000000000" pitchFamily="2" charset="-127"/>
+                <a:cs typeface="KoPubWorld돋움체 Bold" panose="00000800000000000000" pitchFamily="2" charset="-127"/>
+              </a:rPr>
+              <a:t>참조</a:t>
+            </a:r>
+          </a:p>
+        </p:txBody>
+      </p:sp>
+    </p:spTree>
+    <p:extLst>
+      <p:ext uri="{BB962C8B-B14F-4D97-AF65-F5344CB8AC3E}">
+        <p14:creationId xmlns:p14="http://schemas.microsoft.com/office/powerpoint/2010/main" val="3924575334"/>
+      </p:ext>
+    </p:extLst>
+  </p:cSld>
+  <p:clrMapOvr>
+    <a:masterClrMapping/>
+  </p:clrMapOvr>
+</p:sld>
+</file>
+
+<file path=ppt/slides/slide7.xml><?xml version="1.0" encoding="utf-8"?>
+<p:sld xmlns:a="http://schemas.openxmlformats.org/drawingml/2006/main" xmlns:r="http://schemas.openxmlformats.org/officeDocument/2006/relationships" xmlns:p="http://schemas.openxmlformats.org/presentationml/2006/main">
+  <p:cSld>
+    <p:spTree>
+      <p:nvGrpSpPr>
+        <p:cNvPr id="1" name=""/>
+        <p:cNvGrpSpPr/>
+        <p:nvPr/>
+      </p:nvGrpSpPr>
+      <p:grpSpPr>
+        <a:xfrm>
+          <a:off x="0" y="0"/>
+          <a:ext cx="0" cy="0"/>
+          <a:chOff x="0" y="0"/>
+          <a:chExt cx="0" cy="0"/>
+        </a:xfrm>
+      </p:grpSpPr>
+      <p:sp>
+        <p:nvSpPr>
+          <p:cNvPr id="4" name="TextBox 3">
+            <a:extLst>
+              <a:ext uri="{FF2B5EF4-FFF2-40B4-BE49-F238E27FC236}">
+                <a16:creationId xmlns:a16="http://schemas.microsoft.com/office/drawing/2014/main" id="{AE2D8C9B-8D25-4937-BDCF-C250B7D4D721}"/>
+              </a:ext>
+            </a:extLst>
+          </p:cNvPr>
+          <p:cNvSpPr txBox="1"/>
+          <p:nvPr/>
+        </p:nvSpPr>
+        <p:spPr>
+          <a:xfrm>
+            <a:off x="3103684" y="2921168"/>
+            <a:ext cx="5984631" cy="1015663"/>
+          </a:xfrm>
+          <a:prstGeom prst="rect">
+            <a:avLst/>
+          </a:prstGeom>
+          <a:noFill/>
+        </p:spPr>
+        <p:txBody>
+          <a:bodyPr wrap="square" rtlCol="0">
+            <a:spAutoFit/>
+          </a:bodyPr>
+          <a:lstStyle/>
+          <a:p>
+            <a:pPr algn="ctr"/>
+            <a:r>
+              <a:rPr lang="en-US" altLang="ko-KR" sz="4000" dirty="0">
+                <a:latin typeface="KoPub돋움체 Bold" panose="02020603020101020101" pitchFamily="18" charset="-127"/>
+                <a:ea typeface="KoPub돋움체 Bold" panose="02020603020101020101" pitchFamily="18" charset="-127"/>
+              </a:rPr>
+              <a:t>1.2 </a:t>
+            </a:r>
+            <a:r>
+              <a:rPr lang="ko-KR" altLang="en-US" sz="4000" dirty="0">
+                <a:latin typeface="KoPub돋움체 Bold" panose="02020603020101020101" pitchFamily="18" charset="-127"/>
+                <a:ea typeface="KoPub돋움체 Bold" panose="02020603020101020101" pitchFamily="18" charset="-127"/>
+              </a:rPr>
+              <a:t>국가통계제도</a:t>
+            </a:r>
+            <a:endParaRPr lang="en-US" altLang="ko-KR" sz="4000" dirty="0">
+              <a:latin typeface="KoPub돋움체 Bold" panose="02020603020101020101" pitchFamily="18" charset="-127"/>
+              <a:ea typeface="KoPub돋움체 Bold" panose="02020603020101020101" pitchFamily="18" charset="-127"/>
+            </a:endParaRPr>
+          </a:p>
+          <a:p>
+            <a:pPr algn="ctr"/>
+            <a:r>
+              <a:rPr lang="en-US" altLang="ko-KR" sz="2000" dirty="0">
+                <a:latin typeface="KoPub돋움체 Bold" panose="02020603020101020101" pitchFamily="18" charset="-127"/>
+                <a:ea typeface="KoPub돋움체 Bold" panose="02020603020101020101" pitchFamily="18" charset="-127"/>
+              </a:rPr>
+              <a:t>1.2.1 </a:t>
+            </a:r>
+            <a:r>
+              <a:rPr lang="ko-KR" altLang="en-US" sz="2000" dirty="0">
+                <a:latin typeface="KoPub돋움체 Bold" panose="02020603020101020101" pitchFamily="18" charset="-127"/>
+                <a:ea typeface="KoPub돋움체 Bold" panose="02020603020101020101" pitchFamily="18" charset="-127"/>
+              </a:rPr>
+              <a:t>국가통계제도의 유형</a:t>
+            </a:r>
+            <a:endParaRPr lang="en-US" altLang="ko-KR" sz="2000" dirty="0">
+              <a:latin typeface="KoPub돋움체 Bold" panose="02020603020101020101" pitchFamily="18" charset="-127"/>
+              <a:ea typeface="KoPub돋움체 Bold" panose="02020603020101020101" pitchFamily="18" charset="-127"/>
+            </a:endParaRPr>
+          </a:p>
+        </p:txBody>
+      </p:sp>
+    </p:spTree>
+    <p:extLst>
+      <p:ext uri="{BB962C8B-B14F-4D97-AF65-F5344CB8AC3E}">
+        <p14:creationId xmlns:p14="http://schemas.microsoft.com/office/powerpoint/2010/main" val="3597941976"/>
+      </p:ext>
+    </p:extLst>
+  </p:cSld>
+  <p:clrMapOvr>
+    <a:masterClrMapping/>
+  </p:clrMapOvr>
+</p:sld>
+</file>
+
+<file path=ppt/slides/slide8.xml><?xml version="1.0" encoding="utf-8"?>
+<p:sld xmlns:a="http://schemas.openxmlformats.org/drawingml/2006/main" xmlns:r="http://schemas.openxmlformats.org/officeDocument/2006/relationships" xmlns:p="http://schemas.openxmlformats.org/presentationml/2006/main">
+  <p:cSld>
+    <p:spTree>
+      <p:nvGrpSpPr>
+        <p:cNvPr id="1" name=""/>
+        <p:cNvGrpSpPr/>
+        <p:nvPr/>
+      </p:nvGrpSpPr>
+      <p:grpSpPr>
+        <a:xfrm>
+          <a:off x="0" y="0"/>
+          <a:ext cx="0" cy="0"/>
+          <a:chOff x="0" y="0"/>
+          <a:chExt cx="0" cy="0"/>
+        </a:xfrm>
+      </p:grpSpPr>
+      <p:pic>
+        <p:nvPicPr>
+          <p:cNvPr id="5" name="그림 4">
+            <a:extLst>
+              <a:ext uri="{FF2B5EF4-FFF2-40B4-BE49-F238E27FC236}">
+                <a16:creationId xmlns:a16="http://schemas.microsoft.com/office/drawing/2014/main" id="{E53A3A7A-BA33-4298-80E4-633BD623D0E7}"/>
+              </a:ext>
+            </a:extLst>
+          </p:cNvPr>
+          <p:cNvPicPr>
+            <a:picLocks noChangeAspect="1"/>
+          </p:cNvPicPr>
+          <p:nvPr/>
+        </p:nvPicPr>
+        <p:blipFill>
+          <a:blip r:embed="rId2">
+            <a:extLst>
+              <a:ext uri="{28A0092B-C50C-407E-A947-70E740481C1C}">
+                <a14:useLocalDpi xmlns:a14="http://schemas.microsoft.com/office/drawing/2010/main" val="0"/>
+              </a:ext>
+            </a:extLst>
+          </a:blip>
+          <a:stretch>
+            <a:fillRect/>
+          </a:stretch>
+        </p:blipFill>
+        <p:spPr>
+          <a:xfrm>
+            <a:off x="422951" y="1366897"/>
+            <a:ext cx="3134082" cy="1689085"/>
+          </a:xfrm>
+          <a:prstGeom prst="rect">
+            <a:avLst/>
+          </a:prstGeom>
+        </p:spPr>
+      </p:pic>
+      <p:pic>
+        <p:nvPicPr>
+          <p:cNvPr id="7" name="그림 6">
+            <a:extLst>
+              <a:ext uri="{FF2B5EF4-FFF2-40B4-BE49-F238E27FC236}">
+                <a16:creationId xmlns:a16="http://schemas.microsoft.com/office/drawing/2014/main" id="{5C9EA610-840C-45F5-AE74-38BB43BB9B20}"/>
+              </a:ext>
+            </a:extLst>
+          </p:cNvPr>
+          <p:cNvPicPr>
+            <a:picLocks noChangeAspect="1"/>
+          </p:cNvPicPr>
+          <p:nvPr/>
+        </p:nvPicPr>
+        <p:blipFill>
+          <a:blip r:embed="rId3">
+            <a:extLst>
+              <a:ext uri="{28A0092B-C50C-407E-A947-70E740481C1C}">
+                <a14:useLocalDpi xmlns:a14="http://schemas.microsoft.com/office/drawing/2010/main" val="0"/>
+              </a:ext>
+            </a:extLst>
+          </a:blip>
+          <a:stretch>
+            <a:fillRect/>
+          </a:stretch>
+        </p:blipFill>
+        <p:spPr>
+          <a:xfrm>
+            <a:off x="8550053" y="1488383"/>
+            <a:ext cx="3193495" cy="1446111"/>
+          </a:xfrm>
+          <a:prstGeom prst="rect">
+            <a:avLst/>
+          </a:prstGeom>
+        </p:spPr>
+      </p:pic>
+      <p:pic>
+        <p:nvPicPr>
+          <p:cNvPr id="9" name="그림 8">
+            <a:extLst>
+              <a:ext uri="{FF2B5EF4-FFF2-40B4-BE49-F238E27FC236}">
+                <a16:creationId xmlns:a16="http://schemas.microsoft.com/office/drawing/2014/main" id="{9E877B7B-35B0-44A5-9BF2-D016E69CCC7D}"/>
+              </a:ext>
+            </a:extLst>
+          </p:cNvPr>
+          <p:cNvPicPr>
+            <a:picLocks noChangeAspect="1"/>
+          </p:cNvPicPr>
+          <p:nvPr/>
+        </p:nvPicPr>
+        <p:blipFill>
+          <a:blip r:embed="rId4">
+            <a:extLst>
+              <a:ext uri="{28A0092B-C50C-407E-A947-70E740481C1C}">
+                <a14:useLocalDpi xmlns:a14="http://schemas.microsoft.com/office/drawing/2010/main" val="0"/>
+              </a:ext>
+            </a:extLst>
+          </a:blip>
+          <a:stretch>
+            <a:fillRect/>
+          </a:stretch>
+        </p:blipFill>
+        <p:spPr>
+          <a:xfrm>
+            <a:off x="422951" y="3494151"/>
+            <a:ext cx="3403004" cy="1446111"/>
+          </a:xfrm>
+          <a:prstGeom prst="rect">
+            <a:avLst/>
+          </a:prstGeom>
+        </p:spPr>
+      </p:pic>
+      <p:pic>
+        <p:nvPicPr>
+          <p:cNvPr id="11" name="그림 10">
+            <a:extLst>
+              <a:ext uri="{FF2B5EF4-FFF2-40B4-BE49-F238E27FC236}">
+                <a16:creationId xmlns:a16="http://schemas.microsoft.com/office/drawing/2014/main" id="{541C0573-144C-4133-ADA6-6B30F1C98EFA}"/>
+              </a:ext>
+            </a:extLst>
+          </p:cNvPr>
+          <p:cNvPicPr>
+            <a:picLocks noChangeAspect="1"/>
+          </p:cNvPicPr>
+          <p:nvPr/>
+        </p:nvPicPr>
+        <p:blipFill>
+          <a:blip r:embed="rId5">
+            <a:extLst>
+              <a:ext uri="{28A0092B-C50C-407E-A947-70E740481C1C}">
+                <a14:useLocalDpi xmlns:a14="http://schemas.microsoft.com/office/drawing/2010/main" val="0"/>
+              </a:ext>
+            </a:extLst>
+          </a:blip>
+          <a:stretch>
+            <a:fillRect/>
+          </a:stretch>
+        </p:blipFill>
+        <p:spPr>
+          <a:xfrm>
+            <a:off x="8712086" y="3611011"/>
+            <a:ext cx="3134082" cy="1450737"/>
+          </a:xfrm>
+          <a:prstGeom prst="rect">
+            <a:avLst/>
+          </a:prstGeom>
+        </p:spPr>
+      </p:pic>
+      <p:sp>
+        <p:nvSpPr>
+          <p:cNvPr id="12" name="TextBox 11">
+            <a:extLst>
+              <a:ext uri="{FF2B5EF4-FFF2-40B4-BE49-F238E27FC236}">
+                <a16:creationId xmlns:a16="http://schemas.microsoft.com/office/drawing/2014/main" id="{BE8224DE-917A-43DE-BA5A-97ACAA394152}"/>
+              </a:ext>
+            </a:extLst>
+          </p:cNvPr>
+          <p:cNvSpPr txBox="1"/>
+          <p:nvPr/>
+        </p:nvSpPr>
+        <p:spPr>
+          <a:xfrm>
+            <a:off x="422951" y="1089898"/>
+            <a:ext cx="2097031" cy="276999"/>
+          </a:xfrm>
+          <a:prstGeom prst="rect">
+            <a:avLst/>
+          </a:prstGeom>
+          <a:noFill/>
+        </p:spPr>
+        <p:txBody>
+          <a:bodyPr wrap="square" rtlCol="0">
+            <a:spAutoFit/>
+          </a:bodyPr>
+          <a:lstStyle/>
+          <a:p>
+            <a:r>
+              <a:rPr lang="en-US" altLang="ko-KR" sz="1200" dirty="0">
+                <a:latin typeface="KoPub돋움체 Bold" panose="02020603020101020101" pitchFamily="18" charset="-127"/>
+                <a:ea typeface="KoPub돋움체 Bold" panose="02020603020101020101" pitchFamily="18" charset="-127"/>
+              </a:rPr>
+              <a:t>2019</a:t>
+            </a:r>
+            <a:r>
+              <a:rPr lang="ko-KR" altLang="en-US" sz="1200" dirty="0">
+                <a:latin typeface="KoPub돋움체 Bold" panose="02020603020101020101" pitchFamily="18" charset="-127"/>
+                <a:ea typeface="KoPub돋움체 Bold" panose="02020603020101020101" pitchFamily="18" charset="-127"/>
+              </a:rPr>
+              <a:t>년도 </a:t>
+            </a:r>
+            <a:r>
+              <a:rPr lang="en-US" altLang="ko-KR" sz="1200" dirty="0">
+                <a:latin typeface="KoPub돋움체 Bold" panose="02020603020101020101" pitchFamily="18" charset="-127"/>
+                <a:ea typeface="KoPub돋움체 Bold" panose="02020603020101020101" pitchFamily="18" charset="-127"/>
+              </a:rPr>
+              <a:t>1</a:t>
+            </a:r>
+            <a:r>
+              <a:rPr lang="ko-KR" altLang="en-US" sz="1200" dirty="0">
+                <a:latin typeface="KoPub돋움체 Bold" panose="02020603020101020101" pitchFamily="18" charset="-127"/>
+                <a:ea typeface="KoPub돋움체 Bold" panose="02020603020101020101" pitchFamily="18" charset="-127"/>
+              </a:rPr>
+              <a:t>학기</a:t>
+            </a:r>
+          </a:p>
+        </p:txBody>
+      </p:sp>
+      <p:sp>
+        <p:nvSpPr>
+          <p:cNvPr id="13" name="TextBox 12">
+            <a:extLst>
+              <a:ext uri="{FF2B5EF4-FFF2-40B4-BE49-F238E27FC236}">
+                <a16:creationId xmlns:a16="http://schemas.microsoft.com/office/drawing/2014/main" id="{00C20553-4293-492F-B130-D0C0387336F3}"/>
+              </a:ext>
+            </a:extLst>
+          </p:cNvPr>
+          <p:cNvSpPr txBox="1"/>
+          <p:nvPr/>
+        </p:nvSpPr>
+        <p:spPr>
+          <a:xfrm>
+            <a:off x="8550053" y="1211384"/>
+            <a:ext cx="2097031" cy="276999"/>
+          </a:xfrm>
+          <a:prstGeom prst="rect">
+            <a:avLst/>
+          </a:prstGeom>
+          <a:noFill/>
+        </p:spPr>
+        <p:txBody>
+          <a:bodyPr wrap="square" rtlCol="0">
+            <a:spAutoFit/>
+          </a:bodyPr>
+          <a:lstStyle/>
+          <a:p>
+            <a:r>
+              <a:rPr lang="en-US" altLang="ko-KR" sz="1200" dirty="0">
+                <a:latin typeface="KoPub돋움체 Bold" panose="02020603020101020101" pitchFamily="18" charset="-127"/>
+                <a:ea typeface="KoPub돋움체 Bold" panose="02020603020101020101" pitchFamily="18" charset="-127"/>
+              </a:rPr>
+              <a:t>2018</a:t>
+            </a:r>
+            <a:r>
+              <a:rPr lang="ko-KR" altLang="en-US" sz="1200" dirty="0">
+                <a:latin typeface="KoPub돋움체 Bold" panose="02020603020101020101" pitchFamily="18" charset="-127"/>
+                <a:ea typeface="KoPub돋움체 Bold" panose="02020603020101020101" pitchFamily="18" charset="-127"/>
+              </a:rPr>
+              <a:t>년도 </a:t>
+            </a:r>
+            <a:r>
+              <a:rPr lang="en-US" altLang="ko-KR" sz="1200" dirty="0">
+                <a:latin typeface="KoPub돋움체 Bold" panose="02020603020101020101" pitchFamily="18" charset="-127"/>
+                <a:ea typeface="KoPub돋움체 Bold" panose="02020603020101020101" pitchFamily="18" charset="-127"/>
+              </a:rPr>
+              <a:t>1</a:t>
+            </a:r>
+            <a:r>
+              <a:rPr lang="ko-KR" altLang="en-US" sz="1200" dirty="0">
+                <a:latin typeface="KoPub돋움체 Bold" panose="02020603020101020101" pitchFamily="18" charset="-127"/>
+                <a:ea typeface="KoPub돋움체 Bold" panose="02020603020101020101" pitchFamily="18" charset="-127"/>
+              </a:rPr>
+              <a:t>학기</a:t>
+            </a:r>
+          </a:p>
+        </p:txBody>
+      </p:sp>
+      <p:sp>
+        <p:nvSpPr>
+          <p:cNvPr id="14" name="TextBox 13">
+            <a:extLst>
+              <a:ext uri="{FF2B5EF4-FFF2-40B4-BE49-F238E27FC236}">
+                <a16:creationId xmlns:a16="http://schemas.microsoft.com/office/drawing/2014/main" id="{E91FA584-3FEB-4736-A10E-86064D8BEE04}"/>
+              </a:ext>
+            </a:extLst>
+          </p:cNvPr>
+          <p:cNvSpPr txBox="1"/>
+          <p:nvPr/>
+        </p:nvSpPr>
+        <p:spPr>
+          <a:xfrm>
+            <a:off x="422951" y="3214839"/>
+            <a:ext cx="2097031" cy="276999"/>
+          </a:xfrm>
+          <a:prstGeom prst="rect">
+            <a:avLst/>
+          </a:prstGeom>
+          <a:noFill/>
+        </p:spPr>
+        <p:txBody>
+          <a:bodyPr wrap="square" rtlCol="0">
+            <a:spAutoFit/>
+          </a:bodyPr>
+          <a:lstStyle/>
+          <a:p>
+            <a:r>
+              <a:rPr lang="en-US" altLang="ko-KR" sz="1200" dirty="0">
+                <a:latin typeface="KoPub돋움체 Bold" panose="02020603020101020101" pitchFamily="18" charset="-127"/>
+                <a:ea typeface="KoPub돋움체 Bold" panose="02020603020101020101" pitchFamily="18" charset="-127"/>
+              </a:rPr>
+              <a:t>2017</a:t>
+            </a:r>
+            <a:r>
+              <a:rPr lang="ko-KR" altLang="en-US" sz="1200" dirty="0">
+                <a:latin typeface="KoPub돋움체 Bold" panose="02020603020101020101" pitchFamily="18" charset="-127"/>
+                <a:ea typeface="KoPub돋움체 Bold" panose="02020603020101020101" pitchFamily="18" charset="-127"/>
+              </a:rPr>
+              <a:t>년도 </a:t>
+            </a:r>
+            <a:r>
+              <a:rPr lang="en-US" altLang="ko-KR" sz="1200" dirty="0">
+                <a:latin typeface="KoPub돋움체 Bold" panose="02020603020101020101" pitchFamily="18" charset="-127"/>
+                <a:ea typeface="KoPub돋움체 Bold" panose="02020603020101020101" pitchFamily="18" charset="-127"/>
+              </a:rPr>
+              <a:t>1</a:t>
+            </a:r>
+            <a:r>
+              <a:rPr lang="ko-KR" altLang="en-US" sz="1200" dirty="0">
+                <a:latin typeface="KoPub돋움체 Bold" panose="02020603020101020101" pitchFamily="18" charset="-127"/>
+                <a:ea typeface="KoPub돋움체 Bold" panose="02020603020101020101" pitchFamily="18" charset="-127"/>
+              </a:rPr>
+              <a:t>학기</a:t>
+            </a:r>
+          </a:p>
+        </p:txBody>
+      </p:sp>
+      <p:sp>
+        <p:nvSpPr>
+          <p:cNvPr id="15" name="TextBox 14">
+            <a:extLst>
+              <a:ext uri="{FF2B5EF4-FFF2-40B4-BE49-F238E27FC236}">
+                <a16:creationId xmlns:a16="http://schemas.microsoft.com/office/drawing/2014/main" id="{63F0BBE7-527F-4AF6-8F17-0B0853ED7D0C}"/>
+              </a:ext>
+            </a:extLst>
+          </p:cNvPr>
+          <p:cNvSpPr txBox="1"/>
+          <p:nvPr/>
+        </p:nvSpPr>
+        <p:spPr>
+          <a:xfrm>
+            <a:off x="8712086" y="3334012"/>
+            <a:ext cx="2097031" cy="276999"/>
+          </a:xfrm>
+          <a:prstGeom prst="rect">
+            <a:avLst/>
+          </a:prstGeom>
+          <a:noFill/>
+        </p:spPr>
+        <p:txBody>
+          <a:bodyPr wrap="square" rtlCol="0">
+            <a:spAutoFit/>
+          </a:bodyPr>
+          <a:lstStyle/>
+          <a:p>
+            <a:r>
+              <a:rPr lang="en-US" altLang="ko-KR" sz="1200" dirty="0">
+                <a:latin typeface="KoPub돋움체 Bold" panose="02020603020101020101" pitchFamily="18" charset="-127"/>
+                <a:ea typeface="KoPub돋움체 Bold" panose="02020603020101020101" pitchFamily="18" charset="-127"/>
+              </a:rPr>
+              <a:t>2016</a:t>
+            </a:r>
+            <a:r>
+              <a:rPr lang="ko-KR" altLang="en-US" sz="1200" dirty="0">
+                <a:latin typeface="KoPub돋움체 Bold" panose="02020603020101020101" pitchFamily="18" charset="-127"/>
+                <a:ea typeface="KoPub돋움체 Bold" panose="02020603020101020101" pitchFamily="18" charset="-127"/>
+              </a:rPr>
+              <a:t>년도 </a:t>
+            </a:r>
+            <a:r>
+              <a:rPr lang="en-US" altLang="ko-KR" sz="1200" dirty="0">
+                <a:latin typeface="KoPub돋움체 Bold" panose="02020603020101020101" pitchFamily="18" charset="-127"/>
+                <a:ea typeface="KoPub돋움체 Bold" panose="02020603020101020101" pitchFamily="18" charset="-127"/>
+              </a:rPr>
+              <a:t>1</a:t>
+            </a:r>
+            <a:r>
+              <a:rPr lang="ko-KR" altLang="en-US" sz="1200" dirty="0">
+                <a:latin typeface="KoPub돋움체 Bold" panose="02020603020101020101" pitchFamily="18" charset="-127"/>
+                <a:ea typeface="KoPub돋움체 Bold" panose="02020603020101020101" pitchFamily="18" charset="-127"/>
+              </a:rPr>
+              <a:t>학기</a:t>
+            </a:r>
+          </a:p>
+        </p:txBody>
+      </p:sp>
+      <p:sp>
+        <p:nvSpPr>
+          <p:cNvPr id="16" name="직사각형 15">
+            <a:extLst>
+              <a:ext uri="{FF2B5EF4-FFF2-40B4-BE49-F238E27FC236}">
+                <a16:creationId xmlns:a16="http://schemas.microsoft.com/office/drawing/2014/main" id="{5B5F2282-07B1-4805-AF6D-EB640AA39E43}"/>
+              </a:ext>
+            </a:extLst>
+          </p:cNvPr>
+          <p:cNvSpPr/>
+          <p:nvPr/>
+        </p:nvSpPr>
+        <p:spPr>
+          <a:xfrm>
+            <a:off x="586155" y="2863330"/>
+            <a:ext cx="380998" cy="157483"/>
+          </a:xfrm>
+          <a:prstGeom prst="rect">
+            <a:avLst/>
+          </a:prstGeom>
+          <a:noFill/>
+          <a:ln w="25400">
+            <a:solidFill>
+              <a:srgbClr val="C00000"/>
+            </a:solidFill>
+          </a:ln>
+        </p:spPr>
+        <p:style>
+          <a:lnRef idx="2">
+            <a:schemeClr val="accent1">
+              <a:shade val="50000"/>
+            </a:schemeClr>
+          </a:lnRef>
+          <a:fillRef idx="1">
+            <a:schemeClr val="accent1"/>
+          </a:fillRef>
+          <a:effectRef idx="0">
+            <a:schemeClr val="accent1"/>
+          </a:effectRef>
+          <a:fontRef idx="minor">
+            <a:schemeClr val="lt1"/>
+          </a:fontRef>
+        </p:style>
+        <p:txBody>
+          <a:bodyPr rtlCol="0" anchor="ctr"/>
+          <a:lstStyle/>
+          <a:p>
+            <a:pPr algn="ctr"/>
+            <a:endParaRPr lang="ko-KR" altLang="en-US"/>
+          </a:p>
+        </p:txBody>
+      </p:sp>
+      <p:sp>
+        <p:nvSpPr>
+          <p:cNvPr id="17" name="직사각형 16">
+            <a:extLst>
+              <a:ext uri="{FF2B5EF4-FFF2-40B4-BE49-F238E27FC236}">
+                <a16:creationId xmlns:a16="http://schemas.microsoft.com/office/drawing/2014/main" id="{08BEE143-0751-471B-8BF6-51D4FDD44255}"/>
+              </a:ext>
+            </a:extLst>
+          </p:cNvPr>
+          <p:cNvSpPr/>
+          <p:nvPr/>
+        </p:nvSpPr>
+        <p:spPr>
+          <a:xfrm>
+            <a:off x="8712086" y="2311160"/>
+            <a:ext cx="380998" cy="157483"/>
+          </a:xfrm>
+          <a:prstGeom prst="rect">
+            <a:avLst/>
+          </a:prstGeom>
+          <a:noFill/>
+          <a:ln w="25400">
+            <a:solidFill>
+              <a:srgbClr val="C00000"/>
+            </a:solidFill>
+          </a:ln>
+        </p:spPr>
+        <p:style>
+          <a:lnRef idx="2">
+            <a:schemeClr val="accent1">
+              <a:shade val="50000"/>
+            </a:schemeClr>
+          </a:lnRef>
+          <a:fillRef idx="1">
+            <a:schemeClr val="accent1"/>
+          </a:fillRef>
+          <a:effectRef idx="0">
+            <a:schemeClr val="accent1"/>
+          </a:effectRef>
+          <a:fontRef idx="minor">
+            <a:schemeClr val="lt1"/>
+          </a:fontRef>
+        </p:style>
+        <p:txBody>
+          <a:bodyPr rtlCol="0" anchor="ctr"/>
+          <a:lstStyle/>
+          <a:p>
+            <a:pPr algn="ctr"/>
+            <a:endParaRPr lang="ko-KR" altLang="en-US"/>
+          </a:p>
+        </p:txBody>
+      </p:sp>
+      <p:sp>
+        <p:nvSpPr>
+          <p:cNvPr id="18" name="직사각형 17">
+            <a:extLst>
+              <a:ext uri="{FF2B5EF4-FFF2-40B4-BE49-F238E27FC236}">
+                <a16:creationId xmlns:a16="http://schemas.microsoft.com/office/drawing/2014/main" id="{E405EAA7-612E-4C3E-AA9B-A0783CD7D627}"/>
+              </a:ext>
+            </a:extLst>
+          </p:cNvPr>
+          <p:cNvSpPr/>
+          <p:nvPr/>
+        </p:nvSpPr>
+        <p:spPr>
+          <a:xfrm>
+            <a:off x="650632" y="4762469"/>
+            <a:ext cx="380998" cy="157483"/>
+          </a:xfrm>
+          <a:prstGeom prst="rect">
+            <a:avLst/>
+          </a:prstGeom>
+          <a:noFill/>
+          <a:ln w="25400">
+            <a:solidFill>
+              <a:srgbClr val="C00000"/>
+            </a:solidFill>
+          </a:ln>
+        </p:spPr>
+        <p:style>
+          <a:lnRef idx="2">
+            <a:schemeClr val="accent1">
+              <a:shade val="50000"/>
+            </a:schemeClr>
+          </a:lnRef>
+          <a:fillRef idx="1">
+            <a:schemeClr val="accent1"/>
+          </a:fillRef>
+          <a:effectRef idx="0">
+            <a:schemeClr val="accent1"/>
+          </a:effectRef>
+          <a:fontRef idx="minor">
+            <a:schemeClr val="lt1"/>
+          </a:fontRef>
+        </p:style>
+        <p:txBody>
+          <a:bodyPr rtlCol="0" anchor="ctr"/>
+          <a:lstStyle/>
+          <a:p>
+            <a:pPr algn="ctr"/>
+            <a:endParaRPr lang="ko-KR" altLang="en-US"/>
+          </a:p>
+        </p:txBody>
+      </p:sp>
+      <p:sp>
+        <p:nvSpPr>
+          <p:cNvPr id="19" name="직사각형 18">
+            <a:extLst>
+              <a:ext uri="{FF2B5EF4-FFF2-40B4-BE49-F238E27FC236}">
+                <a16:creationId xmlns:a16="http://schemas.microsoft.com/office/drawing/2014/main" id="{E80D799F-82A7-465E-8DDE-68C7CF03DE6E}"/>
+              </a:ext>
+            </a:extLst>
+          </p:cNvPr>
+          <p:cNvSpPr/>
+          <p:nvPr/>
+        </p:nvSpPr>
+        <p:spPr>
+          <a:xfrm>
+            <a:off x="10208409" y="4643631"/>
+            <a:ext cx="380998" cy="157483"/>
+          </a:xfrm>
+          <a:prstGeom prst="rect">
+            <a:avLst/>
+          </a:prstGeom>
+          <a:noFill/>
+          <a:ln w="25400">
+            <a:solidFill>
+              <a:srgbClr val="C00000"/>
+            </a:solidFill>
+          </a:ln>
+        </p:spPr>
+        <p:style>
+          <a:lnRef idx="2">
+            <a:schemeClr val="accent1">
+              <a:shade val="50000"/>
+            </a:schemeClr>
+          </a:lnRef>
+          <a:fillRef idx="1">
+            <a:schemeClr val="accent1"/>
+          </a:fillRef>
+          <a:effectRef idx="0">
+            <a:schemeClr val="accent1"/>
+          </a:effectRef>
+          <a:fontRef idx="minor">
+            <a:schemeClr val="lt1"/>
+          </a:fontRef>
+        </p:style>
+        <p:txBody>
+          <a:bodyPr rtlCol="0" anchor="ctr"/>
+          <a:lstStyle/>
+          <a:p>
+            <a:pPr algn="ctr"/>
+            <a:endParaRPr lang="ko-KR" altLang="en-US"/>
+          </a:p>
+        </p:txBody>
+      </p:sp>
+      <p:sp>
+        <p:nvSpPr>
+          <p:cNvPr id="20" name="TextBox 19">
+            <a:extLst>
+              <a:ext uri="{FF2B5EF4-FFF2-40B4-BE49-F238E27FC236}">
+                <a16:creationId xmlns:a16="http://schemas.microsoft.com/office/drawing/2014/main" id="{FF709818-69E4-4CC3-A31A-30F398627CC1}"/>
+              </a:ext>
+            </a:extLst>
+          </p:cNvPr>
+          <p:cNvSpPr txBox="1"/>
+          <p:nvPr/>
+        </p:nvSpPr>
+        <p:spPr>
+          <a:xfrm>
+            <a:off x="4091355" y="1366897"/>
+            <a:ext cx="3652530" cy="4124206"/>
+          </a:xfrm>
+          <a:prstGeom prst="rect">
+            <a:avLst/>
+          </a:prstGeom>
+          <a:noFill/>
+        </p:spPr>
+        <p:txBody>
+          <a:bodyPr wrap="square" rtlCol="0">
+            <a:spAutoFit/>
+          </a:bodyPr>
+          <a:lstStyle/>
+          <a:p>
+            <a:r>
+              <a:rPr lang="ko-KR" altLang="en-US" sz="1200" dirty="0">
+                <a:latin typeface="KoPub돋움체 Bold" panose="02020603020101020101" pitchFamily="18" charset="-127"/>
+                <a:ea typeface="KoPub돋움체 Bold" panose="02020603020101020101" pitchFamily="18" charset="-127"/>
+              </a:rPr>
+              <a:t>집중형과 분산형을 합친 것을 </a:t>
+            </a:r>
+            <a:r>
+              <a:rPr lang="ko-KR" altLang="en-US" sz="1200" dirty="0">
+                <a:solidFill>
+                  <a:srgbClr val="00B0F0"/>
+                </a:solidFill>
+                <a:latin typeface="KoPub돋움체 Bold" panose="02020603020101020101" pitchFamily="18" charset="-127"/>
+                <a:ea typeface="KoPub돋움체 Bold" panose="02020603020101020101" pitchFamily="18" charset="-127"/>
+              </a:rPr>
+              <a:t>절충형</a:t>
+            </a:r>
+            <a:r>
+              <a:rPr lang="ko-KR" altLang="en-US" sz="1200" dirty="0">
+                <a:latin typeface="KoPub돋움체 Bold" panose="02020603020101020101" pitchFamily="18" charset="-127"/>
+                <a:ea typeface="KoPub돋움체 Bold" panose="02020603020101020101" pitchFamily="18" charset="-127"/>
+              </a:rPr>
+              <a:t>이라고 하는데 두개로 이야기할 땐 분산형의 일종으로 본다</a:t>
             </a:r>
             <a:r>
               <a:rPr lang="en-US" altLang="ko-KR" sz="1200" dirty="0">
@@ -6269,7 +13781,24 @@
                 <a:latin typeface="KoPub돋움체 Bold" panose="02020603020101020101" pitchFamily="18" charset="-127"/>
                 <a:ea typeface="KoPub돋움체 Bold" panose="02020603020101020101" pitchFamily="18" charset="-127"/>
               </a:rPr>
-              <a:t>우리나라는 분산형 통계제도이다</a:t>
+              <a:t>우리나라는 </a:t>
+            </a:r>
+            <a:r>
+              <a:rPr lang="ko-KR" altLang="en-US" sz="1200" dirty="0">
+                <a:solidFill>
+                  <a:srgbClr val="00B0F0"/>
+                </a:solidFill>
+                <a:latin typeface="KoPub돋움체 Bold" panose="02020603020101020101" pitchFamily="18" charset="-127"/>
+                <a:ea typeface="KoPub돋움체 Bold" panose="02020603020101020101" pitchFamily="18" charset="-127"/>
+              </a:rPr>
+              <a:t>분산형 통계제도</a:t>
+            </a:r>
+            <a:r>
+              <a:rPr lang="ko-KR" altLang="en-US" sz="1200" dirty="0">
+                <a:latin typeface="KoPub돋움체 Bold" panose="02020603020101020101" pitchFamily="18" charset="-127"/>
+                <a:ea typeface="KoPub돋움체 Bold" panose="02020603020101020101" pitchFamily="18" charset="-127"/>
+              </a:rPr>
+              <a:t>이다</a:t>
             </a:r>
             <a:r>
               <a:rPr lang="en-US" altLang="ko-KR" sz="1200" dirty="0">
@@ -6288,10 +13817,37 @@
           <a:p>
             <a:r>
               <a:rPr lang="ko-KR" altLang="en-US" sz="1200" dirty="0">
-                <a:latin typeface="KoPub돋움체 Bold" panose="02020603020101020101" pitchFamily="18" charset="-127"/>
-                <a:ea typeface="KoPub돋움체 Bold" panose="02020603020101020101" pitchFamily="18" charset="-127"/>
-              </a:rPr>
-              <a:t>집중형 통계제도는 통계수요에 신속하지 못하고 분산형 통계제도가 통계수요에 신속하게 대응할 수 있다</a:t>
+                <a:solidFill>
+                  <a:srgbClr val="00B0F0"/>
+                </a:solidFill>
+                <a:latin typeface="KoPub돋움체 Bold" panose="02020603020101020101" pitchFamily="18" charset="-127"/>
+                <a:ea typeface="KoPub돋움체 Bold" panose="02020603020101020101" pitchFamily="18" charset="-127"/>
+              </a:rPr>
+              <a:t>집중형 통계제도</a:t>
+            </a:r>
+            <a:r>
+              <a:rPr lang="ko-KR" altLang="en-US" sz="1200" dirty="0">
+                <a:latin typeface="KoPub돋움체 Bold" panose="02020603020101020101" pitchFamily="18" charset="-127"/>
+                <a:ea typeface="KoPub돋움체 Bold" panose="02020603020101020101" pitchFamily="18" charset="-127"/>
+              </a:rPr>
+              <a:t>는 통계수요에 신속하지 못하고 </a:t>
+            </a:r>
+            <a:r>
+              <a:rPr lang="ko-KR" altLang="en-US" sz="1200" dirty="0">
+                <a:solidFill>
+                  <a:srgbClr val="00B0F0"/>
+                </a:solidFill>
+                <a:latin typeface="KoPub돋움체 Bold" panose="02020603020101020101" pitchFamily="18" charset="-127"/>
+                <a:ea typeface="KoPub돋움체 Bold" panose="02020603020101020101" pitchFamily="18" charset="-127"/>
+              </a:rPr>
+              <a:t>분산형 통계제도</a:t>
+            </a:r>
+            <a:r>
+              <a:rPr lang="ko-KR" altLang="en-US" sz="1200" dirty="0">
+                <a:latin typeface="KoPub돋움체 Bold" panose="02020603020101020101" pitchFamily="18" charset="-127"/>
+                <a:ea typeface="KoPub돋움체 Bold" panose="02020603020101020101" pitchFamily="18" charset="-127"/>
+              </a:rPr>
+              <a:t>가 통계수요에 신속하게 대응할 수 있다</a:t>
             </a:r>
             <a:r>
               <a:rPr lang="en-US" altLang="ko-KR" sz="1200" dirty="0">
@@ -6310,10 +13866,20 @@
           <a:p>
             <a:r>
               <a:rPr lang="ko-KR" altLang="en-US" sz="1200" dirty="0">
-                <a:latin typeface="KoPub돋움체 Bold" panose="02020603020101020101" pitchFamily="18" charset="-127"/>
-                <a:ea typeface="KoPub돋움체 Bold" panose="02020603020101020101" pitchFamily="18" charset="-127"/>
-              </a:rPr>
-              <a:t>집중형 통계제도는 단일 통계기관의 자료를 집중적으로 축적하여 이용자에게 자료를 체계적으로 공급할 수 있다</a:t>
+                <a:solidFill>
+                  <a:srgbClr val="00B0F0"/>
+                </a:solidFill>
+                <a:latin typeface="KoPub돋움체 Bold" panose="02020603020101020101" pitchFamily="18" charset="-127"/>
+                <a:ea typeface="KoPub돋움체 Bold" panose="02020603020101020101" pitchFamily="18" charset="-127"/>
+              </a:rPr>
+              <a:t>집중형 통계제도</a:t>
+            </a:r>
+            <a:r>
+              <a:rPr lang="ko-KR" altLang="en-US" sz="1200" dirty="0">
+                <a:latin typeface="KoPub돋움체 Bold" panose="02020603020101020101" pitchFamily="18" charset="-127"/>
+                <a:ea typeface="KoPub돋움체 Bold" panose="02020603020101020101" pitchFamily="18" charset="-127"/>
+              </a:rPr>
+              <a:t>는 단일 통계기관의 자료를 집중적으로 축적하여 이용자에게 자료를 체계적으로 공급할 수 있다</a:t>
             </a:r>
             <a:r>
               <a:rPr lang="en-US" altLang="ko-KR" sz="1200" dirty="0">
@@ -6332,24 +13898,20 @@
           <a:p>
             <a:r>
               <a:rPr lang="ko-KR" altLang="en-US" sz="1200" dirty="0">
-                <a:latin typeface="KoPub돋움체 Bold" panose="02020603020101020101" pitchFamily="18" charset="-127"/>
-                <a:ea typeface="KoPub돋움체 Bold" panose="02020603020101020101" pitchFamily="18" charset="-127"/>
-              </a:rPr>
-              <a:t>집중형 통계제도는 특정 부처의 영향으로부터 자유롭고 정치적으로 </a:t>
-            </a:r>
-            <a:r>
-              <a:rPr lang="ko-KR" altLang="en-US" sz="1200" dirty="0" err="1">
-                <a:latin typeface="KoPub돋움체 Bold" panose="02020603020101020101" pitchFamily="18" charset="-127"/>
-                <a:ea typeface="KoPub돋움체 Bold" panose="02020603020101020101" pitchFamily="18" charset="-127"/>
-              </a:rPr>
-              <a:t>중립되어</a:t>
-            </a:r>
-            <a:r>
-              <a:rPr lang="ko-KR" altLang="en-US" sz="1200" dirty="0">
-                <a:latin typeface="KoPub돋움체 Bold" panose="02020603020101020101" pitchFamily="18" charset="-127"/>
-                <a:ea typeface="KoPub돋움체 Bold" panose="02020603020101020101" pitchFamily="18" charset="-127"/>
-              </a:rPr>
-              <a:t> 통계의 객관성을 확보할 수 있다</a:t>
+                <a:solidFill>
+                  <a:srgbClr val="00B0F0"/>
+                </a:solidFill>
+                <a:latin typeface="KoPub돋움체 Bold" panose="02020603020101020101" pitchFamily="18" charset="-127"/>
+                <a:ea typeface="KoPub돋움체 Bold" panose="02020603020101020101" pitchFamily="18" charset="-127"/>
+              </a:rPr>
+              <a:t>집중형 통계제도</a:t>
+            </a:r>
+            <a:r>
+              <a:rPr lang="ko-KR" altLang="en-US" sz="1200" dirty="0">
+                <a:latin typeface="KoPub돋움체 Bold" panose="02020603020101020101" pitchFamily="18" charset="-127"/>
+                <a:ea typeface="KoPub돋움체 Bold" panose="02020603020101020101" pitchFamily="18" charset="-127"/>
+              </a:rPr>
+              <a:t>는 특정 부처의 영향으로부터 자유롭고 정치적으로 중립이 되어 통계의 객관성을 확보할 수 있다</a:t>
             </a:r>
             <a:r>
               <a:rPr lang="en-US" altLang="ko-KR" sz="1200" dirty="0">
@@ -6363,7 +13925,24 @@
                 <a:latin typeface="KoPub돋움체 Bold" panose="02020603020101020101" pitchFamily="18" charset="-127"/>
                 <a:ea typeface="KoPub돋움체 Bold" panose="02020603020101020101" pitchFamily="18" charset="-127"/>
               </a:rPr>
-              <a:t>반면 분산형 통계제도는 여러 기관에서 따로 작성하여 객관성 확보가 힘들다</a:t>
+              <a:t>반면 </a:t>
+            </a:r>
+            <a:r>
+              <a:rPr lang="ko-KR" altLang="en-US" sz="1200" dirty="0">
+                <a:solidFill>
+                  <a:srgbClr val="00B0F0"/>
+                </a:solidFill>
+                <a:latin typeface="KoPub돋움체 Bold" panose="02020603020101020101" pitchFamily="18" charset="-127"/>
+                <a:ea typeface="KoPub돋움체 Bold" panose="02020603020101020101" pitchFamily="18" charset="-127"/>
+              </a:rPr>
+              <a:t>분산형 통계제도</a:t>
+            </a:r>
+            <a:r>
+              <a:rPr lang="ko-KR" altLang="en-US" sz="1200" dirty="0">
+                <a:latin typeface="KoPub돋움체 Bold" panose="02020603020101020101" pitchFamily="18" charset="-127"/>
+                <a:ea typeface="KoPub돋움체 Bold" panose="02020603020101020101" pitchFamily="18" charset="-127"/>
+              </a:rPr>
+              <a:t>는 여러 기관에서 따로 작성하여 객관성 확보가 힘들다</a:t>
             </a:r>
             <a:r>
               <a:rPr lang="en-US" altLang="ko-KR" sz="1200" dirty="0">
@@ -6382,10 +13961,37 @@
           <a:p>
             <a:r>
               <a:rPr lang="ko-KR" altLang="en-US" sz="1200" dirty="0">
-                <a:latin typeface="KoPub돋움체 Bold" panose="02020603020101020101" pitchFamily="18" charset="-127"/>
-                <a:ea typeface="KoPub돋움체 Bold" panose="02020603020101020101" pitchFamily="18" charset="-127"/>
-              </a:rPr>
-              <a:t>집중형 통계제도는 통계전문가가 데이터를 수집하는데 분산형 통계제도는 이가 보장되지 않아 집중적으로 활용하기 어렵다</a:t>
+                <a:solidFill>
+                  <a:srgbClr val="00B0F0"/>
+                </a:solidFill>
+                <a:latin typeface="KoPub돋움체 Bold" panose="02020603020101020101" pitchFamily="18" charset="-127"/>
+                <a:ea typeface="KoPub돋움체 Bold" panose="02020603020101020101" pitchFamily="18" charset="-127"/>
+              </a:rPr>
+              <a:t>집중형 통계제도는 </a:t>
+            </a:r>
+            <a:r>
+              <a:rPr lang="ko-KR" altLang="en-US" sz="1200" dirty="0">
+                <a:latin typeface="KoPub돋움체 Bold" panose="02020603020101020101" pitchFamily="18" charset="-127"/>
+                <a:ea typeface="KoPub돋움체 Bold" panose="02020603020101020101" pitchFamily="18" charset="-127"/>
+              </a:rPr>
+              <a:t>통계전문가가 데이터를 수집하는데 </a:t>
+            </a:r>
+            <a:r>
+              <a:rPr lang="ko-KR" altLang="en-US" sz="1200" dirty="0">
+                <a:solidFill>
+                  <a:srgbClr val="00B0F0"/>
+                </a:solidFill>
+                <a:latin typeface="KoPub돋움체 Bold" panose="02020603020101020101" pitchFamily="18" charset="-127"/>
+                <a:ea typeface="KoPub돋움체 Bold" panose="02020603020101020101" pitchFamily="18" charset="-127"/>
+              </a:rPr>
+              <a:t>분산형 통계제도</a:t>
+            </a:r>
+            <a:r>
+              <a:rPr lang="ko-KR" altLang="en-US" sz="1200" dirty="0">
+                <a:latin typeface="KoPub돋움체 Bold" panose="02020603020101020101" pitchFamily="18" charset="-127"/>
+                <a:ea typeface="KoPub돋움체 Bold" panose="02020603020101020101" pitchFamily="18" charset="-127"/>
+              </a:rPr>
+              <a:t>는 이가 보장되지 않아 집중적으로 활용하기 어렵다</a:t>
             </a:r>
             <a:r>
               <a:rPr lang="en-US" altLang="ko-KR" sz="1200" dirty="0">
@@ -6417,7 +14023,7 @@
         </p:nvCxnSpPr>
         <p:spPr>
           <a:xfrm flipV="1">
-            <a:off x="3329354" y="586154"/>
+            <a:off x="3481754" y="1602321"/>
             <a:ext cx="744415" cy="105508"/>
           </a:xfrm>
           <a:prstGeom prst="straightConnector1">
@@ -6461,7 +14067,7 @@
         </p:nvCxnSpPr>
         <p:spPr>
           <a:xfrm flipV="1">
-            <a:off x="3264877" y="1049215"/>
+            <a:off x="3417277" y="2065382"/>
             <a:ext cx="744415" cy="293077"/>
           </a:xfrm>
           <a:prstGeom prst="straightConnector1">
@@ -6505,7 +14111,7 @@
         </p:nvCxnSpPr>
         <p:spPr>
           <a:xfrm>
-            <a:off x="3301347" y="1557984"/>
+            <a:off x="3453747" y="2574151"/>
             <a:ext cx="707945" cy="0"/>
           </a:xfrm>
           <a:prstGeom prst="straightConnector1">
@@ -6549,7 +14155,7 @@
         </p:nvCxnSpPr>
         <p:spPr>
           <a:xfrm flipV="1">
-            <a:off x="3481754" y="738554"/>
+            <a:off x="3634154" y="1754721"/>
             <a:ext cx="744415" cy="105508"/>
           </a:xfrm>
           <a:prstGeom prst="straightConnector1">
@@ -6593,7 +14199,7 @@
         </p:nvCxnSpPr>
         <p:spPr>
           <a:xfrm flipV="1">
-            <a:off x="3607006" y="2145323"/>
+            <a:off x="3759406" y="3161490"/>
             <a:ext cx="398498" cy="721417"/>
           </a:xfrm>
           <a:prstGeom prst="straightConnector1">
@@ -6637,7 +14243,7 @@
         </p:nvCxnSpPr>
         <p:spPr>
           <a:xfrm flipH="1">
-            <a:off x="7491046" y="862238"/>
+            <a:off x="7643446" y="1878405"/>
             <a:ext cx="1113693" cy="1177577"/>
           </a:xfrm>
           <a:prstGeom prst="straightConnector1">
@@ -6681,7 +14287,7 @@
         </p:nvCxnSpPr>
         <p:spPr>
           <a:xfrm flipH="1" flipV="1">
-            <a:off x="7414846" y="2145323"/>
+            <a:off x="7567246" y="3161490"/>
             <a:ext cx="1372523" cy="861647"/>
           </a:xfrm>
           <a:prstGeom prst="straightConnector1">
@@ -6725,7 +14331,7 @@
         </p:nvCxnSpPr>
         <p:spPr>
           <a:xfrm flipV="1">
-            <a:off x="3539052" y="2145323"/>
+            <a:off x="3691452" y="3161490"/>
             <a:ext cx="466452" cy="1010493"/>
           </a:xfrm>
           <a:prstGeom prst="straightConnector1">
@@ -6769,7 +14375,7 @@
         </p:nvCxnSpPr>
         <p:spPr>
           <a:xfrm flipH="1">
-            <a:off x="7491046" y="1045232"/>
+            <a:off x="7643446" y="2061399"/>
             <a:ext cx="1144569" cy="1036676"/>
           </a:xfrm>
           <a:prstGeom prst="straightConnector1">
@@ -6813,7 +14419,7 @@
         </p:nvCxnSpPr>
         <p:spPr>
           <a:xfrm flipV="1">
-            <a:off x="3607006" y="2145323"/>
+            <a:off x="3759406" y="3161490"/>
             <a:ext cx="415800" cy="1181439"/>
           </a:xfrm>
           <a:prstGeom prst="straightConnector1">
@@ -6857,7 +14463,7 @@
         </p:nvCxnSpPr>
         <p:spPr>
           <a:xfrm flipH="1">
-            <a:off x="7460171" y="1167064"/>
+            <a:off x="7612571" y="2183231"/>
             <a:ext cx="1175444" cy="1491904"/>
           </a:xfrm>
           <a:prstGeom prst="straightConnector1">
@@ -6901,7 +14507,7 @@
         </p:nvCxnSpPr>
         <p:spPr>
           <a:xfrm flipH="1">
-            <a:off x="7544022" y="3201040"/>
+            <a:off x="7696422" y="4217207"/>
             <a:ext cx="1206163" cy="46029"/>
           </a:xfrm>
           <a:prstGeom prst="straightConnector1">
@@ -6945,7 +14551,7 @@
         </p:nvCxnSpPr>
         <p:spPr>
           <a:xfrm flipH="1">
-            <a:off x="7544022" y="3429000"/>
+            <a:off x="7696422" y="4445167"/>
             <a:ext cx="1206163" cy="616581"/>
           </a:xfrm>
           <a:prstGeom prst="straightConnector1">
@@ -6987,7 +14593,7 @@
         </p:nvSpPr>
         <p:spPr>
           <a:xfrm>
-            <a:off x="452590" y="1202250"/>
+            <a:off x="604990" y="2218417"/>
             <a:ext cx="260371" cy="260371"/>
           </a:xfrm>
           <a:prstGeom prst="ellipse">
@@ -7039,7 +14645,7 @@
         </p:nvSpPr>
         <p:spPr>
           <a:xfrm>
-            <a:off x="8731229" y="2801815"/>
+            <a:off x="8883629" y="3817982"/>
             <a:ext cx="260371" cy="260371"/>
           </a:xfrm>
           <a:prstGeom prst="ellipse">
@@ -7091,7 +14697,7 @@
         </p:nvSpPr>
         <p:spPr>
           <a:xfrm>
-            <a:off x="465283" y="2986698"/>
+            <a:off x="617683" y="4002865"/>
             <a:ext cx="260371" cy="260371"/>
           </a:xfrm>
           <a:prstGeom prst="ellipse">
@@ -7143,7 +14749,7 @@
         </p:nvSpPr>
         <p:spPr>
           <a:xfrm>
-            <a:off x="465282" y="3168629"/>
+            <a:off x="617682" y="4184796"/>
             <a:ext cx="260371" cy="260371"/>
           </a:xfrm>
           <a:prstGeom prst="ellipse">
@@ -7195,7 +14801,7 @@
         </p:nvSpPr>
         <p:spPr>
           <a:xfrm>
-            <a:off x="437152" y="1453661"/>
+            <a:off x="589552" y="2469828"/>
             <a:ext cx="260371" cy="260371"/>
           </a:xfrm>
           <a:prstGeom prst="ellipse">
@@ -7237,6 +14843,330 @@
     <p:extLst>
       <p:ext uri="{BB962C8B-B14F-4D97-AF65-F5344CB8AC3E}">
         <p14:creationId xmlns:p14="http://schemas.microsoft.com/office/powerpoint/2010/main" val="4161276240"/>
+      </p:ext>
+    </p:extLst>
+  </p:cSld>
+  <p:clrMapOvr>
+    <a:masterClrMapping/>
+  </p:clrMapOvr>
+</p:sld>
+</file>
+
+<file path=ppt/slides/slide9.xml><?xml version="1.0" encoding="utf-8"?>
+<p:sld xmlns:a="http://schemas.openxmlformats.org/drawingml/2006/main" xmlns:r="http://schemas.openxmlformats.org/officeDocument/2006/relationships" xmlns:p="http://schemas.openxmlformats.org/presentationml/2006/main">
+  <p:cSld>
+    <p:spTree>
+      <p:nvGrpSpPr>
+        <p:cNvPr id="1" name=""/>
+        <p:cNvGrpSpPr/>
+        <p:nvPr/>
+      </p:nvGrpSpPr>
+      <p:grpSpPr>
+        <a:xfrm>
+          <a:off x="0" y="0"/>
+          <a:ext cx="0" cy="0"/>
+          <a:chOff x="0" y="0"/>
+          <a:chExt cx="0" cy="0"/>
+        </a:xfrm>
+      </p:grpSpPr>
+      <p:pic>
+        <p:nvPicPr>
+          <p:cNvPr id="5" name="그림 4">
+            <a:extLst>
+              <a:ext uri="{FF2B5EF4-FFF2-40B4-BE49-F238E27FC236}">
+                <a16:creationId xmlns:a16="http://schemas.microsoft.com/office/drawing/2014/main" id="{1C6CC285-15AF-4B28-A334-B8A3E2FCABC1}"/>
+              </a:ext>
+            </a:extLst>
+          </p:cNvPr>
+          <p:cNvPicPr>
+            <a:picLocks noChangeAspect="1"/>
+          </p:cNvPicPr>
+          <p:nvPr/>
+        </p:nvPicPr>
+        <p:blipFill>
+          <a:blip r:embed="rId2">
+            <a:extLst>
+              <a:ext uri="{28A0092B-C50C-407E-A947-70E740481C1C}">
+                <a14:useLocalDpi xmlns:a14="http://schemas.microsoft.com/office/drawing/2010/main" val="0"/>
+              </a:ext>
+            </a:extLst>
+          </a:blip>
+          <a:stretch>
+            <a:fillRect/>
+          </a:stretch>
+        </p:blipFill>
+        <p:spPr>
+          <a:xfrm>
+            <a:off x="879231" y="2192371"/>
+            <a:ext cx="4273845" cy="1236629"/>
+          </a:xfrm>
+          <a:prstGeom prst="rect">
+            <a:avLst/>
+          </a:prstGeom>
+        </p:spPr>
+      </p:pic>
+      <p:sp>
+        <p:nvSpPr>
+          <p:cNvPr id="6" name="TextBox 5">
+            <a:extLst>
+              <a:ext uri="{FF2B5EF4-FFF2-40B4-BE49-F238E27FC236}">
+                <a16:creationId xmlns:a16="http://schemas.microsoft.com/office/drawing/2014/main" id="{FC192D7C-E3AE-4B52-977C-6A79ED9CEAEB}"/>
+              </a:ext>
+            </a:extLst>
+          </p:cNvPr>
+          <p:cNvSpPr txBox="1"/>
+          <p:nvPr/>
+        </p:nvSpPr>
+        <p:spPr>
+          <a:xfrm>
+            <a:off x="879231" y="1915372"/>
+            <a:ext cx="2097031" cy="276999"/>
+          </a:xfrm>
+          <a:prstGeom prst="rect">
+            <a:avLst/>
+          </a:prstGeom>
+          <a:noFill/>
+        </p:spPr>
+        <p:txBody>
+          <a:bodyPr wrap="square" rtlCol="0">
+            <a:spAutoFit/>
+          </a:bodyPr>
+          <a:lstStyle/>
+          <a:p>
+            <a:r>
+              <a:rPr lang="en-US" altLang="ko-KR" sz="1200" dirty="0">
+                <a:latin typeface="KoPub돋움체 Bold" panose="02020603020101020101" pitchFamily="18" charset="-127"/>
+                <a:ea typeface="KoPub돋움체 Bold" panose="02020603020101020101" pitchFamily="18" charset="-127"/>
+              </a:rPr>
+              <a:t>2019</a:t>
+            </a:r>
+            <a:r>
+              <a:rPr lang="ko-KR" altLang="en-US" sz="1200" dirty="0">
+                <a:latin typeface="KoPub돋움체 Bold" panose="02020603020101020101" pitchFamily="18" charset="-127"/>
+                <a:ea typeface="KoPub돋움체 Bold" panose="02020603020101020101" pitchFamily="18" charset="-127"/>
+              </a:rPr>
+              <a:t>년도 </a:t>
+            </a:r>
+            <a:r>
+              <a:rPr lang="en-US" altLang="ko-KR" sz="1200" dirty="0">
+                <a:latin typeface="KoPub돋움체 Bold" panose="02020603020101020101" pitchFamily="18" charset="-127"/>
+                <a:ea typeface="KoPub돋움체 Bold" panose="02020603020101020101" pitchFamily="18" charset="-127"/>
+              </a:rPr>
+              <a:t>1</a:t>
+            </a:r>
+            <a:r>
+              <a:rPr lang="ko-KR" altLang="en-US" sz="1200" dirty="0">
+                <a:latin typeface="KoPub돋움체 Bold" panose="02020603020101020101" pitchFamily="18" charset="-127"/>
+                <a:ea typeface="KoPub돋움체 Bold" panose="02020603020101020101" pitchFamily="18" charset="-127"/>
+              </a:rPr>
+              <a:t>학기</a:t>
+            </a:r>
+          </a:p>
+        </p:txBody>
+      </p:sp>
+      <p:pic>
+        <p:nvPicPr>
+          <p:cNvPr id="8" name="그림 7">
+            <a:extLst>
+              <a:ext uri="{FF2B5EF4-FFF2-40B4-BE49-F238E27FC236}">
+                <a16:creationId xmlns:a16="http://schemas.microsoft.com/office/drawing/2014/main" id="{FE0E6E99-333D-4B0C-84BC-8FEE7BD622BB}"/>
+              </a:ext>
+            </a:extLst>
+          </p:cNvPr>
+          <p:cNvPicPr>
+            <a:picLocks noChangeAspect="1"/>
+          </p:cNvPicPr>
+          <p:nvPr/>
+        </p:nvPicPr>
+        <p:blipFill>
+          <a:blip r:embed="rId3">
+            <a:extLst>
+              <a:ext uri="{28A0092B-C50C-407E-A947-70E740481C1C}">
+                <a14:useLocalDpi xmlns:a14="http://schemas.microsoft.com/office/drawing/2010/main" val="0"/>
+              </a:ext>
+            </a:extLst>
+          </a:blip>
+          <a:stretch>
+            <a:fillRect/>
+          </a:stretch>
+        </p:blipFill>
+        <p:spPr>
+          <a:xfrm>
+            <a:off x="5697415" y="2109975"/>
+            <a:ext cx="3591266" cy="1662882"/>
+          </a:xfrm>
+          <a:prstGeom prst="rect">
+            <a:avLst/>
+          </a:prstGeom>
+        </p:spPr>
+      </p:pic>
+      <p:sp>
+        <p:nvSpPr>
+          <p:cNvPr id="9" name="TextBox 8">
+            <a:extLst>
+              <a:ext uri="{FF2B5EF4-FFF2-40B4-BE49-F238E27FC236}">
+                <a16:creationId xmlns:a16="http://schemas.microsoft.com/office/drawing/2014/main" id="{84C0F4D2-0FC6-4199-B616-F29598EFE681}"/>
+              </a:ext>
+            </a:extLst>
+          </p:cNvPr>
+          <p:cNvSpPr txBox="1"/>
+          <p:nvPr/>
+        </p:nvSpPr>
+        <p:spPr>
+          <a:xfrm>
+            <a:off x="5697415" y="1868145"/>
+            <a:ext cx="2097031" cy="276999"/>
+          </a:xfrm>
+          <a:prstGeom prst="rect">
+            <a:avLst/>
+          </a:prstGeom>
+          <a:noFill/>
+        </p:spPr>
+        <p:txBody>
+          <a:bodyPr wrap="square" rtlCol="0">
+            <a:spAutoFit/>
+          </a:bodyPr>
+          <a:lstStyle/>
+          <a:p>
+            <a:r>
+              <a:rPr lang="en-US" altLang="ko-KR" sz="1200" dirty="0">
+                <a:latin typeface="KoPub돋움체 Bold" panose="02020603020101020101" pitchFamily="18" charset="-127"/>
+                <a:ea typeface="KoPub돋움체 Bold" panose="02020603020101020101" pitchFamily="18" charset="-127"/>
+              </a:rPr>
+              <a:t>2015</a:t>
+            </a:r>
+            <a:r>
+              <a:rPr lang="ko-KR" altLang="en-US" sz="1200" dirty="0">
+                <a:latin typeface="KoPub돋움체 Bold" panose="02020603020101020101" pitchFamily="18" charset="-127"/>
+                <a:ea typeface="KoPub돋움체 Bold" panose="02020603020101020101" pitchFamily="18" charset="-127"/>
+              </a:rPr>
+              <a:t>년도 </a:t>
+            </a:r>
+            <a:r>
+              <a:rPr lang="en-US" altLang="ko-KR" sz="1200" dirty="0">
+                <a:latin typeface="KoPub돋움체 Bold" panose="02020603020101020101" pitchFamily="18" charset="-127"/>
+                <a:ea typeface="KoPub돋움체 Bold" panose="02020603020101020101" pitchFamily="18" charset="-127"/>
+              </a:rPr>
+              <a:t>1</a:t>
+            </a:r>
+            <a:r>
+              <a:rPr lang="ko-KR" altLang="en-US" sz="1200" dirty="0">
+                <a:latin typeface="KoPub돋움체 Bold" panose="02020603020101020101" pitchFamily="18" charset="-127"/>
+                <a:ea typeface="KoPub돋움체 Bold" panose="02020603020101020101" pitchFamily="18" charset="-127"/>
+              </a:rPr>
+              <a:t>학기</a:t>
+            </a:r>
+          </a:p>
+        </p:txBody>
+      </p:sp>
+      <p:sp>
+        <p:nvSpPr>
+          <p:cNvPr id="10" name="직사각형 9">
+            <a:extLst>
+              <a:ext uri="{FF2B5EF4-FFF2-40B4-BE49-F238E27FC236}">
+                <a16:creationId xmlns:a16="http://schemas.microsoft.com/office/drawing/2014/main" id="{B7D254BF-8ADC-4040-91C7-57BF9774D685}"/>
+              </a:ext>
+            </a:extLst>
+          </p:cNvPr>
+          <p:cNvSpPr/>
+          <p:nvPr/>
+        </p:nvSpPr>
+        <p:spPr>
+          <a:xfrm>
+            <a:off x="1107832" y="2810577"/>
+            <a:ext cx="1254368" cy="157483"/>
+          </a:xfrm>
+          <a:prstGeom prst="rect">
+            <a:avLst/>
+          </a:prstGeom>
+          <a:noFill/>
+          <a:ln w="25400">
+            <a:solidFill>
+              <a:srgbClr val="C00000"/>
+            </a:solidFill>
+          </a:ln>
+        </p:spPr>
+        <p:style>
+          <a:lnRef idx="2">
+            <a:schemeClr val="accent1">
+              <a:shade val="50000"/>
+            </a:schemeClr>
+          </a:lnRef>
+          <a:fillRef idx="1">
+            <a:schemeClr val="accent1"/>
+          </a:fillRef>
+          <a:effectRef idx="0">
+            <a:schemeClr val="accent1"/>
+          </a:effectRef>
+          <a:fontRef idx="minor">
+            <a:schemeClr val="lt1"/>
+          </a:fontRef>
+        </p:style>
+        <p:txBody>
+          <a:bodyPr rtlCol="0" anchor="ctr"/>
+          <a:lstStyle/>
+          <a:p>
+            <a:pPr algn="ctr"/>
+            <a:endParaRPr lang="ko-KR" altLang="en-US"/>
+          </a:p>
+        </p:txBody>
+      </p:sp>
+      <p:sp>
+        <p:nvSpPr>
+          <p:cNvPr id="11" name="직사각형 10">
+            <a:extLst>
+              <a:ext uri="{FF2B5EF4-FFF2-40B4-BE49-F238E27FC236}">
+                <a16:creationId xmlns:a16="http://schemas.microsoft.com/office/drawing/2014/main" id="{377922E3-6ACF-4919-B7A2-903C8E843732}"/>
+              </a:ext>
+            </a:extLst>
+          </p:cNvPr>
+          <p:cNvSpPr/>
+          <p:nvPr/>
+        </p:nvSpPr>
+        <p:spPr>
+          <a:xfrm>
+            <a:off x="5905501" y="3045038"/>
+            <a:ext cx="3383180" cy="276999"/>
+          </a:xfrm>
+          <a:prstGeom prst="rect">
+            <a:avLst/>
+          </a:prstGeom>
+          <a:noFill/>
+          <a:ln w="25400">
+            <a:solidFill>
+              <a:srgbClr val="C00000"/>
+            </a:solidFill>
+          </a:ln>
+        </p:spPr>
+        <p:style>
+          <a:lnRef idx="2">
+            <a:schemeClr val="accent1">
+              <a:shade val="50000"/>
+            </a:schemeClr>
+          </a:lnRef>
+          <a:fillRef idx="1">
+            <a:schemeClr val="accent1"/>
+          </a:fillRef>
+          <a:effectRef idx="0">
+            <a:schemeClr val="accent1"/>
+          </a:effectRef>
+          <a:fontRef idx="minor">
+            <a:schemeClr val="lt1"/>
+          </a:fontRef>
+        </p:style>
+        <p:txBody>
+          <a:bodyPr rtlCol="0" anchor="ctr"/>
+          <a:lstStyle/>
+          <a:p>
+            <a:pPr algn="ctr"/>
+            <a:endParaRPr lang="ko-KR" altLang="en-US"/>
+          </a:p>
+        </p:txBody>
+      </p:sp>
+    </p:spTree>
+    <p:extLst>
+      <p:ext uri="{BB962C8B-B14F-4D97-AF65-F5344CB8AC3E}">
+        <p14:creationId xmlns:p14="http://schemas.microsoft.com/office/powerpoint/2010/main" val="3760170236"/>
       </p:ext>
     </p:extLst>
   </p:cSld>

--- a/previous_question/1장-국가통계제도.pptx
+++ b/previous_question/1장-국가통계제도.pptx
@@ -275,7 +275,7 @@
           <a:p>
             <a:fld id="{BEFD91D8-0AEC-4011-B9A2-28CCE99346D9}" type="datetimeFigureOut">
               <a:rPr lang="ko-KR" altLang="en-US" smtClean="0"/>
-              <a:t>2021-10-16</a:t>
+              <a:t>2021. 11. 26.</a:t>
             </a:fld>
             <a:endParaRPr lang="ko-KR" altLang="en-US"/>
           </a:p>
@@ -473,7 +473,7 @@
           <a:p>
             <a:fld id="{BEFD91D8-0AEC-4011-B9A2-28CCE99346D9}" type="datetimeFigureOut">
               <a:rPr lang="ko-KR" altLang="en-US" smtClean="0"/>
-              <a:t>2021-10-16</a:t>
+              <a:t>2021. 11. 26.</a:t>
             </a:fld>
             <a:endParaRPr lang="ko-KR" altLang="en-US"/>
           </a:p>
@@ -681,7 +681,7 @@
           <a:p>
             <a:fld id="{BEFD91D8-0AEC-4011-B9A2-28CCE99346D9}" type="datetimeFigureOut">
               <a:rPr lang="ko-KR" altLang="en-US" smtClean="0"/>
-              <a:t>2021-10-16</a:t>
+              <a:t>2021. 11. 26.</a:t>
             </a:fld>
             <a:endParaRPr lang="ko-KR" altLang="en-US"/>
           </a:p>
@@ -879,7 +879,7 @@
           <a:p>
             <a:fld id="{BEFD91D8-0AEC-4011-B9A2-28CCE99346D9}" type="datetimeFigureOut">
               <a:rPr lang="ko-KR" altLang="en-US" smtClean="0"/>
-              <a:t>2021-10-16</a:t>
+              <a:t>2021. 11. 26.</a:t>
             </a:fld>
             <a:endParaRPr lang="ko-KR" altLang="en-US"/>
           </a:p>
@@ -1154,7 +1154,7 @@
           <a:p>
             <a:fld id="{BEFD91D8-0AEC-4011-B9A2-28CCE99346D9}" type="datetimeFigureOut">
               <a:rPr lang="ko-KR" altLang="en-US" smtClean="0"/>
-              <a:t>2021-10-16</a:t>
+              <a:t>2021. 11. 26.</a:t>
             </a:fld>
             <a:endParaRPr lang="ko-KR" altLang="en-US"/>
           </a:p>
@@ -1419,7 +1419,7 @@
           <a:p>
             <a:fld id="{BEFD91D8-0AEC-4011-B9A2-28CCE99346D9}" type="datetimeFigureOut">
               <a:rPr lang="ko-KR" altLang="en-US" smtClean="0"/>
-              <a:t>2021-10-16</a:t>
+              <a:t>2021. 11. 26.</a:t>
             </a:fld>
             <a:endParaRPr lang="ko-KR" altLang="en-US"/>
           </a:p>
@@ -1831,7 +1831,7 @@
           <a:p>
             <a:fld id="{BEFD91D8-0AEC-4011-B9A2-28CCE99346D9}" type="datetimeFigureOut">
               <a:rPr lang="ko-KR" altLang="en-US" smtClean="0"/>
-              <a:t>2021-10-16</a:t>
+              <a:t>2021. 11. 26.</a:t>
             </a:fld>
             <a:endParaRPr lang="ko-KR" altLang="en-US"/>
           </a:p>
@@ -1972,7 +1972,7 @@
           <a:p>
             <a:fld id="{BEFD91D8-0AEC-4011-B9A2-28CCE99346D9}" type="datetimeFigureOut">
               <a:rPr lang="ko-KR" altLang="en-US" smtClean="0"/>
-              <a:t>2021-10-16</a:t>
+              <a:t>2021. 11. 26.</a:t>
             </a:fld>
             <a:endParaRPr lang="ko-KR" altLang="en-US"/>
           </a:p>
@@ -2085,7 +2085,7 @@
           <a:p>
             <a:fld id="{BEFD91D8-0AEC-4011-B9A2-28CCE99346D9}" type="datetimeFigureOut">
               <a:rPr lang="ko-KR" altLang="en-US" smtClean="0"/>
-              <a:t>2021-10-16</a:t>
+              <a:t>2021. 11. 26.</a:t>
             </a:fld>
             <a:endParaRPr lang="ko-KR" altLang="en-US"/>
           </a:p>
@@ -2396,7 +2396,7 @@
           <a:p>
             <a:fld id="{BEFD91D8-0AEC-4011-B9A2-28CCE99346D9}" type="datetimeFigureOut">
               <a:rPr lang="ko-KR" altLang="en-US" smtClean="0"/>
-              <a:t>2021-10-16</a:t>
+              <a:t>2021. 11. 26.</a:t>
             </a:fld>
             <a:endParaRPr lang="ko-KR" altLang="en-US"/>
           </a:p>
@@ -2684,7 +2684,7 @@
           <a:p>
             <a:fld id="{BEFD91D8-0AEC-4011-B9A2-28CCE99346D9}" type="datetimeFigureOut">
               <a:rPr lang="ko-KR" altLang="en-US" smtClean="0"/>
-              <a:t>2021-10-16</a:t>
+              <a:t>2021. 11. 26.</a:t>
             </a:fld>
             <a:endParaRPr lang="ko-KR" altLang="en-US"/>
           </a:p>
@@ -2925,7 +2925,7 @@
           <a:p>
             <a:fld id="{BEFD91D8-0AEC-4011-B9A2-28CCE99346D9}" type="datetimeFigureOut">
               <a:rPr lang="ko-KR" altLang="en-US" smtClean="0"/>
-              <a:t>2021-10-16</a:t>
+              <a:t>2021. 11. 26.</a:t>
             </a:fld>
             <a:endParaRPr lang="ko-KR" altLang="en-US"/>
           </a:p>
@@ -4123,7 +4123,7 @@
         <p:spPr>
           <a:xfrm>
             <a:off x="6609806" y="2921167"/>
-            <a:ext cx="2969624" cy="1015663"/>
+            <a:ext cx="2969624" cy="1569660"/>
           </a:xfrm>
           <a:prstGeom prst="rect">
             <a:avLst/>
@@ -4153,8 +4153,60 @@
                 <a:ea typeface="KoPubWorld돋움체 Bold" panose="00000800000000000000" pitchFamily="2" charset="-127"/>
                 <a:cs typeface="KoPubWorld돋움체 Bold" panose="00000800000000000000" pitchFamily="2" charset="-127"/>
               </a:rPr>
-              <a:t>와 </a:t>
-            </a:r>
+              <a:t>의 경우에 우리나라 통계법에서 </a:t>
+            </a:r>
+            <a:r>
+              <a:rPr lang="ko-KR" altLang="en-US" sz="1200" dirty="0" err="1">
+                <a:latin typeface="KoPubWorld돋움체 Bold" panose="00000800000000000000" pitchFamily="2" charset="-127"/>
+                <a:ea typeface="KoPubWorld돋움체 Bold" panose="00000800000000000000" pitchFamily="2" charset="-127"/>
+                <a:cs typeface="KoPubWorld돋움체 Bold" panose="00000800000000000000" pitchFamily="2" charset="-127"/>
+              </a:rPr>
+              <a:t>국가통계를</a:t>
+            </a:r>
+            <a:r>
+              <a:rPr lang="ko-KR" altLang="en-US" sz="1200" dirty="0">
+                <a:latin typeface="KoPubWorld돋움체 Bold" panose="00000800000000000000" pitchFamily="2" charset="-127"/>
+                <a:ea typeface="KoPubWorld돋움체 Bold" panose="00000800000000000000" pitchFamily="2" charset="-127"/>
+                <a:cs typeface="KoPubWorld돋움체 Bold" panose="00000800000000000000" pitchFamily="2" charset="-127"/>
+              </a:rPr>
+              <a:t> 통계라고 한다</a:t>
+            </a:r>
+            <a:r>
+              <a:rPr lang="en-US" altLang="ko-KR" sz="1200" dirty="0">
+                <a:latin typeface="KoPubWorld돋움체 Bold" panose="00000800000000000000" pitchFamily="2" charset="-127"/>
+                <a:ea typeface="KoPubWorld돋움체 Bold" panose="00000800000000000000" pitchFamily="2" charset="-127"/>
+                <a:cs typeface="KoPubWorld돋움체 Bold" panose="00000800000000000000" pitchFamily="2" charset="-127"/>
+              </a:rPr>
+              <a:t>.</a:t>
+            </a:r>
+            <a:r>
+              <a:rPr lang="ko-KR" altLang="en-US" sz="1200" dirty="0">
+                <a:latin typeface="KoPubWorld돋움체 Bold" panose="00000800000000000000" pitchFamily="2" charset="-127"/>
+                <a:ea typeface="KoPubWorld돋움체 Bold" panose="00000800000000000000" pitchFamily="2" charset="-127"/>
+                <a:cs typeface="KoPubWorld돋움체 Bold" panose="00000800000000000000" pitchFamily="2" charset="-127"/>
+              </a:rPr>
+              <a:t> 답안의 설명은 조사통계이다</a:t>
+            </a:r>
+            <a:r>
+              <a:rPr lang="en-US" altLang="ko-KR" sz="1200" dirty="0">
+                <a:latin typeface="KoPubWorld돋움체 Bold" panose="00000800000000000000" pitchFamily="2" charset="-127"/>
+                <a:ea typeface="KoPubWorld돋움체 Bold" panose="00000800000000000000" pitchFamily="2" charset="-127"/>
+                <a:cs typeface="KoPubWorld돋움체 Bold" panose="00000800000000000000" pitchFamily="2" charset="-127"/>
+              </a:rPr>
+              <a:t>.</a:t>
+            </a:r>
+          </a:p>
+          <a:p>
+            <a:endParaRPr lang="en-US" altLang="ko-KR" sz="1200" dirty="0">
+              <a:solidFill>
+                <a:srgbClr val="C00000"/>
+              </a:solidFill>
+              <a:latin typeface="KoPubWorld돋움체 Bold" panose="00000800000000000000" pitchFamily="2" charset="-127"/>
+              <a:ea typeface="KoPubWorld돋움체 Bold" panose="00000800000000000000" pitchFamily="2" charset="-127"/>
+              <a:cs typeface="KoPubWorld돋움체 Bold" panose="00000800000000000000" pitchFamily="2" charset="-127"/>
+            </a:endParaRPr>
+          </a:p>
+          <a:p>
             <a:r>
               <a:rPr lang="ko-KR" altLang="en-US" sz="1200" dirty="0">
                 <a:solidFill>
@@ -9053,7 +9105,7 @@
         <p:spPr>
           <a:xfrm>
             <a:off x="690835" y="4092797"/>
-            <a:ext cx="4430507" cy="276999"/>
+            <a:ext cx="4475805" cy="276999"/>
           </a:xfrm>
           <a:prstGeom prst="rect">
             <a:avLst/>
@@ -14113,50 +14165,6 @@
           <a:xfrm>
             <a:off x="3453747" y="2574151"/>
             <a:ext cx="707945" cy="0"/>
-          </a:xfrm>
-          <a:prstGeom prst="straightConnector1">
-            <a:avLst/>
-          </a:prstGeom>
-          <a:ln w="25400">
-            <a:solidFill>
-              <a:srgbClr val="C00000"/>
-            </a:solidFill>
-            <a:tailEnd type="triangle"/>
-          </a:ln>
-        </p:spPr>
-        <p:style>
-          <a:lnRef idx="1">
-            <a:schemeClr val="accent1"/>
-          </a:lnRef>
-          <a:fillRef idx="0">
-            <a:schemeClr val="accent1"/>
-          </a:fillRef>
-          <a:effectRef idx="0">
-            <a:schemeClr val="accent1"/>
-          </a:effectRef>
-          <a:fontRef idx="minor">
-            <a:schemeClr val="tx1"/>
-          </a:fontRef>
-        </p:style>
-      </p:cxnSp>
-      <p:cxnSp>
-        <p:nvCxnSpPr>
-          <p:cNvPr id="29" name="직선 화살표 연결선 28">
-            <a:extLst>
-              <a:ext uri="{FF2B5EF4-FFF2-40B4-BE49-F238E27FC236}">
-                <a16:creationId xmlns:a16="http://schemas.microsoft.com/office/drawing/2014/main" id="{82BB01A6-F982-48C2-B2D8-13FE18AD65C5}"/>
-              </a:ext>
-            </a:extLst>
-          </p:cNvPr>
-          <p:cNvCxnSpPr>
-            <a:cxnSpLocks/>
-          </p:cNvCxnSpPr>
-          <p:nvPr/>
-        </p:nvCxnSpPr>
-        <p:spPr>
-          <a:xfrm flipV="1">
-            <a:off x="3634154" y="1754721"/>
-            <a:ext cx="744415" cy="105508"/>
           </a:xfrm>
           <a:prstGeom prst="straightConnector1">
             <a:avLst/>
